--- a/slides.pptx
+++ b/slides.pptx
@@ -42,9 +42,10 @@
     <p:sldId id="294" r:id="rId36"/>
     <p:sldId id="295" r:id="rId37"/>
     <p:sldId id="296" r:id="rId38"/>
-    <p:sldId id="297" r:id="rId39"/>
-    <p:sldId id="262" r:id="rId40"/>
-    <p:sldId id="261" r:id="rId41"/>
+    <p:sldId id="298" r:id="rId39"/>
+    <p:sldId id="297" r:id="rId40"/>
+    <p:sldId id="262" r:id="rId41"/>
+    <p:sldId id="261" r:id="rId42"/>
   </p:sldIdLst>
   <p:sldSz cx="9144000" cy="6858000" type="screen4x3"/>
   <p:notesSz cx="6858000" cy="9144000"/>
@@ -3257,6 +3258,13 @@
   <p:clrMapOvr>
     <a:masterClrMapping/>
   </p:clrMapOvr>
+  <p:timing>
+    <p:tnLst>
+      <p:par>
+        <p:cTn xmlns:p14="http://schemas.microsoft.com/office/powerpoint/2010/main" id="1" dur="indefinite" restart="never" nodeType="tmRoot"/>
+      </p:par>
+    </p:tnLst>
+  </p:timing>
 </p:sld>
 </file>
 
@@ -3727,6 +3735,13 @@
   <p:clrMapOvr>
     <a:masterClrMapping/>
   </p:clrMapOvr>
+  <p:timing>
+    <p:tnLst>
+      <p:par>
+        <p:cTn xmlns:p14="http://schemas.microsoft.com/office/powerpoint/2010/main" id="1" dur="indefinite" restart="never" nodeType="tmRoot"/>
+      </p:par>
+    </p:tnLst>
+  </p:timing>
 </p:sld>
 </file>
 
@@ -4203,6 +4218,13 @@
   <p:clrMapOvr>
     <a:masterClrMapping/>
   </p:clrMapOvr>
+  <p:timing>
+    <p:tnLst>
+      <p:par>
+        <p:cTn xmlns:p14="http://schemas.microsoft.com/office/powerpoint/2010/main" id="1" dur="indefinite" restart="never" nodeType="tmRoot"/>
+      </p:par>
+    </p:tnLst>
+  </p:timing>
 </p:sld>
 </file>
 
@@ -4674,6 +4696,13 @@
   <p:clrMapOvr>
     <a:masterClrMapping/>
   </p:clrMapOvr>
+  <p:timing>
+    <p:tnLst>
+      <p:par>
+        <p:cTn xmlns:p14="http://schemas.microsoft.com/office/powerpoint/2010/main" id="1" dur="indefinite" restart="never" nodeType="tmRoot"/>
+      </p:par>
+    </p:tnLst>
+  </p:timing>
 </p:sld>
 </file>
 
@@ -5289,6 +5318,13 @@
   <p:clrMapOvr>
     <a:masterClrMapping/>
   </p:clrMapOvr>
+  <p:timing>
+    <p:tnLst>
+      <p:par>
+        <p:cTn xmlns:p14="http://schemas.microsoft.com/office/powerpoint/2010/main" id="1" dur="indefinite" restart="never" nodeType="tmRoot"/>
+      </p:par>
+    </p:tnLst>
+  </p:timing>
 </p:sld>
 </file>
 
@@ -5697,6 +5733,13 @@
   <p:clrMapOvr>
     <a:masterClrMapping/>
   </p:clrMapOvr>
+  <p:timing>
+    <p:tnLst>
+      <p:par>
+        <p:cTn xmlns:p14="http://schemas.microsoft.com/office/powerpoint/2010/main" id="1" dur="indefinite" restart="never" nodeType="tmRoot"/>
+      </p:par>
+    </p:tnLst>
+  </p:timing>
 </p:sld>
 </file>
 
@@ -7004,6 +7047,13 @@
   <p:clrMapOvr>
     <a:masterClrMapping/>
   </p:clrMapOvr>
+  <p:timing>
+    <p:tnLst>
+      <p:par>
+        <p:cTn xmlns:p14="http://schemas.microsoft.com/office/powerpoint/2010/main" id="1" dur="indefinite" restart="never" nodeType="tmRoot"/>
+      </p:par>
+    </p:tnLst>
+  </p:timing>
 </p:sld>
 </file>
 
@@ -7508,6 +7558,13 @@
   <p:clrMapOvr>
     <a:masterClrMapping/>
   </p:clrMapOvr>
+  <p:timing>
+    <p:tnLst>
+      <p:par>
+        <p:cTn xmlns:p14="http://schemas.microsoft.com/office/powerpoint/2010/main" id="1" dur="indefinite" restart="never" nodeType="tmRoot"/>
+      </p:par>
+    </p:tnLst>
+  </p:timing>
 </p:sld>
 </file>
 
@@ -8529,6 +8586,13 @@
   <p:clrMapOvr>
     <a:masterClrMapping/>
   </p:clrMapOvr>
+  <p:timing>
+    <p:tnLst>
+      <p:par>
+        <p:cTn xmlns:p14="http://schemas.microsoft.com/office/powerpoint/2010/main" id="1" dur="indefinite" restart="never" nodeType="tmRoot"/>
+      </p:par>
+    </p:tnLst>
+  </p:timing>
 </p:sld>
 </file>
 
@@ -9114,6 +9178,13 @@
   <p:clrMapOvr>
     <a:masterClrMapping/>
   </p:clrMapOvr>
+  <p:timing>
+    <p:tnLst>
+      <p:par>
+        <p:cTn xmlns:p14="http://schemas.microsoft.com/office/powerpoint/2010/main" id="1" dur="indefinite" restart="never" nodeType="tmRoot"/>
+      </p:par>
+    </p:tnLst>
+  </p:timing>
 </p:sld>
 </file>
 
@@ -9795,6 +9866,13 @@
   <p:clrMapOvr>
     <a:masterClrMapping/>
   </p:clrMapOvr>
+  <p:timing>
+    <p:tnLst>
+      <p:par>
+        <p:cTn xmlns:p14="http://schemas.microsoft.com/office/powerpoint/2010/main" id="1" dur="indefinite" restart="never" nodeType="tmRoot"/>
+      </p:par>
+    </p:tnLst>
+  </p:timing>
 </p:sld>
 </file>
 
@@ -9965,6 +10043,13 @@
   <p:clrMapOvr>
     <a:masterClrMapping/>
   </p:clrMapOvr>
+  <p:timing>
+    <p:tnLst>
+      <p:par>
+        <p:cTn xmlns:p14="http://schemas.microsoft.com/office/powerpoint/2010/main" id="1" dur="indefinite" restart="never" nodeType="tmRoot"/>
+      </p:par>
+    </p:tnLst>
+  </p:timing>
 </p:sld>
 </file>
 
@@ -10540,6 +10625,13 @@
   <p:clrMapOvr>
     <a:masterClrMapping/>
   </p:clrMapOvr>
+  <p:timing>
+    <p:tnLst>
+      <p:par>
+        <p:cTn xmlns:p14="http://schemas.microsoft.com/office/powerpoint/2010/main" id="1" dur="indefinite" restart="never" nodeType="tmRoot"/>
+      </p:par>
+    </p:tnLst>
+  </p:timing>
 </p:sld>
 </file>
 
@@ -11168,6 +11260,13 @@
   <p:clrMapOvr>
     <a:masterClrMapping/>
   </p:clrMapOvr>
+  <p:timing>
+    <p:tnLst>
+      <p:par>
+        <p:cTn xmlns:p14="http://schemas.microsoft.com/office/powerpoint/2010/main" id="1" dur="indefinite" restart="never" nodeType="tmRoot"/>
+      </p:par>
+    </p:tnLst>
+  </p:timing>
 </p:sld>
 </file>
 
@@ -11825,6 +11924,13 @@
   <p:clrMapOvr>
     <a:masterClrMapping/>
   </p:clrMapOvr>
+  <p:timing>
+    <p:tnLst>
+      <p:par>
+        <p:cTn xmlns:p14="http://schemas.microsoft.com/office/powerpoint/2010/main" id="1" dur="indefinite" restart="never" nodeType="tmRoot"/>
+      </p:par>
+    </p:tnLst>
+  </p:timing>
 </p:sld>
 </file>
 
@@ -11918,6 +12024,13 @@
   <p:clrMapOvr>
     <a:masterClrMapping/>
   </p:clrMapOvr>
+  <p:timing>
+    <p:tnLst>
+      <p:par>
+        <p:cTn xmlns:p14="http://schemas.microsoft.com/office/powerpoint/2010/main" id="1" dur="indefinite" restart="never" nodeType="tmRoot"/>
+      </p:par>
+    </p:tnLst>
+  </p:timing>
 </p:sld>
 </file>
 
@@ -12569,6 +12682,13 @@
   <p:clrMapOvr>
     <a:masterClrMapping/>
   </p:clrMapOvr>
+  <p:timing>
+    <p:tnLst>
+      <p:par>
+        <p:cTn xmlns:p14="http://schemas.microsoft.com/office/powerpoint/2010/main" id="1" dur="indefinite" restart="never" nodeType="tmRoot"/>
+      </p:par>
+    </p:tnLst>
+  </p:timing>
 </p:sld>
 </file>
 
@@ -13083,6 +13203,13 @@
   <p:clrMapOvr>
     <a:masterClrMapping/>
   </p:clrMapOvr>
+  <p:timing>
+    <p:tnLst>
+      <p:par>
+        <p:cTn xmlns:p14="http://schemas.microsoft.com/office/powerpoint/2010/main" id="1" dur="indefinite" restart="never" nodeType="tmRoot"/>
+      </p:par>
+    </p:tnLst>
+  </p:timing>
 </p:sld>
 </file>
 
@@ -13558,6 +13685,13 @@
   <p:clrMapOvr>
     <a:masterClrMapping/>
   </p:clrMapOvr>
+  <p:timing>
+    <p:tnLst>
+      <p:par>
+        <p:cTn xmlns:p14="http://schemas.microsoft.com/office/powerpoint/2010/main" id="1" dur="indefinite" restart="never" nodeType="tmRoot"/>
+      </p:par>
+    </p:tnLst>
+  </p:timing>
 </p:sld>
 </file>
 
@@ -14004,6 +14138,13 @@
   <p:clrMapOvr>
     <a:masterClrMapping/>
   </p:clrMapOvr>
+  <p:timing>
+    <p:tnLst>
+      <p:par>
+        <p:cTn xmlns:p14="http://schemas.microsoft.com/office/powerpoint/2010/main" id="1" dur="indefinite" restart="never" nodeType="tmRoot"/>
+      </p:par>
+    </p:tnLst>
+  </p:timing>
 </p:sld>
 </file>
 
@@ -14640,6 +14781,13 @@
   <p:clrMapOvr>
     <a:masterClrMapping/>
   </p:clrMapOvr>
+  <p:timing>
+    <p:tnLst>
+      <p:par>
+        <p:cTn xmlns:p14="http://schemas.microsoft.com/office/powerpoint/2010/main" id="1" dur="indefinite" restart="never" nodeType="tmRoot"/>
+      </p:par>
+    </p:tnLst>
+  </p:timing>
 </p:sld>
 </file>
 
@@ -14751,6 +14899,13 @@
   <p:clrMapOvr>
     <a:masterClrMapping/>
   </p:clrMapOvr>
+  <p:timing>
+    <p:tnLst>
+      <p:par>
+        <p:cTn xmlns:p14="http://schemas.microsoft.com/office/powerpoint/2010/main" id="1" dur="indefinite" restart="never" nodeType="tmRoot"/>
+      </p:par>
+    </p:tnLst>
+  </p:timing>
 </p:sld>
 </file>
 
@@ -14915,6 +15070,13 @@
   <p:clrMapOvr>
     <a:masterClrMapping/>
   </p:clrMapOvr>
+  <p:timing>
+    <p:tnLst>
+      <p:par>
+        <p:cTn xmlns:p14="http://schemas.microsoft.com/office/powerpoint/2010/main" id="1" dur="indefinite" restart="never" nodeType="tmRoot"/>
+      </p:par>
+    </p:tnLst>
+  </p:timing>
 </p:sld>
 </file>
 
@@ -15632,6 +15794,13 @@
   <p:clrMapOvr>
     <a:masterClrMapping/>
   </p:clrMapOvr>
+  <p:timing>
+    <p:tnLst>
+      <p:par>
+        <p:cTn xmlns:p14="http://schemas.microsoft.com/office/powerpoint/2010/main" id="1" dur="indefinite" restart="never" nodeType="tmRoot"/>
+      </p:par>
+    </p:tnLst>
+  </p:timing>
 </p:sld>
 </file>
 
@@ -15721,6 +15890,13 @@
   <p:clrMapOvr>
     <a:masterClrMapping/>
   </p:clrMapOvr>
+  <p:timing>
+    <p:tnLst>
+      <p:par>
+        <p:cTn xmlns:p14="http://schemas.microsoft.com/office/powerpoint/2010/main" id="1" dur="indefinite" restart="never" nodeType="tmRoot"/>
+      </p:par>
+    </p:tnLst>
+  </p:timing>
 </p:sld>
 </file>
 
@@ -15989,6 +16165,13 @@
   <p:clrMapOvr>
     <a:masterClrMapping/>
   </p:clrMapOvr>
+  <p:timing>
+    <p:tnLst>
+      <p:par>
+        <p:cTn xmlns:p14="http://schemas.microsoft.com/office/powerpoint/2010/main" id="1" dur="indefinite" restart="never" nodeType="tmRoot"/>
+      </p:par>
+    </p:tnLst>
+  </p:timing>
 </p:sld>
 </file>
 
@@ -16369,6 +16552,13 @@
   <p:clrMapOvr>
     <a:masterClrMapping/>
   </p:clrMapOvr>
+  <p:timing>
+    <p:tnLst>
+      <p:par>
+        <p:cTn xmlns:p14="http://schemas.microsoft.com/office/powerpoint/2010/main" id="1" dur="indefinite" restart="never" nodeType="tmRoot"/>
+      </p:par>
+    </p:tnLst>
+  </p:timing>
 </p:sld>
 </file>
 
@@ -16654,6 +16844,13 @@
   <p:clrMapOvr>
     <a:masterClrMapping/>
   </p:clrMapOvr>
+  <p:timing>
+    <p:tnLst>
+      <p:par>
+        <p:cTn xmlns:p14="http://schemas.microsoft.com/office/powerpoint/2010/main" id="1" dur="indefinite" restart="never" nodeType="tmRoot"/>
+      </p:par>
+    </p:tnLst>
+  </p:timing>
 </p:sld>
 </file>
 
@@ -17224,6 +17421,13 @@
   <p:clrMapOvr>
     <a:masterClrMapping/>
   </p:clrMapOvr>
+  <p:timing>
+    <p:tnLst>
+      <p:par>
+        <p:cTn xmlns:p14="http://schemas.microsoft.com/office/powerpoint/2010/main" id="1" dur="indefinite" restart="never" nodeType="tmRoot"/>
+      </p:par>
+    </p:tnLst>
+  </p:timing>
 </p:sld>
 </file>
 
@@ -17647,6 +17851,13 @@
   <p:clrMapOvr>
     <a:masterClrMapping/>
   </p:clrMapOvr>
+  <p:timing>
+    <p:tnLst>
+      <p:par>
+        <p:cTn xmlns:p14="http://schemas.microsoft.com/office/powerpoint/2010/main" id="1" dur="indefinite" restart="never" nodeType="tmRoot"/>
+      </p:par>
+    </p:tnLst>
+  </p:timing>
 </p:sld>
 </file>
 
@@ -18314,6 +18525,13 @@
   <p:clrMapOvr>
     <a:masterClrMapping/>
   </p:clrMapOvr>
+  <p:timing>
+    <p:tnLst>
+      <p:par>
+        <p:cTn xmlns:p14="http://schemas.microsoft.com/office/powerpoint/2010/main" id="1" dur="indefinite" restart="never" nodeType="tmRoot"/>
+      </p:par>
+    </p:tnLst>
+  </p:timing>
 </p:sld>
 </file>
 
@@ -18351,7 +18569,15 @@
           <a:p>
             <a:r>
               <a:rPr lang="en-US" dirty="0" smtClean="0"/>
-              <a:t>Next Time…</a:t>
+              <a:t>More Exciting </a:t>
+            </a:r>
+            <a:r>
+              <a:rPr lang="en-US" dirty="0" err="1" smtClean="0"/>
+              <a:t>WebGL</a:t>
+            </a:r>
+            <a:r>
+              <a:rPr lang="en-US" dirty="0" smtClean="0"/>
+              <a:t> Samples</a:t>
             </a:r>
             <a:endParaRPr lang="en-US" dirty="0"/>
           </a:p>
@@ -18373,24 +18599,22 @@
           <a:lstStyle/>
           <a:p>
             <a:r>
-              <a:rPr lang="en-US" dirty="0" smtClean="0"/>
-              <a:t>Using </a:t>
-            </a:r>
-            <a:r>
-              <a:rPr lang="en-US" dirty="0" err="1" smtClean="0"/>
-              <a:t>Three.js</a:t>
-            </a:r>
-            <a:r>
-              <a:rPr lang="en-US" dirty="0" smtClean="0"/>
-              <a:t> to make </a:t>
-            </a:r>
-            <a:r>
-              <a:rPr lang="en-US" dirty="0" err="1" smtClean="0"/>
-              <a:t>WebGL</a:t>
-            </a:r>
-            <a:r>
-              <a:rPr lang="en-US" dirty="0" smtClean="0"/>
-              <a:t> more sane.</a:t>
+              <a:rPr lang="en-US" dirty="0">
+                <a:hlinkClick r:id="rId2"/>
+              </a:rPr>
+              <a:t>http://</a:t>
+            </a:r>
+            <a:r>
+              <a:rPr lang="en-US" dirty="0" err="1">
+                <a:hlinkClick r:id="rId2"/>
+              </a:rPr>
+              <a:t>webglsamples.org</a:t>
+            </a:r>
+            <a:r>
+              <a:rPr lang="en-US" dirty="0">
+                <a:hlinkClick r:id="rId2"/>
+              </a:rPr>
+              <a:t>/</a:t>
             </a:r>
             <a:endParaRPr lang="en-US" dirty="0"/>
           </a:p>
@@ -18399,7 +18623,7 @@
     </p:spTree>
     <p:extLst>
       <p:ext uri="{BB962C8B-B14F-4D97-AF65-F5344CB8AC3E}">
-        <p14:creationId xmlns:p14="http://schemas.microsoft.com/office/powerpoint/2010/main" val="212014411"/>
+        <p14:creationId xmlns:p14="http://schemas.microsoft.com/office/powerpoint/2010/main" val="4091704990"/>
       </p:ext>
     </p:extLst>
   </p:cSld>
@@ -18410,7 +18634,7 @@
 </file>
 
 <file path=ppt/slides/slide39.xml><?xml version="1.0" encoding="utf-8"?>
-<p:sld xmlns:a="http://schemas.openxmlformats.org/drawingml/2006/main" xmlns:r="http://schemas.openxmlformats.org/officeDocument/2006/relationships" xmlns:p="http://schemas.openxmlformats.org/presentationml/2006/main" show="0">
+<p:sld xmlns:a="http://schemas.openxmlformats.org/drawingml/2006/main" xmlns:r="http://schemas.openxmlformats.org/officeDocument/2006/relationships" xmlns:p="http://schemas.openxmlformats.org/presentationml/2006/main">
   <p:cSld>
     <p:spTree>
       <p:nvGrpSpPr>
@@ -18438,24 +18662,14 @@
         </p:nvSpPr>
         <p:spPr/>
         <p:txBody>
-          <a:bodyPr>
-            <a:normAutofit fontScale="90000"/>
-          </a:bodyPr>
+          <a:bodyPr/>
           <a:lstStyle/>
           <a:p>
             <a:r>
-              <a:rPr lang="en-US" b="1" dirty="0" smtClean="0"/>
-              <a:t>Lesson 1: Triangle and Quad (</a:t>
-            </a:r>
-            <a:r>
-              <a:rPr lang="en-US" b="1" dirty="0" err="1" smtClean="0"/>
-              <a:t>Three.js</a:t>
-            </a:r>
-            <a:r>
-              <a:rPr lang="en-US" b="1" dirty="0" smtClean="0"/>
-              <a:t>)</a:t>
-            </a:r>
-            <a:endParaRPr lang="en-US" b="1" dirty="0"/>
+              <a:rPr lang="en-US" dirty="0" smtClean="0"/>
+              <a:t>Next Time…</a:t>
+            </a:r>
+            <a:endParaRPr lang="en-US" dirty="0"/>
           </a:p>
         </p:txBody>
       </p:sp>
@@ -18475,8 +18689,24 @@
           <a:lstStyle/>
           <a:p>
             <a:r>
+              <a:rPr lang="en-US" dirty="0" smtClean="0"/>
+              <a:t>Using </a:t>
+            </a:r>
+            <a:r>
               <a:rPr lang="en-US" dirty="0" err="1" smtClean="0"/>
               <a:t>Three.js</a:t>
+            </a:r>
+            <a:r>
+              <a:rPr lang="en-US" dirty="0" smtClean="0"/>
+              <a:t> to make </a:t>
+            </a:r>
+            <a:r>
+              <a:rPr lang="en-US" dirty="0" err="1" smtClean="0"/>
+              <a:t>WebGL</a:t>
+            </a:r>
+            <a:r>
+              <a:rPr lang="en-US" dirty="0" smtClean="0"/>
+              <a:t> more sane.</a:t>
             </a:r>
             <a:endParaRPr lang="en-US" dirty="0"/>
           </a:p>
@@ -18485,21 +18715,20 @@
     </p:spTree>
     <p:extLst>
       <p:ext uri="{BB962C8B-B14F-4D97-AF65-F5344CB8AC3E}">
-        <p14:creationId xmlns:p14="http://schemas.microsoft.com/office/powerpoint/2010/main" val="1647454612"/>
+        <p14:creationId xmlns:p14="http://schemas.microsoft.com/office/powerpoint/2010/main" val="212014411"/>
       </p:ext>
     </p:extLst>
   </p:cSld>
   <p:clrMapOvr>
     <a:masterClrMapping/>
   </p:clrMapOvr>
-  <mc:AlternateContent xmlns:mc="http://schemas.openxmlformats.org/markup-compatibility/2006">
-    <mc:Choice xmlns:p14="http://schemas.microsoft.com/office/powerpoint/2010/main" Requires="p14">
-      <p:transition spd="slow" p14:dur="2000"/>
-    </mc:Choice>
-    <mc:Fallback>
-      <p:transition xmlns:p14="http://schemas.microsoft.com/office/powerpoint/2010/main" spd="slow"/>
-    </mc:Fallback>
-  </mc:AlternateContent>
+  <p:timing>
+    <p:tnLst>
+      <p:par>
+        <p:cTn xmlns:p14="http://schemas.microsoft.com/office/powerpoint/2010/main" id="1" dur="indefinite" restart="never" nodeType="tmRoot"/>
+      </p:par>
+    </p:tnLst>
+  </p:timing>
 </p:sld>
 </file>
 
@@ -18656,6 +18885,13 @@
   <p:clrMapOvr>
     <a:masterClrMapping/>
   </p:clrMapOvr>
+  <p:timing>
+    <p:tnLst>
+      <p:par>
+        <p:cTn xmlns:p14="http://schemas.microsoft.com/office/powerpoint/2010/main" id="1" dur="indefinite" restart="never" nodeType="tmRoot"/>
+      </p:par>
+    </p:tnLst>
+  </p:timing>
 </p:sld>
 </file>
 
@@ -18688,6 +18924,107 @@
         </p:nvSpPr>
         <p:spPr/>
         <p:txBody>
+          <a:bodyPr>
+            <a:normAutofit fontScale="90000"/>
+          </a:bodyPr>
+          <a:lstStyle/>
+          <a:p>
+            <a:r>
+              <a:rPr lang="en-US" b="1" dirty="0" smtClean="0"/>
+              <a:t>Lesson 1: Triangle and Quad (</a:t>
+            </a:r>
+            <a:r>
+              <a:rPr lang="en-US" b="1" dirty="0" err="1" smtClean="0"/>
+              <a:t>Three.js</a:t>
+            </a:r>
+            <a:r>
+              <a:rPr lang="en-US" b="1" dirty="0" smtClean="0"/>
+              <a:t>)</a:t>
+            </a:r>
+            <a:endParaRPr lang="en-US" b="1" dirty="0"/>
+          </a:p>
+        </p:txBody>
+      </p:sp>
+      <p:sp>
+        <p:nvSpPr>
+          <p:cNvPr id="3" name="Content Placeholder 2"/>
+          <p:cNvSpPr>
+            <a:spLocks noGrp="1"/>
+          </p:cNvSpPr>
+          <p:nvPr>
+            <p:ph idx="1"/>
+          </p:nvPr>
+        </p:nvSpPr>
+        <p:spPr/>
+        <p:txBody>
+          <a:bodyPr/>
+          <a:lstStyle/>
+          <a:p>
+            <a:r>
+              <a:rPr lang="en-US" dirty="0" err="1" smtClean="0"/>
+              <a:t>Three.js</a:t>
+            </a:r>
+            <a:endParaRPr lang="en-US" dirty="0"/>
+          </a:p>
+        </p:txBody>
+      </p:sp>
+    </p:spTree>
+    <p:extLst>
+      <p:ext uri="{BB962C8B-B14F-4D97-AF65-F5344CB8AC3E}">
+        <p14:creationId xmlns:p14="http://schemas.microsoft.com/office/powerpoint/2010/main" val="1647454612"/>
+      </p:ext>
+    </p:extLst>
+  </p:cSld>
+  <p:clrMapOvr>
+    <a:masterClrMapping/>
+  </p:clrMapOvr>
+  <mc:AlternateContent xmlns:mc="http://schemas.openxmlformats.org/markup-compatibility/2006">
+    <mc:Choice xmlns:p14="http://schemas.microsoft.com/office/powerpoint/2010/main" Requires="p14">
+      <p:transition spd="slow" p14:dur="2000"/>
+    </mc:Choice>
+    <mc:Fallback>
+      <p:transition xmlns:p14="http://schemas.microsoft.com/office/powerpoint/2010/main" spd="slow"/>
+    </mc:Fallback>
+  </mc:AlternateContent>
+  <p:timing>
+    <p:tnLst>
+      <p:par>
+        <p:cTn xmlns:p14="http://schemas.microsoft.com/office/powerpoint/2010/main" id="1" dur="indefinite" restart="never" nodeType="tmRoot"/>
+      </p:par>
+    </p:tnLst>
+  </p:timing>
+</p:sld>
+</file>
+
+<file path=ppt/slides/slide41.xml><?xml version="1.0" encoding="utf-8"?>
+<p:sld xmlns:a="http://schemas.openxmlformats.org/drawingml/2006/main" xmlns:r="http://schemas.openxmlformats.org/officeDocument/2006/relationships" xmlns:p="http://schemas.openxmlformats.org/presentationml/2006/main" show="0">
+  <p:cSld>
+    <p:spTree>
+      <p:nvGrpSpPr>
+        <p:cNvPr id="1" name=""/>
+        <p:cNvGrpSpPr/>
+        <p:nvPr/>
+      </p:nvGrpSpPr>
+      <p:grpSpPr>
+        <a:xfrm>
+          <a:off x="0" y="0"/>
+          <a:ext cx="0" cy="0"/>
+          <a:chOff x="0" y="0"/>
+          <a:chExt cx="0" cy="0"/>
+        </a:xfrm>
+      </p:grpSpPr>
+      <p:sp>
+        <p:nvSpPr>
+          <p:cNvPr id="2" name="Title 1"/>
+          <p:cNvSpPr>
+            <a:spLocks noGrp="1"/>
+          </p:cNvSpPr>
+          <p:nvPr>
+            <p:ph type="title"/>
+          </p:nvPr>
+        </p:nvSpPr>
+        <p:spPr/>
+        <p:txBody>
           <a:bodyPr/>
           <a:lstStyle/>
           <a:p>
@@ -18748,6 +19085,13 @@
       <p:transition xmlns:p14="http://schemas.microsoft.com/office/powerpoint/2010/main" spd="slow"/>
     </mc:Fallback>
   </mc:AlternateContent>
+  <p:timing>
+    <p:tnLst>
+      <p:par>
+        <p:cTn xmlns:p14="http://schemas.microsoft.com/office/powerpoint/2010/main" id="1" dur="indefinite" restart="never" nodeType="tmRoot"/>
+      </p:par>
+    </p:tnLst>
+  </p:timing>
 </p:sld>
 </file>
 
@@ -19392,6 +19736,13 @@
   <p:clrMapOvr>
     <a:masterClrMapping/>
   </p:clrMapOvr>
+  <p:timing>
+    <p:tnLst>
+      <p:par>
+        <p:cTn xmlns:p14="http://schemas.microsoft.com/office/powerpoint/2010/main" id="1" dur="indefinite" restart="never" nodeType="tmRoot"/>
+      </p:par>
+    </p:tnLst>
+  </p:timing>
 </p:sld>
 </file>
 
@@ -19475,6 +19826,13 @@
   <p:clrMapOvr>
     <a:masterClrMapping/>
   </p:clrMapOvr>
+  <p:timing>
+    <p:tnLst>
+      <p:par>
+        <p:cTn xmlns:p14="http://schemas.microsoft.com/office/powerpoint/2010/main" id="1" dur="indefinite" restart="never" nodeType="tmRoot"/>
+      </p:par>
+    </p:tnLst>
+  </p:timing>
 </p:sld>
 </file>
 
@@ -19579,6 +19937,13 @@
   <p:clrMapOvr>
     <a:masterClrMapping/>
   </p:clrMapOvr>
+  <p:timing>
+    <p:tnLst>
+      <p:par>
+        <p:cTn xmlns:p14="http://schemas.microsoft.com/office/powerpoint/2010/main" id="1" dur="indefinite" restart="never" nodeType="tmRoot"/>
+      </p:par>
+    </p:tnLst>
+  </p:timing>
 </p:sld>
 </file>
 
@@ -19798,6 +20163,13 @@
   <p:clrMapOvr>
     <a:masterClrMapping/>
   </p:clrMapOvr>
+  <p:timing>
+    <p:tnLst>
+      <p:par>
+        <p:cTn xmlns:p14="http://schemas.microsoft.com/office/powerpoint/2010/main" id="1" dur="indefinite" restart="never" nodeType="tmRoot"/>
+      </p:par>
+    </p:tnLst>
+  </p:timing>
 </p:sld>
 </file>
 
@@ -20169,6 +20541,13 @@
   <p:clrMapOvr>
     <a:masterClrMapping/>
   </p:clrMapOvr>
+  <p:timing>
+    <p:tnLst>
+      <p:par>
+        <p:cTn xmlns:p14="http://schemas.microsoft.com/office/powerpoint/2010/main" id="1" dur="indefinite" restart="never" nodeType="tmRoot"/>
+      </p:par>
+    </p:tnLst>
+  </p:timing>
 </p:sld>
 </file>
 

--- a/slides.pptx
+++ b/slides.pptx
@@ -11970,15 +11970,7 @@
           <a:p>
             <a:r>
               <a:rPr lang="en-US" b="1" dirty="0" smtClean="0"/>
-              <a:t>Lesson </a:t>
-            </a:r>
-            <a:r>
-              <a:rPr lang="en-US" b="1" dirty="0" smtClean="0"/>
-              <a:t>2: Colored Triangle </a:t>
-            </a:r>
-            <a:r>
-              <a:rPr lang="en-US" b="1" dirty="0" smtClean="0"/>
-              <a:t>and Quad</a:t>
+              <a:t>Lesson 2: Colored Triangle and Quad</a:t>
             </a:r>
             <a:endParaRPr lang="en-US" b="1" dirty="0"/>
           </a:p>
@@ -12070,19 +12062,7 @@
           <a:p>
             <a:r>
               <a:rPr lang="en-US" b="1" dirty="0" smtClean="0"/>
-              <a:t>Lesson </a:t>
-            </a:r>
-            <a:r>
-              <a:rPr lang="en-US" b="1" dirty="0" smtClean="0"/>
-              <a:t>2: Colored Triangle </a:t>
-            </a:r>
-            <a:r>
-              <a:rPr lang="en-US" b="1" dirty="0" smtClean="0"/>
-              <a:t>and </a:t>
-            </a:r>
-            <a:r>
-              <a:rPr lang="en-US" b="1" dirty="0" smtClean="0"/>
-              <a:t>Quad</a:t>
+              <a:t>Lesson 2: Colored Triangle and Quad</a:t>
             </a:r>
             <a:endParaRPr lang="en-US" b="1" dirty="0"/>
           </a:p>
@@ -12728,19 +12708,7 @@
           <a:p>
             <a:r>
               <a:rPr lang="en-US" b="1" dirty="0" smtClean="0"/>
-              <a:t>Lesson </a:t>
-            </a:r>
-            <a:r>
-              <a:rPr lang="en-US" b="1" dirty="0" smtClean="0"/>
-              <a:t>2: Colored Triangle </a:t>
-            </a:r>
-            <a:r>
-              <a:rPr lang="en-US" b="1" dirty="0" smtClean="0"/>
-              <a:t>and </a:t>
-            </a:r>
-            <a:r>
-              <a:rPr lang="en-US" b="1" dirty="0" smtClean="0"/>
-              <a:t>Quad</a:t>
+              <a:t>Lesson 2: Colored Triangle and Quad</a:t>
             </a:r>
             <a:endParaRPr lang="en-US" b="1" dirty="0"/>
           </a:p>
@@ -13249,19 +13217,7 @@
           <a:p>
             <a:r>
               <a:rPr lang="en-US" b="1" dirty="0" smtClean="0"/>
-              <a:t>Lesson </a:t>
-            </a:r>
-            <a:r>
-              <a:rPr lang="en-US" b="1" dirty="0" smtClean="0"/>
-              <a:t>2: Colored Triangle </a:t>
-            </a:r>
-            <a:r>
-              <a:rPr lang="en-US" b="1" dirty="0" smtClean="0"/>
-              <a:t>and </a:t>
-            </a:r>
-            <a:r>
-              <a:rPr lang="en-US" b="1" dirty="0" smtClean="0"/>
-              <a:t>Quad</a:t>
+              <a:t>Lesson 2: Colored Triangle and Quad</a:t>
             </a:r>
             <a:endParaRPr lang="en-US" b="1" dirty="0"/>
           </a:p>
@@ -13731,19 +13687,7 @@
           <a:p>
             <a:r>
               <a:rPr lang="en-US" b="1" dirty="0" smtClean="0"/>
-              <a:t>Lesson </a:t>
-            </a:r>
-            <a:r>
-              <a:rPr lang="en-US" b="1" dirty="0" smtClean="0"/>
-              <a:t>2: Colored Triangle </a:t>
-            </a:r>
-            <a:r>
-              <a:rPr lang="en-US" b="1" dirty="0" smtClean="0"/>
-              <a:t>and </a:t>
-            </a:r>
-            <a:r>
-              <a:rPr lang="en-US" b="1" dirty="0" smtClean="0"/>
-              <a:t>Quad</a:t>
+              <a:t>Lesson 2: Colored Triangle and Quad</a:t>
             </a:r>
             <a:endParaRPr lang="en-US" b="1" dirty="0"/>
           </a:p>
@@ -14184,19 +14128,7 @@
           <a:p>
             <a:r>
               <a:rPr lang="en-US" b="1" dirty="0" smtClean="0"/>
-              <a:t>Lesson </a:t>
-            </a:r>
-            <a:r>
-              <a:rPr lang="en-US" b="1" dirty="0" smtClean="0"/>
-              <a:t>2: Colored Triangle </a:t>
-            </a:r>
-            <a:r>
-              <a:rPr lang="en-US" b="1" dirty="0" smtClean="0"/>
-              <a:t>and </a:t>
-            </a:r>
-            <a:r>
-              <a:rPr lang="en-US" b="1" dirty="0" smtClean="0"/>
-              <a:t>Quad</a:t>
+              <a:t>Lesson 2: Colored Triangle and Quad</a:t>
             </a:r>
             <a:endParaRPr lang="en-US" b="1" dirty="0"/>
           </a:p>
@@ -14827,19 +14759,7 @@
           <a:p>
             <a:r>
               <a:rPr lang="en-US" b="1" dirty="0" smtClean="0"/>
-              <a:t>Lesson </a:t>
-            </a:r>
-            <a:r>
-              <a:rPr lang="en-US" b="1" dirty="0" smtClean="0"/>
-              <a:t>2: Colored Triangle </a:t>
-            </a:r>
-            <a:r>
-              <a:rPr lang="en-US" b="1" dirty="0" smtClean="0"/>
-              <a:t>and </a:t>
-            </a:r>
-            <a:r>
-              <a:rPr lang="en-US" b="1" dirty="0" smtClean="0"/>
-              <a:t>Quad</a:t>
+              <a:t>Lesson 2: Colored Triangle and Quad</a:t>
             </a:r>
             <a:endParaRPr lang="en-US" b="1" dirty="0"/>
           </a:p>
@@ -15116,19 +15036,7 @@
           <a:p>
             <a:r>
               <a:rPr lang="en-US" b="1" dirty="0" smtClean="0"/>
-              <a:t>Lesson </a:t>
-            </a:r>
-            <a:r>
-              <a:rPr lang="en-US" b="1" dirty="0" smtClean="0"/>
-              <a:t>2: Colored Triangle </a:t>
-            </a:r>
-            <a:r>
-              <a:rPr lang="en-US" b="1" dirty="0" smtClean="0"/>
-              <a:t>and </a:t>
-            </a:r>
-            <a:r>
-              <a:rPr lang="en-US" b="1" dirty="0" smtClean="0"/>
-              <a:t>Quad</a:t>
+              <a:t>Lesson 2: Colored Triangle and Quad</a:t>
             </a:r>
             <a:endParaRPr lang="en-US" b="1" dirty="0"/>
           </a:p>
@@ -15840,11 +15748,7 @@
           <a:p>
             <a:r>
               <a:rPr lang="en-US" b="1" dirty="0" smtClean="0"/>
-              <a:t>Lesson </a:t>
-            </a:r>
-            <a:r>
-              <a:rPr lang="en-US" b="1" dirty="0" smtClean="0"/>
-              <a:t>2: Movement</a:t>
+              <a:t>Lesson 2: Movement</a:t>
             </a:r>
             <a:endParaRPr lang="en-US" b="1" dirty="0"/>
           </a:p>
@@ -15944,15 +15848,7 @@
             </a:r>
             <a:r>
               <a:rPr lang="en-US" b="1" dirty="0" smtClean="0"/>
-              <a:t>: Colored Triangle </a:t>
-            </a:r>
-            <a:r>
-              <a:rPr lang="en-US" b="1" dirty="0" smtClean="0"/>
-              <a:t>and </a:t>
-            </a:r>
-            <a:r>
-              <a:rPr lang="en-US" b="1" dirty="0" smtClean="0"/>
-              <a:t>Quad</a:t>
+              <a:t>: Colored Triangle and Quad</a:t>
             </a:r>
             <a:endParaRPr lang="en-US" b="1" dirty="0"/>
           </a:p>
@@ -16219,15 +16115,7 @@
             </a:r>
             <a:r>
               <a:rPr lang="en-US" b="1" dirty="0" smtClean="0"/>
-              <a:t>: Colored Triangle </a:t>
-            </a:r>
-            <a:r>
-              <a:rPr lang="en-US" b="1" dirty="0" smtClean="0"/>
-              <a:t>and </a:t>
-            </a:r>
-            <a:r>
-              <a:rPr lang="en-US" b="1" dirty="0" smtClean="0"/>
-              <a:t>Quad</a:t>
+              <a:t>: Colored Triangle and Quad</a:t>
             </a:r>
             <a:endParaRPr lang="en-US" b="1" dirty="0"/>
           </a:p>
@@ -16606,15 +16494,7 @@
             </a:r>
             <a:r>
               <a:rPr lang="en-US" b="1" dirty="0" smtClean="0"/>
-              <a:t>: Colored Triangle </a:t>
-            </a:r>
-            <a:r>
-              <a:rPr lang="en-US" b="1" dirty="0" smtClean="0"/>
-              <a:t>and </a:t>
-            </a:r>
-            <a:r>
-              <a:rPr lang="en-US" b="1" dirty="0" smtClean="0"/>
-              <a:t>Quad</a:t>
+              <a:t>: Colored Triangle and Quad</a:t>
             </a:r>
             <a:endParaRPr lang="en-US" b="1" dirty="0"/>
           </a:p>
@@ -16898,15 +16778,7 @@
             </a:r>
             <a:r>
               <a:rPr lang="en-US" b="1" dirty="0" smtClean="0"/>
-              <a:t>: Colored Triangle </a:t>
-            </a:r>
-            <a:r>
-              <a:rPr lang="en-US" b="1" dirty="0" smtClean="0"/>
-              <a:t>and </a:t>
-            </a:r>
-            <a:r>
-              <a:rPr lang="en-US" b="1" dirty="0" smtClean="0"/>
-              <a:t>Quad</a:t>
+              <a:t>: Colored Triangle and Quad</a:t>
             </a:r>
             <a:endParaRPr lang="en-US" b="1" dirty="0"/>
           </a:p>
@@ -17475,15 +17347,7 @@
             </a:r>
             <a:r>
               <a:rPr lang="en-US" b="1" dirty="0" smtClean="0"/>
-              <a:t>: Colored Triangle </a:t>
-            </a:r>
-            <a:r>
-              <a:rPr lang="en-US" b="1" dirty="0" smtClean="0"/>
-              <a:t>and </a:t>
-            </a:r>
-            <a:r>
-              <a:rPr lang="en-US" b="1" dirty="0" smtClean="0"/>
-              <a:t>Quad</a:t>
+              <a:t>: Colored Triangle and Quad</a:t>
             </a:r>
             <a:endParaRPr lang="en-US" b="1" dirty="0"/>
           </a:p>
@@ -17905,15 +17769,7 @@
             </a:r>
             <a:r>
               <a:rPr lang="en-US" b="1" dirty="0" smtClean="0"/>
-              <a:t>: Colored Triangle </a:t>
-            </a:r>
-            <a:r>
-              <a:rPr lang="en-US" b="1" dirty="0" smtClean="0"/>
-              <a:t>and </a:t>
-            </a:r>
-            <a:r>
-              <a:rPr lang="en-US" b="1" dirty="0" smtClean="0"/>
-              <a:t>Quad</a:t>
+              <a:t>: Colored Triangle and Quad</a:t>
             </a:r>
             <a:endParaRPr lang="en-US" b="1" dirty="0"/>
           </a:p>
@@ -18857,21 +18713,9 @@
               </a:rPr>
               <a:t>/</a:t>
             </a:r>
-          </a:p>
-          <a:p>
-            <a:r>
-              <a:rPr lang="en-US" dirty="0" smtClean="0"/>
-              <a:t>The links in later slides assume that a local server</a:t>
-            </a:r>
-            <a:r>
-              <a:rPr lang="en-US" dirty="0"/>
-              <a:t> </a:t>
-            </a:r>
-            <a:r>
-              <a:rPr lang="en-US" dirty="0" smtClean="0"/>
-              <a:t>has been created in this manner.</a:t>
-            </a:r>
-            <a:endParaRPr lang="en-US" dirty="0" smtClean="0"/>
+            <a:endParaRPr lang="en-US" dirty="0" smtClean="0">
+              <a:hlinkClick r:id="rId3"/>
+            </a:endParaRPr>
           </a:p>
         </p:txBody>
       </p:sp>
@@ -19902,14 +19746,33 @@
           <a:lstStyle/>
           <a:p>
             <a:r>
+              <a:rPr lang="en-US" dirty="0" smtClean="0"/>
+              <a:t>Local Web server links:</a:t>
+            </a:r>
+            <a:r>
               <a:rPr lang="en-US" dirty="0" smtClean="0">
                 <a:hlinkClick r:id="rId2"/>
               </a:rPr>
-              <a:t>WebGL lesson</a:t>
+              <a:t/>
+            </a:r>
+            <a:br>
+              <a:rPr lang="en-US" dirty="0" smtClean="0">
+                <a:hlinkClick r:id="rId2"/>
+              </a:rPr>
+            </a:br>
+            <a:r>
+              <a:rPr lang="en-US" dirty="0" smtClean="0">
+                <a:hlinkClick r:id="rId2"/>
+              </a:rPr>
+              <a:t>WebGL lesson 1</a:t>
             </a:r>
             <a:r>
               <a:rPr lang="en-US" dirty="0" smtClean="0"/>
-              <a:t> (also, </a:t>
+              <a:t> </a:t>
+            </a:r>
+            <a:r>
+              <a:rPr lang="en-US" dirty="0" smtClean="0"/>
+              <a:t>(also, </a:t>
             </a:r>
             <a:r>
               <a:rPr lang="en-US" dirty="0" smtClean="0">
@@ -19919,6 +19782,50 @@
             </a:r>
             <a:r>
               <a:rPr lang="en-US" dirty="0" smtClean="0"/>
+              <a:t>)</a:t>
+            </a:r>
+          </a:p>
+          <a:p>
+            <a:endParaRPr lang="en-US" dirty="0" smtClean="0"/>
+          </a:p>
+          <a:p>
+            <a:r>
+              <a:rPr lang="en-US" dirty="0" smtClean="0"/>
+              <a:t>Web links</a:t>
+            </a:r>
+            <a:r>
+              <a:rPr lang="en-US" dirty="0"/>
+              <a:t>:</a:t>
+            </a:r>
+            <a:r>
+              <a:rPr lang="en-US" dirty="0">
+                <a:hlinkClick r:id="rId4"/>
+              </a:rPr>
+              <a:t/>
+            </a:r>
+            <a:br>
+              <a:rPr lang="en-US" dirty="0">
+                <a:hlinkClick r:id="rId4"/>
+              </a:rPr>
+            </a:br>
+            <a:r>
+              <a:rPr lang="en-US" dirty="0">
+                <a:hlinkClick r:id="rId4"/>
+              </a:rPr>
+              <a:t>WebGL lesson 1</a:t>
+            </a:r>
+            <a:r>
+              <a:rPr lang="en-US" dirty="0"/>
+              <a:t> (also, </a:t>
+            </a:r>
+            <a:r>
+              <a:rPr lang="en-US" dirty="0">
+                <a:hlinkClick r:id="rId5" action="ppaction://hlinkfile"/>
+              </a:rPr>
+              <a:t>view source</a:t>
+            </a:r>
+            <a:r>
+              <a:rPr lang="en-US" dirty="0"/>
               <a:t>)</a:t>
             </a:r>
           </a:p>

--- a/slides.pptx
+++ b/slides.pptx
@@ -43,9 +43,20 @@
     <p:sldId id="295" r:id="rId37"/>
     <p:sldId id="296" r:id="rId38"/>
     <p:sldId id="298" r:id="rId39"/>
-    <p:sldId id="297" r:id="rId40"/>
-    <p:sldId id="262" r:id="rId41"/>
-    <p:sldId id="261" r:id="rId42"/>
+    <p:sldId id="300" r:id="rId40"/>
+    <p:sldId id="301" r:id="rId41"/>
+    <p:sldId id="299" r:id="rId42"/>
+    <p:sldId id="302" r:id="rId43"/>
+    <p:sldId id="303" r:id="rId44"/>
+    <p:sldId id="304" r:id="rId45"/>
+    <p:sldId id="305" r:id="rId46"/>
+    <p:sldId id="306" r:id="rId47"/>
+    <p:sldId id="307" r:id="rId48"/>
+    <p:sldId id="308" r:id="rId49"/>
+    <p:sldId id="309" r:id="rId50"/>
+    <p:sldId id="297" r:id="rId51"/>
+    <p:sldId id="262" r:id="rId52"/>
+    <p:sldId id="261" r:id="rId53"/>
   </p:sldIdLst>
   <p:sldSz cx="9144000" cy="6858000" type="screen4x3"/>
   <p:notesSz cx="6858000" cy="9144000"/>
@@ -328,7 +339,7 @@
           <a:p>
             <a:fld id="{0B44415A-ED4C-F049-B1EC-6403452F0569}" type="datetimeFigureOut">
               <a:rPr lang="en-US" smtClean="0"/>
-              <a:t>4/16/15</a:t>
+              <a:t>4/21/15</a:t>
             </a:fld>
             <a:endParaRPr lang="en-US"/>
           </a:p>
@@ -498,7 +509,7 @@
           <a:p>
             <a:fld id="{0B44415A-ED4C-F049-B1EC-6403452F0569}" type="datetimeFigureOut">
               <a:rPr lang="en-US" smtClean="0"/>
-              <a:t>4/16/15</a:t>
+              <a:t>4/21/15</a:t>
             </a:fld>
             <a:endParaRPr lang="en-US"/>
           </a:p>
@@ -678,7 +689,7 @@
           <a:p>
             <a:fld id="{0B44415A-ED4C-F049-B1EC-6403452F0569}" type="datetimeFigureOut">
               <a:rPr lang="en-US" smtClean="0"/>
-              <a:t>4/16/15</a:t>
+              <a:t>4/21/15</a:t>
             </a:fld>
             <a:endParaRPr lang="en-US"/>
           </a:p>
@@ -848,7 +859,7 @@
           <a:p>
             <a:fld id="{0B44415A-ED4C-F049-B1EC-6403452F0569}" type="datetimeFigureOut">
               <a:rPr lang="en-US" smtClean="0"/>
-              <a:t>4/16/15</a:t>
+              <a:t>4/21/15</a:t>
             </a:fld>
             <a:endParaRPr lang="en-US"/>
           </a:p>
@@ -1094,7 +1105,7 @@
           <a:p>
             <a:fld id="{0B44415A-ED4C-F049-B1EC-6403452F0569}" type="datetimeFigureOut">
               <a:rPr lang="en-US" smtClean="0"/>
-              <a:t>4/16/15</a:t>
+              <a:t>4/21/15</a:t>
             </a:fld>
             <a:endParaRPr lang="en-US"/>
           </a:p>
@@ -1382,7 +1393,7 @@
           <a:p>
             <a:fld id="{0B44415A-ED4C-F049-B1EC-6403452F0569}" type="datetimeFigureOut">
               <a:rPr lang="en-US" smtClean="0"/>
-              <a:t>4/16/15</a:t>
+              <a:t>4/21/15</a:t>
             </a:fld>
             <a:endParaRPr lang="en-US"/>
           </a:p>
@@ -1804,7 +1815,7 @@
           <a:p>
             <a:fld id="{0B44415A-ED4C-F049-B1EC-6403452F0569}" type="datetimeFigureOut">
               <a:rPr lang="en-US" smtClean="0"/>
-              <a:t>4/16/15</a:t>
+              <a:t>4/21/15</a:t>
             </a:fld>
             <a:endParaRPr lang="en-US"/>
           </a:p>
@@ -1922,7 +1933,7 @@
           <a:p>
             <a:fld id="{0B44415A-ED4C-F049-B1EC-6403452F0569}" type="datetimeFigureOut">
               <a:rPr lang="en-US" smtClean="0"/>
-              <a:t>4/16/15</a:t>
+              <a:t>4/21/15</a:t>
             </a:fld>
             <a:endParaRPr lang="en-US"/>
           </a:p>
@@ -2017,7 +2028,7 @@
           <a:p>
             <a:fld id="{0B44415A-ED4C-F049-B1EC-6403452F0569}" type="datetimeFigureOut">
               <a:rPr lang="en-US" smtClean="0"/>
-              <a:t>4/16/15</a:t>
+              <a:t>4/21/15</a:t>
             </a:fld>
             <a:endParaRPr lang="en-US"/>
           </a:p>
@@ -2294,7 +2305,7 @@
           <a:p>
             <a:fld id="{0B44415A-ED4C-F049-B1EC-6403452F0569}" type="datetimeFigureOut">
               <a:rPr lang="en-US" smtClean="0"/>
-              <a:t>4/16/15</a:t>
+              <a:t>4/21/15</a:t>
             </a:fld>
             <a:endParaRPr lang="en-US"/>
           </a:p>
@@ -2547,7 +2558,7 @@
           <a:p>
             <a:fld id="{0B44415A-ED4C-F049-B1EC-6403452F0569}" type="datetimeFigureOut">
               <a:rPr lang="en-US" smtClean="0"/>
-              <a:t>4/16/15</a:t>
+              <a:t>4/21/15</a:t>
             </a:fld>
             <a:endParaRPr lang="en-US"/>
           </a:p>
@@ -2760,7 +2771,7 @@
           <a:p>
             <a:fld id="{0B44415A-ED4C-F049-B1EC-6403452F0569}" type="datetimeFigureOut">
               <a:rPr lang="en-US" smtClean="0"/>
-              <a:t>4/16/15</a:t>
+              <a:t>4/21/15</a:t>
             </a:fld>
             <a:endParaRPr lang="en-US"/>
           </a:p>
@@ -15748,7 +15759,15 @@
           <a:p>
             <a:r>
               <a:rPr lang="en-US" b="1" dirty="0" smtClean="0"/>
-              <a:t>Lesson 2: Movement</a:t>
+              <a:t>Lesson </a:t>
+            </a:r>
+            <a:r>
+              <a:rPr lang="en-US" b="1" dirty="0" smtClean="0"/>
+              <a:t>3: </a:t>
+            </a:r>
+            <a:r>
+              <a:rPr lang="en-US" b="1" dirty="0" smtClean="0"/>
+              <a:t>Movement</a:t>
             </a:r>
             <a:endParaRPr lang="en-US" b="1" dirty="0"/>
           </a:p>
@@ -18522,56 +18541,55 @@
           <a:lstStyle/>
           <a:p>
             <a:r>
-              <a:rPr lang="en-US" dirty="0" smtClean="0"/>
-              <a:t>Next Time…</a:t>
-            </a:r>
-            <a:endParaRPr lang="en-US" dirty="0"/>
+              <a:rPr lang="en-US" b="1" dirty="0" smtClean="0"/>
+              <a:t>Lesson </a:t>
+            </a:r>
+            <a:r>
+              <a:rPr lang="en-US" b="1" dirty="0" smtClean="0"/>
+              <a:t>1 in </a:t>
+            </a:r>
+            <a:r>
+              <a:rPr lang="en-US" b="1" dirty="0" err="1" smtClean="0"/>
+              <a:t>Three.js</a:t>
+            </a:r>
+            <a:endParaRPr lang="en-US" b="1" dirty="0"/>
           </a:p>
         </p:txBody>
       </p:sp>
-      <p:sp>
-        <p:nvSpPr>
-          <p:cNvPr id="3" name="Content Placeholder 2"/>
-          <p:cNvSpPr>
-            <a:spLocks noGrp="1"/>
-          </p:cNvSpPr>
-          <p:nvPr>
-            <p:ph idx="1"/>
-          </p:nvPr>
-        </p:nvSpPr>
-        <p:spPr/>
-        <p:txBody>
-          <a:bodyPr/>
-          <a:lstStyle/>
-          <a:p>
-            <a:r>
-              <a:rPr lang="en-US" dirty="0" smtClean="0"/>
-              <a:t>Using </a:t>
-            </a:r>
-            <a:r>
-              <a:rPr lang="en-US" dirty="0" err="1" smtClean="0"/>
-              <a:t>Three.js</a:t>
-            </a:r>
-            <a:r>
-              <a:rPr lang="en-US" dirty="0" smtClean="0"/>
-              <a:t> to make </a:t>
-            </a:r>
-            <a:r>
-              <a:rPr lang="en-US" dirty="0" err="1" smtClean="0"/>
-              <a:t>WebGL</a:t>
-            </a:r>
-            <a:r>
-              <a:rPr lang="en-US" dirty="0" smtClean="0"/>
-              <a:t> more sane.</a:t>
-            </a:r>
-            <a:endParaRPr lang="en-US" dirty="0"/>
-          </a:p>
-        </p:txBody>
-      </p:sp>
+      <p:pic>
+        <p:nvPicPr>
+          <p:cNvPr id="4" name="Picture 3" descr="Screen Shot 2015-04-14 at 4.22.24 PM.png"/>
+          <p:cNvPicPr>
+            <a:picLocks noChangeAspect="1"/>
+          </p:cNvPicPr>
+          <p:nvPr/>
+        </p:nvPicPr>
+        <p:blipFill>
+          <a:blip r:embed="rId2">
+            <a:extLst>
+              <a:ext uri="{28A0092B-C50C-407E-A947-70E740481C1C}">
+                <a14:useLocalDpi xmlns:a14="http://schemas.microsoft.com/office/drawing/2010/main" val="0"/>
+              </a:ext>
+            </a:extLst>
+          </a:blip>
+          <a:stretch>
+            <a:fillRect/>
+          </a:stretch>
+        </p:blipFill>
+        <p:spPr>
+          <a:xfrm>
+            <a:off x="1968883" y="1417639"/>
+            <a:ext cx="5206234" cy="5206234"/>
+          </a:xfrm>
+          <a:prstGeom prst="rect">
+            <a:avLst/>
+          </a:prstGeom>
+        </p:spPr>
+      </p:pic>
     </p:spTree>
     <p:extLst>
       <p:ext uri="{BB962C8B-B14F-4D97-AF65-F5344CB8AC3E}">
-        <p14:creationId xmlns:p14="http://schemas.microsoft.com/office/powerpoint/2010/main" val="212014411"/>
+        <p14:creationId xmlns:p14="http://schemas.microsoft.com/office/powerpoint/2010/main" val="132044852"/>
       </p:ext>
     </p:extLst>
   </p:cSld>
@@ -18705,17 +18723,8 @@
               <a:rPr lang="en-US" dirty="0" smtClean="0">
                 <a:hlinkClick r:id="rId3"/>
               </a:rPr>
-              <a:t>http://localhost:8000</a:t>
-            </a:r>
-            <a:r>
-              <a:rPr lang="en-US" dirty="0" smtClean="0">
-                <a:hlinkClick r:id="rId3"/>
-              </a:rPr>
-              <a:t>/</a:t>
-            </a:r>
-            <a:endParaRPr lang="en-US" dirty="0" smtClean="0">
-              <a:hlinkClick r:id="rId3"/>
-            </a:endParaRPr>
+              <a:t>http://localhost:8000/</a:t>
+            </a:r>
           </a:p>
         </p:txBody>
       </p:sp>
@@ -18740,7 +18749,7 @@
 </file>
 
 <file path=ppt/slides/slide40.xml><?xml version="1.0" encoding="utf-8"?>
-<p:sld xmlns:a="http://schemas.openxmlformats.org/drawingml/2006/main" xmlns:r="http://schemas.openxmlformats.org/officeDocument/2006/relationships" xmlns:p="http://schemas.openxmlformats.org/presentationml/2006/main" show="0">
+<p:sld xmlns:a="http://schemas.openxmlformats.org/drawingml/2006/main" xmlns:r="http://schemas.openxmlformats.org/officeDocument/2006/relationships" xmlns:p="http://schemas.openxmlformats.org/presentationml/2006/main">
   <p:cSld>
     <p:spTree>
       <p:nvGrpSpPr>
@@ -18775,7 +18784,11 @@
           <a:p>
             <a:r>
               <a:rPr lang="en-US" b="1" dirty="0" smtClean="0"/>
-              <a:t>Lesson 1: Triangle and Quad (</a:t>
+              <a:t>Lesson 1: Triangle and Quad </a:t>
+            </a:r>
+            <a:r>
+              <a:rPr lang="en-US" b="1" dirty="0" smtClean="0"/>
+              <a:t>(</a:t>
             </a:r>
             <a:r>
               <a:rPr lang="en-US" b="1" dirty="0" err="1" smtClean="0"/>
@@ -18805,9 +18818,104 @@
           <a:lstStyle/>
           <a:p>
             <a:r>
-              <a:rPr lang="en-US" dirty="0" err="1" smtClean="0"/>
-              <a:t>Three.js</a:t>
-            </a:r>
+              <a:rPr lang="en-US" dirty="0" smtClean="0"/>
+              <a:t>Local Web server links:</a:t>
+            </a:r>
+            <a:r>
+              <a:rPr lang="en-US" dirty="0" smtClean="0">
+                <a:hlinkClick r:id="rId2"/>
+              </a:rPr>
+              <a:t/>
+            </a:r>
+            <a:br>
+              <a:rPr lang="en-US" dirty="0" smtClean="0">
+                <a:hlinkClick r:id="rId2"/>
+              </a:rPr>
+            </a:br>
+            <a:r>
+              <a:rPr lang="en-US" dirty="0" smtClean="0">
+                <a:hlinkClick r:id="rId3"/>
+              </a:rPr>
+              <a:t>Three.js </a:t>
+            </a:r>
+            <a:r>
+              <a:rPr lang="en-US" dirty="0" smtClean="0">
+                <a:hlinkClick r:id="rId3"/>
+              </a:rPr>
+              <a:t>lesson 1</a:t>
+            </a:r>
+            <a:r>
+              <a:rPr lang="en-US" dirty="0" smtClean="0"/>
+              <a:t> (also, </a:t>
+            </a:r>
+            <a:r>
+              <a:rPr lang="en-US" dirty="0" smtClean="0">
+                <a:hlinkClick r:id="rId4" action="ppaction://hlinkfile"/>
+              </a:rPr>
+              <a:t>view source</a:t>
+            </a:r>
+            <a:r>
+              <a:rPr lang="en-US" dirty="0" smtClean="0"/>
+              <a:t>)</a:t>
+            </a:r>
+          </a:p>
+          <a:p>
+            <a:endParaRPr lang="en-US" dirty="0" smtClean="0"/>
+          </a:p>
+          <a:p>
+            <a:r>
+              <a:rPr lang="en-US" dirty="0" smtClean="0"/>
+              <a:t>Web links</a:t>
+            </a:r>
+            <a:r>
+              <a:rPr lang="en-US" dirty="0"/>
+              <a:t>:</a:t>
+            </a:r>
+            <a:r>
+              <a:rPr lang="en-US" dirty="0">
+                <a:hlinkClick r:id="rId5"/>
+              </a:rPr>
+              <a:t/>
+            </a:r>
+            <a:br>
+              <a:rPr lang="en-US" dirty="0">
+                <a:hlinkClick r:id="rId5"/>
+              </a:rPr>
+            </a:br>
+            <a:r>
+              <a:rPr lang="en-US" dirty="0">
+                <a:hlinkClick r:id="rId6"/>
+              </a:rPr>
+              <a:t>T</a:t>
+            </a:r>
+            <a:r>
+              <a:rPr lang="en-US" dirty="0" smtClean="0">
+                <a:hlinkClick r:id="rId6"/>
+              </a:rPr>
+              <a:t>hree.js </a:t>
+            </a:r>
+            <a:r>
+              <a:rPr lang="en-US" dirty="0">
+                <a:hlinkClick r:id="rId6"/>
+              </a:rPr>
+              <a:t>lesson 1</a:t>
+            </a:r>
+            <a:r>
+              <a:rPr lang="en-US" dirty="0"/>
+              <a:t> (also, </a:t>
+            </a:r>
+            <a:r>
+              <a:rPr lang="en-US" dirty="0">
+                <a:hlinkClick r:id="rId7" action="ppaction://hlinkfile"/>
+              </a:rPr>
+              <a:t>view source</a:t>
+            </a:r>
+            <a:r>
+              <a:rPr lang="en-US" dirty="0"/>
+              <a:t>)</a:t>
+            </a:r>
+          </a:p>
+          <a:p>
             <a:endParaRPr lang="en-US" dirty="0"/>
           </a:p>
         </p:txBody>
@@ -18815,21 +18923,13 @@
     </p:spTree>
     <p:extLst>
       <p:ext uri="{BB962C8B-B14F-4D97-AF65-F5344CB8AC3E}">
-        <p14:creationId xmlns:p14="http://schemas.microsoft.com/office/powerpoint/2010/main" val="1647454612"/>
+        <p14:creationId xmlns:p14="http://schemas.microsoft.com/office/powerpoint/2010/main" val="1099025158"/>
       </p:ext>
     </p:extLst>
   </p:cSld>
   <p:clrMapOvr>
     <a:masterClrMapping/>
   </p:clrMapOvr>
-  <mc:AlternateContent xmlns:mc="http://schemas.openxmlformats.org/markup-compatibility/2006">
-    <mc:Choice xmlns:p14="http://schemas.microsoft.com/office/powerpoint/2010/main" Requires="p14">
-      <p:transition spd="slow" p14:dur="2000"/>
-    </mc:Choice>
-    <mc:Fallback>
-      <p:transition xmlns:p14="http://schemas.microsoft.com/office/powerpoint/2010/main" spd="slow"/>
-    </mc:Fallback>
-  </mc:AlternateContent>
   <p:timing>
     <p:tnLst>
       <p:par>
@@ -18841,7 +18941,7 @@
 </file>
 
 <file path=ppt/slides/slide41.xml><?xml version="1.0" encoding="utf-8"?>
-<p:sld xmlns:a="http://schemas.openxmlformats.org/drawingml/2006/main" xmlns:r="http://schemas.openxmlformats.org/officeDocument/2006/relationships" xmlns:p="http://schemas.openxmlformats.org/presentationml/2006/main" show="0">
+<p:sld xmlns:a="http://schemas.openxmlformats.org/drawingml/2006/main" xmlns:r="http://schemas.openxmlformats.org/officeDocument/2006/relationships" xmlns:p="http://schemas.openxmlformats.org/presentationml/2006/main">
   <p:cSld>
     <p:spTree>
       <p:nvGrpSpPr>
@@ -18873,14 +18973,10 @@
           <a:lstStyle/>
           <a:p>
             <a:r>
-              <a:rPr lang="en-US" b="1" dirty="0" err="1" smtClean="0"/>
-              <a:t>Three.js</a:t>
-            </a:r>
-            <a:r>
-              <a:rPr lang="en-US" b="1" dirty="0" smtClean="0"/>
-              <a:t> Mesh Loader</a:t>
-            </a:r>
-            <a:endParaRPr lang="en-US" b="1" dirty="0"/>
+              <a:rPr lang="en-US" dirty="0" smtClean="0"/>
+              <a:t>Lesson 01</a:t>
+            </a:r>
+            <a:endParaRPr lang="en-US" dirty="0"/>
           </a:p>
         </p:txBody>
       </p:sp>
@@ -18894,41 +18990,3938 @@
             <p:ph idx="1"/>
           </p:nvPr>
         </p:nvSpPr>
-        <p:spPr/>
+        <p:spPr>
+          <a:xfrm>
+            <a:off x="457200" y="1600200"/>
+            <a:ext cx="8686800" cy="4525963"/>
+          </a:xfrm>
+        </p:spPr>
         <p:txBody>
-          <a:bodyPr/>
+          <a:bodyPr>
+            <a:normAutofit/>
+          </a:bodyPr>
           <a:lstStyle/>
           <a:p>
             <a:r>
               <a:rPr lang="en-US" dirty="0" smtClean="0"/>
-              <a:t>Simple tutorial </a:t>
+              <a:t>Declare scene and camera, </a:t>
             </a:r>
             <a:r>
               <a:rPr lang="en-US" dirty="0" err="1" smtClean="0"/>
-              <a:t>three.js</a:t>
-            </a:r>
-            <a:endParaRPr lang="en-US" dirty="0"/>
+              <a:t>init</a:t>
+            </a:r>
+            <a:r>
+              <a:rPr lang="en-US" dirty="0" smtClean="0"/>
+              <a:t>, and render.</a:t>
+            </a:r>
+          </a:p>
+          <a:p>
+            <a:endParaRPr lang="en-US" dirty="0" smtClean="0">
+              <a:solidFill>
+                <a:srgbClr val="0000FF"/>
+              </a:solidFill>
+              <a:latin typeface="Lucida Console"/>
+              <a:cs typeface="Lucida Console"/>
+            </a:endParaRPr>
+          </a:p>
+          <a:p>
+            <a:pPr marL="0" indent="0">
+              <a:buNone/>
+            </a:pPr>
+            <a:r>
+              <a:rPr lang="en-US" sz="3000" dirty="0" err="1" smtClean="0">
+                <a:solidFill>
+                  <a:srgbClr val="0000FF"/>
+                </a:solidFill>
+                <a:latin typeface="Lucida Console"/>
+                <a:cs typeface="Lucida Console"/>
+              </a:rPr>
+              <a:t>var</a:t>
+            </a:r>
+            <a:r>
+              <a:rPr lang="en-US" sz="3000" dirty="0" smtClean="0">
+                <a:solidFill>
+                  <a:srgbClr val="0000FF"/>
+                </a:solidFill>
+                <a:latin typeface="Lucida Console"/>
+                <a:cs typeface="Lucida Console"/>
+              </a:rPr>
+              <a:t> </a:t>
+            </a:r>
+            <a:r>
+              <a:rPr lang="en-US" sz="3000" dirty="0">
+                <a:solidFill>
+                  <a:srgbClr val="0000FF"/>
+                </a:solidFill>
+                <a:latin typeface="Lucida Console"/>
+                <a:cs typeface="Lucida Console"/>
+              </a:rPr>
+              <a:t>scene</a:t>
+            </a:r>
+            <a:r>
+              <a:rPr lang="en-US" sz="3000" dirty="0" smtClean="0">
+                <a:solidFill>
+                  <a:srgbClr val="0000FF"/>
+                </a:solidFill>
+                <a:latin typeface="Lucida Console"/>
+                <a:cs typeface="Lucida Console"/>
+              </a:rPr>
+              <a:t>; </a:t>
+            </a:r>
+            <a:r>
+              <a:rPr lang="en-US" sz="3000" dirty="0">
+                <a:solidFill>
+                  <a:srgbClr val="0000FF"/>
+                </a:solidFill>
+                <a:latin typeface="Lucida Console"/>
+                <a:cs typeface="Lucida Console"/>
+              </a:rPr>
+              <a:t>		// Global scene object</a:t>
+            </a:r>
+          </a:p>
+          <a:p>
+            <a:pPr marL="0" indent="0">
+              <a:buNone/>
+            </a:pPr>
+            <a:r>
+              <a:rPr lang="en-US" sz="3000" dirty="0" err="1" smtClean="0">
+                <a:solidFill>
+                  <a:srgbClr val="0000FF"/>
+                </a:solidFill>
+                <a:latin typeface="Lucida Console"/>
+                <a:cs typeface="Lucida Console"/>
+              </a:rPr>
+              <a:t>var</a:t>
+            </a:r>
+            <a:r>
+              <a:rPr lang="en-US" sz="3000" dirty="0" smtClean="0">
+                <a:solidFill>
+                  <a:srgbClr val="0000FF"/>
+                </a:solidFill>
+                <a:latin typeface="Lucida Console"/>
+                <a:cs typeface="Lucida Console"/>
+              </a:rPr>
+              <a:t> </a:t>
+            </a:r>
+            <a:r>
+              <a:rPr lang="en-US" sz="3000" dirty="0">
+                <a:solidFill>
+                  <a:srgbClr val="0000FF"/>
+                </a:solidFill>
+                <a:latin typeface="Lucida Console"/>
+                <a:cs typeface="Lucida Console"/>
+              </a:rPr>
+              <a:t>camera</a:t>
+            </a:r>
+            <a:r>
+              <a:rPr lang="en-US" sz="3000" dirty="0" smtClean="0">
+                <a:solidFill>
+                  <a:srgbClr val="0000FF"/>
+                </a:solidFill>
+                <a:latin typeface="Lucida Console"/>
+                <a:cs typeface="Lucida Console"/>
+              </a:rPr>
+              <a:t>; </a:t>
+            </a:r>
+            <a:r>
+              <a:rPr lang="en-US" sz="3000" dirty="0">
+                <a:solidFill>
+                  <a:srgbClr val="0000FF"/>
+                </a:solidFill>
+                <a:latin typeface="Lucida Console"/>
+                <a:cs typeface="Lucida Console"/>
+              </a:rPr>
+              <a:t>	</a:t>
+            </a:r>
+            <a:r>
+              <a:rPr lang="en-US" sz="3000" dirty="0" smtClean="0">
+                <a:solidFill>
+                  <a:srgbClr val="0000FF"/>
+                </a:solidFill>
+                <a:latin typeface="Lucida Console"/>
+                <a:cs typeface="Lucida Console"/>
+              </a:rPr>
+              <a:t>/</a:t>
+            </a:r>
+            <a:r>
+              <a:rPr lang="en-US" sz="3000" dirty="0">
+                <a:solidFill>
+                  <a:srgbClr val="0000FF"/>
+                </a:solidFill>
+                <a:latin typeface="Lucida Console"/>
+                <a:cs typeface="Lucida Console"/>
+              </a:rPr>
+              <a:t>/ Global camera object</a:t>
+            </a:r>
+          </a:p>
+          <a:p>
+            <a:pPr marL="0" indent="0">
+              <a:buNone/>
+            </a:pPr>
+            <a:endParaRPr lang="en-US" sz="3000" dirty="0">
+              <a:solidFill>
+                <a:srgbClr val="0000FF"/>
+              </a:solidFill>
+              <a:latin typeface="Lucida Console"/>
+              <a:cs typeface="Lucida Console"/>
+            </a:endParaRPr>
+          </a:p>
+          <a:p>
+            <a:pPr marL="0" indent="0">
+              <a:buNone/>
+            </a:pPr>
+            <a:r>
+              <a:rPr lang="en-US" sz="3000" dirty="0" err="1" smtClean="0">
+                <a:solidFill>
+                  <a:srgbClr val="0000FF"/>
+                </a:solidFill>
+                <a:latin typeface="Lucida Console"/>
+                <a:cs typeface="Lucida Console"/>
+              </a:rPr>
+              <a:t>initializeScene</a:t>
+            </a:r>
+            <a:r>
+              <a:rPr lang="en-US" sz="3000" dirty="0">
+                <a:solidFill>
+                  <a:srgbClr val="0000FF"/>
+                </a:solidFill>
+                <a:latin typeface="Lucida Console"/>
+                <a:cs typeface="Lucida Console"/>
+              </a:rPr>
+              <a:t>();</a:t>
+            </a:r>
+          </a:p>
+          <a:p>
+            <a:pPr marL="0" indent="0">
+              <a:buNone/>
+            </a:pPr>
+            <a:r>
+              <a:rPr lang="en-US" sz="3000" dirty="0" err="1" smtClean="0">
+                <a:solidFill>
+                  <a:srgbClr val="0000FF"/>
+                </a:solidFill>
+                <a:latin typeface="Lucida Console"/>
+                <a:cs typeface="Lucida Console"/>
+              </a:rPr>
+              <a:t>renderScene</a:t>
+            </a:r>
+            <a:r>
+              <a:rPr lang="en-US" sz="3000" dirty="0">
+                <a:solidFill>
+                  <a:srgbClr val="0000FF"/>
+                </a:solidFill>
+                <a:latin typeface="Lucida Console"/>
+                <a:cs typeface="Lucida Console"/>
+              </a:rPr>
+              <a:t>();</a:t>
+            </a:r>
+          </a:p>
+          <a:p>
+            <a:pPr marL="0" indent="0">
+              <a:buNone/>
+            </a:pPr>
+            <a:endParaRPr lang="en-US" dirty="0" smtClean="0"/>
           </a:p>
         </p:txBody>
       </p:sp>
     </p:spTree>
     <p:extLst>
       <p:ext uri="{BB962C8B-B14F-4D97-AF65-F5344CB8AC3E}">
-        <p14:creationId xmlns:p14="http://schemas.microsoft.com/office/powerpoint/2010/main" val="2826869002"/>
+        <p14:creationId xmlns:p14="http://schemas.microsoft.com/office/powerpoint/2010/main" val="3506784509"/>
       </p:ext>
     </p:extLst>
   </p:cSld>
   <p:clrMapOvr>
     <a:masterClrMapping/>
   </p:clrMapOvr>
-  <mc:AlternateContent xmlns:mc="http://schemas.openxmlformats.org/markup-compatibility/2006">
-    <mc:Choice xmlns:p14="http://schemas.microsoft.com/office/powerpoint/2010/main" Requires="p14">
-      <p:transition spd="slow" p14:dur="2000"/>
-    </mc:Choice>
-    <mc:Fallback>
-      <p:transition xmlns:p14="http://schemas.microsoft.com/office/powerpoint/2010/main" spd="slow"/>
-    </mc:Fallback>
-  </mc:AlternateContent>
+  <p:timing>
+    <p:tnLst>
+      <p:par>
+        <p:cTn xmlns:p14="http://schemas.microsoft.com/office/powerpoint/2010/main" id="1" dur="indefinite" restart="never" nodeType="tmRoot"/>
+      </p:par>
+    </p:tnLst>
+  </p:timing>
+</p:sld>
+</file>
+
+<file path=ppt/slides/slide42.xml><?xml version="1.0" encoding="utf-8"?>
+<p:sld xmlns:a="http://schemas.openxmlformats.org/drawingml/2006/main" xmlns:r="http://schemas.openxmlformats.org/officeDocument/2006/relationships" xmlns:p="http://schemas.openxmlformats.org/presentationml/2006/main">
+  <p:cSld>
+    <p:spTree>
+      <p:nvGrpSpPr>
+        <p:cNvPr id="1" name=""/>
+        <p:cNvGrpSpPr/>
+        <p:nvPr/>
+      </p:nvGrpSpPr>
+      <p:grpSpPr>
+        <a:xfrm>
+          <a:off x="0" y="0"/>
+          <a:ext cx="0" cy="0"/>
+          <a:chOff x="0" y="0"/>
+          <a:chExt cx="0" cy="0"/>
+        </a:xfrm>
+      </p:grpSpPr>
+      <p:sp>
+        <p:nvSpPr>
+          <p:cNvPr id="2" name="Title 1"/>
+          <p:cNvSpPr>
+            <a:spLocks noGrp="1"/>
+          </p:cNvSpPr>
+          <p:nvPr>
+            <p:ph type="title"/>
+          </p:nvPr>
+        </p:nvSpPr>
+        <p:spPr/>
+        <p:txBody>
+          <a:bodyPr/>
+          <a:lstStyle/>
+          <a:p>
+            <a:r>
+              <a:rPr lang="en-US" dirty="0" smtClean="0"/>
+              <a:t>Lesson 01</a:t>
+            </a:r>
+            <a:endParaRPr lang="en-US" dirty="0"/>
+          </a:p>
+        </p:txBody>
+      </p:sp>
+      <p:sp>
+        <p:nvSpPr>
+          <p:cNvPr id="3" name="Content Placeholder 2"/>
+          <p:cNvSpPr>
+            <a:spLocks noGrp="1"/>
+          </p:cNvSpPr>
+          <p:nvPr>
+            <p:ph idx="1"/>
+          </p:nvPr>
+        </p:nvSpPr>
+        <p:spPr>
+          <a:xfrm>
+            <a:off x="0" y="1417638"/>
+            <a:ext cx="9144000" cy="4525963"/>
+          </a:xfrm>
+        </p:spPr>
+        <p:txBody>
+          <a:bodyPr>
+            <a:normAutofit fontScale="25000" lnSpcReduction="20000"/>
+          </a:bodyPr>
+          <a:lstStyle/>
+          <a:p>
+            <a:r>
+              <a:rPr lang="en-US" sz="12000" dirty="0" smtClean="0"/>
+              <a:t>Set up the renderer.</a:t>
+            </a:r>
+          </a:p>
+          <a:p>
+            <a:endParaRPr lang="en-US" dirty="0" smtClean="0">
+              <a:solidFill>
+                <a:srgbClr val="0000FF"/>
+              </a:solidFill>
+              <a:latin typeface="Lucida Console"/>
+              <a:cs typeface="Lucida Console"/>
+            </a:endParaRPr>
+          </a:p>
+          <a:p>
+            <a:pPr marL="0" indent="0">
+              <a:buNone/>
+            </a:pPr>
+            <a:r>
+              <a:rPr lang="en-US" sz="8000" dirty="0" smtClean="0">
+                <a:solidFill>
+                  <a:srgbClr val="0000FF"/>
+                </a:solidFill>
+                <a:latin typeface="Lucida Console"/>
+                <a:cs typeface="Lucida Console"/>
+              </a:rPr>
+              <a:t>function </a:t>
+            </a:r>
+            <a:r>
+              <a:rPr lang="en-US" sz="8000" dirty="0" err="1">
+                <a:solidFill>
+                  <a:srgbClr val="0000FF"/>
+                </a:solidFill>
+                <a:latin typeface="Lucida Console"/>
+                <a:cs typeface="Lucida Console"/>
+              </a:rPr>
+              <a:t>initializeScene</a:t>
+            </a:r>
+            <a:r>
+              <a:rPr lang="en-US" sz="8000" dirty="0">
+                <a:solidFill>
+                  <a:srgbClr val="0000FF"/>
+                </a:solidFill>
+                <a:latin typeface="Lucida Console"/>
+                <a:cs typeface="Lucida Console"/>
+              </a:rPr>
+              <a:t>(</a:t>
+            </a:r>
+            <a:r>
+              <a:rPr lang="en-US" sz="8000" dirty="0" smtClean="0">
+                <a:solidFill>
+                  <a:srgbClr val="0000FF"/>
+                </a:solidFill>
+                <a:latin typeface="Lucida Console"/>
+                <a:cs typeface="Lucida Console"/>
+              </a:rPr>
+              <a:t>) {</a:t>
+            </a:r>
+            <a:endParaRPr lang="en-US" sz="8000" dirty="0">
+              <a:solidFill>
+                <a:srgbClr val="0000FF"/>
+              </a:solidFill>
+              <a:latin typeface="Lucida Console"/>
+              <a:cs typeface="Lucida Console"/>
+            </a:endParaRPr>
+          </a:p>
+          <a:p>
+            <a:pPr marL="0" indent="0">
+              <a:buNone/>
+            </a:pPr>
+            <a:r>
+              <a:rPr lang="en-US" sz="8000" dirty="0">
+                <a:solidFill>
+                  <a:srgbClr val="0000FF"/>
+                </a:solidFill>
+                <a:latin typeface="Lucida Console"/>
+                <a:cs typeface="Lucida Console"/>
+              </a:rPr>
+              <a:t>    </a:t>
+            </a:r>
+            <a:r>
+              <a:rPr lang="en-US" sz="8000" dirty="0" smtClean="0">
+                <a:solidFill>
+                  <a:srgbClr val="0000FF"/>
+                </a:solidFill>
+                <a:latin typeface="Lucida Console"/>
+                <a:cs typeface="Lucida Console"/>
+              </a:rPr>
+              <a:t>if (</a:t>
+            </a:r>
+            <a:r>
+              <a:rPr lang="en-US" sz="8000" dirty="0" err="1">
+                <a:solidFill>
+                  <a:srgbClr val="0000FF"/>
+                </a:solidFill>
+                <a:latin typeface="Lucida Console"/>
+                <a:cs typeface="Lucida Console"/>
+              </a:rPr>
+              <a:t>Detector.webgl</a:t>
+            </a:r>
+            <a:r>
+              <a:rPr lang="en-US" sz="8000" dirty="0">
+                <a:solidFill>
+                  <a:srgbClr val="0000FF"/>
+                </a:solidFill>
+                <a:latin typeface="Lucida Console"/>
+                <a:cs typeface="Lucida Console"/>
+              </a:rPr>
+              <a:t>){</a:t>
+            </a:r>
+          </a:p>
+          <a:p>
+            <a:pPr marL="0" indent="0">
+              <a:buNone/>
+            </a:pPr>
+            <a:r>
+              <a:rPr lang="en-US" sz="8000" dirty="0">
+                <a:solidFill>
+                  <a:srgbClr val="0000FF"/>
+                </a:solidFill>
+                <a:latin typeface="Lucida Console"/>
+                <a:cs typeface="Lucida Console"/>
+              </a:rPr>
+              <a:t>        renderer = new </a:t>
+            </a:r>
+            <a:r>
+              <a:rPr lang="en-US" sz="8000" dirty="0" smtClean="0">
+                <a:solidFill>
+                  <a:srgbClr val="0000FF"/>
+                </a:solidFill>
+                <a:latin typeface="Lucida Console"/>
+                <a:cs typeface="Lucida Console"/>
+              </a:rPr>
+              <a:t/>
+            </a:r>
+            <a:br>
+              <a:rPr lang="en-US" sz="8000" dirty="0" smtClean="0">
+                <a:solidFill>
+                  <a:srgbClr val="0000FF"/>
+                </a:solidFill>
+                <a:latin typeface="Lucida Console"/>
+                <a:cs typeface="Lucida Console"/>
+              </a:rPr>
+            </a:br>
+            <a:r>
+              <a:rPr lang="en-US" sz="8000" dirty="0" smtClean="0">
+                <a:solidFill>
+                  <a:srgbClr val="0000FF"/>
+                </a:solidFill>
+                <a:latin typeface="Lucida Console"/>
+                <a:cs typeface="Lucida Console"/>
+              </a:rPr>
+              <a:t>          </a:t>
+            </a:r>
+            <a:r>
+              <a:rPr lang="en-US" sz="8000" dirty="0" err="1" smtClean="0">
+                <a:solidFill>
+                  <a:srgbClr val="0000FF"/>
+                </a:solidFill>
+                <a:latin typeface="Lucida Console"/>
+                <a:cs typeface="Lucida Console"/>
+              </a:rPr>
+              <a:t>THREE.WebGLRenderer</a:t>
+            </a:r>
+            <a:r>
+              <a:rPr lang="en-US" sz="8000" dirty="0">
+                <a:solidFill>
+                  <a:srgbClr val="0000FF"/>
+                </a:solidFill>
+                <a:latin typeface="Lucida Console"/>
+                <a:cs typeface="Lucida Console"/>
+              </a:rPr>
+              <a:t>({</a:t>
+            </a:r>
+            <a:r>
+              <a:rPr lang="en-US" sz="8000" dirty="0" err="1">
+                <a:solidFill>
+                  <a:srgbClr val="0000FF"/>
+                </a:solidFill>
+                <a:latin typeface="Lucida Console"/>
+                <a:cs typeface="Lucida Console"/>
+              </a:rPr>
+              <a:t>antialias:true</a:t>
+            </a:r>
+            <a:r>
+              <a:rPr lang="en-US" sz="8000" dirty="0">
+                <a:solidFill>
+                  <a:srgbClr val="0000FF"/>
+                </a:solidFill>
+                <a:latin typeface="Lucida Console"/>
+                <a:cs typeface="Lucida Console"/>
+              </a:rPr>
+              <a:t>})</a:t>
+            </a:r>
+            <a:r>
+              <a:rPr lang="en-US" sz="8000" dirty="0" smtClean="0">
+                <a:solidFill>
+                  <a:srgbClr val="0000FF"/>
+                </a:solidFill>
+                <a:latin typeface="Lucida Console"/>
+                <a:cs typeface="Lucida Console"/>
+              </a:rPr>
+              <a:t>;</a:t>
+            </a:r>
+            <a:endParaRPr lang="en-US" sz="8000" dirty="0">
+              <a:solidFill>
+                <a:srgbClr val="0000FF"/>
+              </a:solidFill>
+              <a:latin typeface="Lucida Console"/>
+              <a:cs typeface="Lucida Console"/>
+            </a:endParaRPr>
+          </a:p>
+          <a:p>
+            <a:pPr marL="0" indent="0">
+              <a:buNone/>
+            </a:pPr>
+            <a:r>
+              <a:rPr lang="en-US" sz="8000" dirty="0">
+                <a:solidFill>
+                  <a:srgbClr val="0000FF"/>
+                </a:solidFill>
+                <a:latin typeface="Lucida Console"/>
+                <a:cs typeface="Lucida Console"/>
+              </a:rPr>
+              <a:t>    } else {</a:t>
+            </a:r>
+          </a:p>
+          <a:p>
+            <a:pPr marL="0" indent="0">
+              <a:buNone/>
+            </a:pPr>
+            <a:r>
+              <a:rPr lang="en-US" sz="8000" dirty="0">
+                <a:solidFill>
+                  <a:srgbClr val="0000FF"/>
+                </a:solidFill>
+                <a:latin typeface="Lucida Console"/>
+                <a:cs typeface="Lucida Console"/>
+              </a:rPr>
+              <a:t>        renderer = new </a:t>
+            </a:r>
+            <a:r>
+              <a:rPr lang="en-US" sz="8000" dirty="0" err="1">
+                <a:solidFill>
+                  <a:srgbClr val="0000FF"/>
+                </a:solidFill>
+                <a:latin typeface="Lucida Console"/>
+                <a:cs typeface="Lucida Console"/>
+              </a:rPr>
+              <a:t>THREE.CanvasRenderer</a:t>
+            </a:r>
+            <a:r>
+              <a:rPr lang="en-US" sz="8000" dirty="0">
+                <a:solidFill>
+                  <a:srgbClr val="0000FF"/>
+                </a:solidFill>
+                <a:latin typeface="Lucida Console"/>
+                <a:cs typeface="Lucida Console"/>
+              </a:rPr>
+              <a:t>()</a:t>
+            </a:r>
+            <a:r>
+              <a:rPr lang="en-US" sz="8000" dirty="0" smtClean="0">
+                <a:solidFill>
+                  <a:srgbClr val="0000FF"/>
+                </a:solidFill>
+                <a:latin typeface="Lucida Console"/>
+                <a:cs typeface="Lucida Console"/>
+              </a:rPr>
+              <a:t>;</a:t>
+            </a:r>
+            <a:endParaRPr lang="en-US" sz="8000" dirty="0">
+              <a:solidFill>
+                <a:srgbClr val="0000FF"/>
+              </a:solidFill>
+              <a:latin typeface="Lucida Console"/>
+              <a:cs typeface="Lucida Console"/>
+            </a:endParaRPr>
+          </a:p>
+          <a:p>
+            <a:pPr marL="0" indent="0">
+              <a:buNone/>
+            </a:pPr>
+            <a:r>
+              <a:rPr lang="en-US" sz="8000" dirty="0">
+                <a:solidFill>
+                  <a:srgbClr val="0000FF"/>
+                </a:solidFill>
+                <a:latin typeface="Lucida Console"/>
+                <a:cs typeface="Lucida Console"/>
+              </a:rPr>
+              <a:t>    }</a:t>
+            </a:r>
+          </a:p>
+          <a:p>
+            <a:pPr marL="0" indent="0">
+              <a:buNone/>
+            </a:pPr>
+            <a:endParaRPr lang="en-US" sz="8000" dirty="0">
+              <a:solidFill>
+                <a:srgbClr val="0000FF"/>
+              </a:solidFill>
+              <a:latin typeface="Lucida Console"/>
+              <a:cs typeface="Lucida Console"/>
+            </a:endParaRPr>
+          </a:p>
+          <a:p>
+            <a:pPr marL="0" indent="0">
+              <a:buNone/>
+            </a:pPr>
+            <a:r>
+              <a:rPr lang="en-US" sz="8000" dirty="0" smtClean="0">
+                <a:solidFill>
+                  <a:srgbClr val="0000FF"/>
+                </a:solidFill>
+                <a:latin typeface="Lucida Console"/>
+                <a:cs typeface="Lucida Console"/>
+              </a:rPr>
+              <a:t>    </a:t>
+            </a:r>
+            <a:r>
+              <a:rPr lang="en-US" sz="8000" dirty="0" err="1" smtClean="0">
+                <a:solidFill>
+                  <a:srgbClr val="0000FF"/>
+                </a:solidFill>
+                <a:latin typeface="Lucida Console"/>
+                <a:cs typeface="Lucida Console"/>
+              </a:rPr>
+              <a:t>renderer.setClearColor</a:t>
+            </a:r>
+            <a:r>
+              <a:rPr lang="en-US" sz="8000" dirty="0">
+                <a:solidFill>
+                  <a:srgbClr val="0000FF"/>
+                </a:solidFill>
+                <a:latin typeface="Lucida Console"/>
+                <a:cs typeface="Lucida Console"/>
+              </a:rPr>
+              <a:t>(0x000000, 1)</a:t>
+            </a:r>
+            <a:r>
+              <a:rPr lang="en-US" sz="8000" dirty="0" smtClean="0">
+                <a:solidFill>
+                  <a:srgbClr val="0000FF"/>
+                </a:solidFill>
+                <a:latin typeface="Lucida Console"/>
+                <a:cs typeface="Lucida Console"/>
+              </a:rPr>
+              <a:t>;  // Opaque black</a:t>
+            </a:r>
+            <a:endParaRPr lang="en-US" sz="8000" dirty="0">
+              <a:solidFill>
+                <a:srgbClr val="0000FF"/>
+              </a:solidFill>
+              <a:latin typeface="Lucida Console"/>
+              <a:cs typeface="Lucida Console"/>
+            </a:endParaRPr>
+          </a:p>
+          <a:p>
+            <a:pPr marL="0" indent="0">
+              <a:buNone/>
+            </a:pPr>
+            <a:endParaRPr lang="en-US" sz="8000" dirty="0">
+              <a:solidFill>
+                <a:srgbClr val="0000FF"/>
+              </a:solidFill>
+              <a:latin typeface="Lucida Console"/>
+              <a:cs typeface="Lucida Console"/>
+            </a:endParaRPr>
+          </a:p>
+          <a:p>
+            <a:pPr marL="0" indent="0">
+              <a:buNone/>
+            </a:pPr>
+            <a:r>
+              <a:rPr lang="en-US" sz="8000" dirty="0" smtClean="0">
+                <a:solidFill>
+                  <a:srgbClr val="0000FF"/>
+                </a:solidFill>
+                <a:latin typeface="Lucida Console"/>
+                <a:cs typeface="Lucida Console"/>
+              </a:rPr>
+              <a:t>    </a:t>
+            </a:r>
+            <a:r>
+              <a:rPr lang="en-US" sz="8000" dirty="0" err="1" smtClean="0">
+                <a:solidFill>
+                  <a:srgbClr val="0000FF"/>
+                </a:solidFill>
+                <a:latin typeface="Lucida Console"/>
+                <a:cs typeface="Lucida Console"/>
+              </a:rPr>
+              <a:t>canvasWidth</a:t>
+            </a:r>
+            <a:r>
+              <a:rPr lang="en-US" sz="8000" dirty="0" smtClean="0">
+                <a:solidFill>
+                  <a:srgbClr val="0000FF"/>
+                </a:solidFill>
+                <a:latin typeface="Lucida Console"/>
+                <a:cs typeface="Lucida Console"/>
+              </a:rPr>
+              <a:t> </a:t>
+            </a:r>
+            <a:r>
+              <a:rPr lang="en-US" sz="8000" dirty="0">
+                <a:solidFill>
+                  <a:srgbClr val="0000FF"/>
+                </a:solidFill>
+                <a:latin typeface="Lucida Console"/>
+                <a:cs typeface="Lucida Console"/>
+              </a:rPr>
+              <a:t>= </a:t>
+            </a:r>
+            <a:r>
+              <a:rPr lang="en-US" sz="8000" dirty="0" err="1">
+                <a:solidFill>
+                  <a:srgbClr val="0000FF"/>
+                </a:solidFill>
+                <a:latin typeface="Lucida Console"/>
+                <a:cs typeface="Lucida Console"/>
+              </a:rPr>
+              <a:t>window.innerWidth</a:t>
+            </a:r>
+            <a:r>
+              <a:rPr lang="en-US" sz="8000" dirty="0" smtClean="0">
+                <a:solidFill>
+                  <a:srgbClr val="0000FF"/>
+                </a:solidFill>
+                <a:latin typeface="Lucida Console"/>
+                <a:cs typeface="Lucida Console"/>
+              </a:rPr>
+              <a:t>;   // Viewport size</a:t>
+            </a:r>
+            <a:endParaRPr lang="en-US" sz="8000" dirty="0">
+              <a:solidFill>
+                <a:srgbClr val="0000FF"/>
+              </a:solidFill>
+              <a:latin typeface="Lucida Console"/>
+              <a:cs typeface="Lucida Console"/>
+            </a:endParaRPr>
+          </a:p>
+          <a:p>
+            <a:pPr marL="0" indent="0">
+              <a:buNone/>
+            </a:pPr>
+            <a:r>
+              <a:rPr lang="en-US" sz="8000" dirty="0">
+                <a:solidFill>
+                  <a:srgbClr val="0000FF"/>
+                </a:solidFill>
+                <a:latin typeface="Lucida Console"/>
+                <a:cs typeface="Lucida Console"/>
+              </a:rPr>
+              <a:t>    </a:t>
+            </a:r>
+            <a:r>
+              <a:rPr lang="en-US" sz="8000" dirty="0" err="1">
+                <a:solidFill>
+                  <a:srgbClr val="0000FF"/>
+                </a:solidFill>
+                <a:latin typeface="Lucida Console"/>
+                <a:cs typeface="Lucida Console"/>
+              </a:rPr>
+              <a:t>canvasHeight</a:t>
+            </a:r>
+            <a:r>
+              <a:rPr lang="en-US" sz="8000" dirty="0">
+                <a:solidFill>
+                  <a:srgbClr val="0000FF"/>
+                </a:solidFill>
+                <a:latin typeface="Lucida Console"/>
+                <a:cs typeface="Lucida Console"/>
+              </a:rPr>
+              <a:t> = </a:t>
+            </a:r>
+            <a:r>
+              <a:rPr lang="en-US" sz="8000" dirty="0" err="1">
+                <a:solidFill>
+                  <a:srgbClr val="0000FF"/>
+                </a:solidFill>
+                <a:latin typeface="Lucida Console"/>
+                <a:cs typeface="Lucida Console"/>
+              </a:rPr>
+              <a:t>window.innerHeight</a:t>
+            </a:r>
+            <a:r>
+              <a:rPr lang="en-US" sz="8000" dirty="0">
+                <a:solidFill>
+                  <a:srgbClr val="0000FF"/>
+                </a:solidFill>
+                <a:latin typeface="Lucida Console"/>
+                <a:cs typeface="Lucida Console"/>
+              </a:rPr>
+              <a:t>;</a:t>
+            </a:r>
+          </a:p>
+          <a:p>
+            <a:pPr marL="0" indent="0">
+              <a:buNone/>
+            </a:pPr>
+            <a:r>
+              <a:rPr lang="en-US" sz="8000" dirty="0" smtClean="0">
+                <a:solidFill>
+                  <a:srgbClr val="0000FF"/>
+                </a:solidFill>
+                <a:latin typeface="Lucida Console"/>
+                <a:cs typeface="Lucida Console"/>
+              </a:rPr>
+              <a:t>    </a:t>
+            </a:r>
+            <a:r>
+              <a:rPr lang="en-US" sz="8000" dirty="0" err="1" smtClean="0">
+                <a:solidFill>
+                  <a:srgbClr val="0000FF"/>
+                </a:solidFill>
+                <a:latin typeface="Lucida Console"/>
+                <a:cs typeface="Lucida Console"/>
+              </a:rPr>
+              <a:t>renderer.setSize</a:t>
+            </a:r>
+            <a:r>
+              <a:rPr lang="en-US" sz="8000" dirty="0">
+                <a:solidFill>
+                  <a:srgbClr val="0000FF"/>
+                </a:solidFill>
+                <a:latin typeface="Lucida Console"/>
+                <a:cs typeface="Lucida Console"/>
+              </a:rPr>
+              <a:t>(</a:t>
+            </a:r>
+            <a:r>
+              <a:rPr lang="en-US" sz="8000" dirty="0" err="1">
+                <a:solidFill>
+                  <a:srgbClr val="0000FF"/>
+                </a:solidFill>
+                <a:latin typeface="Lucida Console"/>
+                <a:cs typeface="Lucida Console"/>
+              </a:rPr>
+              <a:t>canvasWidth</a:t>
+            </a:r>
+            <a:r>
+              <a:rPr lang="en-US" sz="8000" dirty="0">
+                <a:solidFill>
+                  <a:srgbClr val="0000FF"/>
+                </a:solidFill>
+                <a:latin typeface="Lucida Console"/>
+                <a:cs typeface="Lucida Console"/>
+              </a:rPr>
+              <a:t>, </a:t>
+            </a:r>
+            <a:r>
+              <a:rPr lang="en-US" sz="8000" dirty="0" err="1">
+                <a:solidFill>
+                  <a:srgbClr val="0000FF"/>
+                </a:solidFill>
+                <a:latin typeface="Lucida Console"/>
+                <a:cs typeface="Lucida Console"/>
+              </a:rPr>
+              <a:t>canvasHeight</a:t>
+            </a:r>
+            <a:r>
+              <a:rPr lang="en-US" sz="8000" dirty="0">
+                <a:solidFill>
+                  <a:srgbClr val="0000FF"/>
+                </a:solidFill>
+                <a:latin typeface="Lucida Console"/>
+                <a:cs typeface="Lucida Console"/>
+              </a:rPr>
+              <a:t>);</a:t>
+            </a:r>
+          </a:p>
+          <a:p>
+            <a:pPr marL="0" indent="0">
+              <a:buNone/>
+            </a:pPr>
+            <a:endParaRPr lang="en-US" sz="8000" dirty="0">
+              <a:solidFill>
+                <a:srgbClr val="0000FF"/>
+              </a:solidFill>
+              <a:latin typeface="Lucida Console"/>
+              <a:cs typeface="Lucida Console"/>
+            </a:endParaRPr>
+          </a:p>
+          <a:p>
+            <a:pPr marL="0" indent="0">
+              <a:buNone/>
+            </a:pPr>
+            <a:r>
+              <a:rPr lang="en-US" sz="8000" dirty="0" smtClean="0">
+                <a:solidFill>
+                  <a:srgbClr val="0000FF"/>
+                </a:solidFill>
+                <a:latin typeface="Lucida Console"/>
+                <a:cs typeface="Lucida Console"/>
+              </a:rPr>
+              <a:t>    </a:t>
+            </a:r>
+            <a:r>
+              <a:rPr lang="en-US" sz="8000" dirty="0" err="1" smtClean="0">
+                <a:solidFill>
+                  <a:srgbClr val="0000FF"/>
+                </a:solidFill>
+                <a:latin typeface="Lucida Console"/>
+                <a:cs typeface="Lucida Console"/>
+              </a:rPr>
+              <a:t>document.getElementById</a:t>
+            </a:r>
+            <a:r>
+              <a:rPr lang="en-US" sz="8000" dirty="0">
+                <a:solidFill>
+                  <a:srgbClr val="0000FF"/>
+                </a:solidFill>
+                <a:latin typeface="Lucida Console"/>
+                <a:cs typeface="Lucida Console"/>
+              </a:rPr>
+              <a:t>("</a:t>
+            </a:r>
+            <a:r>
+              <a:rPr lang="en-US" sz="8000" dirty="0" err="1">
+                <a:solidFill>
+                  <a:srgbClr val="0000FF"/>
+                </a:solidFill>
+                <a:latin typeface="Lucida Console"/>
+                <a:cs typeface="Lucida Console"/>
+              </a:rPr>
+              <a:t>WebGLCanvas</a:t>
+            </a:r>
+            <a:r>
+              <a:rPr lang="en-US" sz="8000" dirty="0">
+                <a:solidFill>
+                  <a:srgbClr val="0000FF"/>
+                </a:solidFill>
+                <a:latin typeface="Lucida Console"/>
+                <a:cs typeface="Lucida Console"/>
+              </a:rPr>
+              <a:t>")</a:t>
+            </a:r>
+            <a:r>
+              <a:rPr lang="en-US" sz="8000" dirty="0" smtClean="0">
+                <a:solidFill>
+                  <a:srgbClr val="0000FF"/>
+                </a:solidFill>
+                <a:latin typeface="Lucida Console"/>
+                <a:cs typeface="Lucida Console"/>
+              </a:rPr>
+              <a:t>.</a:t>
+            </a:r>
+            <a:br>
+              <a:rPr lang="en-US" sz="8000" dirty="0" smtClean="0">
+                <a:solidFill>
+                  <a:srgbClr val="0000FF"/>
+                </a:solidFill>
+                <a:latin typeface="Lucida Console"/>
+                <a:cs typeface="Lucida Console"/>
+              </a:rPr>
+            </a:br>
+            <a:r>
+              <a:rPr lang="en-US" sz="8000" dirty="0" smtClean="0">
+                <a:solidFill>
+                  <a:srgbClr val="0000FF"/>
+                </a:solidFill>
+                <a:latin typeface="Lucida Console"/>
+                <a:cs typeface="Lucida Console"/>
+              </a:rPr>
+              <a:t>      </a:t>
+            </a:r>
+            <a:r>
+              <a:rPr lang="en-US" sz="8000" dirty="0" err="1" smtClean="0">
+                <a:solidFill>
+                  <a:srgbClr val="0000FF"/>
+                </a:solidFill>
+                <a:latin typeface="Lucida Console"/>
+                <a:cs typeface="Lucida Console"/>
+              </a:rPr>
+              <a:t>appendChild</a:t>
+            </a:r>
+            <a:r>
+              <a:rPr lang="en-US" sz="8000" dirty="0">
+                <a:solidFill>
+                  <a:srgbClr val="0000FF"/>
+                </a:solidFill>
+                <a:latin typeface="Lucida Console"/>
+                <a:cs typeface="Lucida Console"/>
+              </a:rPr>
+              <a:t>(</a:t>
+            </a:r>
+            <a:r>
+              <a:rPr lang="en-US" sz="8000" dirty="0" err="1">
+                <a:solidFill>
+                  <a:srgbClr val="0000FF"/>
+                </a:solidFill>
+                <a:latin typeface="Lucida Console"/>
+                <a:cs typeface="Lucida Console"/>
+              </a:rPr>
+              <a:t>renderer.domElement</a:t>
+            </a:r>
+            <a:r>
+              <a:rPr lang="en-US" sz="8000" dirty="0">
+                <a:solidFill>
+                  <a:srgbClr val="0000FF"/>
+                </a:solidFill>
+                <a:latin typeface="Lucida Console"/>
+                <a:cs typeface="Lucida Console"/>
+              </a:rPr>
+              <a:t>);</a:t>
+            </a:r>
+          </a:p>
+          <a:p>
+            <a:pPr marL="0" indent="0">
+              <a:buNone/>
+            </a:pPr>
+            <a:endParaRPr lang="en-US" sz="3000" dirty="0">
+              <a:solidFill>
+                <a:srgbClr val="0000FF"/>
+              </a:solidFill>
+              <a:latin typeface="Lucida Console"/>
+              <a:cs typeface="Lucida Console"/>
+            </a:endParaRPr>
+          </a:p>
+        </p:txBody>
+      </p:sp>
+    </p:spTree>
+    <p:extLst>
+      <p:ext uri="{BB962C8B-B14F-4D97-AF65-F5344CB8AC3E}">
+        <p14:creationId xmlns:p14="http://schemas.microsoft.com/office/powerpoint/2010/main" val="1817057909"/>
+      </p:ext>
+    </p:extLst>
+  </p:cSld>
+  <p:clrMapOvr>
+    <a:masterClrMapping/>
+  </p:clrMapOvr>
+  <p:timing>
+    <p:tnLst>
+      <p:par>
+        <p:cTn xmlns:p14="http://schemas.microsoft.com/office/powerpoint/2010/main" id="1" dur="indefinite" restart="never" nodeType="tmRoot"/>
+      </p:par>
+    </p:tnLst>
+  </p:timing>
+</p:sld>
+</file>
+
+<file path=ppt/slides/slide43.xml><?xml version="1.0" encoding="utf-8"?>
+<p:sld xmlns:a="http://schemas.openxmlformats.org/drawingml/2006/main" xmlns:r="http://schemas.openxmlformats.org/officeDocument/2006/relationships" xmlns:p="http://schemas.openxmlformats.org/presentationml/2006/main">
+  <p:cSld>
+    <p:spTree>
+      <p:nvGrpSpPr>
+        <p:cNvPr id="1" name=""/>
+        <p:cNvGrpSpPr/>
+        <p:nvPr/>
+      </p:nvGrpSpPr>
+      <p:grpSpPr>
+        <a:xfrm>
+          <a:off x="0" y="0"/>
+          <a:ext cx="0" cy="0"/>
+          <a:chOff x="0" y="0"/>
+          <a:chExt cx="0" cy="0"/>
+        </a:xfrm>
+      </p:grpSpPr>
+      <p:sp>
+        <p:nvSpPr>
+          <p:cNvPr id="2" name="Title 1"/>
+          <p:cNvSpPr>
+            <a:spLocks noGrp="1"/>
+          </p:cNvSpPr>
+          <p:nvPr>
+            <p:ph type="title"/>
+          </p:nvPr>
+        </p:nvSpPr>
+        <p:spPr/>
+        <p:txBody>
+          <a:bodyPr/>
+          <a:lstStyle/>
+          <a:p>
+            <a:r>
+              <a:rPr lang="en-US" dirty="0" smtClean="0"/>
+              <a:t>Lesson 01</a:t>
+            </a:r>
+            <a:endParaRPr lang="en-US" dirty="0"/>
+          </a:p>
+        </p:txBody>
+      </p:sp>
+      <p:sp>
+        <p:nvSpPr>
+          <p:cNvPr id="3" name="Content Placeholder 2"/>
+          <p:cNvSpPr>
+            <a:spLocks noGrp="1"/>
+          </p:cNvSpPr>
+          <p:nvPr>
+            <p:ph idx="1"/>
+          </p:nvPr>
+        </p:nvSpPr>
+        <p:spPr>
+          <a:xfrm>
+            <a:off x="0" y="1417638"/>
+            <a:ext cx="9144000" cy="4525963"/>
+          </a:xfrm>
+        </p:spPr>
+        <p:txBody>
+          <a:bodyPr>
+            <a:normAutofit fontScale="32500" lnSpcReduction="20000"/>
+          </a:bodyPr>
+          <a:lstStyle/>
+          <a:p>
+            <a:r>
+              <a:rPr lang="en-US" sz="12000" dirty="0" smtClean="0"/>
+              <a:t>Create scene and add camera.</a:t>
+            </a:r>
+          </a:p>
+          <a:p>
+            <a:endParaRPr lang="en-US" dirty="0" smtClean="0">
+              <a:solidFill>
+                <a:srgbClr val="0000FF"/>
+              </a:solidFill>
+              <a:latin typeface="Lucida Console"/>
+              <a:cs typeface="Lucida Console"/>
+            </a:endParaRPr>
+          </a:p>
+          <a:p>
+            <a:pPr marL="0" indent="0">
+              <a:buNone/>
+            </a:pPr>
+            <a:r>
+              <a:rPr lang="en-US" sz="8000" dirty="0" smtClean="0">
+                <a:solidFill>
+                  <a:srgbClr val="0000FF"/>
+                </a:solidFill>
+                <a:latin typeface="Lucida Console"/>
+                <a:cs typeface="Lucida Console"/>
+              </a:rPr>
+              <a:t>    scene </a:t>
+            </a:r>
+            <a:r>
+              <a:rPr lang="en-US" sz="8000" dirty="0">
+                <a:solidFill>
+                  <a:srgbClr val="0000FF"/>
+                </a:solidFill>
+                <a:latin typeface="Lucida Console"/>
+                <a:cs typeface="Lucida Console"/>
+              </a:rPr>
+              <a:t>= new </a:t>
+            </a:r>
+            <a:r>
+              <a:rPr lang="en-US" sz="8000" dirty="0" err="1">
+                <a:solidFill>
+                  <a:srgbClr val="0000FF"/>
+                </a:solidFill>
+                <a:latin typeface="Lucida Console"/>
+                <a:cs typeface="Lucida Console"/>
+              </a:rPr>
+              <a:t>THREE.Scene</a:t>
+            </a:r>
+            <a:r>
+              <a:rPr lang="en-US" sz="8000" dirty="0">
+                <a:solidFill>
+                  <a:srgbClr val="0000FF"/>
+                </a:solidFill>
+                <a:latin typeface="Lucida Console"/>
+                <a:cs typeface="Lucida Console"/>
+              </a:rPr>
+              <a:t>();</a:t>
+            </a:r>
+          </a:p>
+          <a:p>
+            <a:pPr marL="0" indent="0">
+              <a:buNone/>
+            </a:pPr>
+            <a:endParaRPr lang="en-US" sz="8000" dirty="0" smtClean="0">
+              <a:solidFill>
+                <a:srgbClr val="0000FF"/>
+              </a:solidFill>
+              <a:latin typeface="Lucida Console"/>
+              <a:cs typeface="Lucida Console"/>
+            </a:endParaRPr>
+          </a:p>
+          <a:p>
+            <a:pPr marL="0" indent="0">
+              <a:buNone/>
+            </a:pPr>
+            <a:r>
+              <a:rPr lang="en-US" sz="8000" dirty="0">
+                <a:solidFill>
+                  <a:srgbClr val="0000FF"/>
+                </a:solidFill>
+                <a:latin typeface="Lucida Console"/>
+                <a:cs typeface="Lucida Console"/>
+              </a:rPr>
+              <a:t> </a:t>
+            </a:r>
+            <a:r>
+              <a:rPr lang="en-US" sz="8000" dirty="0" smtClean="0">
+                <a:solidFill>
+                  <a:srgbClr val="0000FF"/>
+                </a:solidFill>
+                <a:latin typeface="Lucida Console"/>
+                <a:cs typeface="Lucida Console"/>
+              </a:rPr>
+              <a:t>   // Set camera field of view, aspect </a:t>
+            </a:r>
+            <a:br>
+              <a:rPr lang="en-US" sz="8000" dirty="0" smtClean="0">
+                <a:solidFill>
+                  <a:srgbClr val="0000FF"/>
+                </a:solidFill>
+                <a:latin typeface="Lucida Console"/>
+                <a:cs typeface="Lucida Console"/>
+              </a:rPr>
+            </a:br>
+            <a:r>
+              <a:rPr lang="en-US" sz="8000" dirty="0" smtClean="0">
+                <a:solidFill>
+                  <a:srgbClr val="0000FF"/>
+                </a:solidFill>
+                <a:latin typeface="Lucida Console"/>
+                <a:cs typeface="Lucida Console"/>
+              </a:rPr>
+              <a:t>    // ratio, near, far clipping plane</a:t>
+            </a:r>
+            <a:endParaRPr lang="en-US" sz="8000" dirty="0">
+              <a:solidFill>
+                <a:srgbClr val="0000FF"/>
+              </a:solidFill>
+              <a:latin typeface="Lucida Console"/>
+              <a:cs typeface="Lucida Console"/>
+            </a:endParaRPr>
+          </a:p>
+          <a:p>
+            <a:pPr marL="0" indent="0">
+              <a:buNone/>
+            </a:pPr>
+            <a:r>
+              <a:rPr lang="en-US" sz="8000" dirty="0">
+                <a:solidFill>
+                  <a:srgbClr val="0000FF"/>
+                </a:solidFill>
+                <a:latin typeface="Lucida Console"/>
+                <a:cs typeface="Lucida Console"/>
+              </a:rPr>
+              <a:t>    camera = new </a:t>
+            </a:r>
+            <a:r>
+              <a:rPr lang="en-US" sz="8000" dirty="0" err="1">
+                <a:solidFill>
+                  <a:srgbClr val="0000FF"/>
+                </a:solidFill>
+                <a:latin typeface="Lucida Console"/>
+                <a:cs typeface="Lucida Console"/>
+              </a:rPr>
+              <a:t>THREE.PerspectiveCamera</a:t>
+            </a:r>
+            <a:r>
+              <a:rPr lang="en-US" sz="8000" dirty="0" smtClean="0">
+                <a:solidFill>
+                  <a:srgbClr val="0000FF"/>
+                </a:solidFill>
+                <a:latin typeface="Lucida Console"/>
+                <a:cs typeface="Lucida Console"/>
+              </a:rPr>
+              <a:t>(45</a:t>
+            </a:r>
+            <a:r>
+              <a:rPr lang="en-US" sz="8000" dirty="0">
+                <a:solidFill>
+                  <a:srgbClr val="0000FF"/>
+                </a:solidFill>
+                <a:latin typeface="Lucida Console"/>
+                <a:cs typeface="Lucida Console"/>
+              </a:rPr>
+              <a:t>, </a:t>
+            </a:r>
+            <a:r>
+              <a:rPr lang="en-US" sz="8000" dirty="0" smtClean="0">
+                <a:solidFill>
+                  <a:srgbClr val="0000FF"/>
+                </a:solidFill>
+                <a:latin typeface="Lucida Console"/>
+                <a:cs typeface="Lucida Console"/>
+              </a:rPr>
+              <a:t/>
+            </a:r>
+            <a:br>
+              <a:rPr lang="en-US" sz="8000" dirty="0" smtClean="0">
+                <a:solidFill>
+                  <a:srgbClr val="0000FF"/>
+                </a:solidFill>
+                <a:latin typeface="Lucida Console"/>
+                <a:cs typeface="Lucida Console"/>
+              </a:rPr>
+            </a:br>
+            <a:r>
+              <a:rPr lang="en-US" sz="8000" dirty="0" smtClean="0">
+                <a:solidFill>
+                  <a:srgbClr val="0000FF"/>
+                </a:solidFill>
+                <a:latin typeface="Lucida Console"/>
+                <a:cs typeface="Lucida Console"/>
+              </a:rPr>
+              <a:t>       </a:t>
+            </a:r>
+            <a:r>
+              <a:rPr lang="en-US" sz="8000" dirty="0" err="1" smtClean="0">
+                <a:solidFill>
+                  <a:srgbClr val="0000FF"/>
+                </a:solidFill>
+                <a:latin typeface="Lucida Console"/>
+                <a:cs typeface="Lucida Console"/>
+              </a:rPr>
+              <a:t>canvasWidth</a:t>
+            </a:r>
+            <a:r>
+              <a:rPr lang="en-US" sz="8000" dirty="0" smtClean="0">
+                <a:solidFill>
+                  <a:srgbClr val="0000FF"/>
+                </a:solidFill>
+                <a:latin typeface="Lucida Console"/>
+                <a:cs typeface="Lucida Console"/>
+              </a:rPr>
+              <a:t> / </a:t>
+            </a:r>
+            <a:r>
+              <a:rPr lang="en-US" sz="8000" dirty="0" err="1" smtClean="0">
+                <a:solidFill>
+                  <a:srgbClr val="0000FF"/>
+                </a:solidFill>
+                <a:latin typeface="Lucida Console"/>
+                <a:cs typeface="Lucida Console"/>
+              </a:rPr>
+              <a:t>canvasHeight</a:t>
+            </a:r>
+            <a:r>
+              <a:rPr lang="en-US" sz="8000" dirty="0">
+                <a:solidFill>
+                  <a:srgbClr val="0000FF"/>
+                </a:solidFill>
+                <a:latin typeface="Lucida Console"/>
+                <a:cs typeface="Lucida Console"/>
+              </a:rPr>
+              <a:t>, </a:t>
+            </a:r>
+            <a:r>
+              <a:rPr lang="en-US" sz="8000" dirty="0" smtClean="0">
+                <a:solidFill>
+                  <a:srgbClr val="0000FF"/>
+                </a:solidFill>
+                <a:latin typeface="Lucida Console"/>
+                <a:cs typeface="Lucida Console"/>
+              </a:rPr>
+              <a:t>1</a:t>
+            </a:r>
+            <a:r>
+              <a:rPr lang="en-US" sz="8000" dirty="0">
+                <a:solidFill>
+                  <a:srgbClr val="0000FF"/>
+                </a:solidFill>
+                <a:latin typeface="Lucida Console"/>
+                <a:cs typeface="Lucida Console"/>
+              </a:rPr>
+              <a:t>, 100)</a:t>
+            </a:r>
+            <a:r>
+              <a:rPr lang="en-US" sz="8000" dirty="0" smtClean="0">
+                <a:solidFill>
+                  <a:srgbClr val="0000FF"/>
+                </a:solidFill>
+                <a:latin typeface="Lucida Console"/>
+                <a:cs typeface="Lucida Console"/>
+              </a:rPr>
+              <a:t>;</a:t>
+            </a:r>
+            <a:endParaRPr lang="en-US" sz="8000" dirty="0">
+              <a:solidFill>
+                <a:srgbClr val="0000FF"/>
+              </a:solidFill>
+              <a:latin typeface="Lucida Console"/>
+              <a:cs typeface="Lucida Console"/>
+            </a:endParaRPr>
+          </a:p>
+          <a:p>
+            <a:pPr marL="0" indent="0">
+              <a:buNone/>
+            </a:pPr>
+            <a:r>
+              <a:rPr lang="en-US" sz="8000" dirty="0">
+                <a:solidFill>
+                  <a:srgbClr val="0000FF"/>
+                </a:solidFill>
+                <a:latin typeface="Lucida Console"/>
+                <a:cs typeface="Lucida Console"/>
+              </a:rPr>
+              <a:t>    </a:t>
+            </a:r>
+            <a:r>
+              <a:rPr lang="en-US" sz="8000" dirty="0" err="1">
+                <a:solidFill>
+                  <a:srgbClr val="0000FF"/>
+                </a:solidFill>
+                <a:latin typeface="Lucida Console"/>
+                <a:cs typeface="Lucida Console"/>
+              </a:rPr>
+              <a:t>camera.position.set</a:t>
+            </a:r>
+            <a:r>
+              <a:rPr lang="en-US" sz="8000" dirty="0">
+                <a:solidFill>
+                  <a:srgbClr val="0000FF"/>
+                </a:solidFill>
+                <a:latin typeface="Lucida Console"/>
+                <a:cs typeface="Lucida Console"/>
+              </a:rPr>
+              <a:t>(0, 0, 10);</a:t>
+            </a:r>
+          </a:p>
+          <a:p>
+            <a:pPr marL="0" indent="0">
+              <a:buNone/>
+            </a:pPr>
+            <a:r>
+              <a:rPr lang="en-US" sz="8000" dirty="0">
+                <a:solidFill>
+                  <a:srgbClr val="0000FF"/>
+                </a:solidFill>
+                <a:latin typeface="Lucida Console"/>
+                <a:cs typeface="Lucida Console"/>
+              </a:rPr>
+              <a:t>    </a:t>
+            </a:r>
+            <a:r>
+              <a:rPr lang="en-US" sz="8000" dirty="0" err="1">
+                <a:solidFill>
+                  <a:srgbClr val="0000FF"/>
+                </a:solidFill>
+                <a:latin typeface="Lucida Console"/>
+                <a:cs typeface="Lucida Console"/>
+              </a:rPr>
+              <a:t>camera.lookAt</a:t>
+            </a:r>
+            <a:r>
+              <a:rPr lang="en-US" sz="8000" dirty="0">
+                <a:solidFill>
+                  <a:srgbClr val="0000FF"/>
+                </a:solidFill>
+                <a:latin typeface="Lucida Console"/>
+                <a:cs typeface="Lucida Console"/>
+              </a:rPr>
+              <a:t>(</a:t>
+            </a:r>
+            <a:r>
+              <a:rPr lang="en-US" sz="8000" dirty="0" err="1">
+                <a:solidFill>
+                  <a:srgbClr val="0000FF"/>
+                </a:solidFill>
+                <a:latin typeface="Lucida Console"/>
+                <a:cs typeface="Lucida Console"/>
+              </a:rPr>
+              <a:t>scene.position</a:t>
+            </a:r>
+            <a:r>
+              <a:rPr lang="en-US" sz="8000" dirty="0">
+                <a:solidFill>
+                  <a:srgbClr val="0000FF"/>
+                </a:solidFill>
+                <a:latin typeface="Lucida Console"/>
+                <a:cs typeface="Lucida Console"/>
+              </a:rPr>
+              <a:t>);</a:t>
+            </a:r>
+          </a:p>
+          <a:p>
+            <a:pPr marL="0" indent="0">
+              <a:buNone/>
+            </a:pPr>
+            <a:r>
+              <a:rPr lang="en-US" sz="8000" dirty="0">
+                <a:solidFill>
+                  <a:srgbClr val="0000FF"/>
+                </a:solidFill>
+                <a:latin typeface="Lucida Console"/>
+                <a:cs typeface="Lucida Console"/>
+              </a:rPr>
+              <a:t>    </a:t>
+            </a:r>
+            <a:r>
+              <a:rPr lang="en-US" sz="8000" dirty="0" err="1">
+                <a:solidFill>
+                  <a:srgbClr val="0000FF"/>
+                </a:solidFill>
+                <a:latin typeface="Lucida Console"/>
+                <a:cs typeface="Lucida Console"/>
+              </a:rPr>
+              <a:t>scene.add</a:t>
+            </a:r>
+            <a:r>
+              <a:rPr lang="en-US" sz="8000" dirty="0">
+                <a:solidFill>
+                  <a:srgbClr val="0000FF"/>
+                </a:solidFill>
+                <a:latin typeface="Lucida Console"/>
+                <a:cs typeface="Lucida Console"/>
+              </a:rPr>
+              <a:t>(camera);</a:t>
+            </a:r>
+            <a:endParaRPr lang="en-US" sz="3000" dirty="0">
+              <a:solidFill>
+                <a:srgbClr val="0000FF"/>
+              </a:solidFill>
+              <a:latin typeface="Lucida Console"/>
+              <a:cs typeface="Lucida Console"/>
+            </a:endParaRPr>
+          </a:p>
+        </p:txBody>
+      </p:sp>
+    </p:spTree>
+    <p:extLst>
+      <p:ext uri="{BB962C8B-B14F-4D97-AF65-F5344CB8AC3E}">
+        <p14:creationId xmlns:p14="http://schemas.microsoft.com/office/powerpoint/2010/main" val="3271120763"/>
+      </p:ext>
+    </p:extLst>
+  </p:cSld>
+  <p:clrMapOvr>
+    <a:masterClrMapping/>
+  </p:clrMapOvr>
+  <p:timing>
+    <p:tnLst>
+      <p:par>
+        <p:cTn xmlns:p14="http://schemas.microsoft.com/office/powerpoint/2010/main" id="1" dur="indefinite" restart="never" nodeType="tmRoot"/>
+      </p:par>
+    </p:tnLst>
+  </p:timing>
+</p:sld>
+</file>
+
+<file path=ppt/slides/slide44.xml><?xml version="1.0" encoding="utf-8"?>
+<p:sld xmlns:a="http://schemas.openxmlformats.org/drawingml/2006/main" xmlns:r="http://schemas.openxmlformats.org/officeDocument/2006/relationships" xmlns:p="http://schemas.openxmlformats.org/presentationml/2006/main">
+  <p:cSld>
+    <p:spTree>
+      <p:nvGrpSpPr>
+        <p:cNvPr id="1" name=""/>
+        <p:cNvGrpSpPr/>
+        <p:nvPr/>
+      </p:nvGrpSpPr>
+      <p:grpSpPr>
+        <a:xfrm>
+          <a:off x="0" y="0"/>
+          <a:ext cx="0" cy="0"/>
+          <a:chOff x="0" y="0"/>
+          <a:chExt cx="0" cy="0"/>
+        </a:xfrm>
+      </p:grpSpPr>
+      <p:sp>
+        <p:nvSpPr>
+          <p:cNvPr id="2" name="Title 1"/>
+          <p:cNvSpPr>
+            <a:spLocks noGrp="1"/>
+          </p:cNvSpPr>
+          <p:nvPr>
+            <p:ph type="title"/>
+          </p:nvPr>
+        </p:nvSpPr>
+        <p:spPr/>
+        <p:txBody>
+          <a:bodyPr/>
+          <a:lstStyle/>
+          <a:p>
+            <a:r>
+              <a:rPr lang="en-US" dirty="0" smtClean="0"/>
+              <a:t>Lesson 01</a:t>
+            </a:r>
+            <a:endParaRPr lang="en-US" dirty="0"/>
+          </a:p>
+        </p:txBody>
+      </p:sp>
+      <p:sp>
+        <p:nvSpPr>
+          <p:cNvPr id="3" name="Content Placeholder 2"/>
+          <p:cNvSpPr>
+            <a:spLocks noGrp="1"/>
+          </p:cNvSpPr>
+          <p:nvPr>
+            <p:ph idx="1"/>
+          </p:nvPr>
+        </p:nvSpPr>
+        <p:spPr>
+          <a:xfrm>
+            <a:off x="0" y="1417638"/>
+            <a:ext cx="9144000" cy="4525963"/>
+          </a:xfrm>
+        </p:spPr>
+        <p:txBody>
+          <a:bodyPr>
+            <a:normAutofit fontScale="32500" lnSpcReduction="20000"/>
+          </a:bodyPr>
+          <a:lstStyle/>
+          <a:p>
+            <a:r>
+              <a:rPr lang="en-US" sz="12000" dirty="0" smtClean="0"/>
+              <a:t>Create triangle geometry.</a:t>
+            </a:r>
+          </a:p>
+          <a:p>
+            <a:endParaRPr lang="en-US" dirty="0" smtClean="0">
+              <a:solidFill>
+                <a:srgbClr val="0000FF"/>
+              </a:solidFill>
+              <a:latin typeface="Lucida Console"/>
+              <a:cs typeface="Lucida Console"/>
+            </a:endParaRPr>
+          </a:p>
+          <a:p>
+            <a:pPr marL="0" indent="0">
+              <a:buNone/>
+            </a:pPr>
+            <a:r>
+              <a:rPr lang="en-US" sz="8000" dirty="0">
+                <a:solidFill>
+                  <a:srgbClr val="0000FF"/>
+                </a:solidFill>
+                <a:latin typeface="Lucida Console"/>
+                <a:cs typeface="Lucida Console"/>
+              </a:rPr>
+              <a:t> </a:t>
+            </a:r>
+            <a:r>
+              <a:rPr lang="en-US" sz="8000" dirty="0" err="1">
+                <a:solidFill>
+                  <a:srgbClr val="0000FF"/>
+                </a:solidFill>
+                <a:latin typeface="Lucida Console"/>
+                <a:cs typeface="Lucida Console"/>
+              </a:rPr>
+              <a:t>var</a:t>
+            </a:r>
+            <a:r>
+              <a:rPr lang="en-US" sz="8000" dirty="0">
+                <a:solidFill>
+                  <a:srgbClr val="0000FF"/>
+                </a:solidFill>
+                <a:latin typeface="Lucida Console"/>
+                <a:cs typeface="Lucida Console"/>
+              </a:rPr>
+              <a:t> </a:t>
+            </a:r>
+            <a:r>
+              <a:rPr lang="en-US" sz="8000" dirty="0" err="1">
+                <a:solidFill>
+                  <a:srgbClr val="0000FF"/>
+                </a:solidFill>
+                <a:latin typeface="Lucida Console"/>
+                <a:cs typeface="Lucida Console"/>
+              </a:rPr>
+              <a:t>triangleGeometry</a:t>
+            </a:r>
+            <a:r>
+              <a:rPr lang="en-US" sz="8000" dirty="0">
+                <a:solidFill>
+                  <a:srgbClr val="0000FF"/>
+                </a:solidFill>
+                <a:latin typeface="Lucida Console"/>
+                <a:cs typeface="Lucida Console"/>
+              </a:rPr>
+              <a:t> = new </a:t>
+            </a:r>
+            <a:r>
+              <a:rPr lang="en-US" sz="8000" dirty="0" err="1">
+                <a:solidFill>
+                  <a:srgbClr val="0000FF"/>
+                </a:solidFill>
+                <a:latin typeface="Lucida Console"/>
+                <a:cs typeface="Lucida Console"/>
+              </a:rPr>
+              <a:t>THREE.Geometry</a:t>
+            </a:r>
+            <a:r>
+              <a:rPr lang="en-US" sz="8000" dirty="0">
+                <a:solidFill>
+                  <a:srgbClr val="0000FF"/>
+                </a:solidFill>
+                <a:latin typeface="Lucida Console"/>
+                <a:cs typeface="Lucida Console"/>
+              </a:rPr>
+              <a:t>();</a:t>
+            </a:r>
+          </a:p>
+          <a:p>
+            <a:pPr marL="0" indent="0">
+              <a:buNone/>
+            </a:pPr>
+            <a:r>
+              <a:rPr lang="en-US" sz="8000" dirty="0">
+                <a:solidFill>
+                  <a:srgbClr val="0000FF"/>
+                </a:solidFill>
+                <a:latin typeface="Lucida Console"/>
+                <a:cs typeface="Lucida Console"/>
+              </a:rPr>
+              <a:t> </a:t>
+            </a:r>
+            <a:r>
+              <a:rPr lang="en-US" sz="8000" dirty="0" smtClean="0">
+                <a:solidFill>
+                  <a:srgbClr val="0000FF"/>
+                </a:solidFill>
+                <a:latin typeface="Lucida Console"/>
+                <a:cs typeface="Lucida Console"/>
+              </a:rPr>
+              <a:t/>
+            </a:r>
+            <a:br>
+              <a:rPr lang="en-US" sz="8000" dirty="0" smtClean="0">
+                <a:solidFill>
+                  <a:srgbClr val="0000FF"/>
+                </a:solidFill>
+                <a:latin typeface="Lucida Console"/>
+                <a:cs typeface="Lucida Console"/>
+              </a:rPr>
+            </a:br>
+            <a:r>
+              <a:rPr lang="en-US" sz="8000" dirty="0" smtClean="0">
+                <a:solidFill>
+                  <a:srgbClr val="0000FF"/>
+                </a:solidFill>
+                <a:latin typeface="Lucida Console"/>
+                <a:cs typeface="Lucida Console"/>
+              </a:rPr>
+              <a:t> </a:t>
+            </a:r>
+            <a:r>
+              <a:rPr lang="en-US" sz="8000" dirty="0" err="1" smtClean="0">
+                <a:solidFill>
+                  <a:srgbClr val="0000FF"/>
+                </a:solidFill>
+                <a:latin typeface="Lucida Console"/>
+                <a:cs typeface="Lucida Console"/>
+              </a:rPr>
+              <a:t>triangleGeometry.vertices.push</a:t>
+            </a:r>
+            <a:r>
+              <a:rPr lang="en-US" sz="8000" dirty="0">
+                <a:solidFill>
+                  <a:srgbClr val="0000FF"/>
+                </a:solidFill>
+                <a:latin typeface="Lucida Console"/>
+                <a:cs typeface="Lucida Console"/>
+              </a:rPr>
+              <a:t>(new </a:t>
+            </a:r>
+            <a:r>
+              <a:rPr lang="en-US" sz="8000" dirty="0" smtClean="0">
+                <a:solidFill>
+                  <a:srgbClr val="0000FF"/>
+                </a:solidFill>
+                <a:latin typeface="Lucida Console"/>
+                <a:cs typeface="Lucida Console"/>
+              </a:rPr>
+              <a:t/>
+            </a:r>
+            <a:br>
+              <a:rPr lang="en-US" sz="8000" dirty="0" smtClean="0">
+                <a:solidFill>
+                  <a:srgbClr val="0000FF"/>
+                </a:solidFill>
+                <a:latin typeface="Lucida Console"/>
+                <a:cs typeface="Lucida Console"/>
+              </a:rPr>
+            </a:br>
+            <a:r>
+              <a:rPr lang="en-US" sz="8000" dirty="0" smtClean="0">
+                <a:solidFill>
+                  <a:srgbClr val="0000FF"/>
+                </a:solidFill>
+                <a:latin typeface="Lucida Console"/>
+                <a:cs typeface="Lucida Console"/>
+              </a:rPr>
+              <a:t>      THREE.Vector3</a:t>
+            </a:r>
+            <a:r>
+              <a:rPr lang="en-US" sz="8000" dirty="0">
+                <a:solidFill>
+                  <a:srgbClr val="0000FF"/>
+                </a:solidFill>
+                <a:latin typeface="Lucida Console"/>
+                <a:cs typeface="Lucida Console"/>
+              </a:rPr>
+              <a:t>( 0.0,  1.0, 0.0));</a:t>
+            </a:r>
+          </a:p>
+          <a:p>
+            <a:pPr marL="0" indent="0">
+              <a:buNone/>
+            </a:pPr>
+            <a:r>
+              <a:rPr lang="en-US" sz="8000" dirty="0">
+                <a:solidFill>
+                  <a:srgbClr val="0000FF"/>
+                </a:solidFill>
+                <a:latin typeface="Lucida Console"/>
+                <a:cs typeface="Lucida Console"/>
+              </a:rPr>
+              <a:t> </a:t>
+            </a:r>
+            <a:r>
+              <a:rPr lang="en-US" sz="8000" dirty="0" err="1" smtClean="0">
+                <a:solidFill>
+                  <a:srgbClr val="0000FF"/>
+                </a:solidFill>
+                <a:latin typeface="Lucida Console"/>
+                <a:cs typeface="Lucida Console"/>
+              </a:rPr>
+              <a:t>triangleGeometry.vertices.push</a:t>
+            </a:r>
+            <a:r>
+              <a:rPr lang="en-US" sz="8000" dirty="0">
+                <a:solidFill>
+                  <a:srgbClr val="0000FF"/>
+                </a:solidFill>
+                <a:latin typeface="Lucida Console"/>
+                <a:cs typeface="Lucida Console"/>
+              </a:rPr>
+              <a:t>(new </a:t>
+            </a:r>
+            <a:r>
+              <a:rPr lang="en-US" sz="8000" dirty="0" smtClean="0">
+                <a:solidFill>
+                  <a:srgbClr val="0000FF"/>
+                </a:solidFill>
+                <a:latin typeface="Lucida Console"/>
+                <a:cs typeface="Lucida Console"/>
+              </a:rPr>
+              <a:t/>
+            </a:r>
+            <a:br>
+              <a:rPr lang="en-US" sz="8000" dirty="0" smtClean="0">
+                <a:solidFill>
+                  <a:srgbClr val="0000FF"/>
+                </a:solidFill>
+                <a:latin typeface="Lucida Console"/>
+                <a:cs typeface="Lucida Console"/>
+              </a:rPr>
+            </a:br>
+            <a:r>
+              <a:rPr lang="en-US" sz="8000" dirty="0" smtClean="0">
+                <a:solidFill>
+                  <a:srgbClr val="0000FF"/>
+                </a:solidFill>
+                <a:latin typeface="Lucida Console"/>
+                <a:cs typeface="Lucida Console"/>
+              </a:rPr>
+              <a:t>      THREE.Vector3</a:t>
+            </a:r>
+            <a:r>
+              <a:rPr lang="en-US" sz="8000" dirty="0">
+                <a:solidFill>
+                  <a:srgbClr val="0000FF"/>
+                </a:solidFill>
+                <a:latin typeface="Lucida Console"/>
+                <a:cs typeface="Lucida Console"/>
+              </a:rPr>
+              <a:t>(-1.0, -1.0, 0.0));</a:t>
+            </a:r>
+          </a:p>
+          <a:p>
+            <a:pPr marL="0" indent="0">
+              <a:buNone/>
+            </a:pPr>
+            <a:r>
+              <a:rPr lang="en-US" sz="8000" dirty="0">
+                <a:solidFill>
+                  <a:srgbClr val="0000FF"/>
+                </a:solidFill>
+                <a:latin typeface="Lucida Console"/>
+                <a:cs typeface="Lucida Console"/>
+              </a:rPr>
+              <a:t> </a:t>
+            </a:r>
+            <a:r>
+              <a:rPr lang="en-US" sz="8000" dirty="0" err="1" smtClean="0">
+                <a:solidFill>
+                  <a:srgbClr val="0000FF"/>
+                </a:solidFill>
+                <a:latin typeface="Lucida Console"/>
+                <a:cs typeface="Lucida Console"/>
+              </a:rPr>
+              <a:t>triangleGeometry.vertices.push</a:t>
+            </a:r>
+            <a:r>
+              <a:rPr lang="en-US" sz="8000" dirty="0">
+                <a:solidFill>
+                  <a:srgbClr val="0000FF"/>
+                </a:solidFill>
+                <a:latin typeface="Lucida Console"/>
+                <a:cs typeface="Lucida Console"/>
+              </a:rPr>
+              <a:t>(new </a:t>
+            </a:r>
+            <a:r>
+              <a:rPr lang="en-US" sz="8000" dirty="0" smtClean="0">
+                <a:solidFill>
+                  <a:srgbClr val="0000FF"/>
+                </a:solidFill>
+                <a:latin typeface="Lucida Console"/>
+                <a:cs typeface="Lucida Console"/>
+              </a:rPr>
+              <a:t/>
+            </a:r>
+            <a:br>
+              <a:rPr lang="en-US" sz="8000" dirty="0" smtClean="0">
+                <a:solidFill>
+                  <a:srgbClr val="0000FF"/>
+                </a:solidFill>
+                <a:latin typeface="Lucida Console"/>
+                <a:cs typeface="Lucida Console"/>
+              </a:rPr>
+            </a:br>
+            <a:r>
+              <a:rPr lang="en-US" sz="8000" dirty="0" smtClean="0">
+                <a:solidFill>
+                  <a:srgbClr val="0000FF"/>
+                </a:solidFill>
+                <a:latin typeface="Lucida Console"/>
+                <a:cs typeface="Lucida Console"/>
+              </a:rPr>
+              <a:t>      THREE.Vector3</a:t>
+            </a:r>
+            <a:r>
+              <a:rPr lang="en-US" sz="8000" dirty="0">
+                <a:solidFill>
+                  <a:srgbClr val="0000FF"/>
+                </a:solidFill>
+                <a:latin typeface="Lucida Console"/>
+                <a:cs typeface="Lucida Console"/>
+              </a:rPr>
+              <a:t>( 1.0, -1.0, 0.0));</a:t>
+            </a:r>
+          </a:p>
+          <a:p>
+            <a:pPr marL="0" indent="0">
+              <a:buNone/>
+            </a:pPr>
+            <a:r>
+              <a:rPr lang="en-US" sz="8000" dirty="0">
+                <a:solidFill>
+                  <a:srgbClr val="0000FF"/>
+                </a:solidFill>
+                <a:latin typeface="Lucida Console"/>
+                <a:cs typeface="Lucida Console"/>
+              </a:rPr>
+              <a:t> </a:t>
+            </a:r>
+            <a:r>
+              <a:rPr lang="en-US" sz="8000" dirty="0" err="1" smtClean="0">
+                <a:solidFill>
+                  <a:srgbClr val="0000FF"/>
+                </a:solidFill>
+                <a:latin typeface="Lucida Console"/>
+                <a:cs typeface="Lucida Console"/>
+              </a:rPr>
+              <a:t>triangleGeometry.faces.push</a:t>
+            </a:r>
+            <a:r>
+              <a:rPr lang="en-US" sz="8000" dirty="0">
+                <a:solidFill>
+                  <a:srgbClr val="0000FF"/>
+                </a:solidFill>
+                <a:latin typeface="Lucida Console"/>
+                <a:cs typeface="Lucida Console"/>
+              </a:rPr>
+              <a:t>(new </a:t>
+            </a:r>
+            <a:r>
+              <a:rPr lang="en-US" sz="8000" dirty="0" smtClean="0">
+                <a:solidFill>
+                  <a:srgbClr val="0000FF"/>
+                </a:solidFill>
+                <a:latin typeface="Lucida Console"/>
+                <a:cs typeface="Lucida Console"/>
+              </a:rPr>
+              <a:t/>
+            </a:r>
+            <a:br>
+              <a:rPr lang="en-US" sz="8000" dirty="0" smtClean="0">
+                <a:solidFill>
+                  <a:srgbClr val="0000FF"/>
+                </a:solidFill>
+                <a:latin typeface="Lucida Console"/>
+                <a:cs typeface="Lucida Console"/>
+              </a:rPr>
+            </a:br>
+            <a:r>
+              <a:rPr lang="en-US" sz="8000" dirty="0" smtClean="0">
+                <a:solidFill>
+                  <a:srgbClr val="0000FF"/>
+                </a:solidFill>
+                <a:latin typeface="Lucida Console"/>
+                <a:cs typeface="Lucida Console"/>
+              </a:rPr>
+              <a:t>      THREE.Face3</a:t>
+            </a:r>
+            <a:r>
+              <a:rPr lang="en-US" sz="8000" dirty="0">
+                <a:solidFill>
+                  <a:srgbClr val="0000FF"/>
+                </a:solidFill>
+                <a:latin typeface="Lucida Console"/>
+                <a:cs typeface="Lucida Console"/>
+              </a:rPr>
+              <a:t>(0, 1, 2));</a:t>
+            </a:r>
+            <a:endParaRPr lang="en-US" sz="3000" dirty="0">
+              <a:solidFill>
+                <a:srgbClr val="0000FF"/>
+              </a:solidFill>
+              <a:latin typeface="Lucida Console"/>
+              <a:cs typeface="Lucida Console"/>
+            </a:endParaRPr>
+          </a:p>
+        </p:txBody>
+      </p:sp>
+    </p:spTree>
+    <p:extLst>
+      <p:ext uri="{BB962C8B-B14F-4D97-AF65-F5344CB8AC3E}">
+        <p14:creationId xmlns:p14="http://schemas.microsoft.com/office/powerpoint/2010/main" val="2780746788"/>
+      </p:ext>
+    </p:extLst>
+  </p:cSld>
+  <p:clrMapOvr>
+    <a:masterClrMapping/>
+  </p:clrMapOvr>
+  <p:timing>
+    <p:tnLst>
+      <p:par>
+        <p:cTn xmlns:p14="http://schemas.microsoft.com/office/powerpoint/2010/main" id="1" dur="indefinite" restart="never" nodeType="tmRoot"/>
+      </p:par>
+    </p:tnLst>
+  </p:timing>
+</p:sld>
+</file>
+
+<file path=ppt/slides/slide45.xml><?xml version="1.0" encoding="utf-8"?>
+<p:sld xmlns:a="http://schemas.openxmlformats.org/drawingml/2006/main" xmlns:r="http://schemas.openxmlformats.org/officeDocument/2006/relationships" xmlns:p="http://schemas.openxmlformats.org/presentationml/2006/main">
+  <p:cSld>
+    <p:spTree>
+      <p:nvGrpSpPr>
+        <p:cNvPr id="1" name=""/>
+        <p:cNvGrpSpPr/>
+        <p:nvPr/>
+      </p:nvGrpSpPr>
+      <p:grpSpPr>
+        <a:xfrm>
+          <a:off x="0" y="0"/>
+          <a:ext cx="0" cy="0"/>
+          <a:chOff x="0" y="0"/>
+          <a:chExt cx="0" cy="0"/>
+        </a:xfrm>
+      </p:grpSpPr>
+      <p:sp>
+        <p:nvSpPr>
+          <p:cNvPr id="2" name="Title 1"/>
+          <p:cNvSpPr>
+            <a:spLocks noGrp="1"/>
+          </p:cNvSpPr>
+          <p:nvPr>
+            <p:ph type="title"/>
+          </p:nvPr>
+        </p:nvSpPr>
+        <p:spPr/>
+        <p:txBody>
+          <a:bodyPr/>
+          <a:lstStyle/>
+          <a:p>
+            <a:r>
+              <a:rPr lang="en-US" dirty="0" smtClean="0"/>
+              <a:t>Lesson 01</a:t>
+            </a:r>
+            <a:endParaRPr lang="en-US" dirty="0"/>
+          </a:p>
+        </p:txBody>
+      </p:sp>
+      <p:sp>
+        <p:nvSpPr>
+          <p:cNvPr id="3" name="Content Placeholder 2"/>
+          <p:cNvSpPr>
+            <a:spLocks noGrp="1"/>
+          </p:cNvSpPr>
+          <p:nvPr>
+            <p:ph idx="1"/>
+          </p:nvPr>
+        </p:nvSpPr>
+        <p:spPr>
+          <a:xfrm>
+            <a:off x="0" y="1417638"/>
+            <a:ext cx="9144000" cy="4525963"/>
+          </a:xfrm>
+        </p:spPr>
+        <p:txBody>
+          <a:bodyPr>
+            <a:normAutofit fontScale="70000" lnSpcReduction="20000"/>
+          </a:bodyPr>
+          <a:lstStyle/>
+          <a:p>
+            <a:r>
+              <a:rPr lang="en-US" sz="4800" dirty="0" smtClean="0"/>
+              <a:t>Create material.</a:t>
+            </a:r>
+          </a:p>
+          <a:p>
+            <a:endParaRPr lang="en-US" dirty="0" smtClean="0">
+              <a:solidFill>
+                <a:srgbClr val="0000FF"/>
+              </a:solidFill>
+              <a:latin typeface="Lucida Console"/>
+              <a:cs typeface="Lucida Console"/>
+            </a:endParaRPr>
+          </a:p>
+          <a:p>
+            <a:pPr marL="0" indent="0">
+              <a:buNone/>
+            </a:pPr>
+            <a:r>
+              <a:rPr lang="en-US" sz="5100" dirty="0">
+                <a:solidFill>
+                  <a:srgbClr val="0000FF"/>
+                </a:solidFill>
+                <a:latin typeface="Lucida Console"/>
+                <a:cs typeface="Lucida Console"/>
+              </a:rPr>
+              <a:t> </a:t>
+            </a:r>
+            <a:r>
+              <a:rPr lang="en-US" sz="4000" dirty="0" err="1">
+                <a:solidFill>
+                  <a:srgbClr val="0000FF"/>
+                </a:solidFill>
+                <a:latin typeface="Lucida Console"/>
+                <a:cs typeface="Lucida Console"/>
+              </a:rPr>
+              <a:t>var</a:t>
+            </a:r>
+            <a:r>
+              <a:rPr lang="en-US" sz="4000" dirty="0">
+                <a:solidFill>
+                  <a:srgbClr val="0000FF"/>
+                </a:solidFill>
+                <a:latin typeface="Lucida Console"/>
+                <a:cs typeface="Lucida Console"/>
+              </a:rPr>
+              <a:t> </a:t>
+            </a:r>
+            <a:r>
+              <a:rPr lang="en-US" sz="4000" dirty="0" err="1">
+                <a:solidFill>
+                  <a:srgbClr val="0000FF"/>
+                </a:solidFill>
+                <a:latin typeface="Lucida Console"/>
+                <a:cs typeface="Lucida Console"/>
+              </a:rPr>
+              <a:t>triangleMaterial</a:t>
+            </a:r>
+            <a:r>
+              <a:rPr lang="en-US" sz="4000" dirty="0">
+                <a:solidFill>
+                  <a:srgbClr val="0000FF"/>
+                </a:solidFill>
+                <a:latin typeface="Lucida Console"/>
+                <a:cs typeface="Lucida Console"/>
+              </a:rPr>
+              <a:t> = new </a:t>
+            </a:r>
+            <a:r>
+              <a:rPr lang="en-US" sz="4000" dirty="0" smtClean="0">
+                <a:solidFill>
+                  <a:srgbClr val="0000FF"/>
+                </a:solidFill>
+                <a:latin typeface="Lucida Console"/>
+                <a:cs typeface="Lucida Console"/>
+              </a:rPr>
+              <a:t/>
+            </a:r>
+            <a:br>
+              <a:rPr lang="en-US" sz="4000" dirty="0" smtClean="0">
+                <a:solidFill>
+                  <a:srgbClr val="0000FF"/>
+                </a:solidFill>
+                <a:latin typeface="Lucida Console"/>
+                <a:cs typeface="Lucida Console"/>
+              </a:rPr>
+            </a:br>
+            <a:r>
+              <a:rPr lang="en-US" sz="4000" dirty="0" smtClean="0">
+                <a:solidFill>
+                  <a:srgbClr val="0000FF"/>
+                </a:solidFill>
+                <a:latin typeface="Lucida Console"/>
+                <a:cs typeface="Lucida Console"/>
+              </a:rPr>
+              <a:t>    </a:t>
+            </a:r>
+            <a:r>
+              <a:rPr lang="en-US" sz="4000" dirty="0" err="1" smtClean="0">
+                <a:solidFill>
+                  <a:srgbClr val="0000FF"/>
+                </a:solidFill>
+                <a:latin typeface="Lucida Console"/>
+                <a:cs typeface="Lucida Console"/>
+              </a:rPr>
+              <a:t>THREE.MeshBasicMaterial</a:t>
+            </a:r>
+            <a:r>
+              <a:rPr lang="en-US" sz="4000" dirty="0">
+                <a:solidFill>
+                  <a:srgbClr val="0000FF"/>
+                </a:solidFill>
+                <a:latin typeface="Lucida Console"/>
+                <a:cs typeface="Lucida Console"/>
+              </a:rPr>
+              <a:t>({</a:t>
+            </a:r>
+          </a:p>
+          <a:p>
+            <a:pPr marL="0" indent="0">
+              <a:buNone/>
+            </a:pPr>
+            <a:r>
+              <a:rPr lang="en-US" sz="4000" dirty="0">
+                <a:solidFill>
+                  <a:srgbClr val="0000FF"/>
+                </a:solidFill>
+                <a:latin typeface="Lucida Console"/>
+                <a:cs typeface="Lucida Console"/>
+              </a:rPr>
+              <a:t>        color:0xFFFFFF,</a:t>
+            </a:r>
+          </a:p>
+          <a:p>
+            <a:pPr marL="0" indent="0">
+              <a:buNone/>
+            </a:pPr>
+            <a:r>
+              <a:rPr lang="en-US" sz="4000" dirty="0" smtClean="0">
+                <a:solidFill>
+                  <a:srgbClr val="0000FF"/>
+                </a:solidFill>
+                <a:latin typeface="Lucida Console"/>
+                <a:cs typeface="Lucida Console"/>
+              </a:rPr>
+              <a:t>    </a:t>
+            </a:r>
+            <a:r>
+              <a:rPr lang="en-US" sz="4000" dirty="0" err="1" smtClean="0">
+                <a:solidFill>
+                  <a:srgbClr val="0000FF"/>
+                </a:solidFill>
+                <a:latin typeface="Lucida Console"/>
+                <a:cs typeface="Lucida Console"/>
+              </a:rPr>
+              <a:t>side:THREE.DoubleSide</a:t>
+            </a:r>
+            <a:r>
+              <a:rPr lang="en-US" sz="4000" dirty="0">
+                <a:solidFill>
+                  <a:srgbClr val="0000FF"/>
+                </a:solidFill>
+                <a:latin typeface="Lucida Console"/>
+                <a:cs typeface="Lucida Console"/>
+              </a:rPr>
+              <a:t/>
+            </a:r>
+            <a:br>
+              <a:rPr lang="en-US" sz="4000" dirty="0">
+                <a:solidFill>
+                  <a:srgbClr val="0000FF"/>
+                </a:solidFill>
+                <a:latin typeface="Lucida Console"/>
+                <a:cs typeface="Lucida Console"/>
+              </a:rPr>
+            </a:br>
+            <a:r>
+              <a:rPr lang="en-US" sz="4000" dirty="0" smtClean="0">
+                <a:solidFill>
+                  <a:srgbClr val="0000FF"/>
+                </a:solidFill>
+                <a:latin typeface="Lucida Console"/>
+                <a:cs typeface="Lucida Console"/>
+              </a:rPr>
+              <a:t>    /</a:t>
+            </a:r>
+            <a:r>
+              <a:rPr lang="en-US" sz="4000" dirty="0">
+                <a:solidFill>
+                  <a:srgbClr val="0000FF"/>
+                </a:solidFill>
+                <a:latin typeface="Lucida Console"/>
+                <a:cs typeface="Lucida Console"/>
+              </a:rPr>
+              <a:t>/ Render </a:t>
+            </a:r>
+            <a:r>
+              <a:rPr lang="en-US" sz="4000" dirty="0" smtClean="0">
+                <a:solidFill>
+                  <a:srgbClr val="0000FF"/>
+                </a:solidFill>
+                <a:latin typeface="Lucida Console"/>
+                <a:cs typeface="Lucida Console"/>
+              </a:rPr>
+              <a:t>front </a:t>
+            </a:r>
+            <a:r>
+              <a:rPr lang="en-US" sz="4000" dirty="0">
+                <a:solidFill>
+                  <a:srgbClr val="0000FF"/>
+                </a:solidFill>
+                <a:latin typeface="Lucida Console"/>
+                <a:cs typeface="Lucida Console"/>
+              </a:rPr>
+              <a:t>and back-facing </a:t>
+            </a:r>
+            <a:r>
+              <a:rPr lang="en-US" sz="4000" dirty="0" smtClean="0">
+                <a:solidFill>
+                  <a:srgbClr val="0000FF"/>
+                </a:solidFill>
+                <a:latin typeface="Lucida Console"/>
+                <a:cs typeface="Lucida Console"/>
+              </a:rPr>
+              <a:t>polys</a:t>
+            </a:r>
+            <a:endParaRPr lang="en-US" sz="4000" dirty="0">
+              <a:solidFill>
+                <a:srgbClr val="0000FF"/>
+              </a:solidFill>
+              <a:latin typeface="Lucida Console"/>
+              <a:cs typeface="Lucida Console"/>
+            </a:endParaRPr>
+          </a:p>
+          <a:p>
+            <a:pPr marL="0" indent="0">
+              <a:buNone/>
+            </a:pPr>
+            <a:r>
+              <a:rPr lang="en-US" sz="4000" dirty="0">
+                <a:solidFill>
+                  <a:srgbClr val="0000FF"/>
+                </a:solidFill>
+                <a:latin typeface="Lucida Console"/>
+                <a:cs typeface="Lucida Console"/>
+              </a:rPr>
+              <a:t> </a:t>
+            </a:r>
+            <a:r>
+              <a:rPr lang="en-US" sz="4000" dirty="0" smtClean="0">
+                <a:solidFill>
+                  <a:srgbClr val="0000FF"/>
+                </a:solidFill>
+                <a:latin typeface="Lucida Console"/>
+                <a:cs typeface="Lucida Console"/>
+              </a:rPr>
+              <a:t>}</a:t>
+            </a:r>
+            <a:r>
+              <a:rPr lang="en-US" sz="4000" dirty="0">
+                <a:solidFill>
+                  <a:srgbClr val="0000FF"/>
+                </a:solidFill>
+                <a:latin typeface="Lucida Console"/>
+                <a:cs typeface="Lucida Console"/>
+              </a:rPr>
+              <a:t>);</a:t>
+            </a:r>
+          </a:p>
+        </p:txBody>
+      </p:sp>
+    </p:spTree>
+    <p:extLst>
+      <p:ext uri="{BB962C8B-B14F-4D97-AF65-F5344CB8AC3E}">
+        <p14:creationId xmlns:p14="http://schemas.microsoft.com/office/powerpoint/2010/main" val="1333771411"/>
+      </p:ext>
+    </p:extLst>
+  </p:cSld>
+  <p:clrMapOvr>
+    <a:masterClrMapping/>
+  </p:clrMapOvr>
+  <p:timing>
+    <p:tnLst>
+      <p:par>
+        <p:cTn xmlns:p14="http://schemas.microsoft.com/office/powerpoint/2010/main" id="1" dur="indefinite" restart="never" nodeType="tmRoot"/>
+      </p:par>
+    </p:tnLst>
+  </p:timing>
+</p:sld>
+</file>
+
+<file path=ppt/slides/slide46.xml><?xml version="1.0" encoding="utf-8"?>
+<p:sld xmlns:a="http://schemas.openxmlformats.org/drawingml/2006/main" xmlns:r="http://schemas.openxmlformats.org/officeDocument/2006/relationships" xmlns:p="http://schemas.openxmlformats.org/presentationml/2006/main">
+  <p:cSld>
+    <p:spTree>
+      <p:nvGrpSpPr>
+        <p:cNvPr id="1" name=""/>
+        <p:cNvGrpSpPr/>
+        <p:nvPr/>
+      </p:nvGrpSpPr>
+      <p:grpSpPr>
+        <a:xfrm>
+          <a:off x="0" y="0"/>
+          <a:ext cx="0" cy="0"/>
+          <a:chOff x="0" y="0"/>
+          <a:chExt cx="0" cy="0"/>
+        </a:xfrm>
+      </p:grpSpPr>
+      <p:sp>
+        <p:nvSpPr>
+          <p:cNvPr id="2" name="Title 1"/>
+          <p:cNvSpPr>
+            <a:spLocks noGrp="1"/>
+          </p:cNvSpPr>
+          <p:nvPr>
+            <p:ph type="title"/>
+          </p:nvPr>
+        </p:nvSpPr>
+        <p:spPr/>
+        <p:txBody>
+          <a:bodyPr/>
+          <a:lstStyle/>
+          <a:p>
+            <a:r>
+              <a:rPr lang="en-US" dirty="0" smtClean="0"/>
+              <a:t>Lesson 01</a:t>
+            </a:r>
+            <a:endParaRPr lang="en-US" dirty="0"/>
+          </a:p>
+        </p:txBody>
+      </p:sp>
+      <p:sp>
+        <p:nvSpPr>
+          <p:cNvPr id="3" name="Content Placeholder 2"/>
+          <p:cNvSpPr>
+            <a:spLocks noGrp="1"/>
+          </p:cNvSpPr>
+          <p:nvPr>
+            <p:ph idx="1"/>
+          </p:nvPr>
+        </p:nvSpPr>
+        <p:spPr>
+          <a:xfrm>
+            <a:off x="0" y="1417638"/>
+            <a:ext cx="9144000" cy="4525963"/>
+          </a:xfrm>
+        </p:spPr>
+        <p:txBody>
+          <a:bodyPr>
+            <a:normAutofit fontScale="70000" lnSpcReduction="20000"/>
+          </a:bodyPr>
+          <a:lstStyle/>
+          <a:p>
+            <a:r>
+              <a:rPr lang="en-US" sz="4800" dirty="0" smtClean="0"/>
+              <a:t>Combine geometry and material into mesh.</a:t>
+            </a:r>
+          </a:p>
+          <a:p>
+            <a:endParaRPr lang="en-US" dirty="0" smtClean="0">
+              <a:solidFill>
+                <a:srgbClr val="0000FF"/>
+              </a:solidFill>
+              <a:latin typeface="Lucida Console"/>
+              <a:cs typeface="Lucida Console"/>
+            </a:endParaRPr>
+          </a:p>
+          <a:p>
+            <a:pPr marL="0" indent="0">
+              <a:buNone/>
+            </a:pPr>
+            <a:r>
+              <a:rPr lang="en-US" sz="3900" dirty="0" err="1" smtClean="0">
+                <a:solidFill>
+                  <a:srgbClr val="0000FF"/>
+                </a:solidFill>
+                <a:latin typeface="Lucida Console"/>
+                <a:cs typeface="Lucida Console"/>
+              </a:rPr>
+              <a:t>var</a:t>
+            </a:r>
+            <a:r>
+              <a:rPr lang="en-US" sz="3900" dirty="0" smtClean="0">
+                <a:solidFill>
+                  <a:srgbClr val="0000FF"/>
+                </a:solidFill>
+                <a:latin typeface="Lucida Console"/>
+                <a:cs typeface="Lucida Console"/>
+              </a:rPr>
+              <a:t> </a:t>
+            </a:r>
+            <a:r>
+              <a:rPr lang="en-US" sz="3900" dirty="0" err="1">
+                <a:solidFill>
+                  <a:srgbClr val="0000FF"/>
+                </a:solidFill>
+                <a:latin typeface="Lucida Console"/>
+                <a:cs typeface="Lucida Console"/>
+              </a:rPr>
+              <a:t>triangleMesh</a:t>
+            </a:r>
+            <a:r>
+              <a:rPr lang="en-US" sz="3900" dirty="0">
+                <a:solidFill>
+                  <a:srgbClr val="0000FF"/>
+                </a:solidFill>
+                <a:latin typeface="Lucida Console"/>
+                <a:cs typeface="Lucida Console"/>
+              </a:rPr>
+              <a:t> = new </a:t>
+            </a:r>
+            <a:r>
+              <a:rPr lang="en-US" sz="3900" dirty="0" smtClean="0">
+                <a:solidFill>
+                  <a:srgbClr val="0000FF"/>
+                </a:solidFill>
+                <a:latin typeface="Lucida Console"/>
+                <a:cs typeface="Lucida Console"/>
+              </a:rPr>
+              <a:t/>
+            </a:r>
+            <a:br>
+              <a:rPr lang="en-US" sz="3900" dirty="0" smtClean="0">
+                <a:solidFill>
+                  <a:srgbClr val="0000FF"/>
+                </a:solidFill>
+                <a:latin typeface="Lucida Console"/>
+                <a:cs typeface="Lucida Console"/>
+              </a:rPr>
+            </a:br>
+            <a:r>
+              <a:rPr lang="en-US" sz="3900" dirty="0" smtClean="0">
+                <a:solidFill>
+                  <a:srgbClr val="0000FF"/>
+                </a:solidFill>
+                <a:latin typeface="Lucida Console"/>
+                <a:cs typeface="Lucida Console"/>
+              </a:rPr>
+              <a:t>    </a:t>
+            </a:r>
+            <a:r>
+              <a:rPr lang="en-US" sz="3900" dirty="0" err="1" smtClean="0">
+                <a:solidFill>
+                  <a:srgbClr val="0000FF"/>
+                </a:solidFill>
+                <a:latin typeface="Lucida Console"/>
+                <a:cs typeface="Lucida Console"/>
+              </a:rPr>
+              <a:t>THREE.Mesh</a:t>
+            </a:r>
+            <a:r>
+              <a:rPr lang="en-US" sz="3900" dirty="0">
+                <a:solidFill>
+                  <a:srgbClr val="0000FF"/>
+                </a:solidFill>
+                <a:latin typeface="Lucida Console"/>
+                <a:cs typeface="Lucida Console"/>
+              </a:rPr>
+              <a:t>(</a:t>
+            </a:r>
+            <a:r>
+              <a:rPr lang="en-US" sz="3900" dirty="0" err="1">
+                <a:solidFill>
+                  <a:srgbClr val="0000FF"/>
+                </a:solidFill>
+                <a:latin typeface="Lucida Console"/>
+                <a:cs typeface="Lucida Console"/>
+              </a:rPr>
+              <a:t>triangleGeometry</a:t>
+            </a:r>
+            <a:r>
+              <a:rPr lang="en-US" sz="3900" dirty="0">
+                <a:solidFill>
+                  <a:srgbClr val="0000FF"/>
+                </a:solidFill>
+                <a:latin typeface="Lucida Console"/>
+                <a:cs typeface="Lucida Console"/>
+              </a:rPr>
+              <a:t>, </a:t>
+            </a:r>
+            <a:r>
+              <a:rPr lang="en-US" sz="3900" dirty="0" smtClean="0">
+                <a:solidFill>
+                  <a:srgbClr val="0000FF"/>
+                </a:solidFill>
+                <a:latin typeface="Lucida Console"/>
+                <a:cs typeface="Lucida Console"/>
+              </a:rPr>
+              <a:t/>
+            </a:r>
+            <a:br>
+              <a:rPr lang="en-US" sz="3900" dirty="0" smtClean="0">
+                <a:solidFill>
+                  <a:srgbClr val="0000FF"/>
+                </a:solidFill>
+                <a:latin typeface="Lucida Console"/>
+                <a:cs typeface="Lucida Console"/>
+              </a:rPr>
+            </a:br>
+            <a:r>
+              <a:rPr lang="en-US" sz="3900" dirty="0" smtClean="0">
+                <a:solidFill>
+                  <a:srgbClr val="0000FF"/>
+                </a:solidFill>
+                <a:latin typeface="Lucida Console"/>
+                <a:cs typeface="Lucida Console"/>
+              </a:rPr>
+              <a:t>               </a:t>
+            </a:r>
+            <a:r>
+              <a:rPr lang="en-US" sz="3900" dirty="0" err="1" smtClean="0">
+                <a:solidFill>
+                  <a:srgbClr val="0000FF"/>
+                </a:solidFill>
+                <a:latin typeface="Lucida Console"/>
+                <a:cs typeface="Lucida Console"/>
+              </a:rPr>
+              <a:t>triangleMaterial</a:t>
+            </a:r>
+            <a:r>
+              <a:rPr lang="en-US" sz="3900" dirty="0">
+                <a:solidFill>
+                  <a:srgbClr val="0000FF"/>
+                </a:solidFill>
+                <a:latin typeface="Lucida Console"/>
+                <a:cs typeface="Lucida Console"/>
+              </a:rPr>
+              <a:t>);</a:t>
+            </a:r>
+          </a:p>
+          <a:p>
+            <a:pPr marL="0" indent="0">
+              <a:buNone/>
+            </a:pPr>
+            <a:r>
+              <a:rPr lang="en-US" sz="3900" dirty="0" err="1" smtClean="0">
+                <a:solidFill>
+                  <a:srgbClr val="0000FF"/>
+                </a:solidFill>
+                <a:latin typeface="Lucida Console"/>
+                <a:cs typeface="Lucida Console"/>
+              </a:rPr>
+              <a:t>triangleMesh.position.set</a:t>
+            </a:r>
+            <a:r>
+              <a:rPr lang="en-US" sz="3900" dirty="0">
+                <a:solidFill>
+                  <a:srgbClr val="0000FF"/>
+                </a:solidFill>
+                <a:latin typeface="Lucida Console"/>
+                <a:cs typeface="Lucida Console"/>
+              </a:rPr>
+              <a:t>(-1.5, </a:t>
+            </a:r>
+            <a:r>
+              <a:rPr lang="en-US" sz="3900" dirty="0" smtClean="0">
+                <a:solidFill>
+                  <a:srgbClr val="0000FF"/>
+                </a:solidFill>
+                <a:latin typeface="Lucida Console"/>
+                <a:cs typeface="Lucida Console"/>
+              </a:rPr>
+              <a:t>0.0, 4.0</a:t>
+            </a:r>
+            <a:r>
+              <a:rPr lang="en-US" sz="3900" dirty="0">
+                <a:solidFill>
+                  <a:srgbClr val="0000FF"/>
+                </a:solidFill>
+                <a:latin typeface="Lucida Console"/>
+                <a:cs typeface="Lucida Console"/>
+              </a:rPr>
+              <a:t>);</a:t>
+            </a:r>
+          </a:p>
+          <a:p>
+            <a:pPr marL="0" indent="0">
+              <a:buNone/>
+            </a:pPr>
+            <a:r>
+              <a:rPr lang="en-US" sz="3900" dirty="0" err="1" smtClean="0">
+                <a:solidFill>
+                  <a:srgbClr val="0000FF"/>
+                </a:solidFill>
+                <a:latin typeface="Lucida Console"/>
+                <a:cs typeface="Lucida Console"/>
+              </a:rPr>
+              <a:t>scene.add</a:t>
+            </a:r>
+            <a:r>
+              <a:rPr lang="en-US" sz="3900" dirty="0">
+                <a:solidFill>
+                  <a:srgbClr val="0000FF"/>
+                </a:solidFill>
+                <a:latin typeface="Lucida Console"/>
+                <a:cs typeface="Lucida Console"/>
+              </a:rPr>
+              <a:t>(</a:t>
+            </a:r>
+            <a:r>
+              <a:rPr lang="en-US" sz="3900" dirty="0" err="1">
+                <a:solidFill>
+                  <a:srgbClr val="0000FF"/>
+                </a:solidFill>
+                <a:latin typeface="Lucida Console"/>
+                <a:cs typeface="Lucida Console"/>
+              </a:rPr>
+              <a:t>triangleMesh</a:t>
+            </a:r>
+            <a:r>
+              <a:rPr lang="en-US" sz="3900" dirty="0">
+                <a:solidFill>
+                  <a:srgbClr val="0000FF"/>
+                </a:solidFill>
+                <a:latin typeface="Lucida Console"/>
+                <a:cs typeface="Lucida Console"/>
+              </a:rPr>
+              <a:t>);</a:t>
+            </a:r>
+          </a:p>
+        </p:txBody>
+      </p:sp>
+    </p:spTree>
+    <p:extLst>
+      <p:ext uri="{BB962C8B-B14F-4D97-AF65-F5344CB8AC3E}">
+        <p14:creationId xmlns:p14="http://schemas.microsoft.com/office/powerpoint/2010/main" val="1396490400"/>
+      </p:ext>
+    </p:extLst>
+  </p:cSld>
+  <p:clrMapOvr>
+    <a:masterClrMapping/>
+  </p:clrMapOvr>
+  <p:timing>
+    <p:tnLst>
+      <p:par>
+        <p:cTn xmlns:p14="http://schemas.microsoft.com/office/powerpoint/2010/main" id="1" dur="indefinite" restart="never" nodeType="tmRoot"/>
+      </p:par>
+    </p:tnLst>
+  </p:timing>
+</p:sld>
+</file>
+
+<file path=ppt/slides/slide47.xml><?xml version="1.0" encoding="utf-8"?>
+<p:sld xmlns:a="http://schemas.openxmlformats.org/drawingml/2006/main" xmlns:r="http://schemas.openxmlformats.org/officeDocument/2006/relationships" xmlns:p="http://schemas.openxmlformats.org/presentationml/2006/main">
+  <p:cSld>
+    <p:spTree>
+      <p:nvGrpSpPr>
+        <p:cNvPr id="1" name=""/>
+        <p:cNvGrpSpPr/>
+        <p:nvPr/>
+      </p:nvGrpSpPr>
+      <p:grpSpPr>
+        <a:xfrm>
+          <a:off x="0" y="0"/>
+          <a:ext cx="0" cy="0"/>
+          <a:chOff x="0" y="0"/>
+          <a:chExt cx="0" cy="0"/>
+        </a:xfrm>
+      </p:grpSpPr>
+      <p:sp>
+        <p:nvSpPr>
+          <p:cNvPr id="2" name="Title 1"/>
+          <p:cNvSpPr>
+            <a:spLocks noGrp="1"/>
+          </p:cNvSpPr>
+          <p:nvPr>
+            <p:ph type="title"/>
+          </p:nvPr>
+        </p:nvSpPr>
+        <p:spPr/>
+        <p:txBody>
+          <a:bodyPr/>
+          <a:lstStyle/>
+          <a:p>
+            <a:r>
+              <a:rPr lang="en-US" dirty="0" smtClean="0"/>
+              <a:t>Lesson 01</a:t>
+            </a:r>
+            <a:endParaRPr lang="en-US" dirty="0"/>
+          </a:p>
+        </p:txBody>
+      </p:sp>
+      <p:sp>
+        <p:nvSpPr>
+          <p:cNvPr id="3" name="Content Placeholder 2"/>
+          <p:cNvSpPr>
+            <a:spLocks noGrp="1"/>
+          </p:cNvSpPr>
+          <p:nvPr>
+            <p:ph idx="1"/>
+          </p:nvPr>
+        </p:nvSpPr>
+        <p:spPr>
+          <a:xfrm>
+            <a:off x="0" y="1199924"/>
+            <a:ext cx="9144000" cy="4525963"/>
+          </a:xfrm>
+        </p:spPr>
+        <p:txBody>
+          <a:bodyPr>
+            <a:normAutofit fontScale="70000" lnSpcReduction="20000"/>
+          </a:bodyPr>
+          <a:lstStyle/>
+          <a:p>
+            <a:r>
+              <a:rPr lang="en-US" sz="4800" dirty="0" smtClean="0"/>
+              <a:t>Similar for the square.</a:t>
+            </a:r>
+          </a:p>
+          <a:p>
+            <a:r>
+              <a:rPr lang="en-US" sz="4800" dirty="0" smtClean="0"/>
+              <a:t>But, build square geometry out of 2 triangles.</a:t>
+            </a:r>
+            <a:endParaRPr lang="en-US" sz="4800" dirty="0" smtClean="0"/>
+          </a:p>
+          <a:p>
+            <a:endParaRPr lang="en-US" sz="1600" dirty="0" smtClean="0">
+              <a:solidFill>
+                <a:srgbClr val="0000FF"/>
+              </a:solidFill>
+              <a:latin typeface="Lucida Console"/>
+              <a:cs typeface="Lucida Console"/>
+            </a:endParaRPr>
+          </a:p>
+          <a:p>
+            <a:pPr marL="0" indent="0">
+              <a:buNone/>
+            </a:pPr>
+            <a:r>
+              <a:rPr lang="en-US" sz="3600" dirty="0" err="1">
+                <a:solidFill>
+                  <a:srgbClr val="0000FF"/>
+                </a:solidFill>
+                <a:latin typeface="Lucida Console"/>
+                <a:cs typeface="Lucida Console"/>
+              </a:rPr>
+              <a:t>var</a:t>
+            </a:r>
+            <a:r>
+              <a:rPr lang="en-US" sz="3600" dirty="0">
+                <a:solidFill>
+                  <a:srgbClr val="0000FF"/>
+                </a:solidFill>
+                <a:latin typeface="Lucida Console"/>
+                <a:cs typeface="Lucida Console"/>
+              </a:rPr>
+              <a:t> </a:t>
+            </a:r>
+            <a:r>
+              <a:rPr lang="en-US" sz="3600" dirty="0" err="1">
+                <a:solidFill>
+                  <a:srgbClr val="0000FF"/>
+                </a:solidFill>
+                <a:latin typeface="Lucida Console"/>
+                <a:cs typeface="Lucida Console"/>
+              </a:rPr>
+              <a:t>squareGeometry</a:t>
+            </a:r>
+            <a:r>
+              <a:rPr lang="en-US" sz="3600" dirty="0">
+                <a:solidFill>
+                  <a:srgbClr val="0000FF"/>
+                </a:solidFill>
+                <a:latin typeface="Lucida Console"/>
+                <a:cs typeface="Lucida Console"/>
+              </a:rPr>
+              <a:t> = new </a:t>
+            </a:r>
+            <a:r>
+              <a:rPr lang="en-US" sz="3600" dirty="0" err="1">
+                <a:solidFill>
+                  <a:srgbClr val="0000FF"/>
+                </a:solidFill>
+                <a:latin typeface="Lucida Console"/>
+                <a:cs typeface="Lucida Console"/>
+              </a:rPr>
+              <a:t>THREE.Geometry</a:t>
+            </a:r>
+            <a:r>
+              <a:rPr lang="en-US" sz="3600" dirty="0">
+                <a:solidFill>
+                  <a:srgbClr val="0000FF"/>
+                </a:solidFill>
+                <a:latin typeface="Lucida Console"/>
+                <a:cs typeface="Lucida Console"/>
+              </a:rPr>
+              <a:t>();</a:t>
+            </a:r>
+          </a:p>
+          <a:p>
+            <a:pPr marL="0" indent="0">
+              <a:buNone/>
+            </a:pPr>
+            <a:r>
+              <a:rPr lang="en-US" sz="3600" dirty="0" err="1">
+                <a:solidFill>
+                  <a:srgbClr val="0000FF"/>
+                </a:solidFill>
+                <a:latin typeface="Lucida Console"/>
+                <a:cs typeface="Lucida Console"/>
+              </a:rPr>
+              <a:t>squareGeometry.vertices.push</a:t>
+            </a:r>
+            <a:r>
+              <a:rPr lang="en-US" sz="3600" dirty="0">
+                <a:solidFill>
+                  <a:srgbClr val="0000FF"/>
+                </a:solidFill>
+                <a:latin typeface="Lucida Console"/>
+                <a:cs typeface="Lucida Console"/>
+              </a:rPr>
+              <a:t>(new </a:t>
+            </a:r>
+            <a:r>
+              <a:rPr lang="en-US" sz="3600" dirty="0" smtClean="0">
+                <a:solidFill>
+                  <a:srgbClr val="0000FF"/>
+                </a:solidFill>
+                <a:latin typeface="Lucida Console"/>
+                <a:cs typeface="Lucida Console"/>
+              </a:rPr>
+              <a:t>  </a:t>
+            </a:r>
+            <a:br>
+              <a:rPr lang="en-US" sz="3600" dirty="0" smtClean="0">
+                <a:solidFill>
+                  <a:srgbClr val="0000FF"/>
+                </a:solidFill>
+                <a:latin typeface="Lucida Console"/>
+                <a:cs typeface="Lucida Console"/>
+              </a:rPr>
+            </a:br>
+            <a:r>
+              <a:rPr lang="en-US" sz="3600" dirty="0" smtClean="0">
+                <a:solidFill>
+                  <a:srgbClr val="0000FF"/>
+                </a:solidFill>
+                <a:latin typeface="Lucida Console"/>
+                <a:cs typeface="Lucida Console"/>
+              </a:rPr>
+              <a:t>   THREE.Vector3</a:t>
+            </a:r>
+            <a:r>
+              <a:rPr lang="en-US" sz="3600" dirty="0">
+                <a:solidFill>
+                  <a:srgbClr val="0000FF"/>
+                </a:solidFill>
+                <a:latin typeface="Lucida Console"/>
+                <a:cs typeface="Lucida Console"/>
+              </a:rPr>
+              <a:t>(-1.0,  1.0, 0.0));</a:t>
+            </a:r>
+          </a:p>
+          <a:p>
+            <a:pPr marL="0" indent="0">
+              <a:buNone/>
+            </a:pPr>
+            <a:r>
+              <a:rPr lang="en-US" sz="3600" dirty="0" err="1">
+                <a:solidFill>
+                  <a:srgbClr val="0000FF"/>
+                </a:solidFill>
+                <a:latin typeface="Lucida Console"/>
+                <a:cs typeface="Lucida Console"/>
+              </a:rPr>
+              <a:t>squareGeometry.vertices.push</a:t>
+            </a:r>
+            <a:r>
+              <a:rPr lang="en-US" sz="3600" dirty="0">
+                <a:solidFill>
+                  <a:srgbClr val="0000FF"/>
+                </a:solidFill>
+                <a:latin typeface="Lucida Console"/>
+                <a:cs typeface="Lucida Console"/>
+              </a:rPr>
+              <a:t>(new </a:t>
+            </a:r>
+            <a:r>
+              <a:rPr lang="en-US" sz="3600" dirty="0" smtClean="0">
+                <a:solidFill>
+                  <a:srgbClr val="0000FF"/>
+                </a:solidFill>
+                <a:latin typeface="Lucida Console"/>
+                <a:cs typeface="Lucida Console"/>
+              </a:rPr>
+              <a:t/>
+            </a:r>
+            <a:br>
+              <a:rPr lang="en-US" sz="3600" dirty="0" smtClean="0">
+                <a:solidFill>
+                  <a:srgbClr val="0000FF"/>
+                </a:solidFill>
+                <a:latin typeface="Lucida Console"/>
+                <a:cs typeface="Lucida Console"/>
+              </a:rPr>
+            </a:br>
+            <a:r>
+              <a:rPr lang="en-US" sz="3600" dirty="0" smtClean="0">
+                <a:solidFill>
+                  <a:srgbClr val="0000FF"/>
+                </a:solidFill>
+                <a:latin typeface="Lucida Console"/>
+                <a:cs typeface="Lucida Console"/>
+              </a:rPr>
+              <a:t>   THREE.Vector3</a:t>
+            </a:r>
+            <a:r>
+              <a:rPr lang="en-US" sz="3600" dirty="0">
+                <a:solidFill>
+                  <a:srgbClr val="0000FF"/>
+                </a:solidFill>
+                <a:latin typeface="Lucida Console"/>
+                <a:cs typeface="Lucida Console"/>
+              </a:rPr>
+              <a:t>( 1.0,  1.0, 0.0));</a:t>
+            </a:r>
+          </a:p>
+          <a:p>
+            <a:pPr marL="0" indent="0">
+              <a:buNone/>
+            </a:pPr>
+            <a:r>
+              <a:rPr lang="en-US" sz="3600" dirty="0" err="1">
+                <a:solidFill>
+                  <a:srgbClr val="0000FF"/>
+                </a:solidFill>
+                <a:latin typeface="Lucida Console"/>
+                <a:cs typeface="Lucida Console"/>
+              </a:rPr>
+              <a:t>squareGeometry.vertices.push</a:t>
+            </a:r>
+            <a:r>
+              <a:rPr lang="en-US" sz="3600" dirty="0">
+                <a:solidFill>
+                  <a:srgbClr val="0000FF"/>
+                </a:solidFill>
+                <a:latin typeface="Lucida Console"/>
+                <a:cs typeface="Lucida Console"/>
+              </a:rPr>
+              <a:t>(new </a:t>
+            </a:r>
+            <a:r>
+              <a:rPr lang="en-US" sz="3600" dirty="0" smtClean="0">
+                <a:solidFill>
+                  <a:srgbClr val="0000FF"/>
+                </a:solidFill>
+                <a:latin typeface="Lucida Console"/>
+                <a:cs typeface="Lucida Console"/>
+              </a:rPr>
+              <a:t/>
+            </a:r>
+            <a:br>
+              <a:rPr lang="en-US" sz="3600" dirty="0" smtClean="0">
+                <a:solidFill>
+                  <a:srgbClr val="0000FF"/>
+                </a:solidFill>
+                <a:latin typeface="Lucida Console"/>
+                <a:cs typeface="Lucida Console"/>
+              </a:rPr>
+            </a:br>
+            <a:r>
+              <a:rPr lang="en-US" sz="3600" dirty="0" smtClean="0">
+                <a:solidFill>
+                  <a:srgbClr val="0000FF"/>
+                </a:solidFill>
+                <a:latin typeface="Lucida Console"/>
+                <a:cs typeface="Lucida Console"/>
+              </a:rPr>
+              <a:t>   THREE.Vector3</a:t>
+            </a:r>
+            <a:r>
+              <a:rPr lang="en-US" sz="3600" dirty="0">
+                <a:solidFill>
+                  <a:srgbClr val="0000FF"/>
+                </a:solidFill>
+                <a:latin typeface="Lucida Console"/>
+                <a:cs typeface="Lucida Console"/>
+              </a:rPr>
+              <a:t>( 1.0, -1.0, 0.0));</a:t>
+            </a:r>
+          </a:p>
+          <a:p>
+            <a:pPr marL="0" indent="0">
+              <a:buNone/>
+            </a:pPr>
+            <a:r>
+              <a:rPr lang="en-US" sz="3600" dirty="0" err="1">
+                <a:solidFill>
+                  <a:srgbClr val="0000FF"/>
+                </a:solidFill>
+                <a:latin typeface="Lucida Console"/>
+                <a:cs typeface="Lucida Console"/>
+              </a:rPr>
+              <a:t>squareGeometry.vertices.push</a:t>
+            </a:r>
+            <a:r>
+              <a:rPr lang="en-US" sz="3600" dirty="0">
+                <a:solidFill>
+                  <a:srgbClr val="0000FF"/>
+                </a:solidFill>
+                <a:latin typeface="Lucida Console"/>
+                <a:cs typeface="Lucida Console"/>
+              </a:rPr>
+              <a:t>(new </a:t>
+            </a:r>
+            <a:r>
+              <a:rPr lang="en-US" sz="3600" dirty="0" smtClean="0">
+                <a:solidFill>
+                  <a:srgbClr val="0000FF"/>
+                </a:solidFill>
+                <a:latin typeface="Lucida Console"/>
+                <a:cs typeface="Lucida Console"/>
+              </a:rPr>
+              <a:t/>
+            </a:r>
+            <a:br>
+              <a:rPr lang="en-US" sz="3600" dirty="0" smtClean="0">
+                <a:solidFill>
+                  <a:srgbClr val="0000FF"/>
+                </a:solidFill>
+                <a:latin typeface="Lucida Console"/>
+                <a:cs typeface="Lucida Console"/>
+              </a:rPr>
+            </a:br>
+            <a:r>
+              <a:rPr lang="en-US" sz="3600" dirty="0" smtClean="0">
+                <a:solidFill>
+                  <a:srgbClr val="0000FF"/>
+                </a:solidFill>
+                <a:latin typeface="Lucida Console"/>
+                <a:cs typeface="Lucida Console"/>
+              </a:rPr>
+              <a:t>   THREE.Vector3</a:t>
+            </a:r>
+            <a:r>
+              <a:rPr lang="en-US" sz="3600" dirty="0">
+                <a:solidFill>
+                  <a:srgbClr val="0000FF"/>
+                </a:solidFill>
+                <a:latin typeface="Lucida Console"/>
+                <a:cs typeface="Lucida Console"/>
+              </a:rPr>
+              <a:t>(-1.0, -1.0, 0.0));</a:t>
+            </a:r>
+          </a:p>
+          <a:p>
+            <a:pPr marL="0" indent="0">
+              <a:buNone/>
+            </a:pPr>
+            <a:r>
+              <a:rPr lang="en-US" sz="3600" dirty="0" err="1">
+                <a:solidFill>
+                  <a:srgbClr val="0000FF"/>
+                </a:solidFill>
+                <a:latin typeface="Lucida Console"/>
+                <a:cs typeface="Lucida Console"/>
+              </a:rPr>
+              <a:t>squareGeometry.faces.push</a:t>
+            </a:r>
+            <a:r>
+              <a:rPr lang="en-US" sz="3600" dirty="0" smtClean="0">
+                <a:solidFill>
+                  <a:srgbClr val="0000FF"/>
+                </a:solidFill>
+                <a:latin typeface="Lucida Console"/>
+                <a:cs typeface="Lucida Console"/>
+              </a:rPr>
+              <a:t>(</a:t>
+            </a:r>
+            <a:br>
+              <a:rPr lang="en-US" sz="3600" dirty="0" smtClean="0">
+                <a:solidFill>
+                  <a:srgbClr val="0000FF"/>
+                </a:solidFill>
+                <a:latin typeface="Lucida Console"/>
+                <a:cs typeface="Lucida Console"/>
+              </a:rPr>
+            </a:br>
+            <a:r>
+              <a:rPr lang="en-US" sz="3600" dirty="0" smtClean="0">
+                <a:solidFill>
+                  <a:srgbClr val="0000FF"/>
+                </a:solidFill>
+                <a:latin typeface="Lucida Console"/>
+                <a:cs typeface="Lucida Console"/>
+              </a:rPr>
+              <a:t>   new </a:t>
+            </a:r>
+            <a:r>
+              <a:rPr lang="en-US" sz="3600" dirty="0">
+                <a:solidFill>
+                  <a:srgbClr val="0000FF"/>
+                </a:solidFill>
+                <a:latin typeface="Lucida Console"/>
+                <a:cs typeface="Lucida Console"/>
+              </a:rPr>
+              <a:t>THREE.Face3(0, 1, 2));</a:t>
+            </a:r>
+          </a:p>
+          <a:p>
+            <a:pPr marL="0" indent="0">
+              <a:buNone/>
+            </a:pPr>
+            <a:r>
+              <a:rPr lang="en-US" sz="3600" dirty="0" err="1">
+                <a:solidFill>
+                  <a:srgbClr val="0000FF"/>
+                </a:solidFill>
+                <a:latin typeface="Lucida Console"/>
+                <a:cs typeface="Lucida Console"/>
+              </a:rPr>
+              <a:t>squareGeometry.faces.push</a:t>
+            </a:r>
+            <a:r>
+              <a:rPr lang="en-US" sz="3600" dirty="0" smtClean="0">
+                <a:solidFill>
+                  <a:srgbClr val="0000FF"/>
+                </a:solidFill>
+                <a:latin typeface="Lucida Console"/>
+                <a:cs typeface="Lucida Console"/>
+              </a:rPr>
+              <a:t>(</a:t>
+            </a:r>
+            <a:br>
+              <a:rPr lang="en-US" sz="3600" dirty="0" smtClean="0">
+                <a:solidFill>
+                  <a:srgbClr val="0000FF"/>
+                </a:solidFill>
+                <a:latin typeface="Lucida Console"/>
+                <a:cs typeface="Lucida Console"/>
+              </a:rPr>
+            </a:br>
+            <a:r>
+              <a:rPr lang="en-US" sz="3600" dirty="0" smtClean="0">
+                <a:solidFill>
+                  <a:srgbClr val="0000FF"/>
+                </a:solidFill>
+                <a:latin typeface="Lucida Console"/>
+                <a:cs typeface="Lucida Console"/>
+              </a:rPr>
+              <a:t>   new </a:t>
+            </a:r>
+            <a:r>
+              <a:rPr lang="en-US" sz="3600" dirty="0">
+                <a:solidFill>
+                  <a:srgbClr val="0000FF"/>
+                </a:solidFill>
+                <a:latin typeface="Lucida Console"/>
+                <a:cs typeface="Lucida Console"/>
+              </a:rPr>
+              <a:t>THREE.Face3(0, 2, 3));</a:t>
+            </a:r>
+            <a:endParaRPr lang="en-US" sz="3600" dirty="0" smtClean="0">
+              <a:solidFill>
+                <a:srgbClr val="0000FF"/>
+              </a:solidFill>
+              <a:latin typeface="Lucida Console"/>
+              <a:cs typeface="Lucida Console"/>
+            </a:endParaRPr>
+          </a:p>
+        </p:txBody>
+      </p:sp>
+    </p:spTree>
+    <p:extLst>
+      <p:ext uri="{BB962C8B-B14F-4D97-AF65-F5344CB8AC3E}">
+        <p14:creationId xmlns:p14="http://schemas.microsoft.com/office/powerpoint/2010/main" val="3670857342"/>
+      </p:ext>
+    </p:extLst>
+  </p:cSld>
+  <p:clrMapOvr>
+    <a:masterClrMapping/>
+  </p:clrMapOvr>
+  <p:timing>
+    <p:tnLst>
+      <p:par>
+        <p:cTn xmlns:p14="http://schemas.microsoft.com/office/powerpoint/2010/main" id="1" dur="indefinite" restart="never" nodeType="tmRoot"/>
+      </p:par>
+    </p:tnLst>
+  </p:timing>
+</p:sld>
+</file>
+
+<file path=ppt/slides/slide48.xml><?xml version="1.0" encoding="utf-8"?>
+<p:sld xmlns:a="http://schemas.openxmlformats.org/drawingml/2006/main" xmlns:r="http://schemas.openxmlformats.org/officeDocument/2006/relationships" xmlns:p="http://schemas.openxmlformats.org/presentationml/2006/main">
+  <p:cSld>
+    <p:spTree>
+      <p:nvGrpSpPr>
+        <p:cNvPr id="1" name=""/>
+        <p:cNvGrpSpPr/>
+        <p:nvPr/>
+      </p:nvGrpSpPr>
+      <p:grpSpPr>
+        <a:xfrm>
+          <a:off x="0" y="0"/>
+          <a:ext cx="0" cy="0"/>
+          <a:chOff x="0" y="0"/>
+          <a:chExt cx="0" cy="0"/>
+        </a:xfrm>
+      </p:grpSpPr>
+      <p:sp>
+        <p:nvSpPr>
+          <p:cNvPr id="2" name="Title 1"/>
+          <p:cNvSpPr>
+            <a:spLocks noGrp="1"/>
+          </p:cNvSpPr>
+          <p:nvPr>
+            <p:ph type="title"/>
+          </p:nvPr>
+        </p:nvSpPr>
+        <p:spPr/>
+        <p:txBody>
+          <a:bodyPr/>
+          <a:lstStyle/>
+          <a:p>
+            <a:r>
+              <a:rPr lang="en-US" dirty="0" smtClean="0"/>
+              <a:t>Lesson 01</a:t>
+            </a:r>
+            <a:endParaRPr lang="en-US" dirty="0"/>
+          </a:p>
+        </p:txBody>
+      </p:sp>
+      <p:sp>
+        <p:nvSpPr>
+          <p:cNvPr id="3" name="Content Placeholder 2"/>
+          <p:cNvSpPr>
+            <a:spLocks noGrp="1"/>
+          </p:cNvSpPr>
+          <p:nvPr>
+            <p:ph idx="1"/>
+          </p:nvPr>
+        </p:nvSpPr>
+        <p:spPr>
+          <a:xfrm>
+            <a:off x="0" y="1199924"/>
+            <a:ext cx="9144000" cy="4525963"/>
+          </a:xfrm>
+        </p:spPr>
+        <p:txBody>
+          <a:bodyPr>
+            <a:normAutofit fontScale="70000" lnSpcReduction="20000"/>
+          </a:bodyPr>
+          <a:lstStyle/>
+          <a:p>
+            <a:r>
+              <a:rPr lang="en-US" sz="4800" dirty="0" smtClean="0"/>
+              <a:t>Similar for the square.</a:t>
+            </a:r>
+          </a:p>
+          <a:p>
+            <a:r>
+              <a:rPr lang="en-US" sz="4800" dirty="0" smtClean="0"/>
+              <a:t>But, build square geometry out of 2 triangles.</a:t>
+            </a:r>
+            <a:endParaRPr lang="en-US" sz="4800" dirty="0" smtClean="0"/>
+          </a:p>
+          <a:p>
+            <a:endParaRPr lang="en-US" sz="1600" dirty="0" smtClean="0">
+              <a:solidFill>
+                <a:srgbClr val="0000FF"/>
+              </a:solidFill>
+              <a:latin typeface="Lucida Console"/>
+              <a:cs typeface="Lucida Console"/>
+            </a:endParaRPr>
+          </a:p>
+          <a:p>
+            <a:pPr marL="0" indent="0">
+              <a:buNone/>
+            </a:pPr>
+            <a:r>
+              <a:rPr lang="en-US" sz="3600" dirty="0" err="1">
+                <a:solidFill>
+                  <a:srgbClr val="0000FF"/>
+                </a:solidFill>
+                <a:latin typeface="Lucida Console"/>
+                <a:cs typeface="Lucida Console"/>
+              </a:rPr>
+              <a:t>var</a:t>
+            </a:r>
+            <a:r>
+              <a:rPr lang="en-US" sz="3600" dirty="0">
+                <a:solidFill>
+                  <a:srgbClr val="0000FF"/>
+                </a:solidFill>
+                <a:latin typeface="Lucida Console"/>
+                <a:cs typeface="Lucida Console"/>
+              </a:rPr>
+              <a:t> </a:t>
+            </a:r>
+            <a:r>
+              <a:rPr lang="en-US" sz="3600" dirty="0" err="1">
+                <a:solidFill>
+                  <a:srgbClr val="0000FF"/>
+                </a:solidFill>
+                <a:latin typeface="Lucida Console"/>
+                <a:cs typeface="Lucida Console"/>
+              </a:rPr>
+              <a:t>squareGeometry</a:t>
+            </a:r>
+            <a:r>
+              <a:rPr lang="en-US" sz="3600" dirty="0">
+                <a:solidFill>
+                  <a:srgbClr val="0000FF"/>
+                </a:solidFill>
+                <a:latin typeface="Lucida Console"/>
+                <a:cs typeface="Lucida Console"/>
+              </a:rPr>
+              <a:t> = new </a:t>
+            </a:r>
+            <a:r>
+              <a:rPr lang="en-US" sz="3600" dirty="0" err="1">
+                <a:solidFill>
+                  <a:srgbClr val="0000FF"/>
+                </a:solidFill>
+                <a:latin typeface="Lucida Console"/>
+                <a:cs typeface="Lucida Console"/>
+              </a:rPr>
+              <a:t>THREE.Geometry</a:t>
+            </a:r>
+            <a:r>
+              <a:rPr lang="en-US" sz="3600" dirty="0">
+                <a:solidFill>
+                  <a:srgbClr val="0000FF"/>
+                </a:solidFill>
+                <a:latin typeface="Lucida Console"/>
+                <a:cs typeface="Lucida Console"/>
+              </a:rPr>
+              <a:t>();</a:t>
+            </a:r>
+          </a:p>
+          <a:p>
+            <a:pPr marL="0" indent="0">
+              <a:buNone/>
+            </a:pPr>
+            <a:r>
+              <a:rPr lang="en-US" sz="3600" dirty="0" err="1">
+                <a:solidFill>
+                  <a:srgbClr val="0000FF"/>
+                </a:solidFill>
+                <a:latin typeface="Lucida Console"/>
+                <a:cs typeface="Lucida Console"/>
+              </a:rPr>
+              <a:t>squareGeometry.vertices.push</a:t>
+            </a:r>
+            <a:r>
+              <a:rPr lang="en-US" sz="3600" dirty="0">
+                <a:solidFill>
+                  <a:srgbClr val="0000FF"/>
+                </a:solidFill>
+                <a:latin typeface="Lucida Console"/>
+                <a:cs typeface="Lucida Console"/>
+              </a:rPr>
+              <a:t>(new </a:t>
+            </a:r>
+            <a:r>
+              <a:rPr lang="en-US" sz="3600" dirty="0" smtClean="0">
+                <a:solidFill>
+                  <a:srgbClr val="0000FF"/>
+                </a:solidFill>
+                <a:latin typeface="Lucida Console"/>
+                <a:cs typeface="Lucida Console"/>
+              </a:rPr>
+              <a:t>  </a:t>
+            </a:r>
+            <a:br>
+              <a:rPr lang="en-US" sz="3600" dirty="0" smtClean="0">
+                <a:solidFill>
+                  <a:srgbClr val="0000FF"/>
+                </a:solidFill>
+                <a:latin typeface="Lucida Console"/>
+                <a:cs typeface="Lucida Console"/>
+              </a:rPr>
+            </a:br>
+            <a:r>
+              <a:rPr lang="en-US" sz="3600" dirty="0" smtClean="0">
+                <a:solidFill>
+                  <a:srgbClr val="0000FF"/>
+                </a:solidFill>
+                <a:latin typeface="Lucida Console"/>
+                <a:cs typeface="Lucida Console"/>
+              </a:rPr>
+              <a:t>   THREE.Vector3</a:t>
+            </a:r>
+            <a:r>
+              <a:rPr lang="en-US" sz="3600" dirty="0">
+                <a:solidFill>
+                  <a:srgbClr val="0000FF"/>
+                </a:solidFill>
+                <a:latin typeface="Lucida Console"/>
+                <a:cs typeface="Lucida Console"/>
+              </a:rPr>
+              <a:t>(-1.0,  1.0, 0.0));</a:t>
+            </a:r>
+          </a:p>
+          <a:p>
+            <a:pPr marL="0" indent="0">
+              <a:buNone/>
+            </a:pPr>
+            <a:r>
+              <a:rPr lang="en-US" sz="3600" dirty="0" err="1">
+                <a:solidFill>
+                  <a:srgbClr val="0000FF"/>
+                </a:solidFill>
+                <a:latin typeface="Lucida Console"/>
+                <a:cs typeface="Lucida Console"/>
+              </a:rPr>
+              <a:t>squareGeometry.vertices.push</a:t>
+            </a:r>
+            <a:r>
+              <a:rPr lang="en-US" sz="3600" dirty="0">
+                <a:solidFill>
+                  <a:srgbClr val="0000FF"/>
+                </a:solidFill>
+                <a:latin typeface="Lucida Console"/>
+                <a:cs typeface="Lucida Console"/>
+              </a:rPr>
+              <a:t>(new </a:t>
+            </a:r>
+            <a:r>
+              <a:rPr lang="en-US" sz="3600" dirty="0" smtClean="0">
+                <a:solidFill>
+                  <a:srgbClr val="0000FF"/>
+                </a:solidFill>
+                <a:latin typeface="Lucida Console"/>
+                <a:cs typeface="Lucida Console"/>
+              </a:rPr>
+              <a:t/>
+            </a:r>
+            <a:br>
+              <a:rPr lang="en-US" sz="3600" dirty="0" smtClean="0">
+                <a:solidFill>
+                  <a:srgbClr val="0000FF"/>
+                </a:solidFill>
+                <a:latin typeface="Lucida Console"/>
+                <a:cs typeface="Lucida Console"/>
+              </a:rPr>
+            </a:br>
+            <a:r>
+              <a:rPr lang="en-US" sz="3600" dirty="0" smtClean="0">
+                <a:solidFill>
+                  <a:srgbClr val="0000FF"/>
+                </a:solidFill>
+                <a:latin typeface="Lucida Console"/>
+                <a:cs typeface="Lucida Console"/>
+              </a:rPr>
+              <a:t>   THREE.Vector3</a:t>
+            </a:r>
+            <a:r>
+              <a:rPr lang="en-US" sz="3600" dirty="0">
+                <a:solidFill>
+                  <a:srgbClr val="0000FF"/>
+                </a:solidFill>
+                <a:latin typeface="Lucida Console"/>
+                <a:cs typeface="Lucida Console"/>
+              </a:rPr>
+              <a:t>( 1.0,  1.0, 0.0));</a:t>
+            </a:r>
+          </a:p>
+          <a:p>
+            <a:pPr marL="0" indent="0">
+              <a:buNone/>
+            </a:pPr>
+            <a:r>
+              <a:rPr lang="en-US" sz="3600" dirty="0" err="1">
+                <a:solidFill>
+                  <a:srgbClr val="0000FF"/>
+                </a:solidFill>
+                <a:latin typeface="Lucida Console"/>
+                <a:cs typeface="Lucida Console"/>
+              </a:rPr>
+              <a:t>squareGeometry.vertices.push</a:t>
+            </a:r>
+            <a:r>
+              <a:rPr lang="en-US" sz="3600" dirty="0">
+                <a:solidFill>
+                  <a:srgbClr val="0000FF"/>
+                </a:solidFill>
+                <a:latin typeface="Lucida Console"/>
+                <a:cs typeface="Lucida Console"/>
+              </a:rPr>
+              <a:t>(new </a:t>
+            </a:r>
+            <a:r>
+              <a:rPr lang="en-US" sz="3600" dirty="0" smtClean="0">
+                <a:solidFill>
+                  <a:srgbClr val="0000FF"/>
+                </a:solidFill>
+                <a:latin typeface="Lucida Console"/>
+                <a:cs typeface="Lucida Console"/>
+              </a:rPr>
+              <a:t/>
+            </a:r>
+            <a:br>
+              <a:rPr lang="en-US" sz="3600" dirty="0" smtClean="0">
+                <a:solidFill>
+                  <a:srgbClr val="0000FF"/>
+                </a:solidFill>
+                <a:latin typeface="Lucida Console"/>
+                <a:cs typeface="Lucida Console"/>
+              </a:rPr>
+            </a:br>
+            <a:r>
+              <a:rPr lang="en-US" sz="3600" dirty="0" smtClean="0">
+                <a:solidFill>
+                  <a:srgbClr val="0000FF"/>
+                </a:solidFill>
+                <a:latin typeface="Lucida Console"/>
+                <a:cs typeface="Lucida Console"/>
+              </a:rPr>
+              <a:t>   THREE.Vector3</a:t>
+            </a:r>
+            <a:r>
+              <a:rPr lang="en-US" sz="3600" dirty="0">
+                <a:solidFill>
+                  <a:srgbClr val="0000FF"/>
+                </a:solidFill>
+                <a:latin typeface="Lucida Console"/>
+                <a:cs typeface="Lucida Console"/>
+              </a:rPr>
+              <a:t>( 1.0, -1.0, 0.0));</a:t>
+            </a:r>
+          </a:p>
+          <a:p>
+            <a:pPr marL="0" indent="0">
+              <a:buNone/>
+            </a:pPr>
+            <a:r>
+              <a:rPr lang="en-US" sz="3600" dirty="0" err="1">
+                <a:solidFill>
+                  <a:srgbClr val="0000FF"/>
+                </a:solidFill>
+                <a:latin typeface="Lucida Console"/>
+                <a:cs typeface="Lucida Console"/>
+              </a:rPr>
+              <a:t>squareGeometry.vertices.push</a:t>
+            </a:r>
+            <a:r>
+              <a:rPr lang="en-US" sz="3600" dirty="0">
+                <a:solidFill>
+                  <a:srgbClr val="0000FF"/>
+                </a:solidFill>
+                <a:latin typeface="Lucida Console"/>
+                <a:cs typeface="Lucida Console"/>
+              </a:rPr>
+              <a:t>(new </a:t>
+            </a:r>
+            <a:r>
+              <a:rPr lang="en-US" sz="3600" dirty="0" smtClean="0">
+                <a:solidFill>
+                  <a:srgbClr val="0000FF"/>
+                </a:solidFill>
+                <a:latin typeface="Lucida Console"/>
+                <a:cs typeface="Lucida Console"/>
+              </a:rPr>
+              <a:t/>
+            </a:r>
+            <a:br>
+              <a:rPr lang="en-US" sz="3600" dirty="0" smtClean="0">
+                <a:solidFill>
+                  <a:srgbClr val="0000FF"/>
+                </a:solidFill>
+                <a:latin typeface="Lucida Console"/>
+                <a:cs typeface="Lucida Console"/>
+              </a:rPr>
+            </a:br>
+            <a:r>
+              <a:rPr lang="en-US" sz="3600" dirty="0" smtClean="0">
+                <a:solidFill>
+                  <a:srgbClr val="0000FF"/>
+                </a:solidFill>
+                <a:latin typeface="Lucida Console"/>
+                <a:cs typeface="Lucida Console"/>
+              </a:rPr>
+              <a:t>   THREE.Vector3</a:t>
+            </a:r>
+            <a:r>
+              <a:rPr lang="en-US" sz="3600" dirty="0">
+                <a:solidFill>
+                  <a:srgbClr val="0000FF"/>
+                </a:solidFill>
+                <a:latin typeface="Lucida Console"/>
+                <a:cs typeface="Lucida Console"/>
+              </a:rPr>
+              <a:t>(-1.0, -1.0, 0.0));</a:t>
+            </a:r>
+          </a:p>
+          <a:p>
+            <a:pPr marL="0" indent="0">
+              <a:buNone/>
+            </a:pPr>
+            <a:r>
+              <a:rPr lang="en-US" sz="3600" dirty="0" err="1">
+                <a:solidFill>
+                  <a:srgbClr val="0000FF"/>
+                </a:solidFill>
+                <a:latin typeface="Lucida Console"/>
+                <a:cs typeface="Lucida Console"/>
+              </a:rPr>
+              <a:t>squareGeometry.faces.push</a:t>
+            </a:r>
+            <a:r>
+              <a:rPr lang="en-US" sz="3600" dirty="0" smtClean="0">
+                <a:solidFill>
+                  <a:srgbClr val="0000FF"/>
+                </a:solidFill>
+                <a:latin typeface="Lucida Console"/>
+                <a:cs typeface="Lucida Console"/>
+              </a:rPr>
+              <a:t>(</a:t>
+            </a:r>
+            <a:br>
+              <a:rPr lang="en-US" sz="3600" dirty="0" smtClean="0">
+                <a:solidFill>
+                  <a:srgbClr val="0000FF"/>
+                </a:solidFill>
+                <a:latin typeface="Lucida Console"/>
+                <a:cs typeface="Lucida Console"/>
+              </a:rPr>
+            </a:br>
+            <a:r>
+              <a:rPr lang="en-US" sz="3600" dirty="0" smtClean="0">
+                <a:solidFill>
+                  <a:srgbClr val="0000FF"/>
+                </a:solidFill>
+                <a:latin typeface="Lucida Console"/>
+                <a:cs typeface="Lucida Console"/>
+              </a:rPr>
+              <a:t>   new </a:t>
+            </a:r>
+            <a:r>
+              <a:rPr lang="en-US" sz="3600" dirty="0">
+                <a:solidFill>
+                  <a:srgbClr val="0000FF"/>
+                </a:solidFill>
+                <a:latin typeface="Lucida Console"/>
+                <a:cs typeface="Lucida Console"/>
+              </a:rPr>
+              <a:t>THREE.Face3(0, 1, 2));</a:t>
+            </a:r>
+          </a:p>
+          <a:p>
+            <a:pPr marL="0" indent="0">
+              <a:buNone/>
+            </a:pPr>
+            <a:r>
+              <a:rPr lang="en-US" sz="3600" dirty="0" err="1">
+                <a:solidFill>
+                  <a:srgbClr val="0000FF"/>
+                </a:solidFill>
+                <a:latin typeface="Lucida Console"/>
+                <a:cs typeface="Lucida Console"/>
+              </a:rPr>
+              <a:t>squareGeometry.faces.push</a:t>
+            </a:r>
+            <a:r>
+              <a:rPr lang="en-US" sz="3600" dirty="0" smtClean="0">
+                <a:solidFill>
+                  <a:srgbClr val="0000FF"/>
+                </a:solidFill>
+                <a:latin typeface="Lucida Console"/>
+                <a:cs typeface="Lucida Console"/>
+              </a:rPr>
+              <a:t>(</a:t>
+            </a:r>
+            <a:br>
+              <a:rPr lang="en-US" sz="3600" dirty="0" smtClean="0">
+                <a:solidFill>
+                  <a:srgbClr val="0000FF"/>
+                </a:solidFill>
+                <a:latin typeface="Lucida Console"/>
+                <a:cs typeface="Lucida Console"/>
+              </a:rPr>
+            </a:br>
+            <a:r>
+              <a:rPr lang="en-US" sz="3600" dirty="0" smtClean="0">
+                <a:solidFill>
+                  <a:srgbClr val="0000FF"/>
+                </a:solidFill>
+                <a:latin typeface="Lucida Console"/>
+                <a:cs typeface="Lucida Console"/>
+              </a:rPr>
+              <a:t>   new </a:t>
+            </a:r>
+            <a:r>
+              <a:rPr lang="en-US" sz="3600" dirty="0">
+                <a:solidFill>
+                  <a:srgbClr val="0000FF"/>
+                </a:solidFill>
+                <a:latin typeface="Lucida Console"/>
+                <a:cs typeface="Lucida Console"/>
+              </a:rPr>
+              <a:t>THREE.Face3(0, 2, 3));</a:t>
+            </a:r>
+            <a:endParaRPr lang="en-US" sz="3600" dirty="0" smtClean="0">
+              <a:solidFill>
+                <a:srgbClr val="0000FF"/>
+              </a:solidFill>
+              <a:latin typeface="Lucida Console"/>
+              <a:cs typeface="Lucida Console"/>
+            </a:endParaRPr>
+          </a:p>
+        </p:txBody>
+      </p:sp>
+    </p:spTree>
+    <p:extLst>
+      <p:ext uri="{BB962C8B-B14F-4D97-AF65-F5344CB8AC3E}">
+        <p14:creationId xmlns:p14="http://schemas.microsoft.com/office/powerpoint/2010/main" val="871949150"/>
+      </p:ext>
+    </p:extLst>
+  </p:cSld>
+  <p:clrMapOvr>
+    <a:masterClrMapping/>
+  </p:clrMapOvr>
+  <p:timing>
+    <p:tnLst>
+      <p:par>
+        <p:cTn xmlns:p14="http://schemas.microsoft.com/office/powerpoint/2010/main" id="1" dur="indefinite" restart="never" nodeType="tmRoot"/>
+      </p:par>
+    </p:tnLst>
+  </p:timing>
+</p:sld>
+</file>
+
+<file path=ppt/slides/slide49.xml><?xml version="1.0" encoding="utf-8"?>
+<p:sld xmlns:a="http://schemas.openxmlformats.org/drawingml/2006/main" xmlns:r="http://schemas.openxmlformats.org/officeDocument/2006/relationships" xmlns:p="http://schemas.openxmlformats.org/presentationml/2006/main">
+  <p:cSld>
+    <p:spTree>
+      <p:nvGrpSpPr>
+        <p:cNvPr id="1" name=""/>
+        <p:cNvGrpSpPr/>
+        <p:nvPr/>
+      </p:nvGrpSpPr>
+      <p:grpSpPr>
+        <a:xfrm>
+          <a:off x="0" y="0"/>
+          <a:ext cx="0" cy="0"/>
+          <a:chOff x="0" y="0"/>
+          <a:chExt cx="0" cy="0"/>
+        </a:xfrm>
+      </p:grpSpPr>
+      <p:sp>
+        <p:nvSpPr>
+          <p:cNvPr id="2" name="Title 1"/>
+          <p:cNvSpPr>
+            <a:spLocks noGrp="1"/>
+          </p:cNvSpPr>
+          <p:nvPr>
+            <p:ph type="title"/>
+          </p:nvPr>
+        </p:nvSpPr>
+        <p:spPr/>
+        <p:txBody>
+          <a:bodyPr>
+            <a:normAutofit fontScale="90000"/>
+          </a:bodyPr>
+          <a:lstStyle/>
+          <a:p>
+            <a:r>
+              <a:rPr lang="en-US" b="1" dirty="0" smtClean="0"/>
+              <a:t>Lesson 2: </a:t>
+            </a:r>
+            <a:r>
+              <a:rPr lang="en-US" b="1" dirty="0" smtClean="0"/>
+              <a:t>Color (</a:t>
+            </a:r>
+            <a:r>
+              <a:rPr lang="en-US" b="1" dirty="0" err="1" smtClean="0"/>
+              <a:t>Three.js</a:t>
+            </a:r>
+            <a:r>
+              <a:rPr lang="en-US" b="1" dirty="0" smtClean="0"/>
+              <a:t>)</a:t>
+            </a:r>
+            <a:endParaRPr lang="en-US" b="1" dirty="0"/>
+          </a:p>
+        </p:txBody>
+      </p:sp>
+      <p:pic>
+        <p:nvPicPr>
+          <p:cNvPr id="3" name="Picture 2" descr="Screen Shot 2015-04-16 at 4.28.47 PM.png"/>
+          <p:cNvPicPr>
+            <a:picLocks noChangeAspect="1"/>
+          </p:cNvPicPr>
+          <p:nvPr/>
+        </p:nvPicPr>
+        <p:blipFill>
+          <a:blip r:embed="rId2">
+            <a:extLst>
+              <a:ext uri="{28A0092B-C50C-407E-A947-70E740481C1C}">
+                <a14:useLocalDpi xmlns:a14="http://schemas.microsoft.com/office/drawing/2010/main" val="0"/>
+              </a:ext>
+            </a:extLst>
+          </a:blip>
+          <a:stretch>
+            <a:fillRect/>
+          </a:stretch>
+        </p:blipFill>
+        <p:spPr>
+          <a:xfrm>
+            <a:off x="1887746" y="1288319"/>
+            <a:ext cx="5368509" cy="5368509"/>
+          </a:xfrm>
+          <a:prstGeom prst="rect">
+            <a:avLst/>
+          </a:prstGeom>
+        </p:spPr>
+      </p:pic>
+    </p:spTree>
+    <p:extLst>
+      <p:ext uri="{BB962C8B-B14F-4D97-AF65-F5344CB8AC3E}">
+        <p14:creationId xmlns:p14="http://schemas.microsoft.com/office/powerpoint/2010/main" val="2201999963"/>
+      </p:ext>
+    </p:extLst>
+  </p:cSld>
+  <p:clrMapOvr>
+    <a:masterClrMapping/>
+  </p:clrMapOvr>
   <p:timing>
     <p:tnLst>
       <p:par>
@@ -19580,6 +23573,305 @@
   <p:clrMapOvr>
     <a:masterClrMapping/>
   </p:clrMapOvr>
+  <p:timing>
+    <p:tnLst>
+      <p:par>
+        <p:cTn xmlns:p14="http://schemas.microsoft.com/office/powerpoint/2010/main" id="1" dur="indefinite" restart="never" nodeType="tmRoot"/>
+      </p:par>
+    </p:tnLst>
+  </p:timing>
+</p:sld>
+</file>
+
+<file path=ppt/slides/slide50.xml><?xml version="1.0" encoding="utf-8"?>
+<p:sld xmlns:a="http://schemas.openxmlformats.org/drawingml/2006/main" xmlns:r="http://schemas.openxmlformats.org/officeDocument/2006/relationships" xmlns:p="http://schemas.openxmlformats.org/presentationml/2006/main">
+  <p:cSld>
+    <p:spTree>
+      <p:nvGrpSpPr>
+        <p:cNvPr id="1" name=""/>
+        <p:cNvGrpSpPr/>
+        <p:nvPr/>
+      </p:nvGrpSpPr>
+      <p:grpSpPr>
+        <a:xfrm>
+          <a:off x="0" y="0"/>
+          <a:ext cx="0" cy="0"/>
+          <a:chOff x="0" y="0"/>
+          <a:chExt cx="0" cy="0"/>
+        </a:xfrm>
+      </p:grpSpPr>
+      <p:sp>
+        <p:nvSpPr>
+          <p:cNvPr id="2" name="Title 1"/>
+          <p:cNvSpPr>
+            <a:spLocks noGrp="1"/>
+          </p:cNvSpPr>
+          <p:nvPr>
+            <p:ph type="title"/>
+          </p:nvPr>
+        </p:nvSpPr>
+        <p:spPr/>
+        <p:txBody>
+          <a:bodyPr/>
+          <a:lstStyle/>
+          <a:p>
+            <a:r>
+              <a:rPr lang="en-US" dirty="0" smtClean="0"/>
+              <a:t>Next Time…</a:t>
+            </a:r>
+            <a:endParaRPr lang="en-US" dirty="0"/>
+          </a:p>
+        </p:txBody>
+      </p:sp>
+      <p:sp>
+        <p:nvSpPr>
+          <p:cNvPr id="3" name="Content Placeholder 2"/>
+          <p:cNvSpPr>
+            <a:spLocks noGrp="1"/>
+          </p:cNvSpPr>
+          <p:nvPr>
+            <p:ph idx="1"/>
+          </p:nvPr>
+        </p:nvSpPr>
+        <p:spPr/>
+        <p:txBody>
+          <a:bodyPr/>
+          <a:lstStyle/>
+          <a:p>
+            <a:r>
+              <a:rPr lang="en-US" dirty="0" smtClean="0"/>
+              <a:t>Using </a:t>
+            </a:r>
+            <a:r>
+              <a:rPr lang="en-US" dirty="0" err="1" smtClean="0"/>
+              <a:t>Three.js</a:t>
+            </a:r>
+            <a:r>
+              <a:rPr lang="en-US" dirty="0" smtClean="0"/>
+              <a:t> to make </a:t>
+            </a:r>
+            <a:r>
+              <a:rPr lang="en-US" dirty="0" err="1" smtClean="0"/>
+              <a:t>WebGL</a:t>
+            </a:r>
+            <a:r>
+              <a:rPr lang="en-US" dirty="0" smtClean="0"/>
+              <a:t> more sane.</a:t>
+            </a:r>
+            <a:endParaRPr lang="en-US" dirty="0"/>
+          </a:p>
+        </p:txBody>
+      </p:sp>
+    </p:spTree>
+    <p:extLst>
+      <p:ext uri="{BB962C8B-B14F-4D97-AF65-F5344CB8AC3E}">
+        <p14:creationId xmlns:p14="http://schemas.microsoft.com/office/powerpoint/2010/main" val="212014411"/>
+      </p:ext>
+    </p:extLst>
+  </p:cSld>
+  <p:clrMapOvr>
+    <a:masterClrMapping/>
+  </p:clrMapOvr>
+  <p:timing>
+    <p:tnLst>
+      <p:par>
+        <p:cTn xmlns:p14="http://schemas.microsoft.com/office/powerpoint/2010/main" id="1" dur="indefinite" restart="never" nodeType="tmRoot"/>
+      </p:par>
+    </p:tnLst>
+  </p:timing>
+</p:sld>
+</file>
+
+<file path=ppt/slides/slide51.xml><?xml version="1.0" encoding="utf-8"?>
+<p:sld xmlns:a="http://schemas.openxmlformats.org/drawingml/2006/main" xmlns:r="http://schemas.openxmlformats.org/officeDocument/2006/relationships" xmlns:p="http://schemas.openxmlformats.org/presentationml/2006/main" show="0">
+  <p:cSld>
+    <p:spTree>
+      <p:nvGrpSpPr>
+        <p:cNvPr id="1" name=""/>
+        <p:cNvGrpSpPr/>
+        <p:nvPr/>
+      </p:nvGrpSpPr>
+      <p:grpSpPr>
+        <a:xfrm>
+          <a:off x="0" y="0"/>
+          <a:ext cx="0" cy="0"/>
+          <a:chOff x="0" y="0"/>
+          <a:chExt cx="0" cy="0"/>
+        </a:xfrm>
+      </p:grpSpPr>
+      <p:sp>
+        <p:nvSpPr>
+          <p:cNvPr id="2" name="Title 1"/>
+          <p:cNvSpPr>
+            <a:spLocks noGrp="1"/>
+          </p:cNvSpPr>
+          <p:nvPr>
+            <p:ph type="title"/>
+          </p:nvPr>
+        </p:nvSpPr>
+        <p:spPr/>
+        <p:txBody>
+          <a:bodyPr>
+            <a:normAutofit fontScale="90000"/>
+          </a:bodyPr>
+          <a:lstStyle/>
+          <a:p>
+            <a:r>
+              <a:rPr lang="en-US" b="1" dirty="0" smtClean="0"/>
+              <a:t>Lesson 1: Triangle and Quad (</a:t>
+            </a:r>
+            <a:r>
+              <a:rPr lang="en-US" b="1" dirty="0" err="1" smtClean="0"/>
+              <a:t>Three.js</a:t>
+            </a:r>
+            <a:r>
+              <a:rPr lang="en-US" b="1" dirty="0" smtClean="0"/>
+              <a:t>)</a:t>
+            </a:r>
+            <a:endParaRPr lang="en-US" b="1" dirty="0"/>
+          </a:p>
+        </p:txBody>
+      </p:sp>
+      <p:sp>
+        <p:nvSpPr>
+          <p:cNvPr id="3" name="Content Placeholder 2"/>
+          <p:cNvSpPr>
+            <a:spLocks noGrp="1"/>
+          </p:cNvSpPr>
+          <p:nvPr>
+            <p:ph idx="1"/>
+          </p:nvPr>
+        </p:nvSpPr>
+        <p:spPr/>
+        <p:txBody>
+          <a:bodyPr/>
+          <a:lstStyle/>
+          <a:p>
+            <a:r>
+              <a:rPr lang="en-US" dirty="0" err="1" smtClean="0"/>
+              <a:t>Three.js</a:t>
+            </a:r>
+            <a:endParaRPr lang="en-US" dirty="0"/>
+          </a:p>
+        </p:txBody>
+      </p:sp>
+    </p:spTree>
+    <p:extLst>
+      <p:ext uri="{BB962C8B-B14F-4D97-AF65-F5344CB8AC3E}">
+        <p14:creationId xmlns:p14="http://schemas.microsoft.com/office/powerpoint/2010/main" val="1647454612"/>
+      </p:ext>
+    </p:extLst>
+  </p:cSld>
+  <p:clrMapOvr>
+    <a:masterClrMapping/>
+  </p:clrMapOvr>
+  <mc:AlternateContent xmlns:mc="http://schemas.openxmlformats.org/markup-compatibility/2006">
+    <mc:Choice xmlns:p14="http://schemas.microsoft.com/office/powerpoint/2010/main" Requires="p14">
+      <p:transition spd="slow" p14:dur="2000"/>
+    </mc:Choice>
+    <mc:Fallback>
+      <p:transition xmlns:p14="http://schemas.microsoft.com/office/powerpoint/2010/main" spd="slow"/>
+    </mc:Fallback>
+  </mc:AlternateContent>
+  <p:timing>
+    <p:tnLst>
+      <p:par>
+        <p:cTn xmlns:p14="http://schemas.microsoft.com/office/powerpoint/2010/main" id="1" dur="indefinite" restart="never" nodeType="tmRoot"/>
+      </p:par>
+    </p:tnLst>
+  </p:timing>
+</p:sld>
+</file>
+
+<file path=ppt/slides/slide52.xml><?xml version="1.0" encoding="utf-8"?>
+<p:sld xmlns:a="http://schemas.openxmlformats.org/drawingml/2006/main" xmlns:r="http://schemas.openxmlformats.org/officeDocument/2006/relationships" xmlns:p="http://schemas.openxmlformats.org/presentationml/2006/main" show="0">
+  <p:cSld>
+    <p:spTree>
+      <p:nvGrpSpPr>
+        <p:cNvPr id="1" name=""/>
+        <p:cNvGrpSpPr/>
+        <p:nvPr/>
+      </p:nvGrpSpPr>
+      <p:grpSpPr>
+        <a:xfrm>
+          <a:off x="0" y="0"/>
+          <a:ext cx="0" cy="0"/>
+          <a:chOff x="0" y="0"/>
+          <a:chExt cx="0" cy="0"/>
+        </a:xfrm>
+      </p:grpSpPr>
+      <p:sp>
+        <p:nvSpPr>
+          <p:cNvPr id="2" name="Title 1"/>
+          <p:cNvSpPr>
+            <a:spLocks noGrp="1"/>
+          </p:cNvSpPr>
+          <p:nvPr>
+            <p:ph type="title"/>
+          </p:nvPr>
+        </p:nvSpPr>
+        <p:spPr/>
+        <p:txBody>
+          <a:bodyPr/>
+          <a:lstStyle/>
+          <a:p>
+            <a:r>
+              <a:rPr lang="en-US" b="1" dirty="0" err="1" smtClean="0"/>
+              <a:t>Three.js</a:t>
+            </a:r>
+            <a:r>
+              <a:rPr lang="en-US" b="1" dirty="0" smtClean="0"/>
+              <a:t> Mesh Loader</a:t>
+            </a:r>
+            <a:endParaRPr lang="en-US" b="1" dirty="0"/>
+          </a:p>
+        </p:txBody>
+      </p:sp>
+      <p:sp>
+        <p:nvSpPr>
+          <p:cNvPr id="3" name="Content Placeholder 2"/>
+          <p:cNvSpPr>
+            <a:spLocks noGrp="1"/>
+          </p:cNvSpPr>
+          <p:nvPr>
+            <p:ph idx="1"/>
+          </p:nvPr>
+        </p:nvSpPr>
+        <p:spPr/>
+        <p:txBody>
+          <a:bodyPr/>
+          <a:lstStyle/>
+          <a:p>
+            <a:r>
+              <a:rPr lang="en-US" dirty="0" smtClean="0"/>
+              <a:t>Simple tutorial </a:t>
+            </a:r>
+            <a:r>
+              <a:rPr lang="en-US" dirty="0" err="1" smtClean="0"/>
+              <a:t>three.js</a:t>
+            </a:r>
+            <a:endParaRPr lang="en-US" dirty="0"/>
+          </a:p>
+        </p:txBody>
+      </p:sp>
+    </p:spTree>
+    <p:extLst>
+      <p:ext uri="{BB962C8B-B14F-4D97-AF65-F5344CB8AC3E}">
+        <p14:creationId xmlns:p14="http://schemas.microsoft.com/office/powerpoint/2010/main" val="2826869002"/>
+      </p:ext>
+    </p:extLst>
+  </p:cSld>
+  <p:clrMapOvr>
+    <a:masterClrMapping/>
+  </p:clrMapOvr>
+  <mc:AlternateContent xmlns:mc="http://schemas.openxmlformats.org/markup-compatibility/2006">
+    <mc:Choice xmlns:p14="http://schemas.microsoft.com/office/powerpoint/2010/main" Requires="p14">
+      <p:transition spd="slow" p14:dur="2000"/>
+    </mc:Choice>
+    <mc:Fallback>
+      <p:transition xmlns:p14="http://schemas.microsoft.com/office/powerpoint/2010/main" spd="slow"/>
+    </mc:Fallback>
+  </mc:AlternateContent>
   <p:timing>
     <p:tnLst>
       <p:par>
@@ -19768,11 +24060,7 @@
             </a:r>
             <a:r>
               <a:rPr lang="en-US" dirty="0" smtClean="0"/>
-              <a:t> </a:t>
-            </a:r>
-            <a:r>
-              <a:rPr lang="en-US" dirty="0" smtClean="0"/>
-              <a:t>(also, </a:t>
+              <a:t> (also, </a:t>
             </a:r>
             <a:r>
               <a:rPr lang="en-US" dirty="0" smtClean="0">

--- a/slides.pptx
+++ b/slides.pptx
@@ -54,9 +54,23 @@
     <p:sldId id="307" r:id="rId48"/>
     <p:sldId id="308" r:id="rId49"/>
     <p:sldId id="309" r:id="rId50"/>
-    <p:sldId id="297" r:id="rId51"/>
-    <p:sldId id="262" r:id="rId52"/>
-    <p:sldId id="261" r:id="rId53"/>
+    <p:sldId id="310" r:id="rId51"/>
+    <p:sldId id="311" r:id="rId52"/>
+    <p:sldId id="312" r:id="rId53"/>
+    <p:sldId id="314" r:id="rId54"/>
+    <p:sldId id="315" r:id="rId55"/>
+    <p:sldId id="313" r:id="rId56"/>
+    <p:sldId id="316" r:id="rId57"/>
+    <p:sldId id="317" r:id="rId58"/>
+    <p:sldId id="318" r:id="rId59"/>
+    <p:sldId id="319" r:id="rId60"/>
+    <p:sldId id="320" r:id="rId61"/>
+    <p:sldId id="321" r:id="rId62"/>
+    <p:sldId id="322" r:id="rId63"/>
+    <p:sldId id="323" r:id="rId64"/>
+    <p:sldId id="324" r:id="rId65"/>
+    <p:sldId id="262" r:id="rId66"/>
+    <p:sldId id="261" r:id="rId67"/>
   </p:sldIdLst>
   <p:sldSz cx="9144000" cy="6858000" type="screen4x3"/>
   <p:notesSz cx="6858000" cy="9144000"/>
@@ -23617,7 +23631,7 @@
           <a:p>
             <a:r>
               <a:rPr lang="en-US" dirty="0" smtClean="0"/>
-              <a:t>Next Time…</a:t>
+              <a:t>Lesson 02</a:t>
             </a:r>
             <a:endParaRPr lang="en-US" dirty="0"/>
           </a:p>
@@ -23633,39 +23647,549 @@
             <p:ph idx="1"/>
           </p:nvPr>
         </p:nvSpPr>
-        <p:spPr/>
+        <p:spPr>
+          <a:xfrm>
+            <a:off x="0" y="1199924"/>
+            <a:ext cx="9144000" cy="4525963"/>
+          </a:xfrm>
+        </p:spPr>
         <p:txBody>
-          <a:bodyPr/>
+          <a:bodyPr>
+            <a:normAutofit fontScale="70000" lnSpcReduction="20000"/>
+          </a:bodyPr>
           <a:lstStyle/>
           <a:p>
             <a:r>
-              <a:rPr lang="en-US" dirty="0" smtClean="0"/>
-              <a:t>Using </a:t>
-            </a:r>
-            <a:r>
-              <a:rPr lang="en-US" dirty="0" err="1" smtClean="0"/>
-              <a:t>Three.js</a:t>
-            </a:r>
-            <a:r>
-              <a:rPr lang="en-US" dirty="0" smtClean="0"/>
-              <a:t> to make </a:t>
-            </a:r>
-            <a:r>
-              <a:rPr lang="en-US" dirty="0" err="1" smtClean="0"/>
+              <a:rPr lang="en-US" sz="4800" dirty="0" smtClean="0"/>
+              <a:t>Set vertex colors.</a:t>
+            </a:r>
+          </a:p>
+          <a:p>
+            <a:r>
+              <a:rPr lang="en-US" sz="4800" dirty="0" smtClean="0"/>
+              <a:t>Q: What is this doing at the lower </a:t>
+            </a:r>
+            <a:r>
+              <a:rPr lang="en-US" sz="4800" dirty="0" err="1" smtClean="0"/>
               <a:t>WebGL</a:t>
             </a:r>
             <a:r>
-              <a:rPr lang="en-US" dirty="0" smtClean="0"/>
-              <a:t> more sane.</a:t>
-            </a:r>
-            <a:endParaRPr lang="en-US" dirty="0"/>
+              <a:rPr lang="en-US" sz="4800" dirty="0" smtClean="0"/>
+              <a:t> layer?</a:t>
+            </a:r>
+          </a:p>
+          <a:p>
+            <a:endParaRPr lang="en-US" sz="1600" dirty="0" smtClean="0">
+              <a:solidFill>
+                <a:srgbClr val="0000FF"/>
+              </a:solidFill>
+              <a:latin typeface="Lucida Console"/>
+              <a:cs typeface="Lucida Console"/>
+            </a:endParaRPr>
+          </a:p>
+          <a:p>
+            <a:pPr marL="0" indent="0">
+              <a:buNone/>
+            </a:pPr>
+            <a:r>
+              <a:rPr lang="en-US" sz="3600" dirty="0" err="1" smtClean="0">
+                <a:solidFill>
+                  <a:srgbClr val="0000FF"/>
+                </a:solidFill>
+                <a:latin typeface="Lucida Console"/>
+                <a:cs typeface="Lucida Console"/>
+              </a:rPr>
+              <a:t>triangleGeometry.faces</a:t>
+            </a:r>
+            <a:r>
+              <a:rPr lang="en-US" sz="3600" dirty="0">
+                <a:solidFill>
+                  <a:srgbClr val="0000FF"/>
+                </a:solidFill>
+                <a:latin typeface="Lucida Console"/>
+                <a:cs typeface="Lucida Console"/>
+              </a:rPr>
+              <a:t>[0].</a:t>
+            </a:r>
+            <a:r>
+              <a:rPr lang="en-US" sz="3600" dirty="0" err="1">
+                <a:solidFill>
+                  <a:srgbClr val="0000FF"/>
+                </a:solidFill>
+                <a:latin typeface="Lucida Console"/>
+                <a:cs typeface="Lucida Console"/>
+              </a:rPr>
+              <a:t>vertexColors</a:t>
+            </a:r>
+            <a:r>
+              <a:rPr lang="en-US" sz="3600" dirty="0">
+                <a:solidFill>
+                  <a:srgbClr val="0000FF"/>
+                </a:solidFill>
+                <a:latin typeface="Lucida Console"/>
+                <a:cs typeface="Lucida Console"/>
+              </a:rPr>
+              <a:t>[0] = </a:t>
+            </a:r>
+            <a:r>
+              <a:rPr lang="en-US" sz="3600" dirty="0" smtClean="0">
+                <a:solidFill>
+                  <a:srgbClr val="0000FF"/>
+                </a:solidFill>
+                <a:latin typeface="Lucida Console"/>
+                <a:cs typeface="Lucida Console"/>
+              </a:rPr>
+              <a:t/>
+            </a:r>
+            <a:br>
+              <a:rPr lang="en-US" sz="3600" dirty="0" smtClean="0">
+                <a:solidFill>
+                  <a:srgbClr val="0000FF"/>
+                </a:solidFill>
+                <a:latin typeface="Lucida Console"/>
+                <a:cs typeface="Lucida Console"/>
+              </a:rPr>
+            </a:br>
+            <a:r>
+              <a:rPr lang="en-US" sz="3600" dirty="0" smtClean="0">
+                <a:solidFill>
+                  <a:srgbClr val="0000FF"/>
+                </a:solidFill>
+                <a:latin typeface="Lucida Console"/>
+                <a:cs typeface="Lucida Console"/>
+              </a:rPr>
+              <a:t>  new </a:t>
+            </a:r>
+            <a:r>
+              <a:rPr lang="en-US" sz="3600" dirty="0" err="1">
+                <a:solidFill>
+                  <a:srgbClr val="0000FF"/>
+                </a:solidFill>
+                <a:latin typeface="Lucida Console"/>
+                <a:cs typeface="Lucida Console"/>
+              </a:rPr>
+              <a:t>THREE.Color</a:t>
+            </a:r>
+            <a:r>
+              <a:rPr lang="en-US" sz="3600" dirty="0">
+                <a:solidFill>
+                  <a:srgbClr val="0000FF"/>
+                </a:solidFill>
+                <a:latin typeface="Lucida Console"/>
+                <a:cs typeface="Lucida Console"/>
+              </a:rPr>
+              <a:t>(0xFF0000);</a:t>
+            </a:r>
+          </a:p>
+          <a:p>
+            <a:pPr marL="0" indent="0">
+              <a:buNone/>
+            </a:pPr>
+            <a:r>
+              <a:rPr lang="en-US" sz="3600" dirty="0" err="1" smtClean="0">
+                <a:solidFill>
+                  <a:srgbClr val="0000FF"/>
+                </a:solidFill>
+                <a:latin typeface="Lucida Console"/>
+                <a:cs typeface="Lucida Console"/>
+              </a:rPr>
+              <a:t>triangleGeometry.faces</a:t>
+            </a:r>
+            <a:r>
+              <a:rPr lang="en-US" sz="3600" dirty="0">
+                <a:solidFill>
+                  <a:srgbClr val="0000FF"/>
+                </a:solidFill>
+                <a:latin typeface="Lucida Console"/>
+                <a:cs typeface="Lucida Console"/>
+              </a:rPr>
+              <a:t>[0].</a:t>
+            </a:r>
+            <a:r>
+              <a:rPr lang="en-US" sz="3600" dirty="0" err="1">
+                <a:solidFill>
+                  <a:srgbClr val="0000FF"/>
+                </a:solidFill>
+                <a:latin typeface="Lucida Console"/>
+                <a:cs typeface="Lucida Console"/>
+              </a:rPr>
+              <a:t>vertexColors</a:t>
+            </a:r>
+            <a:r>
+              <a:rPr lang="en-US" sz="3600" dirty="0">
+                <a:solidFill>
+                  <a:srgbClr val="0000FF"/>
+                </a:solidFill>
+                <a:latin typeface="Lucida Console"/>
+                <a:cs typeface="Lucida Console"/>
+              </a:rPr>
+              <a:t>[1] = </a:t>
+            </a:r>
+            <a:r>
+              <a:rPr lang="en-US" sz="3600" dirty="0" smtClean="0">
+                <a:solidFill>
+                  <a:srgbClr val="0000FF"/>
+                </a:solidFill>
+                <a:latin typeface="Lucida Console"/>
+                <a:cs typeface="Lucida Console"/>
+              </a:rPr>
+              <a:t/>
+            </a:r>
+            <a:br>
+              <a:rPr lang="en-US" sz="3600" dirty="0" smtClean="0">
+                <a:solidFill>
+                  <a:srgbClr val="0000FF"/>
+                </a:solidFill>
+                <a:latin typeface="Lucida Console"/>
+                <a:cs typeface="Lucida Console"/>
+              </a:rPr>
+            </a:br>
+            <a:r>
+              <a:rPr lang="en-US" sz="3600" dirty="0" smtClean="0">
+                <a:solidFill>
+                  <a:srgbClr val="0000FF"/>
+                </a:solidFill>
+                <a:latin typeface="Lucida Console"/>
+                <a:cs typeface="Lucida Console"/>
+              </a:rPr>
+              <a:t>  new </a:t>
+            </a:r>
+            <a:r>
+              <a:rPr lang="en-US" sz="3600" dirty="0" err="1">
+                <a:solidFill>
+                  <a:srgbClr val="0000FF"/>
+                </a:solidFill>
+                <a:latin typeface="Lucida Console"/>
+                <a:cs typeface="Lucida Console"/>
+              </a:rPr>
+              <a:t>THREE.Color</a:t>
+            </a:r>
+            <a:r>
+              <a:rPr lang="en-US" sz="3600" dirty="0">
+                <a:solidFill>
+                  <a:srgbClr val="0000FF"/>
+                </a:solidFill>
+                <a:latin typeface="Lucida Console"/>
+                <a:cs typeface="Lucida Console"/>
+              </a:rPr>
+              <a:t>(0x00FF00);</a:t>
+            </a:r>
+          </a:p>
+          <a:p>
+            <a:pPr marL="0" indent="0">
+              <a:buNone/>
+            </a:pPr>
+            <a:r>
+              <a:rPr lang="en-US" sz="3600" dirty="0" err="1" smtClean="0">
+                <a:solidFill>
+                  <a:srgbClr val="0000FF"/>
+                </a:solidFill>
+                <a:latin typeface="Lucida Console"/>
+                <a:cs typeface="Lucida Console"/>
+              </a:rPr>
+              <a:t>triangleGeometry.faces</a:t>
+            </a:r>
+            <a:r>
+              <a:rPr lang="en-US" sz="3600" dirty="0">
+                <a:solidFill>
+                  <a:srgbClr val="0000FF"/>
+                </a:solidFill>
+                <a:latin typeface="Lucida Console"/>
+                <a:cs typeface="Lucida Console"/>
+              </a:rPr>
+              <a:t>[0].</a:t>
+            </a:r>
+            <a:r>
+              <a:rPr lang="en-US" sz="3600" dirty="0" err="1">
+                <a:solidFill>
+                  <a:srgbClr val="0000FF"/>
+                </a:solidFill>
+                <a:latin typeface="Lucida Console"/>
+                <a:cs typeface="Lucida Console"/>
+              </a:rPr>
+              <a:t>vertexColors</a:t>
+            </a:r>
+            <a:r>
+              <a:rPr lang="en-US" sz="3600" dirty="0">
+                <a:solidFill>
+                  <a:srgbClr val="0000FF"/>
+                </a:solidFill>
+                <a:latin typeface="Lucida Console"/>
+                <a:cs typeface="Lucida Console"/>
+              </a:rPr>
+              <a:t>[2] = </a:t>
+            </a:r>
+            <a:r>
+              <a:rPr lang="en-US" sz="3600" dirty="0" smtClean="0">
+                <a:solidFill>
+                  <a:srgbClr val="0000FF"/>
+                </a:solidFill>
+                <a:latin typeface="Lucida Console"/>
+                <a:cs typeface="Lucida Console"/>
+              </a:rPr>
+              <a:t/>
+            </a:r>
+            <a:br>
+              <a:rPr lang="en-US" sz="3600" dirty="0" smtClean="0">
+                <a:solidFill>
+                  <a:srgbClr val="0000FF"/>
+                </a:solidFill>
+                <a:latin typeface="Lucida Console"/>
+                <a:cs typeface="Lucida Console"/>
+              </a:rPr>
+            </a:br>
+            <a:r>
+              <a:rPr lang="en-US" sz="3600" dirty="0" smtClean="0">
+                <a:solidFill>
+                  <a:srgbClr val="0000FF"/>
+                </a:solidFill>
+                <a:latin typeface="Lucida Console"/>
+                <a:cs typeface="Lucida Console"/>
+              </a:rPr>
+              <a:t>  new </a:t>
+            </a:r>
+            <a:r>
+              <a:rPr lang="en-US" sz="3600" dirty="0" err="1">
+                <a:solidFill>
+                  <a:srgbClr val="0000FF"/>
+                </a:solidFill>
+                <a:latin typeface="Lucida Console"/>
+                <a:cs typeface="Lucida Console"/>
+              </a:rPr>
+              <a:t>THREE.Color</a:t>
+            </a:r>
+            <a:r>
+              <a:rPr lang="en-US" sz="3600" dirty="0">
+                <a:solidFill>
+                  <a:srgbClr val="0000FF"/>
+                </a:solidFill>
+                <a:latin typeface="Lucida Console"/>
+                <a:cs typeface="Lucida Console"/>
+              </a:rPr>
+              <a:t>(0x0000FF);</a:t>
+            </a:r>
+          </a:p>
+          <a:p>
+            <a:pPr marL="0" indent="0">
+              <a:buNone/>
+            </a:pPr>
+            <a:endParaRPr lang="en-US" sz="3600" dirty="0">
+              <a:solidFill>
+                <a:srgbClr val="0000FF"/>
+              </a:solidFill>
+              <a:latin typeface="Lucida Console"/>
+              <a:cs typeface="Lucida Console"/>
+            </a:endParaRPr>
+          </a:p>
+          <a:p>
+            <a:pPr marL="0" indent="0">
+              <a:buNone/>
+            </a:pPr>
+            <a:r>
+              <a:rPr lang="en-US" sz="3600" dirty="0" err="1" smtClean="0">
+                <a:solidFill>
+                  <a:srgbClr val="0000FF"/>
+                </a:solidFill>
+                <a:latin typeface="Lucida Console"/>
+                <a:cs typeface="Lucida Console"/>
+              </a:rPr>
+              <a:t>var</a:t>
+            </a:r>
+            <a:r>
+              <a:rPr lang="en-US" sz="3600" dirty="0" smtClean="0">
+                <a:solidFill>
+                  <a:srgbClr val="0000FF"/>
+                </a:solidFill>
+                <a:latin typeface="Lucida Console"/>
+                <a:cs typeface="Lucida Console"/>
+              </a:rPr>
+              <a:t> </a:t>
+            </a:r>
+            <a:r>
+              <a:rPr lang="en-US" sz="3600" dirty="0" err="1">
+                <a:solidFill>
+                  <a:srgbClr val="0000FF"/>
+                </a:solidFill>
+                <a:latin typeface="Lucida Console"/>
+                <a:cs typeface="Lucida Console"/>
+              </a:rPr>
+              <a:t>triangleMaterial</a:t>
+            </a:r>
+            <a:r>
+              <a:rPr lang="en-US" sz="3600" dirty="0">
+                <a:solidFill>
+                  <a:srgbClr val="0000FF"/>
+                </a:solidFill>
+                <a:latin typeface="Lucida Console"/>
+                <a:cs typeface="Lucida Console"/>
+              </a:rPr>
+              <a:t> = new </a:t>
+            </a:r>
+            <a:r>
+              <a:rPr lang="en-US" sz="3600" dirty="0" smtClean="0">
+                <a:solidFill>
+                  <a:srgbClr val="0000FF"/>
+                </a:solidFill>
+                <a:latin typeface="Lucida Console"/>
+                <a:cs typeface="Lucida Console"/>
+              </a:rPr>
+              <a:t/>
+            </a:r>
+            <a:br>
+              <a:rPr lang="en-US" sz="3600" dirty="0" smtClean="0">
+                <a:solidFill>
+                  <a:srgbClr val="0000FF"/>
+                </a:solidFill>
+                <a:latin typeface="Lucida Console"/>
+                <a:cs typeface="Lucida Console"/>
+              </a:rPr>
+            </a:br>
+            <a:r>
+              <a:rPr lang="en-US" sz="3600" dirty="0" smtClean="0">
+                <a:solidFill>
+                  <a:srgbClr val="0000FF"/>
+                </a:solidFill>
+                <a:latin typeface="Lucida Console"/>
+                <a:cs typeface="Lucida Console"/>
+              </a:rPr>
+              <a:t>  </a:t>
+            </a:r>
+            <a:r>
+              <a:rPr lang="en-US" sz="3600" dirty="0" err="1" smtClean="0">
+                <a:solidFill>
+                  <a:srgbClr val="0000FF"/>
+                </a:solidFill>
+                <a:latin typeface="Lucida Console"/>
+                <a:cs typeface="Lucida Console"/>
+              </a:rPr>
+              <a:t>THREE.MeshBasicMaterial</a:t>
+            </a:r>
+            <a:r>
+              <a:rPr lang="en-US" sz="3600" dirty="0">
+                <a:solidFill>
+                  <a:srgbClr val="0000FF"/>
+                </a:solidFill>
+                <a:latin typeface="Lucida Console"/>
+                <a:cs typeface="Lucida Console"/>
+              </a:rPr>
+              <a:t>({</a:t>
+            </a:r>
+          </a:p>
+          <a:p>
+            <a:pPr marL="0" indent="0">
+              <a:buNone/>
+            </a:pPr>
+            <a:r>
+              <a:rPr lang="en-US" sz="3600" dirty="0" smtClean="0">
+                <a:solidFill>
+                  <a:srgbClr val="0000FF"/>
+                </a:solidFill>
+                <a:latin typeface="Lucida Console"/>
+                <a:cs typeface="Lucida Console"/>
+              </a:rPr>
+              <a:t>   </a:t>
+            </a:r>
+            <a:r>
+              <a:rPr lang="en-US" sz="3600" dirty="0">
+                <a:solidFill>
+                  <a:srgbClr val="0000FF"/>
+                </a:solidFill>
+                <a:latin typeface="Lucida Console"/>
+                <a:cs typeface="Lucida Console"/>
+              </a:rPr>
+              <a:t>	</a:t>
+            </a:r>
+            <a:r>
+              <a:rPr lang="en-US" sz="3600" dirty="0" err="1">
+                <a:solidFill>
+                  <a:srgbClr val="0000FF"/>
+                </a:solidFill>
+                <a:latin typeface="Lucida Console"/>
+                <a:cs typeface="Lucida Console"/>
+              </a:rPr>
+              <a:t>vertexColors:THREE.VertexColors</a:t>
+            </a:r>
+            <a:r>
+              <a:rPr lang="en-US" sz="3600" dirty="0">
+                <a:solidFill>
+                  <a:srgbClr val="0000FF"/>
+                </a:solidFill>
+                <a:latin typeface="Lucida Console"/>
+                <a:cs typeface="Lucida Console"/>
+              </a:rPr>
+              <a:t>,</a:t>
+            </a:r>
+          </a:p>
+          <a:p>
+            <a:pPr marL="0" indent="0">
+              <a:buNone/>
+            </a:pPr>
+            <a:r>
+              <a:rPr lang="en-US" sz="3600" dirty="0">
+                <a:solidFill>
+                  <a:srgbClr val="0000FF"/>
+                </a:solidFill>
+                <a:latin typeface="Lucida Console"/>
+                <a:cs typeface="Lucida Console"/>
+              </a:rPr>
+              <a:t>		</a:t>
+            </a:r>
+            <a:r>
+              <a:rPr lang="en-US" sz="3600" dirty="0" err="1" smtClean="0">
+                <a:solidFill>
+                  <a:srgbClr val="0000FF"/>
+                </a:solidFill>
+                <a:latin typeface="Lucida Console"/>
+                <a:cs typeface="Lucida Console"/>
+              </a:rPr>
+              <a:t>side:THREE.DoubleSide</a:t>
+            </a:r>
+            <a:endParaRPr lang="en-US" sz="3600" dirty="0">
+              <a:solidFill>
+                <a:srgbClr val="0000FF"/>
+              </a:solidFill>
+              <a:latin typeface="Lucida Console"/>
+              <a:cs typeface="Lucida Console"/>
+            </a:endParaRPr>
+          </a:p>
+          <a:p>
+            <a:pPr marL="0" indent="0">
+              <a:buNone/>
+            </a:pPr>
+            <a:r>
+              <a:rPr lang="en-US" sz="3600" dirty="0" smtClean="0">
+                <a:solidFill>
+                  <a:srgbClr val="0000FF"/>
+                </a:solidFill>
+                <a:latin typeface="Lucida Console"/>
+                <a:cs typeface="Lucida Console"/>
+              </a:rPr>
+              <a:t>}</a:t>
+            </a:r>
+            <a:r>
+              <a:rPr lang="en-US" sz="3600" dirty="0">
+                <a:solidFill>
+                  <a:srgbClr val="0000FF"/>
+                </a:solidFill>
+                <a:latin typeface="Lucida Console"/>
+                <a:cs typeface="Lucida Console"/>
+              </a:rPr>
+              <a:t>);</a:t>
+            </a:r>
+            <a:endParaRPr lang="en-US" sz="3600" dirty="0" smtClean="0">
+              <a:solidFill>
+                <a:srgbClr val="0000FF"/>
+              </a:solidFill>
+              <a:latin typeface="Lucida Console"/>
+              <a:cs typeface="Lucida Console"/>
+            </a:endParaRPr>
           </a:p>
         </p:txBody>
       </p:sp>
     </p:spTree>
     <p:extLst>
       <p:ext uri="{BB962C8B-B14F-4D97-AF65-F5344CB8AC3E}">
-        <p14:creationId xmlns:p14="http://schemas.microsoft.com/office/powerpoint/2010/main" val="212014411"/>
+        <p14:creationId xmlns:p14="http://schemas.microsoft.com/office/powerpoint/2010/main" val="216157397"/>
       </p:ext>
     </p:extLst>
   </p:cSld>
@@ -23683,7 +24207,7 @@
 </file>
 
 <file path=ppt/slides/slide51.xml><?xml version="1.0" encoding="utf-8"?>
-<p:sld xmlns:a="http://schemas.openxmlformats.org/drawingml/2006/main" xmlns:r="http://schemas.openxmlformats.org/officeDocument/2006/relationships" xmlns:p="http://schemas.openxmlformats.org/presentationml/2006/main" show="0">
+<p:sld xmlns:a="http://schemas.openxmlformats.org/drawingml/2006/main" xmlns:r="http://schemas.openxmlformats.org/officeDocument/2006/relationships" xmlns:p="http://schemas.openxmlformats.org/presentationml/2006/main">
   <p:cSld>
     <p:spTree>
       <p:nvGrpSpPr>
@@ -23712,67 +24236,66 @@
         <p:spPr/>
         <p:txBody>
           <a:bodyPr>
-            <a:normAutofit fontScale="90000"/>
+            <a:normAutofit/>
           </a:bodyPr>
           <a:lstStyle/>
           <a:p>
             <a:r>
               <a:rPr lang="en-US" b="1" dirty="0" smtClean="0"/>
-              <a:t>Lesson 1: Triangle and Quad (</a:t>
-            </a:r>
-            <a:r>
-              <a:rPr lang="en-US" b="1" dirty="0" err="1" smtClean="0"/>
-              <a:t>Three.js</a:t>
+              <a:t>Lesson </a:t>
             </a:r>
             <a:r>
               <a:rPr lang="en-US" b="1" dirty="0" smtClean="0"/>
-              <a:t>)</a:t>
+              <a:t>3: </a:t>
+            </a:r>
+            <a:r>
+              <a:rPr lang="en-US" b="1" dirty="0" smtClean="0"/>
+              <a:t>Movement</a:t>
             </a:r>
             <a:endParaRPr lang="en-US" b="1" dirty="0"/>
           </a:p>
         </p:txBody>
       </p:sp>
-      <p:sp>
-        <p:nvSpPr>
-          <p:cNvPr id="3" name="Content Placeholder 2"/>
-          <p:cNvSpPr>
-            <a:spLocks noGrp="1"/>
-          </p:cNvSpPr>
-          <p:nvPr>
-            <p:ph idx="1"/>
-          </p:nvPr>
-        </p:nvSpPr>
-        <p:spPr/>
-        <p:txBody>
-          <a:bodyPr/>
-          <a:lstStyle/>
-          <a:p>
-            <a:r>
-              <a:rPr lang="en-US" dirty="0" err="1" smtClean="0"/>
-              <a:t>Three.js</a:t>
-            </a:r>
-            <a:endParaRPr lang="en-US" dirty="0"/>
-          </a:p>
-        </p:txBody>
-      </p:sp>
+      <p:pic>
+        <p:nvPicPr>
+          <p:cNvPr id="4" name="Picture 3" descr="Screen Shot 2015-04-16 at 4.40.16 PM.png"/>
+          <p:cNvPicPr>
+            <a:picLocks noChangeAspect="1"/>
+          </p:cNvPicPr>
+          <p:nvPr/>
+        </p:nvPicPr>
+        <p:blipFill>
+          <a:blip r:embed="rId2">
+            <a:extLst>
+              <a:ext uri="{28A0092B-C50C-407E-A947-70E740481C1C}">
+                <a14:useLocalDpi xmlns:a14="http://schemas.microsoft.com/office/drawing/2010/main" val="0"/>
+              </a:ext>
+            </a:extLst>
+          </a:blip>
+          <a:stretch>
+            <a:fillRect/>
+          </a:stretch>
+        </p:blipFill>
+        <p:spPr>
+          <a:xfrm>
+            <a:off x="2014472" y="1288319"/>
+            <a:ext cx="5115056" cy="5124356"/>
+          </a:xfrm>
+          <a:prstGeom prst="rect">
+            <a:avLst/>
+          </a:prstGeom>
+        </p:spPr>
+      </p:pic>
     </p:spTree>
     <p:extLst>
       <p:ext uri="{BB962C8B-B14F-4D97-AF65-F5344CB8AC3E}">
-        <p14:creationId xmlns:p14="http://schemas.microsoft.com/office/powerpoint/2010/main" val="1647454612"/>
+        <p14:creationId xmlns:p14="http://schemas.microsoft.com/office/powerpoint/2010/main" val="1600451235"/>
       </p:ext>
     </p:extLst>
   </p:cSld>
   <p:clrMapOvr>
     <a:masterClrMapping/>
   </p:clrMapOvr>
-  <mc:AlternateContent xmlns:mc="http://schemas.openxmlformats.org/markup-compatibility/2006">
-    <mc:Choice xmlns:p14="http://schemas.microsoft.com/office/powerpoint/2010/main" Requires="p14">
-      <p:transition spd="slow" p14:dur="2000"/>
-    </mc:Choice>
-    <mc:Fallback>
-      <p:transition xmlns:p14="http://schemas.microsoft.com/office/powerpoint/2010/main" spd="slow"/>
-    </mc:Fallback>
-  </mc:AlternateContent>
   <p:timing>
     <p:tnLst>
       <p:par>
@@ -23784,7 +24307,7 @@
 </file>
 
 <file path=ppt/slides/slide52.xml><?xml version="1.0" encoding="utf-8"?>
-<p:sld xmlns:a="http://schemas.openxmlformats.org/drawingml/2006/main" xmlns:r="http://schemas.openxmlformats.org/officeDocument/2006/relationships" xmlns:p="http://schemas.openxmlformats.org/presentationml/2006/main" show="0">
+<p:sld xmlns:a="http://schemas.openxmlformats.org/drawingml/2006/main" xmlns:r="http://schemas.openxmlformats.org/officeDocument/2006/relationships" xmlns:p="http://schemas.openxmlformats.org/presentationml/2006/main">
   <p:cSld>
     <p:spTree>
       <p:nvGrpSpPr>
@@ -23816,14 +24339,10 @@
           <a:lstStyle/>
           <a:p>
             <a:r>
-              <a:rPr lang="en-US" b="1" dirty="0" err="1" smtClean="0"/>
-              <a:t>Three.js</a:t>
-            </a:r>
-            <a:r>
-              <a:rPr lang="en-US" b="1" dirty="0" smtClean="0"/>
-              <a:t> Mesh Loader</a:t>
-            </a:r>
-            <a:endParaRPr lang="en-US" b="1" dirty="0"/>
+              <a:rPr lang="en-US" dirty="0" smtClean="0"/>
+              <a:t>Lesson 03</a:t>
+            </a:r>
+            <a:endParaRPr lang="en-US" dirty="0"/>
           </a:p>
         </p:txBody>
       </p:sp>
@@ -23837,41 +24356,3364 @@
             <p:ph idx="1"/>
           </p:nvPr>
         </p:nvSpPr>
-        <p:spPr/>
+        <p:spPr>
+          <a:xfrm>
+            <a:off x="0" y="1417638"/>
+            <a:ext cx="9144000" cy="4525963"/>
+          </a:xfrm>
+        </p:spPr>
         <p:txBody>
-          <a:bodyPr/>
+          <a:bodyPr>
+            <a:normAutofit fontScale="70000" lnSpcReduction="20000"/>
+          </a:bodyPr>
           <a:lstStyle/>
           <a:p>
             <a:r>
-              <a:rPr lang="en-US" dirty="0" smtClean="0"/>
-              <a:t>Simple tutorial </a:t>
-            </a:r>
-            <a:r>
-              <a:rPr lang="en-US" dirty="0" err="1" smtClean="0"/>
-              <a:t>three.js</a:t>
-            </a:r>
-            <a:endParaRPr lang="en-US" dirty="0"/>
+              <a:rPr lang="en-US" sz="4800" dirty="0" smtClean="0"/>
+              <a:t>Call </a:t>
+            </a:r>
+            <a:r>
+              <a:rPr lang="en-US" sz="4800" dirty="0" err="1" smtClean="0"/>
+              <a:t>animateScene</a:t>
+            </a:r>
+            <a:r>
+              <a:rPr lang="en-US" sz="4800" dirty="0" smtClean="0"/>
+              <a:t>(), which calls </a:t>
+            </a:r>
+            <a:r>
+              <a:rPr lang="en-US" sz="4800" dirty="0" err="1" smtClean="0"/>
+              <a:t>renderScene</a:t>
+            </a:r>
+            <a:r>
+              <a:rPr lang="en-US" sz="4800" dirty="0" smtClean="0"/>
+              <a:t>().</a:t>
+            </a:r>
+            <a:endParaRPr lang="en-US" sz="4800" dirty="0" smtClean="0"/>
+          </a:p>
+          <a:p>
+            <a:endParaRPr lang="en-US" sz="1600" dirty="0" smtClean="0">
+              <a:solidFill>
+                <a:srgbClr val="0000FF"/>
+              </a:solidFill>
+              <a:latin typeface="Lucida Console"/>
+              <a:cs typeface="Lucida Console"/>
+            </a:endParaRPr>
+          </a:p>
+          <a:p>
+            <a:pPr marL="0" indent="0">
+              <a:buNone/>
+            </a:pPr>
+            <a:r>
+              <a:rPr lang="en-US" sz="3600" dirty="0" smtClean="0">
+                <a:solidFill>
+                  <a:srgbClr val="0000FF"/>
+                </a:solidFill>
+                <a:latin typeface="Lucida Console"/>
+                <a:cs typeface="Lucida Console"/>
+              </a:rPr>
+              <a:t>/</a:t>
+            </a:r>
+            <a:r>
+              <a:rPr lang="en-US" sz="3600" dirty="0">
+                <a:solidFill>
+                  <a:srgbClr val="0000FF"/>
+                </a:solidFill>
+                <a:latin typeface="Lucida Console"/>
+                <a:cs typeface="Lucida Console"/>
+              </a:rPr>
+              <a:t>/ </a:t>
+            </a:r>
+            <a:r>
+              <a:rPr lang="en-US" sz="3600" dirty="0" smtClean="0">
+                <a:solidFill>
+                  <a:srgbClr val="0000FF"/>
+                </a:solidFill>
+                <a:latin typeface="Lucida Console"/>
+                <a:cs typeface="Lucida Console"/>
+              </a:rPr>
+              <a:t>Call </a:t>
+            </a:r>
+            <a:r>
+              <a:rPr lang="en-US" sz="3600" dirty="0" err="1" smtClean="0">
+                <a:solidFill>
+                  <a:srgbClr val="0000FF"/>
+                </a:solidFill>
+                <a:latin typeface="Lucida Console"/>
+                <a:cs typeface="Lucida Console"/>
+              </a:rPr>
+              <a:t>animateScene</a:t>
+            </a:r>
+            <a:r>
+              <a:rPr lang="en-US" sz="3600" dirty="0" smtClean="0">
+                <a:solidFill>
+                  <a:srgbClr val="0000FF"/>
+                </a:solidFill>
+                <a:latin typeface="Lucida Console"/>
+                <a:cs typeface="Lucida Console"/>
+              </a:rPr>
+              <a:t>() instead of </a:t>
+            </a:r>
+            <a:r>
+              <a:rPr lang="en-US" sz="3600" dirty="0" err="1" smtClean="0">
+                <a:solidFill>
+                  <a:srgbClr val="0000FF"/>
+                </a:solidFill>
+                <a:latin typeface="Lucida Console"/>
+                <a:cs typeface="Lucida Console"/>
+              </a:rPr>
+              <a:t>renderScene</a:t>
+            </a:r>
+            <a:r>
+              <a:rPr lang="en-US" sz="3600" dirty="0" smtClean="0">
+                <a:solidFill>
+                  <a:srgbClr val="0000FF"/>
+                </a:solidFill>
+                <a:latin typeface="Lucida Console"/>
+                <a:cs typeface="Lucida Console"/>
+              </a:rPr>
+              <a:t>.</a:t>
+            </a:r>
+            <a:endParaRPr lang="en-US" sz="3600" dirty="0">
+              <a:solidFill>
+                <a:srgbClr val="0000FF"/>
+              </a:solidFill>
+              <a:latin typeface="Lucida Console"/>
+              <a:cs typeface="Lucida Console"/>
+            </a:endParaRPr>
+          </a:p>
+          <a:p>
+            <a:pPr marL="0" indent="0">
+              <a:buNone/>
+            </a:pPr>
+            <a:r>
+              <a:rPr lang="en-US" sz="3600" dirty="0" err="1" smtClean="0">
+                <a:solidFill>
+                  <a:srgbClr val="0000FF"/>
+                </a:solidFill>
+                <a:latin typeface="Lucida Console"/>
+                <a:cs typeface="Lucida Console"/>
+              </a:rPr>
+              <a:t>animateScene</a:t>
+            </a:r>
+            <a:r>
+              <a:rPr lang="en-US" sz="3600" dirty="0">
+                <a:solidFill>
+                  <a:srgbClr val="0000FF"/>
+                </a:solidFill>
+                <a:latin typeface="Lucida Console"/>
+                <a:cs typeface="Lucida Console"/>
+              </a:rPr>
+              <a:t>()</a:t>
+            </a:r>
+            <a:r>
+              <a:rPr lang="en-US" sz="3600" dirty="0" smtClean="0">
+                <a:solidFill>
+                  <a:srgbClr val="0000FF"/>
+                </a:solidFill>
+                <a:latin typeface="Lucida Console"/>
+                <a:cs typeface="Lucida Console"/>
+              </a:rPr>
+              <a:t>;</a:t>
+            </a:r>
+          </a:p>
+          <a:p>
+            <a:pPr marL="0" indent="0">
+              <a:buNone/>
+            </a:pPr>
+            <a:r>
+              <a:rPr lang="en-US" sz="3600" dirty="0">
+                <a:solidFill>
+                  <a:srgbClr val="0000FF"/>
+                </a:solidFill>
+                <a:latin typeface="Lucida Console"/>
+                <a:cs typeface="Lucida Console"/>
+              </a:rPr>
+              <a:t/>
+            </a:r>
+            <a:br>
+              <a:rPr lang="en-US" sz="3600" dirty="0">
+                <a:solidFill>
+                  <a:srgbClr val="0000FF"/>
+                </a:solidFill>
+                <a:latin typeface="Lucida Console"/>
+                <a:cs typeface="Lucida Console"/>
+              </a:rPr>
+            </a:br>
+            <a:r>
+              <a:rPr lang="en-US" sz="3600" dirty="0">
+                <a:solidFill>
+                  <a:srgbClr val="0000FF"/>
+                </a:solidFill>
+                <a:latin typeface="Lucida Console"/>
+                <a:cs typeface="Lucida Console"/>
+              </a:rPr>
+              <a:t>function </a:t>
+            </a:r>
+            <a:r>
+              <a:rPr lang="en-US" sz="3600" dirty="0" err="1">
+                <a:solidFill>
+                  <a:srgbClr val="0000FF"/>
+                </a:solidFill>
+                <a:latin typeface="Lucida Console"/>
+                <a:cs typeface="Lucida Console"/>
+              </a:rPr>
+              <a:t>animateScene</a:t>
+            </a:r>
+            <a:r>
+              <a:rPr lang="en-US" sz="3600" dirty="0">
+                <a:solidFill>
+                  <a:srgbClr val="0000FF"/>
+                </a:solidFill>
+                <a:latin typeface="Lucida Console"/>
+                <a:cs typeface="Lucida Console"/>
+              </a:rPr>
+              <a:t>(){</a:t>
+            </a:r>
+          </a:p>
+          <a:p>
+            <a:pPr marL="0" indent="0">
+              <a:buNone/>
+            </a:pPr>
+            <a:r>
+              <a:rPr lang="en-US" sz="3600" dirty="0">
+                <a:solidFill>
+                  <a:srgbClr val="0000FF"/>
+                </a:solidFill>
+                <a:latin typeface="Lucida Console"/>
+                <a:cs typeface="Lucida Console"/>
+              </a:rPr>
+              <a:t>    </a:t>
+            </a:r>
+            <a:r>
+              <a:rPr lang="en-US" sz="3600" dirty="0" err="1">
+                <a:solidFill>
+                  <a:srgbClr val="0000FF"/>
+                </a:solidFill>
+                <a:latin typeface="Lucida Console"/>
+                <a:cs typeface="Lucida Console"/>
+              </a:rPr>
+              <a:t>triangleMesh.rotation.y</a:t>
+            </a:r>
+            <a:r>
+              <a:rPr lang="en-US" sz="3600" dirty="0">
+                <a:solidFill>
+                  <a:srgbClr val="0000FF"/>
+                </a:solidFill>
+                <a:latin typeface="Lucida Console"/>
+                <a:cs typeface="Lucida Console"/>
+              </a:rPr>
+              <a:t> += 0.1;</a:t>
+            </a:r>
+          </a:p>
+          <a:p>
+            <a:pPr marL="0" indent="0">
+              <a:buNone/>
+            </a:pPr>
+            <a:r>
+              <a:rPr lang="en-US" sz="3600" dirty="0">
+                <a:solidFill>
+                  <a:srgbClr val="0000FF"/>
+                </a:solidFill>
+                <a:latin typeface="Lucida Console"/>
+                <a:cs typeface="Lucida Console"/>
+              </a:rPr>
+              <a:t>    </a:t>
+            </a:r>
+            <a:r>
+              <a:rPr lang="en-US" sz="3600" dirty="0" err="1">
+                <a:solidFill>
+                  <a:srgbClr val="0000FF"/>
+                </a:solidFill>
+                <a:latin typeface="Lucida Console"/>
+                <a:cs typeface="Lucida Console"/>
+              </a:rPr>
+              <a:t>squareMesh.rotation.x</a:t>
+            </a:r>
+            <a:r>
+              <a:rPr lang="en-US" sz="3600" dirty="0">
+                <a:solidFill>
+                  <a:srgbClr val="0000FF"/>
+                </a:solidFill>
+                <a:latin typeface="Lucida Console"/>
+                <a:cs typeface="Lucida Console"/>
+              </a:rPr>
+              <a:t> -= 0.075</a:t>
+            </a:r>
+            <a:r>
+              <a:rPr lang="en-US" sz="3600" dirty="0" smtClean="0">
+                <a:solidFill>
+                  <a:srgbClr val="0000FF"/>
+                </a:solidFill>
+                <a:latin typeface="Lucida Console"/>
+                <a:cs typeface="Lucida Console"/>
+              </a:rPr>
+              <a:t>;</a:t>
+            </a:r>
+            <a:br>
+              <a:rPr lang="en-US" sz="3600" dirty="0" smtClean="0">
+                <a:solidFill>
+                  <a:srgbClr val="0000FF"/>
+                </a:solidFill>
+                <a:latin typeface="Lucida Console"/>
+                <a:cs typeface="Lucida Console"/>
+              </a:rPr>
+            </a:br>
+            <a:r>
+              <a:rPr lang="en-US" sz="3600" dirty="0" smtClean="0">
+                <a:solidFill>
+                  <a:srgbClr val="0000FF"/>
+                </a:solidFill>
+                <a:latin typeface="Lucida Console"/>
+                <a:cs typeface="Lucida Console"/>
+              </a:rPr>
+              <a:t>    </a:t>
+            </a:r>
+            <a:r>
+              <a:rPr lang="en-US" sz="3600" dirty="0">
+                <a:solidFill>
+                  <a:srgbClr val="0000FF"/>
+                </a:solidFill>
+                <a:latin typeface="Lucida Console"/>
+                <a:cs typeface="Lucida Console"/>
+              </a:rPr>
+              <a:t>// Register animation callback</a:t>
+            </a:r>
+          </a:p>
+          <a:p>
+            <a:pPr marL="0" indent="0">
+              <a:buNone/>
+            </a:pPr>
+            <a:r>
+              <a:rPr lang="en-US" sz="3600" dirty="0">
+                <a:solidFill>
+                  <a:srgbClr val="0000FF"/>
+                </a:solidFill>
+                <a:latin typeface="Lucida Console"/>
+                <a:cs typeface="Lucida Console"/>
+              </a:rPr>
+              <a:t>    </a:t>
+            </a:r>
+            <a:r>
+              <a:rPr lang="en-US" sz="3600" dirty="0" err="1">
+                <a:solidFill>
+                  <a:srgbClr val="0000FF"/>
+                </a:solidFill>
+                <a:latin typeface="Lucida Console"/>
+                <a:cs typeface="Lucida Console"/>
+              </a:rPr>
+              <a:t>requestAnimationFrame</a:t>
+            </a:r>
+            <a:r>
+              <a:rPr lang="en-US" sz="3600" dirty="0">
+                <a:solidFill>
+                  <a:srgbClr val="0000FF"/>
+                </a:solidFill>
+                <a:latin typeface="Lucida Console"/>
+                <a:cs typeface="Lucida Console"/>
+              </a:rPr>
+              <a:t>(</a:t>
+            </a:r>
+            <a:r>
+              <a:rPr lang="en-US" sz="3600" dirty="0" err="1">
+                <a:solidFill>
+                  <a:srgbClr val="0000FF"/>
+                </a:solidFill>
+                <a:latin typeface="Lucida Console"/>
+                <a:cs typeface="Lucida Console"/>
+              </a:rPr>
+              <a:t>animateScene</a:t>
+            </a:r>
+            <a:r>
+              <a:rPr lang="en-US" sz="3600" dirty="0">
+                <a:solidFill>
+                  <a:srgbClr val="0000FF"/>
+                </a:solidFill>
+                <a:latin typeface="Lucida Console"/>
+                <a:cs typeface="Lucida Console"/>
+              </a:rPr>
+              <a:t>); </a:t>
+            </a:r>
+          </a:p>
+          <a:p>
+            <a:pPr marL="0" indent="0">
+              <a:buNone/>
+            </a:pPr>
+            <a:r>
+              <a:rPr lang="en-US" sz="3600" dirty="0">
+                <a:solidFill>
+                  <a:srgbClr val="0000FF"/>
+                </a:solidFill>
+                <a:latin typeface="Lucida Console"/>
+                <a:cs typeface="Lucida Console"/>
+              </a:rPr>
+              <a:t>    </a:t>
+            </a:r>
+            <a:r>
+              <a:rPr lang="en-US" sz="3600" dirty="0" err="1">
+                <a:solidFill>
+                  <a:srgbClr val="0000FF"/>
+                </a:solidFill>
+                <a:latin typeface="Lucida Console"/>
+                <a:cs typeface="Lucida Console"/>
+              </a:rPr>
+              <a:t>renderScene</a:t>
+            </a:r>
+            <a:r>
+              <a:rPr lang="en-US" sz="3600" dirty="0">
+                <a:solidFill>
+                  <a:srgbClr val="0000FF"/>
+                </a:solidFill>
+                <a:latin typeface="Lucida Console"/>
+                <a:cs typeface="Lucida Console"/>
+              </a:rPr>
+              <a:t>();</a:t>
+            </a:r>
+          </a:p>
+          <a:p>
+            <a:pPr marL="0" indent="0">
+              <a:buNone/>
+            </a:pPr>
+            <a:r>
+              <a:rPr lang="en-US" sz="3600" dirty="0">
+                <a:solidFill>
+                  <a:srgbClr val="0000FF"/>
+                </a:solidFill>
+                <a:latin typeface="Lucida Console"/>
+                <a:cs typeface="Lucida Console"/>
+              </a:rPr>
+              <a:t>}</a:t>
+            </a:r>
+          </a:p>
+          <a:p>
+            <a:pPr marL="0" indent="0">
+              <a:buNone/>
+            </a:pPr>
+            <a:endParaRPr lang="en-US" sz="3600" dirty="0" smtClean="0">
+              <a:solidFill>
+                <a:srgbClr val="0000FF"/>
+              </a:solidFill>
+              <a:latin typeface="Lucida Console"/>
+              <a:cs typeface="Lucida Console"/>
+            </a:endParaRPr>
+          </a:p>
+          <a:p>
+            <a:pPr marL="0" indent="0">
+              <a:buNone/>
+            </a:pPr>
+            <a:endParaRPr lang="en-US" sz="3600" dirty="0" smtClean="0">
+              <a:solidFill>
+                <a:srgbClr val="0000FF"/>
+              </a:solidFill>
+              <a:latin typeface="Lucida Console"/>
+              <a:cs typeface="Lucida Console"/>
+            </a:endParaRPr>
           </a:p>
         </p:txBody>
       </p:sp>
     </p:spTree>
     <p:extLst>
       <p:ext uri="{BB962C8B-B14F-4D97-AF65-F5344CB8AC3E}">
-        <p14:creationId xmlns:p14="http://schemas.microsoft.com/office/powerpoint/2010/main" val="2826869002"/>
+        <p14:creationId xmlns:p14="http://schemas.microsoft.com/office/powerpoint/2010/main" val="1377942261"/>
       </p:ext>
     </p:extLst>
   </p:cSld>
   <p:clrMapOvr>
     <a:masterClrMapping/>
   </p:clrMapOvr>
-  <mc:AlternateContent xmlns:mc="http://schemas.openxmlformats.org/markup-compatibility/2006">
-    <mc:Choice xmlns:p14="http://schemas.microsoft.com/office/powerpoint/2010/main" Requires="p14">
-      <p:transition spd="slow" p14:dur="2000"/>
-    </mc:Choice>
-    <mc:Fallback>
-      <p:transition xmlns:p14="http://schemas.microsoft.com/office/powerpoint/2010/main" spd="slow"/>
-    </mc:Fallback>
-  </mc:AlternateContent>
+  <p:timing>
+    <p:tnLst>
+      <p:par>
+        <p:cTn xmlns:p14="http://schemas.microsoft.com/office/powerpoint/2010/main" id="1" dur="indefinite" restart="never" nodeType="tmRoot"/>
+      </p:par>
+    </p:tnLst>
+  </p:timing>
+</p:sld>
+</file>
+
+<file path=ppt/slides/slide53.xml><?xml version="1.0" encoding="utf-8"?>
+<p:sld xmlns:a="http://schemas.openxmlformats.org/drawingml/2006/main" xmlns:r="http://schemas.openxmlformats.org/officeDocument/2006/relationships" xmlns:p="http://schemas.openxmlformats.org/presentationml/2006/main">
+  <p:cSld>
+    <p:spTree>
+      <p:nvGrpSpPr>
+        <p:cNvPr id="1" name=""/>
+        <p:cNvGrpSpPr/>
+        <p:nvPr/>
+      </p:nvGrpSpPr>
+      <p:grpSpPr>
+        <a:xfrm>
+          <a:off x="0" y="0"/>
+          <a:ext cx="0" cy="0"/>
+          <a:chOff x="0" y="0"/>
+          <a:chExt cx="0" cy="0"/>
+        </a:xfrm>
+      </p:grpSpPr>
+      <p:sp>
+        <p:nvSpPr>
+          <p:cNvPr id="2" name="Title 1"/>
+          <p:cNvSpPr>
+            <a:spLocks noGrp="1"/>
+          </p:cNvSpPr>
+          <p:nvPr>
+            <p:ph type="title"/>
+          </p:nvPr>
+        </p:nvSpPr>
+        <p:spPr/>
+        <p:txBody>
+          <a:bodyPr>
+            <a:normAutofit/>
+          </a:bodyPr>
+          <a:lstStyle/>
+          <a:p>
+            <a:r>
+              <a:rPr lang="en-US" b="1" dirty="0" smtClean="0"/>
+              <a:t>Lesson </a:t>
+            </a:r>
+            <a:r>
+              <a:rPr lang="en-US" b="1" dirty="0" smtClean="0"/>
+              <a:t>4: 3D Shapes</a:t>
+            </a:r>
+            <a:endParaRPr lang="en-US" b="1" dirty="0"/>
+          </a:p>
+        </p:txBody>
+      </p:sp>
+      <p:pic>
+        <p:nvPicPr>
+          <p:cNvPr id="3" name="Picture 2" descr="Screen Shot 2015-04-21 at 3.29.32 PM.png"/>
+          <p:cNvPicPr>
+            <a:picLocks noChangeAspect="1"/>
+          </p:cNvPicPr>
+          <p:nvPr/>
+        </p:nvPicPr>
+        <p:blipFill>
+          <a:blip r:embed="rId2">
+            <a:extLst>
+              <a:ext uri="{28A0092B-C50C-407E-A947-70E740481C1C}">
+                <a14:useLocalDpi xmlns:a14="http://schemas.microsoft.com/office/drawing/2010/main" val="0"/>
+              </a:ext>
+            </a:extLst>
+          </a:blip>
+          <a:stretch>
+            <a:fillRect/>
+          </a:stretch>
+        </p:blipFill>
+        <p:spPr>
+          <a:xfrm>
+            <a:off x="0" y="1895550"/>
+            <a:ext cx="9144000" cy="4010329"/>
+          </a:xfrm>
+          <a:prstGeom prst="rect">
+            <a:avLst/>
+          </a:prstGeom>
+        </p:spPr>
+      </p:pic>
+    </p:spTree>
+    <p:extLst>
+      <p:ext uri="{BB962C8B-B14F-4D97-AF65-F5344CB8AC3E}">
+        <p14:creationId xmlns:p14="http://schemas.microsoft.com/office/powerpoint/2010/main" val="3979978335"/>
+      </p:ext>
+    </p:extLst>
+  </p:cSld>
+  <p:clrMapOvr>
+    <a:masterClrMapping/>
+  </p:clrMapOvr>
+  <p:timing>
+    <p:tnLst>
+      <p:par>
+        <p:cTn xmlns:p14="http://schemas.microsoft.com/office/powerpoint/2010/main" id="1" dur="indefinite" restart="never" nodeType="tmRoot"/>
+      </p:par>
+    </p:tnLst>
+  </p:timing>
+</p:sld>
+</file>
+
+<file path=ppt/slides/slide54.xml><?xml version="1.0" encoding="utf-8"?>
+<p:sld xmlns:a="http://schemas.openxmlformats.org/drawingml/2006/main" xmlns:r="http://schemas.openxmlformats.org/officeDocument/2006/relationships" xmlns:p="http://schemas.openxmlformats.org/presentationml/2006/main">
+  <p:cSld>
+    <p:spTree>
+      <p:nvGrpSpPr>
+        <p:cNvPr id="1" name=""/>
+        <p:cNvGrpSpPr/>
+        <p:nvPr/>
+      </p:nvGrpSpPr>
+      <p:grpSpPr>
+        <a:xfrm>
+          <a:off x="0" y="0"/>
+          <a:ext cx="0" cy="0"/>
+          <a:chOff x="0" y="0"/>
+          <a:chExt cx="0" cy="0"/>
+        </a:xfrm>
+      </p:grpSpPr>
+      <p:sp>
+        <p:nvSpPr>
+          <p:cNvPr id="2" name="Title 1"/>
+          <p:cNvSpPr>
+            <a:spLocks noGrp="1"/>
+          </p:cNvSpPr>
+          <p:nvPr>
+            <p:ph type="title"/>
+          </p:nvPr>
+        </p:nvSpPr>
+        <p:spPr/>
+        <p:txBody>
+          <a:bodyPr/>
+          <a:lstStyle/>
+          <a:p>
+            <a:r>
+              <a:rPr lang="en-US" dirty="0" smtClean="0"/>
+              <a:t>Lesson 04</a:t>
+            </a:r>
+            <a:endParaRPr lang="en-US" dirty="0"/>
+          </a:p>
+        </p:txBody>
+      </p:sp>
+      <p:sp>
+        <p:nvSpPr>
+          <p:cNvPr id="3" name="Content Placeholder 2"/>
+          <p:cNvSpPr>
+            <a:spLocks noGrp="1"/>
+          </p:cNvSpPr>
+          <p:nvPr>
+            <p:ph idx="1"/>
+          </p:nvPr>
+        </p:nvSpPr>
+        <p:spPr>
+          <a:xfrm>
+            <a:off x="0" y="1417638"/>
+            <a:ext cx="9144000" cy="4525963"/>
+          </a:xfrm>
+        </p:spPr>
+        <p:txBody>
+          <a:bodyPr>
+            <a:normAutofit fontScale="70000" lnSpcReduction="20000"/>
+          </a:bodyPr>
+          <a:lstStyle/>
+          <a:p>
+            <a:r>
+              <a:rPr lang="en-US" sz="5000" dirty="0" smtClean="0"/>
+              <a:t>Q: How could we build the pyramid and cube?</a:t>
+            </a:r>
+          </a:p>
+          <a:p>
+            <a:endParaRPr lang="en-US" sz="1600" dirty="0" smtClean="0">
+              <a:solidFill>
+                <a:srgbClr val="0000FF"/>
+              </a:solidFill>
+              <a:latin typeface="Lucida Console"/>
+              <a:cs typeface="Lucida Console"/>
+            </a:endParaRPr>
+          </a:p>
+        </p:txBody>
+      </p:sp>
+    </p:spTree>
+    <p:extLst>
+      <p:ext uri="{BB962C8B-B14F-4D97-AF65-F5344CB8AC3E}">
+        <p14:creationId xmlns:p14="http://schemas.microsoft.com/office/powerpoint/2010/main" val="3380383412"/>
+      </p:ext>
+    </p:extLst>
+  </p:cSld>
+  <p:clrMapOvr>
+    <a:masterClrMapping/>
+  </p:clrMapOvr>
+  <p:timing>
+    <p:tnLst>
+      <p:par>
+        <p:cTn xmlns:p14="http://schemas.microsoft.com/office/powerpoint/2010/main" id="1" dur="indefinite" restart="never" nodeType="tmRoot"/>
+      </p:par>
+    </p:tnLst>
+  </p:timing>
+</p:sld>
+</file>
+
+<file path=ppt/slides/slide55.xml><?xml version="1.0" encoding="utf-8"?>
+<p:sld xmlns:a="http://schemas.openxmlformats.org/drawingml/2006/main" xmlns:r="http://schemas.openxmlformats.org/officeDocument/2006/relationships" xmlns:p="http://schemas.openxmlformats.org/presentationml/2006/main">
+  <p:cSld>
+    <p:spTree>
+      <p:nvGrpSpPr>
+        <p:cNvPr id="1" name=""/>
+        <p:cNvGrpSpPr/>
+        <p:nvPr/>
+      </p:nvGrpSpPr>
+      <p:grpSpPr>
+        <a:xfrm>
+          <a:off x="0" y="0"/>
+          <a:ext cx="0" cy="0"/>
+          <a:chOff x="0" y="0"/>
+          <a:chExt cx="0" cy="0"/>
+        </a:xfrm>
+      </p:grpSpPr>
+      <p:sp>
+        <p:nvSpPr>
+          <p:cNvPr id="2" name="Title 1"/>
+          <p:cNvSpPr>
+            <a:spLocks noGrp="1"/>
+          </p:cNvSpPr>
+          <p:nvPr>
+            <p:ph type="title"/>
+          </p:nvPr>
+        </p:nvSpPr>
+        <p:spPr/>
+        <p:txBody>
+          <a:bodyPr/>
+          <a:lstStyle/>
+          <a:p>
+            <a:r>
+              <a:rPr lang="en-US" dirty="0" smtClean="0"/>
+              <a:t>Lesson 04: Pyramid</a:t>
+            </a:r>
+            <a:endParaRPr lang="en-US" dirty="0"/>
+          </a:p>
+        </p:txBody>
+      </p:sp>
+      <p:sp>
+        <p:nvSpPr>
+          <p:cNvPr id="3" name="Content Placeholder 2"/>
+          <p:cNvSpPr>
+            <a:spLocks noGrp="1"/>
+          </p:cNvSpPr>
+          <p:nvPr>
+            <p:ph idx="1"/>
+          </p:nvPr>
+        </p:nvSpPr>
+        <p:spPr>
+          <a:xfrm>
+            <a:off x="0" y="1199924"/>
+            <a:ext cx="9144000" cy="4525963"/>
+          </a:xfrm>
+        </p:spPr>
+        <p:txBody>
+          <a:bodyPr>
+            <a:normAutofit fontScale="70000" lnSpcReduction="20000"/>
+          </a:bodyPr>
+          <a:lstStyle/>
+          <a:p>
+            <a:pPr marL="0" indent="0">
+              <a:buNone/>
+            </a:pPr>
+            <a:r>
+              <a:rPr lang="en-US" sz="3600" dirty="0" smtClean="0">
+                <a:solidFill>
+                  <a:srgbClr val="0000FF"/>
+                </a:solidFill>
+                <a:latin typeface="Lucida Console"/>
+                <a:cs typeface="Lucida Console"/>
+              </a:rPr>
+              <a:t>function </a:t>
+            </a:r>
+            <a:r>
+              <a:rPr lang="en-US" sz="3600" dirty="0" err="1">
+                <a:solidFill>
+                  <a:srgbClr val="0000FF"/>
+                </a:solidFill>
+                <a:latin typeface="Lucida Console"/>
+                <a:cs typeface="Lucida Console"/>
+              </a:rPr>
+              <a:t>initializeScene</a:t>
+            </a:r>
+            <a:r>
+              <a:rPr lang="en-US" sz="3600" dirty="0">
+                <a:solidFill>
+                  <a:srgbClr val="0000FF"/>
+                </a:solidFill>
+                <a:latin typeface="Lucida Console"/>
+                <a:cs typeface="Lucida Console"/>
+              </a:rPr>
+              <a:t>(</a:t>
+            </a:r>
+            <a:r>
+              <a:rPr lang="en-US" sz="3600" dirty="0" smtClean="0">
+                <a:solidFill>
+                  <a:srgbClr val="0000FF"/>
+                </a:solidFill>
+                <a:latin typeface="Lucida Console"/>
+                <a:cs typeface="Lucida Console"/>
+              </a:rPr>
+              <a:t>) {</a:t>
+            </a:r>
+            <a:endParaRPr lang="en-US" sz="3600" dirty="0">
+              <a:solidFill>
+                <a:srgbClr val="0000FF"/>
+              </a:solidFill>
+              <a:latin typeface="Lucida Console"/>
+              <a:cs typeface="Lucida Console"/>
+            </a:endParaRPr>
+          </a:p>
+          <a:p>
+            <a:pPr marL="0" indent="0">
+              <a:buNone/>
+            </a:pPr>
+            <a:r>
+              <a:rPr lang="en-US" sz="3600" dirty="0">
+                <a:solidFill>
+                  <a:srgbClr val="0000FF"/>
+                </a:solidFill>
+                <a:latin typeface="Lucida Console"/>
+                <a:cs typeface="Lucida Console"/>
+              </a:rPr>
+              <a:t>    ...</a:t>
+            </a:r>
+          </a:p>
+          <a:p>
+            <a:pPr marL="0" indent="0">
+              <a:buNone/>
+            </a:pPr>
+            <a:r>
+              <a:rPr lang="en-US" sz="3600" dirty="0" smtClean="0">
+                <a:solidFill>
+                  <a:srgbClr val="0000FF"/>
+                </a:solidFill>
+                <a:latin typeface="Lucida Console"/>
+                <a:cs typeface="Lucida Console"/>
+              </a:rPr>
+              <a:t> </a:t>
+            </a:r>
+            <a:r>
+              <a:rPr lang="en-US" sz="3600" dirty="0" err="1" smtClean="0">
+                <a:solidFill>
+                  <a:srgbClr val="0000FF"/>
+                </a:solidFill>
+                <a:latin typeface="Lucida Console"/>
+                <a:cs typeface="Lucida Console"/>
+              </a:rPr>
+              <a:t>var</a:t>
+            </a:r>
+            <a:r>
+              <a:rPr lang="en-US" sz="3600" dirty="0" smtClean="0">
+                <a:solidFill>
+                  <a:srgbClr val="0000FF"/>
+                </a:solidFill>
+                <a:latin typeface="Lucida Console"/>
+                <a:cs typeface="Lucida Console"/>
+              </a:rPr>
+              <a:t> </a:t>
+            </a:r>
+            <a:r>
+              <a:rPr lang="en-US" sz="3600" dirty="0" err="1">
+                <a:solidFill>
+                  <a:srgbClr val="0000FF"/>
+                </a:solidFill>
+                <a:latin typeface="Lucida Console"/>
+                <a:cs typeface="Lucida Console"/>
+              </a:rPr>
+              <a:t>pyramidGeometry</a:t>
+            </a:r>
+            <a:r>
+              <a:rPr lang="en-US" sz="3600" dirty="0">
+                <a:solidFill>
+                  <a:srgbClr val="0000FF"/>
+                </a:solidFill>
+                <a:latin typeface="Lucida Console"/>
+                <a:cs typeface="Lucida Console"/>
+              </a:rPr>
+              <a:t> </a:t>
+            </a:r>
+            <a:r>
+              <a:rPr lang="en-US" sz="3600" dirty="0" smtClean="0">
+                <a:solidFill>
+                  <a:srgbClr val="0000FF"/>
+                </a:solidFill>
+                <a:latin typeface="Lucida Console"/>
+                <a:cs typeface="Lucida Console"/>
+              </a:rPr>
+              <a:t>=</a:t>
+            </a:r>
+            <a:br>
+              <a:rPr lang="en-US" sz="3600" dirty="0" smtClean="0">
+                <a:solidFill>
+                  <a:srgbClr val="0000FF"/>
+                </a:solidFill>
+                <a:latin typeface="Lucida Console"/>
+                <a:cs typeface="Lucida Console"/>
+              </a:rPr>
+            </a:br>
+            <a:r>
+              <a:rPr lang="en-US" sz="3600" dirty="0" smtClean="0">
+                <a:solidFill>
+                  <a:srgbClr val="0000FF"/>
+                </a:solidFill>
+                <a:latin typeface="Lucida Console"/>
+                <a:cs typeface="Lucida Console"/>
+              </a:rPr>
+              <a:t>    new </a:t>
+            </a:r>
+            <a:r>
+              <a:rPr lang="en-US" sz="3600" dirty="0" err="1" smtClean="0">
+                <a:solidFill>
+                  <a:srgbClr val="0000FF"/>
+                </a:solidFill>
+                <a:latin typeface="Lucida Console"/>
+                <a:cs typeface="Lucida Console"/>
+              </a:rPr>
+              <a:t>THREE.CylinderGeometry</a:t>
+            </a:r>
+            <a:r>
+              <a:rPr lang="en-US" sz="3600" dirty="0" smtClean="0">
+                <a:solidFill>
+                  <a:srgbClr val="0000FF"/>
+                </a:solidFill>
+                <a:latin typeface="Lucida Console"/>
+                <a:cs typeface="Lucida Console"/>
+              </a:rPr>
+              <a:t>(</a:t>
+            </a:r>
+            <a:br>
+              <a:rPr lang="en-US" sz="3600" dirty="0" smtClean="0">
+                <a:solidFill>
+                  <a:srgbClr val="0000FF"/>
+                </a:solidFill>
+                <a:latin typeface="Lucida Console"/>
+                <a:cs typeface="Lucida Console"/>
+              </a:rPr>
+            </a:br>
+            <a:r>
+              <a:rPr lang="en-US" sz="3600" dirty="0" smtClean="0">
+                <a:solidFill>
+                  <a:srgbClr val="0000FF"/>
+                </a:solidFill>
+                <a:latin typeface="Lucida Console"/>
+                <a:cs typeface="Lucida Console"/>
+              </a:rPr>
+              <a:t>      0</a:t>
+            </a:r>
+            <a:r>
+              <a:rPr lang="en-US" sz="3600" dirty="0">
+                <a:solidFill>
+                  <a:srgbClr val="0000FF"/>
+                </a:solidFill>
+                <a:latin typeface="Lucida Console"/>
+                <a:cs typeface="Lucida Console"/>
+              </a:rPr>
+              <a:t>, 1.5, 1.5, 4</a:t>
+            </a:r>
+            <a:r>
+              <a:rPr lang="en-US" sz="3600" dirty="0" smtClean="0">
+                <a:solidFill>
+                  <a:srgbClr val="0000FF"/>
+                </a:solidFill>
+                <a:latin typeface="Lucida Console"/>
+                <a:cs typeface="Lucida Console"/>
+              </a:rPr>
+              <a:t>, false</a:t>
+            </a:r>
+            <a:r>
+              <a:rPr lang="en-US" sz="3600" dirty="0">
+                <a:solidFill>
+                  <a:srgbClr val="0000FF"/>
+                </a:solidFill>
+                <a:latin typeface="Lucida Console"/>
+                <a:cs typeface="Lucida Console"/>
+              </a:rPr>
+              <a:t>)</a:t>
+            </a:r>
+            <a:r>
+              <a:rPr lang="en-US" sz="3600" dirty="0" smtClean="0">
+                <a:solidFill>
+                  <a:srgbClr val="0000FF"/>
+                </a:solidFill>
+                <a:latin typeface="Lucida Console"/>
+                <a:cs typeface="Lucida Console"/>
+              </a:rPr>
+              <a:t>;</a:t>
+            </a:r>
+            <a:endParaRPr lang="en-US" sz="3600" dirty="0">
+              <a:solidFill>
+                <a:srgbClr val="0000FF"/>
+              </a:solidFill>
+              <a:latin typeface="Lucida Console"/>
+              <a:cs typeface="Lucida Console"/>
+            </a:endParaRPr>
+          </a:p>
+          <a:p>
+            <a:pPr marL="0" indent="0">
+              <a:buNone/>
+            </a:pPr>
+            <a:r>
+              <a:rPr lang="en-US" sz="3600" dirty="0" smtClean="0">
+                <a:solidFill>
+                  <a:srgbClr val="0000FF"/>
+                </a:solidFill>
+                <a:latin typeface="Lucida Console"/>
+                <a:cs typeface="Lucida Console"/>
+              </a:rPr>
+              <a:t>    /</a:t>
+            </a:r>
+            <a:r>
+              <a:rPr lang="en-US" sz="3600" dirty="0">
+                <a:solidFill>
+                  <a:srgbClr val="0000FF"/>
+                </a:solidFill>
+                <a:latin typeface="Lucida Console"/>
+                <a:cs typeface="Lucida Console"/>
+              </a:rPr>
+              <a:t>/ top and bottom radius, height</a:t>
+            </a:r>
+            <a:r>
+              <a:rPr lang="en-US" sz="3600" dirty="0" smtClean="0">
+                <a:solidFill>
+                  <a:srgbClr val="0000FF"/>
+                </a:solidFill>
+                <a:latin typeface="Lucida Console"/>
+                <a:cs typeface="Lucida Console"/>
+              </a:rPr>
+              <a:t>, segments </a:t>
+            </a:r>
+            <a:br>
+              <a:rPr lang="en-US" sz="3600" dirty="0" smtClean="0">
+                <a:solidFill>
+                  <a:srgbClr val="0000FF"/>
+                </a:solidFill>
+                <a:latin typeface="Lucida Console"/>
+                <a:cs typeface="Lucida Console"/>
+              </a:rPr>
+            </a:br>
+            <a:endParaRPr lang="en-US" sz="3600" dirty="0">
+              <a:solidFill>
+                <a:srgbClr val="0000FF"/>
+              </a:solidFill>
+              <a:latin typeface="Lucida Console"/>
+              <a:cs typeface="Lucida Console"/>
+            </a:endParaRPr>
+          </a:p>
+          <a:p>
+            <a:pPr marL="0" indent="0">
+              <a:buNone/>
+            </a:pPr>
+            <a:r>
+              <a:rPr lang="en-US" sz="3600" dirty="0" smtClean="0">
+                <a:solidFill>
+                  <a:srgbClr val="0000FF"/>
+                </a:solidFill>
+                <a:latin typeface="Lucida Console"/>
+                <a:cs typeface="Lucida Console"/>
+              </a:rPr>
+              <a:t> for</a:t>
+            </a:r>
+            <a:r>
+              <a:rPr lang="en-US" sz="3600" dirty="0">
+                <a:solidFill>
+                  <a:srgbClr val="0000FF"/>
+                </a:solidFill>
+                <a:latin typeface="Lucida Console"/>
+                <a:cs typeface="Lucida Console"/>
+              </a:rPr>
+              <a:t>(</a:t>
+            </a:r>
+            <a:r>
+              <a:rPr lang="en-US" sz="3600" dirty="0" err="1">
+                <a:solidFill>
+                  <a:srgbClr val="0000FF"/>
+                </a:solidFill>
+                <a:latin typeface="Lucida Console"/>
+                <a:cs typeface="Lucida Console"/>
+              </a:rPr>
+              <a:t>i</a:t>
+            </a:r>
+            <a:r>
+              <a:rPr lang="en-US" sz="3600" dirty="0">
+                <a:solidFill>
+                  <a:srgbClr val="0000FF"/>
+                </a:solidFill>
+                <a:latin typeface="Lucida Console"/>
+                <a:cs typeface="Lucida Console"/>
+              </a:rPr>
+              <a:t> = 0; </a:t>
+            </a:r>
+            <a:r>
+              <a:rPr lang="en-US" sz="3600" dirty="0" err="1">
+                <a:solidFill>
+                  <a:srgbClr val="0000FF"/>
+                </a:solidFill>
+                <a:latin typeface="Lucida Console"/>
+                <a:cs typeface="Lucida Console"/>
+              </a:rPr>
+              <a:t>i</a:t>
+            </a:r>
+            <a:r>
+              <a:rPr lang="en-US" sz="3600" dirty="0">
+                <a:solidFill>
+                  <a:srgbClr val="0000FF"/>
+                </a:solidFill>
+                <a:latin typeface="Lucida Console"/>
+                <a:cs typeface="Lucida Console"/>
+              </a:rPr>
+              <a:t> &lt; </a:t>
+            </a:r>
+            <a:r>
+              <a:rPr lang="en-US" sz="3600" dirty="0" err="1">
+                <a:solidFill>
+                  <a:srgbClr val="0000FF"/>
+                </a:solidFill>
+                <a:latin typeface="Lucida Console"/>
+                <a:cs typeface="Lucida Console"/>
+              </a:rPr>
+              <a:t>pyramidGeometry.faces.length</a:t>
+            </a:r>
+            <a:r>
+              <a:rPr lang="en-US" sz="3600" dirty="0">
+                <a:solidFill>
+                  <a:srgbClr val="0000FF"/>
+                </a:solidFill>
+                <a:latin typeface="Lucida Console"/>
+                <a:cs typeface="Lucida Console"/>
+              </a:rPr>
+              <a:t>; </a:t>
+            </a:r>
+            <a:r>
+              <a:rPr lang="en-US" sz="3600" dirty="0" smtClean="0">
+                <a:solidFill>
+                  <a:srgbClr val="0000FF"/>
+                </a:solidFill>
+                <a:latin typeface="Lucida Console"/>
+                <a:cs typeface="Lucida Console"/>
+              </a:rPr>
+              <a:t/>
+            </a:r>
+            <a:br>
+              <a:rPr lang="en-US" sz="3600" dirty="0" smtClean="0">
+                <a:solidFill>
+                  <a:srgbClr val="0000FF"/>
+                </a:solidFill>
+                <a:latin typeface="Lucida Console"/>
+                <a:cs typeface="Lucida Console"/>
+              </a:rPr>
+            </a:br>
+            <a:r>
+              <a:rPr lang="en-US" sz="3600" dirty="0" smtClean="0">
+                <a:solidFill>
+                  <a:srgbClr val="0000FF"/>
+                </a:solidFill>
+                <a:latin typeface="Lucida Console"/>
+                <a:cs typeface="Lucida Console"/>
+              </a:rPr>
+              <a:t>     </a:t>
+            </a:r>
+            <a:r>
+              <a:rPr lang="en-US" sz="3600" dirty="0" err="1" smtClean="0">
+                <a:solidFill>
+                  <a:srgbClr val="0000FF"/>
+                </a:solidFill>
+                <a:latin typeface="Lucida Console"/>
+                <a:cs typeface="Lucida Console"/>
+              </a:rPr>
+              <a:t>i</a:t>
+            </a:r>
+            <a:r>
+              <a:rPr lang="en-US" sz="3600" dirty="0">
+                <a:solidFill>
+                  <a:srgbClr val="0000FF"/>
+                </a:solidFill>
+                <a:latin typeface="Lucida Console"/>
+                <a:cs typeface="Lucida Console"/>
+              </a:rPr>
+              <a:t>++</a:t>
+            </a:r>
+            <a:r>
+              <a:rPr lang="en-US" sz="3600" dirty="0" smtClean="0">
+                <a:solidFill>
+                  <a:srgbClr val="0000FF"/>
+                </a:solidFill>
+                <a:latin typeface="Lucida Console"/>
+                <a:cs typeface="Lucida Console"/>
+              </a:rPr>
+              <a:t>) {</a:t>
+            </a:r>
+            <a:endParaRPr lang="en-US" sz="3600" dirty="0">
+              <a:solidFill>
+                <a:srgbClr val="0000FF"/>
+              </a:solidFill>
+              <a:latin typeface="Lucida Console"/>
+              <a:cs typeface="Lucida Console"/>
+            </a:endParaRPr>
+          </a:p>
+          <a:p>
+            <a:pPr marL="0" indent="0">
+              <a:buNone/>
+            </a:pPr>
+            <a:r>
+              <a:rPr lang="en-US" sz="3600" dirty="0" smtClean="0">
+                <a:solidFill>
+                  <a:srgbClr val="0000FF"/>
+                </a:solidFill>
+                <a:latin typeface="Lucida Console"/>
+                <a:cs typeface="Lucida Console"/>
+              </a:rPr>
+              <a:t>   </a:t>
+            </a:r>
+            <a:r>
+              <a:rPr lang="en-US" sz="3600" dirty="0" err="1" smtClean="0">
+                <a:solidFill>
+                  <a:srgbClr val="0000FF"/>
+                </a:solidFill>
+                <a:latin typeface="Lucida Console"/>
+                <a:cs typeface="Lucida Console"/>
+              </a:rPr>
+              <a:t>pyramidGeometry.faces</a:t>
+            </a:r>
+            <a:r>
+              <a:rPr lang="en-US" sz="3600" dirty="0">
+                <a:solidFill>
+                  <a:srgbClr val="0000FF"/>
+                </a:solidFill>
+                <a:latin typeface="Lucida Console"/>
+                <a:cs typeface="Lucida Console"/>
+              </a:rPr>
+              <a:t>[</a:t>
+            </a:r>
+            <a:r>
+              <a:rPr lang="en-US" sz="3600" dirty="0" err="1">
+                <a:solidFill>
+                  <a:srgbClr val="0000FF"/>
+                </a:solidFill>
+                <a:latin typeface="Lucida Console"/>
+                <a:cs typeface="Lucida Console"/>
+              </a:rPr>
+              <a:t>i</a:t>
+            </a:r>
+            <a:r>
+              <a:rPr lang="en-US" sz="3600" dirty="0">
+                <a:solidFill>
+                  <a:srgbClr val="0000FF"/>
+                </a:solidFill>
+                <a:latin typeface="Lucida Console"/>
+                <a:cs typeface="Lucida Console"/>
+              </a:rPr>
+              <a:t>].</a:t>
+            </a:r>
+            <a:r>
+              <a:rPr lang="en-US" sz="3600" dirty="0" err="1">
+                <a:solidFill>
+                  <a:srgbClr val="0000FF"/>
+                </a:solidFill>
+                <a:latin typeface="Lucida Console"/>
+                <a:cs typeface="Lucida Console"/>
+              </a:rPr>
+              <a:t>vertexColors</a:t>
+            </a:r>
+            <a:r>
+              <a:rPr lang="en-US" sz="3600" dirty="0">
+                <a:solidFill>
+                  <a:srgbClr val="0000FF"/>
+                </a:solidFill>
+                <a:latin typeface="Lucida Console"/>
+                <a:cs typeface="Lucida Console"/>
+              </a:rPr>
+              <a:t>[0] </a:t>
+            </a:r>
+            <a:r>
+              <a:rPr lang="en-US" sz="3600" dirty="0" smtClean="0">
+                <a:solidFill>
+                  <a:srgbClr val="0000FF"/>
+                </a:solidFill>
+                <a:latin typeface="Lucida Console"/>
+                <a:cs typeface="Lucida Console"/>
+              </a:rPr>
+              <a:t>=</a:t>
+            </a:r>
+            <a:br>
+              <a:rPr lang="en-US" sz="3600" dirty="0" smtClean="0">
+                <a:solidFill>
+                  <a:srgbClr val="0000FF"/>
+                </a:solidFill>
+                <a:latin typeface="Lucida Console"/>
+                <a:cs typeface="Lucida Console"/>
+              </a:rPr>
+            </a:br>
+            <a:r>
+              <a:rPr lang="en-US" sz="3600" dirty="0" smtClean="0">
+                <a:solidFill>
+                  <a:srgbClr val="0000FF"/>
+                </a:solidFill>
+                <a:latin typeface="Lucida Console"/>
+                <a:cs typeface="Lucida Console"/>
+              </a:rPr>
+              <a:t>     new </a:t>
+            </a:r>
+            <a:r>
+              <a:rPr lang="en-US" sz="3600" dirty="0" err="1">
+                <a:solidFill>
+                  <a:srgbClr val="0000FF"/>
+                </a:solidFill>
+                <a:latin typeface="Lucida Console"/>
+                <a:cs typeface="Lucida Console"/>
+              </a:rPr>
+              <a:t>THREE.Color</a:t>
+            </a:r>
+            <a:r>
+              <a:rPr lang="en-US" sz="3600" dirty="0">
+                <a:solidFill>
+                  <a:srgbClr val="0000FF"/>
+                </a:solidFill>
+                <a:latin typeface="Lucida Console"/>
+                <a:cs typeface="Lucida Console"/>
+              </a:rPr>
+              <a:t>(0xFF0000);</a:t>
+            </a:r>
+          </a:p>
+          <a:p>
+            <a:pPr marL="0" indent="0">
+              <a:buNone/>
+            </a:pPr>
+            <a:r>
+              <a:rPr lang="en-US" sz="3600" dirty="0" smtClean="0">
+                <a:solidFill>
+                  <a:srgbClr val="0000FF"/>
+                </a:solidFill>
+                <a:latin typeface="Lucida Console"/>
+                <a:cs typeface="Lucida Console"/>
+              </a:rPr>
+              <a:t>   </a:t>
+            </a:r>
+            <a:r>
+              <a:rPr lang="en-US" sz="3600" dirty="0" err="1" smtClean="0">
+                <a:solidFill>
+                  <a:srgbClr val="0000FF"/>
+                </a:solidFill>
+                <a:latin typeface="Lucida Console"/>
+                <a:cs typeface="Lucida Console"/>
+              </a:rPr>
+              <a:t>pyramidGeometry.faces</a:t>
+            </a:r>
+            <a:r>
+              <a:rPr lang="en-US" sz="3600" dirty="0">
+                <a:solidFill>
+                  <a:srgbClr val="0000FF"/>
+                </a:solidFill>
+                <a:latin typeface="Lucida Console"/>
+                <a:cs typeface="Lucida Console"/>
+              </a:rPr>
+              <a:t>[</a:t>
+            </a:r>
+            <a:r>
+              <a:rPr lang="en-US" sz="3600" dirty="0" err="1">
+                <a:solidFill>
+                  <a:srgbClr val="0000FF"/>
+                </a:solidFill>
+                <a:latin typeface="Lucida Console"/>
+                <a:cs typeface="Lucida Console"/>
+              </a:rPr>
+              <a:t>i</a:t>
+            </a:r>
+            <a:r>
+              <a:rPr lang="en-US" sz="3600" dirty="0">
+                <a:solidFill>
+                  <a:srgbClr val="0000FF"/>
+                </a:solidFill>
+                <a:latin typeface="Lucida Console"/>
+                <a:cs typeface="Lucida Console"/>
+              </a:rPr>
+              <a:t>].</a:t>
+            </a:r>
+            <a:r>
+              <a:rPr lang="en-US" sz="3600" dirty="0" err="1">
+                <a:solidFill>
+                  <a:srgbClr val="0000FF"/>
+                </a:solidFill>
+                <a:latin typeface="Lucida Console"/>
+                <a:cs typeface="Lucida Console"/>
+              </a:rPr>
+              <a:t>vertexColors</a:t>
+            </a:r>
+            <a:r>
+              <a:rPr lang="en-US" sz="3600" dirty="0">
+                <a:solidFill>
+                  <a:srgbClr val="0000FF"/>
+                </a:solidFill>
+                <a:latin typeface="Lucida Console"/>
+                <a:cs typeface="Lucida Console"/>
+              </a:rPr>
+              <a:t>[1] </a:t>
+            </a:r>
+            <a:r>
+              <a:rPr lang="en-US" sz="3600" dirty="0" smtClean="0">
+                <a:solidFill>
+                  <a:srgbClr val="0000FF"/>
+                </a:solidFill>
+                <a:latin typeface="Lucida Console"/>
+                <a:cs typeface="Lucida Console"/>
+              </a:rPr>
+              <a:t>=</a:t>
+            </a:r>
+            <a:br>
+              <a:rPr lang="en-US" sz="3600" dirty="0" smtClean="0">
+                <a:solidFill>
+                  <a:srgbClr val="0000FF"/>
+                </a:solidFill>
+                <a:latin typeface="Lucida Console"/>
+                <a:cs typeface="Lucida Console"/>
+              </a:rPr>
+            </a:br>
+            <a:r>
+              <a:rPr lang="en-US" sz="3600" dirty="0" smtClean="0">
+                <a:solidFill>
+                  <a:srgbClr val="0000FF"/>
+                </a:solidFill>
+                <a:latin typeface="Lucida Console"/>
+                <a:cs typeface="Lucida Console"/>
+              </a:rPr>
+              <a:t>     new </a:t>
+            </a:r>
+            <a:r>
+              <a:rPr lang="en-US" sz="3600" dirty="0" err="1">
+                <a:solidFill>
+                  <a:srgbClr val="0000FF"/>
+                </a:solidFill>
+                <a:latin typeface="Lucida Console"/>
+                <a:cs typeface="Lucida Console"/>
+              </a:rPr>
+              <a:t>THREE.Color</a:t>
+            </a:r>
+            <a:r>
+              <a:rPr lang="en-US" sz="3600" dirty="0">
+                <a:solidFill>
+                  <a:srgbClr val="0000FF"/>
+                </a:solidFill>
+                <a:latin typeface="Lucida Console"/>
+                <a:cs typeface="Lucida Console"/>
+              </a:rPr>
+              <a:t>(0x00FF00);</a:t>
+            </a:r>
+          </a:p>
+          <a:p>
+            <a:pPr marL="0" indent="0">
+              <a:buNone/>
+            </a:pPr>
+            <a:r>
+              <a:rPr lang="en-US" sz="3600" dirty="0" smtClean="0">
+                <a:solidFill>
+                  <a:srgbClr val="0000FF"/>
+                </a:solidFill>
+                <a:latin typeface="Lucida Console"/>
+                <a:cs typeface="Lucida Console"/>
+              </a:rPr>
+              <a:t>   </a:t>
+            </a:r>
+            <a:r>
+              <a:rPr lang="en-US" sz="3600" dirty="0" err="1" smtClean="0">
+                <a:solidFill>
+                  <a:srgbClr val="0000FF"/>
+                </a:solidFill>
+                <a:latin typeface="Lucida Console"/>
+                <a:cs typeface="Lucida Console"/>
+              </a:rPr>
+              <a:t>pyramidGeometry.faces</a:t>
+            </a:r>
+            <a:r>
+              <a:rPr lang="en-US" sz="3600" dirty="0">
+                <a:solidFill>
+                  <a:srgbClr val="0000FF"/>
+                </a:solidFill>
+                <a:latin typeface="Lucida Console"/>
+                <a:cs typeface="Lucida Console"/>
+              </a:rPr>
+              <a:t>[</a:t>
+            </a:r>
+            <a:r>
+              <a:rPr lang="en-US" sz="3600" dirty="0" err="1">
+                <a:solidFill>
+                  <a:srgbClr val="0000FF"/>
+                </a:solidFill>
+                <a:latin typeface="Lucida Console"/>
+                <a:cs typeface="Lucida Console"/>
+              </a:rPr>
+              <a:t>i</a:t>
+            </a:r>
+            <a:r>
+              <a:rPr lang="en-US" sz="3600" dirty="0">
+                <a:solidFill>
+                  <a:srgbClr val="0000FF"/>
+                </a:solidFill>
+                <a:latin typeface="Lucida Console"/>
+                <a:cs typeface="Lucida Console"/>
+              </a:rPr>
+              <a:t>].</a:t>
+            </a:r>
+            <a:r>
+              <a:rPr lang="en-US" sz="3600" dirty="0" err="1">
+                <a:solidFill>
+                  <a:srgbClr val="0000FF"/>
+                </a:solidFill>
+                <a:latin typeface="Lucida Console"/>
+                <a:cs typeface="Lucida Console"/>
+              </a:rPr>
+              <a:t>vertexColors</a:t>
+            </a:r>
+            <a:r>
+              <a:rPr lang="en-US" sz="3600" dirty="0">
+                <a:solidFill>
+                  <a:srgbClr val="0000FF"/>
+                </a:solidFill>
+                <a:latin typeface="Lucida Console"/>
+                <a:cs typeface="Lucida Console"/>
+              </a:rPr>
+              <a:t>[2] </a:t>
+            </a:r>
+            <a:r>
+              <a:rPr lang="en-US" sz="3600" dirty="0" smtClean="0">
+                <a:solidFill>
+                  <a:srgbClr val="0000FF"/>
+                </a:solidFill>
+                <a:latin typeface="Lucida Console"/>
+                <a:cs typeface="Lucida Console"/>
+              </a:rPr>
+              <a:t>=</a:t>
+            </a:r>
+            <a:br>
+              <a:rPr lang="en-US" sz="3600" dirty="0" smtClean="0">
+                <a:solidFill>
+                  <a:srgbClr val="0000FF"/>
+                </a:solidFill>
+                <a:latin typeface="Lucida Console"/>
+                <a:cs typeface="Lucida Console"/>
+              </a:rPr>
+            </a:br>
+            <a:r>
+              <a:rPr lang="en-US" sz="3600" dirty="0" smtClean="0">
+                <a:solidFill>
+                  <a:srgbClr val="0000FF"/>
+                </a:solidFill>
+                <a:latin typeface="Lucida Console"/>
+                <a:cs typeface="Lucida Console"/>
+              </a:rPr>
+              <a:t>     new </a:t>
+            </a:r>
+            <a:r>
+              <a:rPr lang="en-US" sz="3600" dirty="0" err="1">
+                <a:solidFill>
+                  <a:srgbClr val="0000FF"/>
+                </a:solidFill>
+                <a:latin typeface="Lucida Console"/>
+                <a:cs typeface="Lucida Console"/>
+              </a:rPr>
+              <a:t>THREE.Color</a:t>
+            </a:r>
+            <a:r>
+              <a:rPr lang="en-US" sz="3600" dirty="0">
+                <a:solidFill>
+                  <a:srgbClr val="0000FF"/>
+                </a:solidFill>
+                <a:latin typeface="Lucida Console"/>
+                <a:cs typeface="Lucida Console"/>
+              </a:rPr>
+              <a:t>(0x0000FF);</a:t>
+            </a:r>
+          </a:p>
+          <a:p>
+            <a:pPr marL="0" indent="0">
+              <a:buNone/>
+            </a:pPr>
+            <a:r>
+              <a:rPr lang="en-US" sz="3600" dirty="0" smtClean="0">
+                <a:solidFill>
+                  <a:srgbClr val="0000FF"/>
+                </a:solidFill>
+                <a:latin typeface="Lucida Console"/>
+                <a:cs typeface="Lucida Console"/>
+              </a:rPr>
+              <a:t> }</a:t>
+            </a:r>
+            <a:endParaRPr lang="en-US" sz="3600" dirty="0">
+              <a:solidFill>
+                <a:srgbClr val="0000FF"/>
+              </a:solidFill>
+              <a:latin typeface="Lucida Console"/>
+              <a:cs typeface="Lucida Console"/>
+            </a:endParaRPr>
+          </a:p>
+          <a:p>
+            <a:pPr marL="0" indent="0">
+              <a:buNone/>
+            </a:pPr>
+            <a:r>
+              <a:rPr lang="en-US" sz="3600" dirty="0">
+                <a:solidFill>
+                  <a:srgbClr val="0000FF"/>
+                </a:solidFill>
+                <a:latin typeface="Lucida Console"/>
+                <a:cs typeface="Lucida Console"/>
+              </a:rPr>
+              <a:t>    </a:t>
+            </a:r>
+          </a:p>
+          <a:p>
+            <a:pPr marL="0" indent="0">
+              <a:buNone/>
+            </a:pPr>
+            <a:r>
+              <a:rPr lang="en-US" sz="3600" dirty="0">
+                <a:solidFill>
+                  <a:srgbClr val="0000FF"/>
+                </a:solidFill>
+                <a:latin typeface="Lucida Console"/>
+                <a:cs typeface="Lucida Console"/>
+              </a:rPr>
+              <a:t>    ...</a:t>
+            </a:r>
+            <a:endParaRPr lang="en-US" sz="3600" dirty="0" smtClean="0">
+              <a:solidFill>
+                <a:srgbClr val="0000FF"/>
+              </a:solidFill>
+              <a:latin typeface="Lucida Console"/>
+              <a:cs typeface="Lucida Console"/>
+            </a:endParaRPr>
+          </a:p>
+        </p:txBody>
+      </p:sp>
+    </p:spTree>
+    <p:extLst>
+      <p:ext uri="{BB962C8B-B14F-4D97-AF65-F5344CB8AC3E}">
+        <p14:creationId xmlns:p14="http://schemas.microsoft.com/office/powerpoint/2010/main" val="1377942261"/>
+      </p:ext>
+    </p:extLst>
+  </p:cSld>
+  <p:clrMapOvr>
+    <a:masterClrMapping/>
+  </p:clrMapOvr>
+  <p:timing>
+    <p:tnLst>
+      <p:par>
+        <p:cTn xmlns:p14="http://schemas.microsoft.com/office/powerpoint/2010/main" id="1" dur="indefinite" restart="never" nodeType="tmRoot"/>
+      </p:par>
+    </p:tnLst>
+  </p:timing>
+</p:sld>
+</file>
+
+<file path=ppt/slides/slide56.xml><?xml version="1.0" encoding="utf-8"?>
+<p:sld xmlns:a="http://schemas.openxmlformats.org/drawingml/2006/main" xmlns:r="http://schemas.openxmlformats.org/officeDocument/2006/relationships" xmlns:p="http://schemas.openxmlformats.org/presentationml/2006/main">
+  <p:cSld>
+    <p:spTree>
+      <p:nvGrpSpPr>
+        <p:cNvPr id="1" name=""/>
+        <p:cNvGrpSpPr/>
+        <p:nvPr/>
+      </p:nvGrpSpPr>
+      <p:grpSpPr>
+        <a:xfrm>
+          <a:off x="0" y="0"/>
+          <a:ext cx="0" cy="0"/>
+          <a:chOff x="0" y="0"/>
+          <a:chExt cx="0" cy="0"/>
+        </a:xfrm>
+      </p:grpSpPr>
+      <p:sp>
+        <p:nvSpPr>
+          <p:cNvPr id="2" name="Title 1"/>
+          <p:cNvSpPr>
+            <a:spLocks noGrp="1"/>
+          </p:cNvSpPr>
+          <p:nvPr>
+            <p:ph type="title"/>
+          </p:nvPr>
+        </p:nvSpPr>
+        <p:spPr/>
+        <p:txBody>
+          <a:bodyPr/>
+          <a:lstStyle/>
+          <a:p>
+            <a:r>
+              <a:rPr lang="en-US" dirty="0" smtClean="0"/>
+              <a:t>Lesson 04: Box</a:t>
+            </a:r>
+            <a:endParaRPr lang="en-US" dirty="0"/>
+          </a:p>
+        </p:txBody>
+      </p:sp>
+      <p:sp>
+        <p:nvSpPr>
+          <p:cNvPr id="3" name="Content Placeholder 2"/>
+          <p:cNvSpPr>
+            <a:spLocks noGrp="1"/>
+          </p:cNvSpPr>
+          <p:nvPr>
+            <p:ph idx="1"/>
+          </p:nvPr>
+        </p:nvSpPr>
+        <p:spPr>
+          <a:xfrm>
+            <a:off x="0" y="1199924"/>
+            <a:ext cx="9144000" cy="4525963"/>
+          </a:xfrm>
+        </p:spPr>
+        <p:txBody>
+          <a:bodyPr>
+            <a:normAutofit fontScale="70000" lnSpcReduction="20000"/>
+          </a:bodyPr>
+          <a:lstStyle/>
+          <a:p>
+            <a:pPr marL="0" indent="0">
+              <a:buNone/>
+            </a:pPr>
+            <a:r>
+              <a:rPr lang="en-US" sz="3300" dirty="0" err="1">
+                <a:solidFill>
+                  <a:srgbClr val="0000FF"/>
+                </a:solidFill>
+                <a:latin typeface="Lucida Console"/>
+                <a:cs typeface="Lucida Console"/>
+              </a:rPr>
+              <a:t>var</a:t>
+            </a:r>
+            <a:r>
+              <a:rPr lang="en-US" sz="3300" dirty="0">
+                <a:solidFill>
+                  <a:srgbClr val="0000FF"/>
+                </a:solidFill>
+                <a:latin typeface="Lucida Console"/>
+                <a:cs typeface="Lucida Console"/>
+              </a:rPr>
+              <a:t> </a:t>
+            </a:r>
+            <a:r>
+              <a:rPr lang="en-US" sz="3300" dirty="0" err="1">
+                <a:solidFill>
+                  <a:srgbClr val="0000FF"/>
+                </a:solidFill>
+                <a:latin typeface="Lucida Console"/>
+                <a:cs typeface="Lucida Console"/>
+              </a:rPr>
+              <a:t>boxGeometry</a:t>
+            </a:r>
+            <a:r>
+              <a:rPr lang="en-US" sz="3300" dirty="0">
+                <a:solidFill>
+                  <a:srgbClr val="0000FF"/>
+                </a:solidFill>
+                <a:latin typeface="Lucida Console"/>
+                <a:cs typeface="Lucida Console"/>
+              </a:rPr>
+              <a:t> </a:t>
+            </a:r>
+            <a:r>
+              <a:rPr lang="en-US" sz="3300" dirty="0" smtClean="0">
+                <a:solidFill>
+                  <a:srgbClr val="0000FF"/>
+                </a:solidFill>
+                <a:latin typeface="Lucida Console"/>
+                <a:cs typeface="Lucida Console"/>
+              </a:rPr>
+              <a:t>=</a:t>
+            </a:r>
+            <a:br>
+              <a:rPr lang="en-US" sz="3300" dirty="0" smtClean="0">
+                <a:solidFill>
+                  <a:srgbClr val="0000FF"/>
+                </a:solidFill>
+                <a:latin typeface="Lucida Console"/>
+                <a:cs typeface="Lucida Console"/>
+              </a:rPr>
+            </a:br>
+            <a:r>
+              <a:rPr lang="en-US" sz="3300" dirty="0" smtClean="0">
+                <a:solidFill>
+                  <a:srgbClr val="0000FF"/>
+                </a:solidFill>
+                <a:latin typeface="Lucida Console"/>
+                <a:cs typeface="Lucida Console"/>
+              </a:rPr>
+              <a:t>  new </a:t>
+            </a:r>
+            <a:r>
+              <a:rPr lang="en-US" sz="3300" dirty="0" err="1">
+                <a:solidFill>
+                  <a:srgbClr val="0000FF"/>
+                </a:solidFill>
+                <a:latin typeface="Lucida Console"/>
+                <a:cs typeface="Lucida Console"/>
+              </a:rPr>
+              <a:t>THREE.BoxGeometry</a:t>
+            </a:r>
+            <a:r>
+              <a:rPr lang="en-US" sz="3300" dirty="0">
+                <a:solidFill>
+                  <a:srgbClr val="0000FF"/>
+                </a:solidFill>
+                <a:latin typeface="Lucida Console"/>
+                <a:cs typeface="Lucida Console"/>
+              </a:rPr>
+              <a:t>(1.5, 1.5, 1.5)</a:t>
+            </a:r>
+            <a:r>
+              <a:rPr lang="en-US" sz="3300" dirty="0" smtClean="0">
+                <a:solidFill>
+                  <a:srgbClr val="0000FF"/>
+                </a:solidFill>
+                <a:latin typeface="Lucida Console"/>
+                <a:cs typeface="Lucida Console"/>
+              </a:rPr>
+              <a:t>; // Size</a:t>
+            </a:r>
+            <a:endParaRPr lang="en-US" sz="3300" dirty="0">
+              <a:solidFill>
+                <a:srgbClr val="0000FF"/>
+              </a:solidFill>
+              <a:latin typeface="Lucida Console"/>
+              <a:cs typeface="Lucida Console"/>
+            </a:endParaRPr>
+          </a:p>
+          <a:p>
+            <a:pPr marL="0" indent="0">
+              <a:buNone/>
+            </a:pPr>
+            <a:endParaRPr lang="en-US" sz="3300" dirty="0">
+              <a:solidFill>
+                <a:srgbClr val="0000FF"/>
+              </a:solidFill>
+              <a:latin typeface="Lucida Console"/>
+              <a:cs typeface="Lucida Console"/>
+            </a:endParaRPr>
+          </a:p>
+          <a:p>
+            <a:pPr marL="0" indent="0">
+              <a:buNone/>
+            </a:pPr>
+            <a:r>
+              <a:rPr lang="en-US" sz="3300" dirty="0" err="1">
+                <a:solidFill>
+                  <a:srgbClr val="0000FF"/>
+                </a:solidFill>
+                <a:latin typeface="Lucida Console"/>
+                <a:cs typeface="Lucida Console"/>
+              </a:rPr>
+              <a:t>var</a:t>
+            </a:r>
+            <a:r>
+              <a:rPr lang="en-US" sz="3300" dirty="0">
+                <a:solidFill>
+                  <a:srgbClr val="0000FF"/>
+                </a:solidFill>
+                <a:latin typeface="Lucida Console"/>
+                <a:cs typeface="Lucida Console"/>
+              </a:rPr>
+              <a:t> </a:t>
+            </a:r>
+            <a:r>
+              <a:rPr lang="en-US" sz="3300" dirty="0" err="1">
+                <a:solidFill>
+                  <a:srgbClr val="0000FF"/>
+                </a:solidFill>
+                <a:latin typeface="Lucida Console"/>
+                <a:cs typeface="Lucida Console"/>
+              </a:rPr>
+              <a:t>boxMaterials</a:t>
+            </a:r>
+            <a:r>
+              <a:rPr lang="en-US" sz="3300" dirty="0">
+                <a:solidFill>
+                  <a:srgbClr val="0000FF"/>
+                </a:solidFill>
+                <a:latin typeface="Lucida Console"/>
+                <a:cs typeface="Lucida Console"/>
+              </a:rPr>
+              <a:t> = [</a:t>
+            </a:r>
+          </a:p>
+          <a:p>
+            <a:pPr marL="0" indent="0">
+              <a:buNone/>
+            </a:pPr>
+            <a:r>
+              <a:rPr lang="en-US" sz="3300" dirty="0">
+                <a:solidFill>
+                  <a:srgbClr val="0000FF"/>
+                </a:solidFill>
+                <a:latin typeface="Lucida Console"/>
+                <a:cs typeface="Lucida Console"/>
+              </a:rPr>
+              <a:t>  </a:t>
+            </a:r>
+            <a:r>
+              <a:rPr lang="en-US" sz="3300" dirty="0" smtClean="0">
+                <a:solidFill>
+                  <a:srgbClr val="0000FF"/>
+                </a:solidFill>
+                <a:latin typeface="Lucida Console"/>
+                <a:cs typeface="Lucida Console"/>
+              </a:rPr>
+              <a:t>new </a:t>
+            </a:r>
+            <a:r>
+              <a:rPr lang="en-US" sz="3300" dirty="0" err="1">
+                <a:solidFill>
+                  <a:srgbClr val="0000FF"/>
+                </a:solidFill>
+                <a:latin typeface="Lucida Console"/>
+                <a:cs typeface="Lucida Console"/>
+              </a:rPr>
+              <a:t>THREE.MeshBasicMaterial</a:t>
+            </a:r>
+            <a:r>
+              <a:rPr lang="en-US" sz="3300" dirty="0">
+                <a:solidFill>
+                  <a:srgbClr val="0000FF"/>
+                </a:solidFill>
+                <a:latin typeface="Lucida Console"/>
+                <a:cs typeface="Lucida Console"/>
+              </a:rPr>
+              <a:t>({color:0xFF0000}),</a:t>
+            </a:r>
+          </a:p>
+          <a:p>
+            <a:pPr marL="0" indent="0">
+              <a:buNone/>
+            </a:pPr>
+            <a:r>
+              <a:rPr lang="en-US" sz="3300" dirty="0" smtClean="0">
+                <a:solidFill>
+                  <a:srgbClr val="0000FF"/>
+                </a:solidFill>
+                <a:latin typeface="Lucida Console"/>
+                <a:cs typeface="Lucida Console"/>
+              </a:rPr>
+              <a:t>  new </a:t>
+            </a:r>
+            <a:r>
+              <a:rPr lang="en-US" sz="3300" dirty="0" err="1">
+                <a:solidFill>
+                  <a:srgbClr val="0000FF"/>
+                </a:solidFill>
+                <a:latin typeface="Lucida Console"/>
+                <a:cs typeface="Lucida Console"/>
+              </a:rPr>
+              <a:t>THREE.MeshBasicMaterial</a:t>
+            </a:r>
+            <a:r>
+              <a:rPr lang="en-US" sz="3300" dirty="0">
+                <a:solidFill>
+                  <a:srgbClr val="0000FF"/>
+                </a:solidFill>
+                <a:latin typeface="Lucida Console"/>
+                <a:cs typeface="Lucida Console"/>
+              </a:rPr>
+              <a:t>({color:0x00FF00}),</a:t>
+            </a:r>
+          </a:p>
+          <a:p>
+            <a:pPr marL="0" indent="0">
+              <a:buNone/>
+            </a:pPr>
+            <a:r>
+              <a:rPr lang="en-US" sz="3300" dirty="0" smtClean="0">
+                <a:solidFill>
+                  <a:srgbClr val="0000FF"/>
+                </a:solidFill>
+                <a:latin typeface="Lucida Console"/>
+                <a:cs typeface="Lucida Console"/>
+              </a:rPr>
+              <a:t>  new </a:t>
+            </a:r>
+            <a:r>
+              <a:rPr lang="en-US" sz="3300" dirty="0" err="1">
+                <a:solidFill>
+                  <a:srgbClr val="0000FF"/>
+                </a:solidFill>
+                <a:latin typeface="Lucida Console"/>
+                <a:cs typeface="Lucida Console"/>
+              </a:rPr>
+              <a:t>THREE.MeshBasicMaterial</a:t>
+            </a:r>
+            <a:r>
+              <a:rPr lang="en-US" sz="3300" dirty="0">
+                <a:solidFill>
+                  <a:srgbClr val="0000FF"/>
+                </a:solidFill>
+                <a:latin typeface="Lucida Console"/>
+                <a:cs typeface="Lucida Console"/>
+              </a:rPr>
+              <a:t>({color:0x0000FF}),</a:t>
+            </a:r>
+          </a:p>
+          <a:p>
+            <a:pPr marL="0" indent="0">
+              <a:buNone/>
+            </a:pPr>
+            <a:r>
+              <a:rPr lang="en-US" sz="3300" dirty="0" smtClean="0">
+                <a:solidFill>
+                  <a:srgbClr val="0000FF"/>
+                </a:solidFill>
+                <a:latin typeface="Lucida Console"/>
+                <a:cs typeface="Lucida Console"/>
+              </a:rPr>
+              <a:t>  new </a:t>
+            </a:r>
+            <a:r>
+              <a:rPr lang="en-US" sz="3300" dirty="0" err="1">
+                <a:solidFill>
+                  <a:srgbClr val="0000FF"/>
+                </a:solidFill>
+                <a:latin typeface="Lucida Console"/>
+                <a:cs typeface="Lucida Console"/>
+              </a:rPr>
+              <a:t>THREE.MeshBasicMaterial</a:t>
+            </a:r>
+            <a:r>
+              <a:rPr lang="en-US" sz="3300" dirty="0">
+                <a:solidFill>
+                  <a:srgbClr val="0000FF"/>
+                </a:solidFill>
+                <a:latin typeface="Lucida Console"/>
+                <a:cs typeface="Lucida Console"/>
+              </a:rPr>
+              <a:t>({color:0xFFFF00}),</a:t>
+            </a:r>
+          </a:p>
+          <a:p>
+            <a:pPr marL="0" indent="0">
+              <a:buNone/>
+            </a:pPr>
+            <a:r>
+              <a:rPr lang="en-US" sz="3300" dirty="0" smtClean="0">
+                <a:solidFill>
+                  <a:srgbClr val="0000FF"/>
+                </a:solidFill>
+                <a:latin typeface="Lucida Console"/>
+                <a:cs typeface="Lucida Console"/>
+              </a:rPr>
+              <a:t>  new </a:t>
+            </a:r>
+            <a:r>
+              <a:rPr lang="en-US" sz="3300" dirty="0" err="1">
+                <a:solidFill>
+                  <a:srgbClr val="0000FF"/>
+                </a:solidFill>
+                <a:latin typeface="Lucida Console"/>
+                <a:cs typeface="Lucida Console"/>
+              </a:rPr>
+              <a:t>THREE.MeshBasicMaterial</a:t>
+            </a:r>
+            <a:r>
+              <a:rPr lang="en-US" sz="3300" dirty="0">
+                <a:solidFill>
+                  <a:srgbClr val="0000FF"/>
+                </a:solidFill>
+                <a:latin typeface="Lucida Console"/>
+                <a:cs typeface="Lucida Console"/>
+              </a:rPr>
+              <a:t>({color:0x00FFFF}),</a:t>
+            </a:r>
+          </a:p>
+          <a:p>
+            <a:pPr marL="0" indent="0">
+              <a:buNone/>
+            </a:pPr>
+            <a:r>
+              <a:rPr lang="en-US" sz="3300" dirty="0" smtClean="0">
+                <a:solidFill>
+                  <a:srgbClr val="0000FF"/>
+                </a:solidFill>
+                <a:latin typeface="Lucida Console"/>
+                <a:cs typeface="Lucida Console"/>
+              </a:rPr>
+              <a:t>  new </a:t>
+            </a:r>
+            <a:r>
+              <a:rPr lang="en-US" sz="3300" dirty="0" err="1">
+                <a:solidFill>
+                  <a:srgbClr val="0000FF"/>
+                </a:solidFill>
+                <a:latin typeface="Lucida Console"/>
+                <a:cs typeface="Lucida Console"/>
+              </a:rPr>
+              <a:t>THREE.MeshBasicMaterial</a:t>
+            </a:r>
+            <a:r>
+              <a:rPr lang="en-US" sz="3300" dirty="0">
+                <a:solidFill>
+                  <a:srgbClr val="0000FF"/>
+                </a:solidFill>
+                <a:latin typeface="Lucida Console"/>
+                <a:cs typeface="Lucida Console"/>
+              </a:rPr>
+              <a:t>({color:0xFFFFFF})</a:t>
+            </a:r>
+          </a:p>
+          <a:p>
+            <a:pPr marL="0" indent="0">
+              <a:buNone/>
+            </a:pPr>
+            <a:r>
+              <a:rPr lang="en-US" sz="3300" dirty="0">
+                <a:solidFill>
+                  <a:srgbClr val="0000FF"/>
+                </a:solidFill>
+                <a:latin typeface="Lucida Console"/>
+                <a:cs typeface="Lucida Console"/>
+              </a:rPr>
+              <a:t>];</a:t>
+            </a:r>
+          </a:p>
+          <a:p>
+            <a:pPr marL="0" indent="0">
+              <a:buNone/>
+            </a:pPr>
+            <a:r>
+              <a:rPr lang="en-US" sz="3300" dirty="0" smtClean="0">
+                <a:solidFill>
+                  <a:srgbClr val="0000FF"/>
+                </a:solidFill>
+                <a:latin typeface="Lucida Console"/>
+                <a:cs typeface="Lucida Console"/>
+              </a:rPr>
+              <a:t>    </a:t>
+            </a:r>
+            <a:endParaRPr lang="en-US" sz="3300" dirty="0">
+              <a:solidFill>
+                <a:srgbClr val="0000FF"/>
+              </a:solidFill>
+              <a:latin typeface="Lucida Console"/>
+              <a:cs typeface="Lucida Console"/>
+            </a:endParaRPr>
+          </a:p>
+          <a:p>
+            <a:pPr marL="0" indent="0">
+              <a:buNone/>
+            </a:pPr>
+            <a:r>
+              <a:rPr lang="en-US" sz="3600" dirty="0" smtClean="0">
+                <a:solidFill>
+                  <a:srgbClr val="0000FF"/>
+                </a:solidFill>
+                <a:latin typeface="Lucida Console"/>
+                <a:cs typeface="Lucida Console"/>
+              </a:rPr>
+              <a:t>.</a:t>
+            </a:r>
+            <a:r>
+              <a:rPr lang="en-US" sz="3600" dirty="0">
+                <a:solidFill>
+                  <a:srgbClr val="0000FF"/>
+                </a:solidFill>
+                <a:latin typeface="Lucida Console"/>
+                <a:cs typeface="Lucida Console"/>
+              </a:rPr>
+              <a:t>..</a:t>
+            </a:r>
+            <a:endParaRPr lang="en-US" sz="3600" dirty="0" smtClean="0">
+              <a:solidFill>
+                <a:srgbClr val="0000FF"/>
+              </a:solidFill>
+              <a:latin typeface="Lucida Console"/>
+              <a:cs typeface="Lucida Console"/>
+            </a:endParaRPr>
+          </a:p>
+        </p:txBody>
+      </p:sp>
+    </p:spTree>
+    <p:extLst>
+      <p:ext uri="{BB962C8B-B14F-4D97-AF65-F5344CB8AC3E}">
+        <p14:creationId xmlns:p14="http://schemas.microsoft.com/office/powerpoint/2010/main" val="1837230708"/>
+      </p:ext>
+    </p:extLst>
+  </p:cSld>
+  <p:clrMapOvr>
+    <a:masterClrMapping/>
+  </p:clrMapOvr>
+  <p:timing>
+    <p:tnLst>
+      <p:par>
+        <p:cTn xmlns:p14="http://schemas.microsoft.com/office/powerpoint/2010/main" id="1" dur="indefinite" restart="never" nodeType="tmRoot"/>
+      </p:par>
+    </p:tnLst>
+  </p:timing>
+</p:sld>
+</file>
+
+<file path=ppt/slides/slide57.xml><?xml version="1.0" encoding="utf-8"?>
+<p:sld xmlns:a="http://schemas.openxmlformats.org/drawingml/2006/main" xmlns:r="http://schemas.openxmlformats.org/officeDocument/2006/relationships" xmlns:p="http://schemas.openxmlformats.org/presentationml/2006/main">
+  <p:cSld>
+    <p:spTree>
+      <p:nvGrpSpPr>
+        <p:cNvPr id="1" name=""/>
+        <p:cNvGrpSpPr/>
+        <p:nvPr/>
+      </p:nvGrpSpPr>
+      <p:grpSpPr>
+        <a:xfrm>
+          <a:off x="0" y="0"/>
+          <a:ext cx="0" cy="0"/>
+          <a:chOff x="0" y="0"/>
+          <a:chExt cx="0" cy="0"/>
+        </a:xfrm>
+      </p:grpSpPr>
+      <p:sp>
+        <p:nvSpPr>
+          <p:cNvPr id="2" name="Title 1"/>
+          <p:cNvSpPr>
+            <a:spLocks noGrp="1"/>
+          </p:cNvSpPr>
+          <p:nvPr>
+            <p:ph type="title"/>
+          </p:nvPr>
+        </p:nvSpPr>
+        <p:spPr/>
+        <p:txBody>
+          <a:bodyPr/>
+          <a:lstStyle/>
+          <a:p>
+            <a:r>
+              <a:rPr lang="en-US" dirty="0" smtClean="0"/>
+              <a:t>Lesson 04: Box</a:t>
+            </a:r>
+            <a:endParaRPr lang="en-US" dirty="0"/>
+          </a:p>
+        </p:txBody>
+      </p:sp>
+      <p:sp>
+        <p:nvSpPr>
+          <p:cNvPr id="3" name="Content Placeholder 2"/>
+          <p:cNvSpPr>
+            <a:spLocks noGrp="1"/>
+          </p:cNvSpPr>
+          <p:nvPr>
+            <p:ph idx="1"/>
+          </p:nvPr>
+        </p:nvSpPr>
+        <p:spPr>
+          <a:xfrm>
+            <a:off x="0" y="1199924"/>
+            <a:ext cx="9144000" cy="4525963"/>
+          </a:xfrm>
+        </p:spPr>
+        <p:txBody>
+          <a:bodyPr>
+            <a:noAutofit/>
+          </a:bodyPr>
+          <a:lstStyle/>
+          <a:p>
+            <a:pPr marL="0" indent="0">
+              <a:buNone/>
+            </a:pPr>
+            <a:r>
+              <a:rPr lang="en-US" sz="2500" dirty="0" smtClean="0">
+                <a:solidFill>
+                  <a:srgbClr val="0000FF"/>
+                </a:solidFill>
+                <a:latin typeface="Lucida Console"/>
+                <a:cs typeface="Lucida Console"/>
+              </a:rPr>
+              <a:t>// Use different material on every face</a:t>
+            </a:r>
+          </a:p>
+          <a:p>
+            <a:pPr marL="0" indent="0">
+              <a:buNone/>
+            </a:pPr>
+            <a:r>
+              <a:rPr lang="en-US" sz="2500" dirty="0" err="1" smtClean="0">
+                <a:solidFill>
+                  <a:srgbClr val="0000FF"/>
+                </a:solidFill>
+                <a:latin typeface="Lucida Console"/>
+                <a:cs typeface="Lucida Console"/>
+              </a:rPr>
+              <a:t>var</a:t>
+            </a:r>
+            <a:r>
+              <a:rPr lang="en-US" sz="2500" dirty="0" smtClean="0">
+                <a:solidFill>
+                  <a:srgbClr val="0000FF"/>
+                </a:solidFill>
+                <a:latin typeface="Lucida Console"/>
+                <a:cs typeface="Lucida Console"/>
+              </a:rPr>
+              <a:t> </a:t>
+            </a:r>
+            <a:r>
+              <a:rPr lang="en-US" sz="2500" dirty="0" err="1">
+                <a:solidFill>
+                  <a:srgbClr val="0000FF"/>
+                </a:solidFill>
+                <a:latin typeface="Lucida Console"/>
+                <a:cs typeface="Lucida Console"/>
+              </a:rPr>
+              <a:t>boxMaterial</a:t>
+            </a:r>
+            <a:r>
+              <a:rPr lang="en-US" sz="2500" dirty="0">
+                <a:solidFill>
+                  <a:srgbClr val="0000FF"/>
+                </a:solidFill>
+                <a:latin typeface="Lucida Console"/>
+                <a:cs typeface="Lucida Console"/>
+              </a:rPr>
+              <a:t> = new </a:t>
+            </a:r>
+            <a:r>
+              <a:rPr lang="en-US" sz="2500" dirty="0" smtClean="0">
+                <a:solidFill>
+                  <a:srgbClr val="0000FF"/>
+                </a:solidFill>
+                <a:latin typeface="Lucida Console"/>
+                <a:cs typeface="Lucida Console"/>
+              </a:rPr>
+              <a:t/>
+            </a:r>
+            <a:br>
+              <a:rPr lang="en-US" sz="2500" dirty="0" smtClean="0">
+                <a:solidFill>
+                  <a:srgbClr val="0000FF"/>
+                </a:solidFill>
+                <a:latin typeface="Lucida Console"/>
+                <a:cs typeface="Lucida Console"/>
+              </a:rPr>
+            </a:br>
+            <a:r>
+              <a:rPr lang="en-US" sz="2500" dirty="0" smtClean="0">
+                <a:solidFill>
+                  <a:srgbClr val="0000FF"/>
+                </a:solidFill>
+                <a:latin typeface="Lucida Console"/>
+                <a:cs typeface="Lucida Console"/>
+              </a:rPr>
+              <a:t>  </a:t>
+            </a:r>
+            <a:r>
+              <a:rPr lang="en-US" sz="2500" dirty="0" err="1" smtClean="0">
+                <a:solidFill>
+                  <a:srgbClr val="0000FF"/>
+                </a:solidFill>
+                <a:latin typeface="Lucida Console"/>
+                <a:cs typeface="Lucida Console"/>
+              </a:rPr>
+              <a:t>THREE.MeshFaceMaterial</a:t>
+            </a:r>
+            <a:r>
+              <a:rPr lang="en-US" sz="2500" dirty="0">
+                <a:solidFill>
+                  <a:srgbClr val="0000FF"/>
+                </a:solidFill>
+                <a:latin typeface="Lucida Console"/>
+                <a:cs typeface="Lucida Console"/>
+              </a:rPr>
+              <a:t>(</a:t>
+            </a:r>
+            <a:r>
+              <a:rPr lang="en-US" sz="2500" dirty="0" err="1">
+                <a:solidFill>
+                  <a:srgbClr val="0000FF"/>
+                </a:solidFill>
+                <a:latin typeface="Lucida Console"/>
+                <a:cs typeface="Lucida Console"/>
+              </a:rPr>
+              <a:t>boxMaterials</a:t>
+            </a:r>
+            <a:r>
+              <a:rPr lang="en-US" sz="2500" dirty="0">
+                <a:solidFill>
+                  <a:srgbClr val="0000FF"/>
+                </a:solidFill>
+                <a:latin typeface="Lucida Console"/>
+                <a:cs typeface="Lucida Console"/>
+              </a:rPr>
+              <a:t>);</a:t>
+            </a:r>
+          </a:p>
+          <a:p>
+            <a:pPr marL="0" indent="0">
+              <a:buNone/>
+            </a:pPr>
+            <a:endParaRPr lang="en-US" sz="2500" dirty="0">
+              <a:solidFill>
+                <a:srgbClr val="0000FF"/>
+              </a:solidFill>
+              <a:latin typeface="Lucida Console"/>
+              <a:cs typeface="Lucida Console"/>
+            </a:endParaRPr>
+          </a:p>
+          <a:p>
+            <a:pPr marL="0" indent="0">
+              <a:buNone/>
+            </a:pPr>
+            <a:r>
+              <a:rPr lang="en-US" sz="2500" dirty="0">
+                <a:solidFill>
+                  <a:srgbClr val="0000FF"/>
+                </a:solidFill>
+                <a:latin typeface="Lucida Console"/>
+                <a:cs typeface="Lucida Console"/>
+              </a:rPr>
+              <a:t>// Create a mesh </a:t>
+            </a:r>
+            <a:r>
+              <a:rPr lang="en-US" sz="2500" dirty="0" smtClean="0">
+                <a:solidFill>
+                  <a:srgbClr val="0000FF"/>
+                </a:solidFill>
+                <a:latin typeface="Lucida Console"/>
+                <a:cs typeface="Lucida Console"/>
+              </a:rPr>
+              <a:t>from geometry </a:t>
+            </a:r>
+            <a:r>
+              <a:rPr lang="en-US" sz="2500" dirty="0">
+                <a:solidFill>
+                  <a:srgbClr val="0000FF"/>
+                </a:solidFill>
+                <a:latin typeface="Lucida Console"/>
+                <a:cs typeface="Lucida Console"/>
+              </a:rPr>
+              <a:t>and </a:t>
+            </a:r>
+            <a:r>
+              <a:rPr lang="en-US" sz="2500" dirty="0" smtClean="0">
+                <a:solidFill>
+                  <a:srgbClr val="0000FF"/>
+                </a:solidFill>
+                <a:latin typeface="Lucida Console"/>
+                <a:cs typeface="Lucida Console"/>
+              </a:rPr>
+              <a:t>material</a:t>
+            </a:r>
+            <a:r>
+              <a:rPr lang="en-US" sz="2500" dirty="0">
+                <a:solidFill>
+                  <a:srgbClr val="0000FF"/>
+                </a:solidFill>
+                <a:latin typeface="Lucida Console"/>
+                <a:cs typeface="Lucida Console"/>
+              </a:rPr>
+              <a:t>.</a:t>
+            </a:r>
+          </a:p>
+          <a:p>
+            <a:pPr marL="0" indent="0">
+              <a:buNone/>
+            </a:pPr>
+            <a:r>
+              <a:rPr lang="en-US" sz="2500" dirty="0" err="1">
+                <a:solidFill>
+                  <a:srgbClr val="0000FF"/>
+                </a:solidFill>
+                <a:latin typeface="Lucida Console"/>
+                <a:cs typeface="Lucida Console"/>
+              </a:rPr>
+              <a:t>boxMesh</a:t>
+            </a:r>
+            <a:r>
+              <a:rPr lang="en-US" sz="2500" dirty="0">
+                <a:solidFill>
+                  <a:srgbClr val="0000FF"/>
+                </a:solidFill>
+                <a:latin typeface="Lucida Console"/>
+                <a:cs typeface="Lucida Console"/>
+              </a:rPr>
+              <a:t> = new </a:t>
+            </a:r>
+            <a:r>
+              <a:rPr lang="en-US" sz="2500" dirty="0" err="1">
+                <a:solidFill>
+                  <a:srgbClr val="0000FF"/>
+                </a:solidFill>
+                <a:latin typeface="Lucida Console"/>
+                <a:cs typeface="Lucida Console"/>
+              </a:rPr>
+              <a:t>THREE.Mesh</a:t>
+            </a:r>
+            <a:r>
+              <a:rPr lang="en-US" sz="2500" dirty="0">
+                <a:solidFill>
+                  <a:srgbClr val="0000FF"/>
+                </a:solidFill>
+                <a:latin typeface="Lucida Console"/>
+                <a:cs typeface="Lucida Console"/>
+              </a:rPr>
+              <a:t>(</a:t>
+            </a:r>
+            <a:r>
+              <a:rPr lang="en-US" sz="2500" dirty="0" err="1">
+                <a:solidFill>
+                  <a:srgbClr val="0000FF"/>
+                </a:solidFill>
+                <a:latin typeface="Lucida Console"/>
+                <a:cs typeface="Lucida Console"/>
+              </a:rPr>
+              <a:t>boxGeometry</a:t>
+            </a:r>
+            <a:r>
+              <a:rPr lang="en-US" sz="2500" dirty="0">
+                <a:solidFill>
+                  <a:srgbClr val="0000FF"/>
+                </a:solidFill>
+                <a:latin typeface="Lucida Console"/>
+                <a:cs typeface="Lucida Console"/>
+              </a:rPr>
+              <a:t>, </a:t>
+            </a:r>
+            <a:r>
+              <a:rPr lang="en-US" sz="2500" dirty="0" smtClean="0">
+                <a:solidFill>
+                  <a:srgbClr val="0000FF"/>
+                </a:solidFill>
+                <a:latin typeface="Lucida Console"/>
+                <a:cs typeface="Lucida Console"/>
+              </a:rPr>
+              <a:t/>
+            </a:r>
+            <a:br>
+              <a:rPr lang="en-US" sz="2500" dirty="0" smtClean="0">
+                <a:solidFill>
+                  <a:srgbClr val="0000FF"/>
+                </a:solidFill>
+                <a:latin typeface="Lucida Console"/>
+                <a:cs typeface="Lucida Console"/>
+              </a:rPr>
+            </a:br>
+            <a:r>
+              <a:rPr lang="en-US" sz="2500" dirty="0" smtClean="0">
+                <a:solidFill>
+                  <a:srgbClr val="0000FF"/>
+                </a:solidFill>
+                <a:latin typeface="Lucida Console"/>
+                <a:cs typeface="Lucida Console"/>
+              </a:rPr>
+              <a:t>                         </a:t>
+            </a:r>
+            <a:r>
+              <a:rPr lang="en-US" sz="2500" dirty="0" err="1" smtClean="0">
+                <a:solidFill>
+                  <a:srgbClr val="0000FF"/>
+                </a:solidFill>
+                <a:latin typeface="Lucida Console"/>
+                <a:cs typeface="Lucida Console"/>
+              </a:rPr>
+              <a:t>boxMaterial</a:t>
+            </a:r>
+            <a:r>
+              <a:rPr lang="en-US" sz="2500" dirty="0">
+                <a:solidFill>
+                  <a:srgbClr val="0000FF"/>
+                </a:solidFill>
+                <a:latin typeface="Lucida Console"/>
+                <a:cs typeface="Lucida Console"/>
+              </a:rPr>
+              <a:t>);</a:t>
+            </a:r>
+          </a:p>
+          <a:p>
+            <a:pPr marL="0" indent="0">
+              <a:buNone/>
+            </a:pPr>
+            <a:r>
+              <a:rPr lang="en-US" sz="2500" dirty="0" err="1">
+                <a:solidFill>
+                  <a:srgbClr val="0000FF"/>
+                </a:solidFill>
+                <a:latin typeface="Lucida Console"/>
+                <a:cs typeface="Lucida Console"/>
+              </a:rPr>
+              <a:t>boxMesh.position.set</a:t>
+            </a:r>
+            <a:r>
+              <a:rPr lang="en-US" sz="2500" dirty="0">
+                <a:solidFill>
+                  <a:srgbClr val="0000FF"/>
+                </a:solidFill>
+                <a:latin typeface="Lucida Console"/>
+                <a:cs typeface="Lucida Console"/>
+              </a:rPr>
+              <a:t>(1.5, 0.0, 4.0);</a:t>
+            </a:r>
+          </a:p>
+          <a:p>
+            <a:pPr marL="0" indent="0">
+              <a:buNone/>
+            </a:pPr>
+            <a:r>
+              <a:rPr lang="en-US" sz="2500" dirty="0" err="1">
+                <a:solidFill>
+                  <a:srgbClr val="0000FF"/>
+                </a:solidFill>
+                <a:latin typeface="Lucida Console"/>
+                <a:cs typeface="Lucida Console"/>
+              </a:rPr>
+              <a:t>scene.add</a:t>
+            </a:r>
+            <a:r>
+              <a:rPr lang="en-US" sz="2500" dirty="0">
+                <a:solidFill>
+                  <a:srgbClr val="0000FF"/>
+                </a:solidFill>
+                <a:latin typeface="Lucida Console"/>
+                <a:cs typeface="Lucida Console"/>
+              </a:rPr>
+              <a:t>(</a:t>
+            </a:r>
+            <a:r>
+              <a:rPr lang="en-US" sz="2500" dirty="0" err="1">
+                <a:solidFill>
+                  <a:srgbClr val="0000FF"/>
+                </a:solidFill>
+                <a:latin typeface="Lucida Console"/>
+                <a:cs typeface="Lucida Console"/>
+              </a:rPr>
+              <a:t>boxMesh</a:t>
+            </a:r>
+            <a:r>
+              <a:rPr lang="en-US" sz="2500" dirty="0">
+                <a:solidFill>
+                  <a:srgbClr val="0000FF"/>
+                </a:solidFill>
+                <a:latin typeface="Lucida Console"/>
+                <a:cs typeface="Lucida Console"/>
+              </a:rPr>
+              <a:t>);</a:t>
+            </a:r>
+            <a:endParaRPr lang="en-US" sz="2500" dirty="0" smtClean="0">
+              <a:solidFill>
+                <a:srgbClr val="0000FF"/>
+              </a:solidFill>
+              <a:latin typeface="Lucida Console"/>
+              <a:cs typeface="Lucida Console"/>
+            </a:endParaRPr>
+          </a:p>
+        </p:txBody>
+      </p:sp>
+    </p:spTree>
+    <p:extLst>
+      <p:ext uri="{BB962C8B-B14F-4D97-AF65-F5344CB8AC3E}">
+        <p14:creationId xmlns:p14="http://schemas.microsoft.com/office/powerpoint/2010/main" val="3850361499"/>
+      </p:ext>
+    </p:extLst>
+  </p:cSld>
+  <p:clrMapOvr>
+    <a:masterClrMapping/>
+  </p:clrMapOvr>
+  <p:timing>
+    <p:tnLst>
+      <p:par>
+        <p:cTn xmlns:p14="http://schemas.microsoft.com/office/powerpoint/2010/main" id="1" dur="indefinite" restart="never" nodeType="tmRoot"/>
+      </p:par>
+    </p:tnLst>
+  </p:timing>
+</p:sld>
+</file>
+
+<file path=ppt/slides/slide58.xml><?xml version="1.0" encoding="utf-8"?>
+<p:sld xmlns:a="http://schemas.openxmlformats.org/drawingml/2006/main" xmlns:r="http://schemas.openxmlformats.org/officeDocument/2006/relationships" xmlns:p="http://schemas.openxmlformats.org/presentationml/2006/main">
+  <p:cSld>
+    <p:spTree>
+      <p:nvGrpSpPr>
+        <p:cNvPr id="1" name=""/>
+        <p:cNvGrpSpPr/>
+        <p:nvPr/>
+      </p:nvGrpSpPr>
+      <p:grpSpPr>
+        <a:xfrm>
+          <a:off x="0" y="0"/>
+          <a:ext cx="0" cy="0"/>
+          <a:chOff x="0" y="0"/>
+          <a:chExt cx="0" cy="0"/>
+        </a:xfrm>
+      </p:grpSpPr>
+      <p:sp>
+        <p:nvSpPr>
+          <p:cNvPr id="2" name="Title 1"/>
+          <p:cNvSpPr>
+            <a:spLocks noGrp="1"/>
+          </p:cNvSpPr>
+          <p:nvPr>
+            <p:ph type="title"/>
+          </p:nvPr>
+        </p:nvSpPr>
+        <p:spPr/>
+        <p:txBody>
+          <a:bodyPr>
+            <a:normAutofit/>
+          </a:bodyPr>
+          <a:lstStyle/>
+          <a:p>
+            <a:r>
+              <a:rPr lang="en-US" b="1" dirty="0" smtClean="0"/>
+              <a:t>Lesson </a:t>
+            </a:r>
+            <a:r>
+              <a:rPr lang="en-US" b="1" dirty="0" smtClean="0"/>
+              <a:t>5: Texture</a:t>
+            </a:r>
+            <a:endParaRPr lang="en-US" b="1" dirty="0"/>
+          </a:p>
+        </p:txBody>
+      </p:sp>
+      <p:pic>
+        <p:nvPicPr>
+          <p:cNvPr id="4" name="Picture 3" descr="Screen Shot 2015-04-21 at 3.48.25 PM.png"/>
+          <p:cNvPicPr>
+            <a:picLocks noChangeAspect="1"/>
+          </p:cNvPicPr>
+          <p:nvPr/>
+        </p:nvPicPr>
+        <p:blipFill>
+          <a:blip r:embed="rId2">
+            <a:extLst>
+              <a:ext uri="{BEBA8EAE-BF5A-486C-A8C5-ECC9F3942E4B}">
+                <a14:imgProps xmlns:a14="http://schemas.microsoft.com/office/drawing/2010/main">
+                  <a14:imgLayer r:embed="rId3">
+                    <a14:imgEffect>
+                      <a14:brightnessContrast bright="40000"/>
+                    </a14:imgEffect>
+                  </a14:imgLayer>
+                </a14:imgProps>
+              </a:ext>
+              <a:ext uri="{28A0092B-C50C-407E-A947-70E740481C1C}">
+                <a14:useLocalDpi xmlns:a14="http://schemas.microsoft.com/office/drawing/2010/main" val="0"/>
+              </a:ext>
+            </a:extLst>
+          </a:blip>
+          <a:stretch>
+            <a:fillRect/>
+          </a:stretch>
+        </p:blipFill>
+        <p:spPr>
+          <a:xfrm>
+            <a:off x="1828094" y="1417638"/>
+            <a:ext cx="5487813" cy="5345698"/>
+          </a:xfrm>
+          <a:prstGeom prst="rect">
+            <a:avLst/>
+          </a:prstGeom>
+        </p:spPr>
+      </p:pic>
+    </p:spTree>
+    <p:extLst>
+      <p:ext uri="{BB962C8B-B14F-4D97-AF65-F5344CB8AC3E}">
+        <p14:creationId xmlns:p14="http://schemas.microsoft.com/office/powerpoint/2010/main" val="1446209996"/>
+      </p:ext>
+    </p:extLst>
+  </p:cSld>
+  <p:clrMapOvr>
+    <a:masterClrMapping/>
+  </p:clrMapOvr>
+  <p:timing>
+    <p:tnLst>
+      <p:par>
+        <p:cTn xmlns:p14="http://schemas.microsoft.com/office/powerpoint/2010/main" id="1" dur="indefinite" restart="never" nodeType="tmRoot"/>
+      </p:par>
+    </p:tnLst>
+  </p:timing>
+</p:sld>
+</file>
+
+<file path=ppt/slides/slide59.xml><?xml version="1.0" encoding="utf-8"?>
+<p:sld xmlns:a="http://schemas.openxmlformats.org/drawingml/2006/main" xmlns:r="http://schemas.openxmlformats.org/officeDocument/2006/relationships" xmlns:p="http://schemas.openxmlformats.org/presentationml/2006/main">
+  <p:cSld>
+    <p:spTree>
+      <p:nvGrpSpPr>
+        <p:cNvPr id="1" name=""/>
+        <p:cNvGrpSpPr/>
+        <p:nvPr/>
+      </p:nvGrpSpPr>
+      <p:grpSpPr>
+        <a:xfrm>
+          <a:off x="0" y="0"/>
+          <a:ext cx="0" cy="0"/>
+          <a:chOff x="0" y="0"/>
+          <a:chExt cx="0" cy="0"/>
+        </a:xfrm>
+      </p:grpSpPr>
+      <p:sp>
+        <p:nvSpPr>
+          <p:cNvPr id="2" name="Title 1"/>
+          <p:cNvSpPr>
+            <a:spLocks noGrp="1"/>
+          </p:cNvSpPr>
+          <p:nvPr>
+            <p:ph type="title"/>
+          </p:nvPr>
+        </p:nvSpPr>
+        <p:spPr/>
+        <p:txBody>
+          <a:bodyPr/>
+          <a:lstStyle/>
+          <a:p>
+            <a:r>
+              <a:rPr lang="en-US" dirty="0" smtClean="0"/>
+              <a:t>Lesson 05: Texture</a:t>
+            </a:r>
+            <a:endParaRPr lang="en-US" dirty="0"/>
+          </a:p>
+        </p:txBody>
+      </p:sp>
+      <p:sp>
+        <p:nvSpPr>
+          <p:cNvPr id="3" name="Content Placeholder 2"/>
+          <p:cNvSpPr>
+            <a:spLocks noGrp="1"/>
+          </p:cNvSpPr>
+          <p:nvPr>
+            <p:ph idx="1"/>
+          </p:nvPr>
+        </p:nvSpPr>
+        <p:spPr>
+          <a:xfrm>
+            <a:off x="0" y="1199924"/>
+            <a:ext cx="9144000" cy="4525963"/>
+          </a:xfrm>
+        </p:spPr>
+        <p:txBody>
+          <a:bodyPr>
+            <a:noAutofit/>
+          </a:bodyPr>
+          <a:lstStyle/>
+          <a:p>
+            <a:pPr marL="0" indent="0">
+              <a:buNone/>
+            </a:pPr>
+            <a:r>
+              <a:rPr lang="en-US" sz="2500" dirty="0" err="1">
+                <a:solidFill>
+                  <a:srgbClr val="0000FF"/>
+                </a:solidFill>
+                <a:latin typeface="Lucida Console"/>
+                <a:cs typeface="Lucida Console"/>
+              </a:rPr>
+              <a:t>var</a:t>
+            </a:r>
+            <a:r>
+              <a:rPr lang="en-US" sz="2500" dirty="0">
+                <a:solidFill>
+                  <a:srgbClr val="0000FF"/>
+                </a:solidFill>
+                <a:latin typeface="Lucida Console"/>
+                <a:cs typeface="Lucida Console"/>
+              </a:rPr>
+              <a:t> </a:t>
+            </a:r>
+            <a:r>
+              <a:rPr lang="en-US" sz="2500" dirty="0" err="1">
+                <a:solidFill>
+                  <a:srgbClr val="0000FF"/>
+                </a:solidFill>
+                <a:latin typeface="Lucida Console"/>
+                <a:cs typeface="Lucida Console"/>
+              </a:rPr>
+              <a:t>boxGeometry</a:t>
+            </a:r>
+            <a:r>
+              <a:rPr lang="en-US" sz="2500" dirty="0">
+                <a:solidFill>
+                  <a:srgbClr val="0000FF"/>
+                </a:solidFill>
+                <a:latin typeface="Lucida Console"/>
+                <a:cs typeface="Lucida Console"/>
+              </a:rPr>
+              <a:t> </a:t>
+            </a:r>
+            <a:r>
+              <a:rPr lang="en-US" sz="2500" dirty="0" smtClean="0">
+                <a:solidFill>
+                  <a:srgbClr val="0000FF"/>
+                </a:solidFill>
+                <a:latin typeface="Lucida Console"/>
+                <a:cs typeface="Lucida Console"/>
+              </a:rPr>
+              <a:t>=</a:t>
+            </a:r>
+            <a:br>
+              <a:rPr lang="en-US" sz="2500" dirty="0" smtClean="0">
+                <a:solidFill>
+                  <a:srgbClr val="0000FF"/>
+                </a:solidFill>
+                <a:latin typeface="Lucida Console"/>
+                <a:cs typeface="Lucida Console"/>
+              </a:rPr>
+            </a:br>
+            <a:r>
+              <a:rPr lang="en-US" sz="2500" dirty="0" smtClean="0">
+                <a:solidFill>
+                  <a:srgbClr val="0000FF"/>
+                </a:solidFill>
+                <a:latin typeface="Lucida Console"/>
+                <a:cs typeface="Lucida Console"/>
+              </a:rPr>
+              <a:t>  new </a:t>
+            </a:r>
+            <a:r>
+              <a:rPr lang="en-US" sz="2500" dirty="0" err="1">
+                <a:solidFill>
+                  <a:srgbClr val="0000FF"/>
+                </a:solidFill>
+                <a:latin typeface="Lucida Console"/>
+                <a:cs typeface="Lucida Console"/>
+              </a:rPr>
+              <a:t>THREE.BoxGeometry</a:t>
+            </a:r>
+            <a:r>
+              <a:rPr lang="en-US" sz="2500" dirty="0">
+                <a:solidFill>
+                  <a:srgbClr val="0000FF"/>
+                </a:solidFill>
+                <a:latin typeface="Lucida Console"/>
+                <a:cs typeface="Lucida Console"/>
+              </a:rPr>
+              <a:t>(2.0, 2.0, 2.0);</a:t>
+            </a:r>
+          </a:p>
+          <a:p>
+            <a:pPr marL="0" indent="0">
+              <a:buNone/>
+            </a:pPr>
+            <a:r>
+              <a:rPr lang="en-US" sz="2500" dirty="0" err="1" smtClean="0">
+                <a:solidFill>
+                  <a:srgbClr val="0000FF"/>
+                </a:solidFill>
+                <a:latin typeface="Lucida Console"/>
+                <a:cs typeface="Lucida Console"/>
+              </a:rPr>
+              <a:t>var</a:t>
+            </a:r>
+            <a:r>
+              <a:rPr lang="en-US" sz="2500" dirty="0" smtClean="0">
+                <a:solidFill>
+                  <a:srgbClr val="0000FF"/>
+                </a:solidFill>
+                <a:latin typeface="Lucida Console"/>
+                <a:cs typeface="Lucida Console"/>
+              </a:rPr>
+              <a:t> </a:t>
+            </a:r>
+            <a:r>
+              <a:rPr lang="en-US" sz="2500" dirty="0" err="1">
+                <a:solidFill>
+                  <a:srgbClr val="0000FF"/>
+                </a:solidFill>
+                <a:latin typeface="Lucida Console"/>
+                <a:cs typeface="Lucida Console"/>
+              </a:rPr>
+              <a:t>neheTexture</a:t>
+            </a:r>
+            <a:r>
+              <a:rPr lang="en-US" sz="2500" dirty="0">
+                <a:solidFill>
+                  <a:srgbClr val="0000FF"/>
+                </a:solidFill>
+                <a:latin typeface="Lucida Console"/>
+                <a:cs typeface="Lucida Console"/>
+              </a:rPr>
+              <a:t> = new </a:t>
+            </a:r>
+            <a:r>
+              <a:rPr lang="en-US" sz="2500" dirty="0" smtClean="0">
+                <a:solidFill>
+                  <a:srgbClr val="0000FF"/>
+                </a:solidFill>
+                <a:latin typeface="Lucida Console"/>
+                <a:cs typeface="Lucida Console"/>
+              </a:rPr>
+              <a:t/>
+            </a:r>
+            <a:br>
+              <a:rPr lang="en-US" sz="2500" dirty="0" smtClean="0">
+                <a:solidFill>
+                  <a:srgbClr val="0000FF"/>
+                </a:solidFill>
+                <a:latin typeface="Lucida Console"/>
+                <a:cs typeface="Lucida Console"/>
+              </a:rPr>
+            </a:br>
+            <a:r>
+              <a:rPr lang="en-US" sz="2500" dirty="0" smtClean="0">
+                <a:solidFill>
+                  <a:srgbClr val="0000FF"/>
+                </a:solidFill>
+                <a:latin typeface="Lucida Console"/>
+                <a:cs typeface="Lucida Console"/>
+              </a:rPr>
+              <a:t>  </a:t>
+            </a:r>
+            <a:r>
+              <a:rPr lang="en-US" sz="2500" dirty="0" err="1" smtClean="0">
+                <a:solidFill>
+                  <a:srgbClr val="0000FF"/>
+                </a:solidFill>
+                <a:latin typeface="Lucida Console"/>
+                <a:cs typeface="Lucida Console"/>
+              </a:rPr>
+              <a:t>THREE.ImageUtils.loadTexture</a:t>
+            </a:r>
+            <a:r>
+              <a:rPr lang="en-US" sz="2500" dirty="0">
+                <a:solidFill>
+                  <a:srgbClr val="0000FF"/>
+                </a:solidFill>
+                <a:latin typeface="Lucida Console"/>
+                <a:cs typeface="Lucida Console"/>
+              </a:rPr>
+              <a:t>("</a:t>
+            </a:r>
+            <a:r>
+              <a:rPr lang="en-US" sz="2500" dirty="0" err="1">
+                <a:solidFill>
+                  <a:srgbClr val="0000FF"/>
+                </a:solidFill>
+                <a:latin typeface="Lucida Console"/>
+                <a:cs typeface="Lucida Console"/>
+              </a:rPr>
+              <a:t>NeHe.jpg</a:t>
+            </a:r>
+            <a:r>
+              <a:rPr lang="en-US" sz="2500" dirty="0">
+                <a:solidFill>
+                  <a:srgbClr val="0000FF"/>
+                </a:solidFill>
+                <a:latin typeface="Lucida Console"/>
+                <a:cs typeface="Lucida Console"/>
+              </a:rPr>
+              <a:t>");</a:t>
+            </a:r>
+          </a:p>
+          <a:p>
+            <a:pPr marL="0" indent="0">
+              <a:buNone/>
+            </a:pPr>
+            <a:r>
+              <a:rPr lang="en-US" sz="2500" dirty="0" err="1" smtClean="0">
+                <a:solidFill>
+                  <a:srgbClr val="0000FF"/>
+                </a:solidFill>
+                <a:latin typeface="Lucida Console"/>
+                <a:cs typeface="Lucida Console"/>
+              </a:rPr>
+              <a:t>var</a:t>
+            </a:r>
+            <a:r>
+              <a:rPr lang="en-US" sz="2500" dirty="0" smtClean="0">
+                <a:solidFill>
+                  <a:srgbClr val="0000FF"/>
+                </a:solidFill>
+                <a:latin typeface="Lucida Console"/>
+                <a:cs typeface="Lucida Console"/>
+              </a:rPr>
+              <a:t> </a:t>
+            </a:r>
+            <a:r>
+              <a:rPr lang="en-US" sz="2500" dirty="0" err="1">
+                <a:solidFill>
+                  <a:srgbClr val="0000FF"/>
+                </a:solidFill>
+                <a:latin typeface="Lucida Console"/>
+                <a:cs typeface="Lucida Console"/>
+              </a:rPr>
+              <a:t>boxMaterial</a:t>
+            </a:r>
+            <a:r>
+              <a:rPr lang="en-US" sz="2500" dirty="0">
+                <a:solidFill>
+                  <a:srgbClr val="0000FF"/>
+                </a:solidFill>
+                <a:latin typeface="Lucida Console"/>
+                <a:cs typeface="Lucida Console"/>
+              </a:rPr>
+              <a:t> = new </a:t>
+            </a:r>
+            <a:r>
+              <a:rPr lang="en-US" sz="2500" dirty="0" err="1">
+                <a:solidFill>
+                  <a:srgbClr val="0000FF"/>
+                </a:solidFill>
+                <a:latin typeface="Lucida Console"/>
+                <a:cs typeface="Lucida Console"/>
+              </a:rPr>
+              <a:t>THREE.MeshBasicMaterial</a:t>
+            </a:r>
+            <a:r>
+              <a:rPr lang="en-US" sz="2500" dirty="0">
+                <a:solidFill>
+                  <a:srgbClr val="0000FF"/>
+                </a:solidFill>
+                <a:latin typeface="Lucida Console"/>
+                <a:cs typeface="Lucida Console"/>
+              </a:rPr>
+              <a:t>({</a:t>
+            </a:r>
+          </a:p>
+          <a:p>
+            <a:pPr marL="0" indent="0">
+              <a:buNone/>
+            </a:pPr>
+            <a:r>
+              <a:rPr lang="en-US" sz="2500" dirty="0">
+                <a:solidFill>
+                  <a:srgbClr val="0000FF"/>
+                </a:solidFill>
+                <a:latin typeface="Lucida Console"/>
+                <a:cs typeface="Lucida Console"/>
+              </a:rPr>
+              <a:t>    </a:t>
+            </a:r>
+            <a:r>
+              <a:rPr lang="en-US" sz="2500" dirty="0" err="1">
+                <a:solidFill>
+                  <a:srgbClr val="0000FF"/>
+                </a:solidFill>
+                <a:latin typeface="Lucida Console"/>
+                <a:cs typeface="Lucida Console"/>
+              </a:rPr>
+              <a:t>map:neheTexture</a:t>
+            </a:r>
+            <a:r>
+              <a:rPr lang="en-US" sz="2500" dirty="0">
+                <a:solidFill>
+                  <a:srgbClr val="0000FF"/>
+                </a:solidFill>
+                <a:latin typeface="Lucida Console"/>
+                <a:cs typeface="Lucida Console"/>
+              </a:rPr>
+              <a:t>,</a:t>
+            </a:r>
+          </a:p>
+          <a:p>
+            <a:pPr marL="0" indent="0">
+              <a:buNone/>
+            </a:pPr>
+            <a:r>
+              <a:rPr lang="en-US" sz="2500" dirty="0">
+                <a:solidFill>
+                  <a:srgbClr val="0000FF"/>
+                </a:solidFill>
+                <a:latin typeface="Lucida Console"/>
+                <a:cs typeface="Lucida Console"/>
+              </a:rPr>
+              <a:t>    </a:t>
+            </a:r>
+            <a:r>
+              <a:rPr lang="en-US" sz="2500" dirty="0" err="1" smtClean="0">
+                <a:solidFill>
+                  <a:srgbClr val="0000FF"/>
+                </a:solidFill>
+                <a:latin typeface="Lucida Console"/>
+                <a:cs typeface="Lucida Console"/>
+              </a:rPr>
+              <a:t>side:THREE.DoubleSide</a:t>
+            </a:r>
+            <a:r>
+              <a:rPr lang="en-US" sz="2500" dirty="0" smtClean="0">
+                <a:solidFill>
+                  <a:srgbClr val="0000FF"/>
+                </a:solidFill>
+                <a:latin typeface="Lucida Console"/>
+                <a:cs typeface="Lucida Console"/>
+              </a:rPr>
+              <a:t> }</a:t>
+            </a:r>
+            <a:r>
+              <a:rPr lang="en-US" sz="2500" dirty="0">
+                <a:solidFill>
+                  <a:srgbClr val="0000FF"/>
+                </a:solidFill>
+                <a:latin typeface="Lucida Console"/>
+                <a:cs typeface="Lucida Console"/>
+              </a:rPr>
+              <a:t>);</a:t>
+            </a:r>
+          </a:p>
+          <a:p>
+            <a:pPr marL="0" indent="0">
+              <a:buNone/>
+            </a:pPr>
+            <a:endParaRPr lang="en-US" sz="2500" dirty="0">
+              <a:solidFill>
+                <a:srgbClr val="0000FF"/>
+              </a:solidFill>
+              <a:latin typeface="Lucida Console"/>
+              <a:cs typeface="Lucida Console"/>
+            </a:endParaRPr>
+          </a:p>
+          <a:p>
+            <a:pPr marL="0" indent="0">
+              <a:buNone/>
+            </a:pPr>
+            <a:r>
+              <a:rPr lang="en-US" sz="2500" dirty="0" err="1">
+                <a:solidFill>
+                  <a:srgbClr val="0000FF"/>
+                </a:solidFill>
+                <a:latin typeface="Lucida Console"/>
+                <a:cs typeface="Lucida Console"/>
+              </a:rPr>
+              <a:t>boxMesh</a:t>
+            </a:r>
+            <a:r>
+              <a:rPr lang="en-US" sz="2500" dirty="0">
+                <a:solidFill>
+                  <a:srgbClr val="0000FF"/>
+                </a:solidFill>
+                <a:latin typeface="Lucida Console"/>
+                <a:cs typeface="Lucida Console"/>
+              </a:rPr>
+              <a:t> = new </a:t>
+            </a:r>
+            <a:r>
+              <a:rPr lang="en-US" sz="2500" dirty="0" err="1">
+                <a:solidFill>
+                  <a:srgbClr val="0000FF"/>
+                </a:solidFill>
+                <a:latin typeface="Lucida Console"/>
+                <a:cs typeface="Lucida Console"/>
+              </a:rPr>
+              <a:t>THREE.Mesh</a:t>
+            </a:r>
+            <a:r>
+              <a:rPr lang="en-US" sz="2500" dirty="0">
+                <a:solidFill>
+                  <a:srgbClr val="0000FF"/>
+                </a:solidFill>
+                <a:latin typeface="Lucida Console"/>
+                <a:cs typeface="Lucida Console"/>
+              </a:rPr>
+              <a:t>(</a:t>
+            </a:r>
+            <a:r>
+              <a:rPr lang="en-US" sz="2500" dirty="0" err="1">
+                <a:solidFill>
+                  <a:srgbClr val="0000FF"/>
+                </a:solidFill>
+                <a:latin typeface="Lucida Console"/>
+                <a:cs typeface="Lucida Console"/>
+              </a:rPr>
+              <a:t>boxGeometry</a:t>
+            </a:r>
+            <a:r>
+              <a:rPr lang="en-US" sz="2500" dirty="0">
+                <a:solidFill>
+                  <a:srgbClr val="0000FF"/>
+                </a:solidFill>
+                <a:latin typeface="Lucida Console"/>
+                <a:cs typeface="Lucida Console"/>
+              </a:rPr>
+              <a:t>, </a:t>
+            </a:r>
+            <a:r>
+              <a:rPr lang="en-US" sz="2500" dirty="0" smtClean="0">
+                <a:solidFill>
+                  <a:srgbClr val="0000FF"/>
+                </a:solidFill>
+                <a:latin typeface="Lucida Console"/>
+                <a:cs typeface="Lucida Console"/>
+              </a:rPr>
+              <a:t/>
+            </a:r>
+            <a:br>
+              <a:rPr lang="en-US" sz="2500" dirty="0" smtClean="0">
+                <a:solidFill>
+                  <a:srgbClr val="0000FF"/>
+                </a:solidFill>
+                <a:latin typeface="Lucida Console"/>
+                <a:cs typeface="Lucida Console"/>
+              </a:rPr>
+            </a:br>
+            <a:r>
+              <a:rPr lang="en-US" sz="2500" dirty="0" smtClean="0">
+                <a:solidFill>
+                  <a:srgbClr val="0000FF"/>
+                </a:solidFill>
+                <a:latin typeface="Lucida Console"/>
+                <a:cs typeface="Lucida Console"/>
+              </a:rPr>
+              <a:t>                         </a:t>
+            </a:r>
+            <a:r>
+              <a:rPr lang="en-US" sz="2500" dirty="0" err="1" smtClean="0">
+                <a:solidFill>
+                  <a:srgbClr val="0000FF"/>
+                </a:solidFill>
+                <a:latin typeface="Lucida Console"/>
+                <a:cs typeface="Lucida Console"/>
+              </a:rPr>
+              <a:t>boxMaterial</a:t>
+            </a:r>
+            <a:r>
+              <a:rPr lang="en-US" sz="2500" dirty="0">
+                <a:solidFill>
+                  <a:srgbClr val="0000FF"/>
+                </a:solidFill>
+                <a:latin typeface="Lucida Console"/>
+                <a:cs typeface="Lucida Console"/>
+              </a:rPr>
+              <a:t>);</a:t>
+            </a:r>
+          </a:p>
+          <a:p>
+            <a:pPr marL="0" indent="0">
+              <a:buNone/>
+            </a:pPr>
+            <a:r>
+              <a:rPr lang="en-US" sz="2500" dirty="0" err="1">
+                <a:solidFill>
+                  <a:srgbClr val="0000FF"/>
+                </a:solidFill>
+                <a:latin typeface="Lucida Console"/>
+                <a:cs typeface="Lucida Console"/>
+              </a:rPr>
+              <a:t>boxMesh.position.set</a:t>
+            </a:r>
+            <a:r>
+              <a:rPr lang="en-US" sz="2500" dirty="0">
+                <a:solidFill>
+                  <a:srgbClr val="0000FF"/>
+                </a:solidFill>
+                <a:latin typeface="Lucida Console"/>
+                <a:cs typeface="Lucida Console"/>
+              </a:rPr>
+              <a:t>(0.0, 0.0, 4.0);</a:t>
+            </a:r>
+          </a:p>
+          <a:p>
+            <a:pPr marL="0" indent="0">
+              <a:buNone/>
+            </a:pPr>
+            <a:r>
+              <a:rPr lang="en-US" sz="2500" dirty="0" err="1">
+                <a:solidFill>
+                  <a:srgbClr val="0000FF"/>
+                </a:solidFill>
+                <a:latin typeface="Lucida Console"/>
+                <a:cs typeface="Lucida Console"/>
+              </a:rPr>
+              <a:t>scene.add</a:t>
+            </a:r>
+            <a:r>
+              <a:rPr lang="en-US" sz="2500" dirty="0">
+                <a:solidFill>
+                  <a:srgbClr val="0000FF"/>
+                </a:solidFill>
+                <a:latin typeface="Lucida Console"/>
+                <a:cs typeface="Lucida Console"/>
+              </a:rPr>
+              <a:t>(</a:t>
+            </a:r>
+            <a:r>
+              <a:rPr lang="en-US" sz="2500" dirty="0" err="1">
+                <a:solidFill>
+                  <a:srgbClr val="0000FF"/>
+                </a:solidFill>
+                <a:latin typeface="Lucida Console"/>
+                <a:cs typeface="Lucida Console"/>
+              </a:rPr>
+              <a:t>boxMesh</a:t>
+            </a:r>
+            <a:r>
+              <a:rPr lang="en-US" sz="2500" dirty="0">
+                <a:solidFill>
+                  <a:srgbClr val="0000FF"/>
+                </a:solidFill>
+                <a:latin typeface="Lucida Console"/>
+                <a:cs typeface="Lucida Console"/>
+              </a:rPr>
+              <a:t>);</a:t>
+            </a:r>
+          </a:p>
+        </p:txBody>
+      </p:sp>
+    </p:spTree>
+    <p:extLst>
+      <p:ext uri="{BB962C8B-B14F-4D97-AF65-F5344CB8AC3E}">
+        <p14:creationId xmlns:p14="http://schemas.microsoft.com/office/powerpoint/2010/main" val="868046652"/>
+      </p:ext>
+    </p:extLst>
+  </p:cSld>
+  <p:clrMapOvr>
+    <a:masterClrMapping/>
+  </p:clrMapOvr>
   <p:timing>
     <p:tnLst>
       <p:par>
@@ -23962,6 +27804,2061 @@
   <p:clrMapOvr>
     <a:masterClrMapping/>
   </p:clrMapOvr>
+  <p:timing>
+    <p:tnLst>
+      <p:par>
+        <p:cTn xmlns:p14="http://schemas.microsoft.com/office/powerpoint/2010/main" id="1" dur="indefinite" restart="never" nodeType="tmRoot"/>
+      </p:par>
+    </p:tnLst>
+  </p:timing>
+</p:sld>
+</file>
+
+<file path=ppt/slides/slide60.xml><?xml version="1.0" encoding="utf-8"?>
+<p:sld xmlns:a="http://schemas.openxmlformats.org/drawingml/2006/main" xmlns:r="http://schemas.openxmlformats.org/officeDocument/2006/relationships" xmlns:p="http://schemas.openxmlformats.org/presentationml/2006/main">
+  <p:cSld>
+    <p:spTree>
+      <p:nvGrpSpPr>
+        <p:cNvPr id="1" name=""/>
+        <p:cNvGrpSpPr/>
+        <p:nvPr/>
+      </p:nvGrpSpPr>
+      <p:grpSpPr>
+        <a:xfrm>
+          <a:off x="0" y="0"/>
+          <a:ext cx="0" cy="0"/>
+          <a:chOff x="0" y="0"/>
+          <a:chExt cx="0" cy="0"/>
+        </a:xfrm>
+      </p:grpSpPr>
+      <p:sp>
+        <p:nvSpPr>
+          <p:cNvPr id="2" name="Title 1"/>
+          <p:cNvSpPr>
+            <a:spLocks noGrp="1"/>
+          </p:cNvSpPr>
+          <p:nvPr>
+            <p:ph type="title"/>
+          </p:nvPr>
+        </p:nvSpPr>
+        <p:spPr/>
+        <p:txBody>
+          <a:bodyPr>
+            <a:normAutofit/>
+          </a:bodyPr>
+          <a:lstStyle/>
+          <a:p>
+            <a:r>
+              <a:rPr lang="en-US" b="1" dirty="0" smtClean="0"/>
+              <a:t>Lesson </a:t>
+            </a:r>
+            <a:r>
+              <a:rPr lang="en-US" b="1" dirty="0" smtClean="0"/>
+              <a:t>6: Keyboard, Lighting</a:t>
+            </a:r>
+            <a:endParaRPr lang="en-US" b="1" dirty="0"/>
+          </a:p>
+        </p:txBody>
+      </p:sp>
+      <p:pic>
+        <p:nvPicPr>
+          <p:cNvPr id="3" name="Picture 2" descr="Screen Shot 2015-04-21 at 3.52.27 PM.png"/>
+          <p:cNvPicPr>
+            <a:picLocks noChangeAspect="1"/>
+          </p:cNvPicPr>
+          <p:nvPr/>
+        </p:nvPicPr>
+        <p:blipFill rotWithShape="1">
+          <a:blip r:embed="rId2">
+            <a:extLst>
+              <a:ext uri="{28A0092B-C50C-407E-A947-70E740481C1C}">
+                <a14:useLocalDpi xmlns:a14="http://schemas.microsoft.com/office/drawing/2010/main" val="0"/>
+              </a:ext>
+            </a:extLst>
+          </a:blip>
+          <a:srcRect l="13134" t="10319" r="13422" b="14085"/>
+          <a:stretch/>
+        </p:blipFill>
+        <p:spPr>
+          <a:xfrm>
+            <a:off x="2004786" y="1417638"/>
+            <a:ext cx="5134429" cy="5295509"/>
+          </a:xfrm>
+          <a:prstGeom prst="rect">
+            <a:avLst/>
+          </a:prstGeom>
+        </p:spPr>
+      </p:pic>
+    </p:spTree>
+    <p:extLst>
+      <p:ext uri="{BB962C8B-B14F-4D97-AF65-F5344CB8AC3E}">
+        <p14:creationId xmlns:p14="http://schemas.microsoft.com/office/powerpoint/2010/main" val="3806645562"/>
+      </p:ext>
+    </p:extLst>
+  </p:cSld>
+  <p:clrMapOvr>
+    <a:masterClrMapping/>
+  </p:clrMapOvr>
+  <p:timing>
+    <p:tnLst>
+      <p:par>
+        <p:cTn xmlns:p14="http://schemas.microsoft.com/office/powerpoint/2010/main" id="1" dur="indefinite" restart="never" nodeType="tmRoot"/>
+      </p:par>
+    </p:tnLst>
+  </p:timing>
+</p:sld>
+</file>
+
+<file path=ppt/slides/slide61.xml><?xml version="1.0" encoding="utf-8"?>
+<p:sld xmlns:a="http://schemas.openxmlformats.org/drawingml/2006/main" xmlns:r="http://schemas.openxmlformats.org/officeDocument/2006/relationships" xmlns:p="http://schemas.openxmlformats.org/presentationml/2006/main">
+  <p:cSld>
+    <p:spTree>
+      <p:nvGrpSpPr>
+        <p:cNvPr id="1" name=""/>
+        <p:cNvGrpSpPr/>
+        <p:nvPr/>
+      </p:nvGrpSpPr>
+      <p:grpSpPr>
+        <a:xfrm>
+          <a:off x="0" y="0"/>
+          <a:ext cx="0" cy="0"/>
+          <a:chOff x="0" y="0"/>
+          <a:chExt cx="0" cy="0"/>
+        </a:xfrm>
+      </p:grpSpPr>
+      <p:sp>
+        <p:nvSpPr>
+          <p:cNvPr id="2" name="Title 1"/>
+          <p:cNvSpPr>
+            <a:spLocks noGrp="1"/>
+          </p:cNvSpPr>
+          <p:nvPr>
+            <p:ph type="title"/>
+          </p:nvPr>
+        </p:nvSpPr>
+        <p:spPr/>
+        <p:txBody>
+          <a:bodyPr/>
+          <a:lstStyle/>
+          <a:p>
+            <a:r>
+              <a:rPr lang="en-US" dirty="0" smtClean="0"/>
+              <a:t>Lesson 06: Keyboard, Lighting</a:t>
+            </a:r>
+            <a:endParaRPr lang="en-US" dirty="0"/>
+          </a:p>
+        </p:txBody>
+      </p:sp>
+      <p:sp>
+        <p:nvSpPr>
+          <p:cNvPr id="3" name="Content Placeholder 2"/>
+          <p:cNvSpPr>
+            <a:spLocks noGrp="1"/>
+          </p:cNvSpPr>
+          <p:nvPr>
+            <p:ph idx="1"/>
+          </p:nvPr>
+        </p:nvSpPr>
+        <p:spPr>
+          <a:xfrm>
+            <a:off x="0" y="1199924"/>
+            <a:ext cx="9144000" cy="4525963"/>
+          </a:xfrm>
+        </p:spPr>
+        <p:txBody>
+          <a:bodyPr>
+            <a:noAutofit/>
+          </a:bodyPr>
+          <a:lstStyle/>
+          <a:p>
+            <a:pPr marL="0" indent="0">
+              <a:buNone/>
+            </a:pPr>
+            <a:r>
+              <a:rPr lang="en-US" sz="2500" dirty="0" smtClean="0">
+                <a:solidFill>
+                  <a:srgbClr val="0000FF"/>
+                </a:solidFill>
+                <a:latin typeface="Lucida Console"/>
+                <a:cs typeface="Lucida Console"/>
+              </a:rPr>
+              <a:t>// </a:t>
+            </a:r>
+            <a:r>
+              <a:rPr lang="en-US" sz="2500" dirty="0" err="1" smtClean="0">
+                <a:solidFill>
+                  <a:srgbClr val="0000FF"/>
+                </a:solidFill>
+                <a:latin typeface="Lucida Console"/>
+                <a:cs typeface="Lucida Console"/>
+              </a:rPr>
+              <a:t>Lambertian</a:t>
+            </a:r>
+            <a:r>
+              <a:rPr lang="en-US" sz="2500" dirty="0">
+                <a:solidFill>
+                  <a:srgbClr val="0000FF"/>
+                </a:solidFill>
+                <a:latin typeface="Lucida Console"/>
+                <a:cs typeface="Lucida Console"/>
+              </a:rPr>
+              <a:t> </a:t>
+            </a:r>
+            <a:r>
+              <a:rPr lang="en-US" sz="2500" dirty="0" smtClean="0">
+                <a:solidFill>
+                  <a:srgbClr val="0000FF"/>
+                </a:solidFill>
+                <a:latin typeface="Lucida Console"/>
+                <a:cs typeface="Lucida Console"/>
+              </a:rPr>
+              <a:t>(lit) textured material model </a:t>
+            </a:r>
+            <a:br>
+              <a:rPr lang="en-US" sz="2500" dirty="0" smtClean="0">
+                <a:solidFill>
+                  <a:srgbClr val="0000FF"/>
+                </a:solidFill>
+                <a:latin typeface="Lucida Console"/>
+                <a:cs typeface="Lucida Console"/>
+              </a:rPr>
+            </a:br>
+            <a:r>
+              <a:rPr lang="en-US" sz="2500" dirty="0" err="1" smtClean="0">
+                <a:solidFill>
+                  <a:srgbClr val="0000FF"/>
+                </a:solidFill>
+                <a:latin typeface="Lucida Console"/>
+                <a:cs typeface="Lucida Console"/>
+              </a:rPr>
+              <a:t>var</a:t>
+            </a:r>
+            <a:r>
+              <a:rPr lang="en-US" sz="2500" dirty="0" smtClean="0">
+                <a:solidFill>
+                  <a:srgbClr val="0000FF"/>
+                </a:solidFill>
+                <a:latin typeface="Lucida Console"/>
+                <a:cs typeface="Lucida Console"/>
+              </a:rPr>
+              <a:t> </a:t>
+            </a:r>
+            <a:r>
+              <a:rPr lang="en-US" sz="2500" dirty="0" err="1">
+                <a:solidFill>
+                  <a:srgbClr val="0000FF"/>
+                </a:solidFill>
+                <a:latin typeface="Lucida Console"/>
+                <a:cs typeface="Lucida Console"/>
+              </a:rPr>
+              <a:t>boxMaterial</a:t>
+            </a:r>
+            <a:r>
+              <a:rPr lang="en-US" sz="2500" dirty="0">
+                <a:solidFill>
+                  <a:srgbClr val="0000FF"/>
+                </a:solidFill>
+                <a:latin typeface="Lucida Console"/>
+                <a:cs typeface="Lucida Console"/>
+              </a:rPr>
+              <a:t> = new </a:t>
+            </a:r>
+            <a:r>
+              <a:rPr lang="en-US" sz="2500" dirty="0" err="1">
+                <a:solidFill>
+                  <a:srgbClr val="0000FF"/>
+                </a:solidFill>
+                <a:latin typeface="Lucida Console"/>
+                <a:cs typeface="Lucida Console"/>
+              </a:rPr>
+              <a:t>THREE.MeshLambertMaterial</a:t>
+            </a:r>
+            <a:r>
+              <a:rPr lang="en-US" sz="2500" dirty="0">
+                <a:solidFill>
+                  <a:srgbClr val="0000FF"/>
+                </a:solidFill>
+                <a:latin typeface="Lucida Console"/>
+                <a:cs typeface="Lucida Console"/>
+              </a:rPr>
+              <a:t>({</a:t>
+            </a:r>
+          </a:p>
+          <a:p>
+            <a:pPr marL="0" indent="0">
+              <a:buNone/>
+            </a:pPr>
+            <a:r>
+              <a:rPr lang="en-US" sz="2500" dirty="0">
+                <a:solidFill>
+                  <a:srgbClr val="0000FF"/>
+                </a:solidFill>
+                <a:latin typeface="Lucida Console"/>
+                <a:cs typeface="Lucida Console"/>
+              </a:rPr>
+              <a:t>    </a:t>
+            </a:r>
+            <a:r>
+              <a:rPr lang="en-US" sz="2500" dirty="0" err="1">
+                <a:solidFill>
+                  <a:srgbClr val="0000FF"/>
+                </a:solidFill>
+                <a:latin typeface="Lucida Console"/>
+                <a:cs typeface="Lucida Console"/>
+              </a:rPr>
+              <a:t>map:crateTexture</a:t>
+            </a:r>
+            <a:r>
+              <a:rPr lang="en-US" sz="2500" dirty="0">
+                <a:solidFill>
+                  <a:srgbClr val="0000FF"/>
+                </a:solidFill>
+                <a:latin typeface="Lucida Console"/>
+                <a:cs typeface="Lucida Console"/>
+              </a:rPr>
+              <a:t>,</a:t>
+            </a:r>
+          </a:p>
+          <a:p>
+            <a:pPr marL="0" indent="0">
+              <a:buNone/>
+            </a:pPr>
+            <a:r>
+              <a:rPr lang="en-US" sz="2500" dirty="0">
+                <a:solidFill>
+                  <a:srgbClr val="0000FF"/>
+                </a:solidFill>
+                <a:latin typeface="Lucida Console"/>
+                <a:cs typeface="Lucida Console"/>
+              </a:rPr>
+              <a:t>    </a:t>
+            </a:r>
+            <a:r>
+              <a:rPr lang="en-US" sz="2500" dirty="0" err="1">
+                <a:solidFill>
+                  <a:srgbClr val="0000FF"/>
+                </a:solidFill>
+                <a:latin typeface="Lucida Console"/>
+                <a:cs typeface="Lucida Console"/>
+              </a:rPr>
+              <a:t>side:THREE.DoubleSide</a:t>
+            </a:r>
+            <a:endParaRPr lang="en-US" sz="2500" dirty="0">
+              <a:solidFill>
+                <a:srgbClr val="0000FF"/>
+              </a:solidFill>
+              <a:latin typeface="Lucida Console"/>
+              <a:cs typeface="Lucida Console"/>
+            </a:endParaRPr>
+          </a:p>
+          <a:p>
+            <a:pPr marL="0" indent="0">
+              <a:buNone/>
+            </a:pPr>
+            <a:r>
+              <a:rPr lang="en-US" sz="2500" dirty="0">
+                <a:solidFill>
+                  <a:srgbClr val="0000FF"/>
+                </a:solidFill>
+                <a:latin typeface="Lucida Console"/>
+                <a:cs typeface="Lucida Console"/>
+              </a:rPr>
+              <a:t>})</a:t>
+            </a:r>
+            <a:r>
+              <a:rPr lang="en-US" sz="2500" dirty="0" smtClean="0">
+                <a:solidFill>
+                  <a:srgbClr val="0000FF"/>
+                </a:solidFill>
+                <a:latin typeface="Lucida Console"/>
+                <a:cs typeface="Lucida Console"/>
+              </a:rPr>
+              <a:t>;</a:t>
+            </a:r>
+          </a:p>
+          <a:p>
+            <a:pPr marL="0" indent="0">
+              <a:buNone/>
+            </a:pPr>
+            <a:endParaRPr lang="en-US" sz="2500" dirty="0" smtClean="0">
+              <a:solidFill>
+                <a:srgbClr val="0000FF"/>
+              </a:solidFill>
+              <a:latin typeface="Lucida Console"/>
+              <a:cs typeface="Lucida Console"/>
+            </a:endParaRPr>
+          </a:p>
+          <a:p>
+            <a:pPr marL="0" indent="0">
+              <a:buNone/>
+            </a:pPr>
+            <a:r>
+              <a:rPr lang="en-US" sz="2500" dirty="0" smtClean="0">
+                <a:solidFill>
+                  <a:srgbClr val="0000FF"/>
+                </a:solidFill>
+                <a:latin typeface="Lucida Console"/>
+                <a:cs typeface="Lucida Console"/>
+              </a:rPr>
+              <a:t>// Build a box the same as before</a:t>
+            </a:r>
+            <a:endParaRPr lang="en-US" sz="2500" dirty="0">
+              <a:solidFill>
+                <a:srgbClr val="0000FF"/>
+              </a:solidFill>
+              <a:latin typeface="Lucida Console"/>
+              <a:cs typeface="Lucida Console"/>
+            </a:endParaRPr>
+          </a:p>
+          <a:p>
+            <a:pPr marL="0" indent="0">
+              <a:buNone/>
+            </a:pPr>
+            <a:r>
+              <a:rPr lang="en-US" sz="2500" dirty="0" err="1">
+                <a:solidFill>
+                  <a:srgbClr val="0000FF"/>
+                </a:solidFill>
+                <a:latin typeface="Lucida Console"/>
+                <a:cs typeface="Lucida Console"/>
+              </a:rPr>
+              <a:t>boxMesh</a:t>
+            </a:r>
+            <a:r>
+              <a:rPr lang="en-US" sz="2500" dirty="0">
+                <a:solidFill>
+                  <a:srgbClr val="0000FF"/>
+                </a:solidFill>
+                <a:latin typeface="Lucida Console"/>
+                <a:cs typeface="Lucida Console"/>
+              </a:rPr>
+              <a:t> = new </a:t>
+            </a:r>
+            <a:r>
+              <a:rPr lang="en-US" sz="2500" dirty="0" err="1">
+                <a:solidFill>
+                  <a:srgbClr val="0000FF"/>
+                </a:solidFill>
+                <a:latin typeface="Lucida Console"/>
+                <a:cs typeface="Lucida Console"/>
+              </a:rPr>
+              <a:t>THREE.Mesh</a:t>
+            </a:r>
+            <a:r>
+              <a:rPr lang="en-US" sz="2500" dirty="0">
+                <a:solidFill>
+                  <a:srgbClr val="0000FF"/>
+                </a:solidFill>
+                <a:latin typeface="Lucida Console"/>
+                <a:cs typeface="Lucida Console"/>
+              </a:rPr>
+              <a:t>(</a:t>
+            </a:r>
+            <a:r>
+              <a:rPr lang="en-US" sz="2500" dirty="0" err="1">
+                <a:solidFill>
+                  <a:srgbClr val="0000FF"/>
+                </a:solidFill>
+                <a:latin typeface="Lucida Console"/>
+                <a:cs typeface="Lucida Console"/>
+              </a:rPr>
+              <a:t>boxGeometry</a:t>
+            </a:r>
+            <a:r>
+              <a:rPr lang="en-US" sz="2500" dirty="0">
+                <a:solidFill>
+                  <a:srgbClr val="0000FF"/>
+                </a:solidFill>
+                <a:latin typeface="Lucida Console"/>
+                <a:cs typeface="Lucida Console"/>
+              </a:rPr>
+              <a:t>, </a:t>
+            </a:r>
+            <a:r>
+              <a:rPr lang="en-US" sz="2500" dirty="0" smtClean="0">
+                <a:solidFill>
+                  <a:srgbClr val="0000FF"/>
+                </a:solidFill>
+                <a:latin typeface="Lucida Console"/>
+                <a:cs typeface="Lucida Console"/>
+              </a:rPr>
+              <a:t>				</a:t>
+            </a:r>
+          </a:p>
+          <a:p>
+            <a:pPr marL="0" indent="0">
+              <a:buNone/>
+            </a:pPr>
+            <a:r>
+              <a:rPr lang="en-US" sz="2500" dirty="0">
+                <a:solidFill>
+                  <a:srgbClr val="0000FF"/>
+                </a:solidFill>
+                <a:latin typeface="Lucida Console"/>
+                <a:cs typeface="Lucida Console"/>
+              </a:rPr>
+              <a:t> </a:t>
+            </a:r>
+            <a:r>
+              <a:rPr lang="en-US" sz="2500" dirty="0" smtClean="0">
+                <a:solidFill>
+                  <a:srgbClr val="0000FF"/>
+                </a:solidFill>
+                <a:latin typeface="Lucida Console"/>
+                <a:cs typeface="Lucida Console"/>
+              </a:rPr>
+              <a:t>                        </a:t>
+            </a:r>
+            <a:r>
+              <a:rPr lang="en-US" sz="2500" dirty="0" err="1" smtClean="0">
+                <a:solidFill>
+                  <a:srgbClr val="0000FF"/>
+                </a:solidFill>
+                <a:latin typeface="Lucida Console"/>
+                <a:cs typeface="Lucida Console"/>
+              </a:rPr>
+              <a:t>boxMaterial</a:t>
+            </a:r>
+            <a:r>
+              <a:rPr lang="en-US" sz="2500" dirty="0">
+                <a:solidFill>
+                  <a:srgbClr val="0000FF"/>
+                </a:solidFill>
+                <a:latin typeface="Lucida Console"/>
+                <a:cs typeface="Lucida Console"/>
+              </a:rPr>
+              <a:t>);</a:t>
+            </a:r>
+          </a:p>
+          <a:p>
+            <a:pPr marL="0" indent="0">
+              <a:buNone/>
+            </a:pPr>
+            <a:r>
+              <a:rPr lang="en-US" sz="2500" dirty="0" err="1">
+                <a:solidFill>
+                  <a:srgbClr val="0000FF"/>
+                </a:solidFill>
+                <a:latin typeface="Lucida Console"/>
+                <a:cs typeface="Lucida Console"/>
+              </a:rPr>
+              <a:t>boxMesh.position.set</a:t>
+            </a:r>
+            <a:r>
+              <a:rPr lang="en-US" sz="2500" dirty="0">
+                <a:solidFill>
+                  <a:srgbClr val="0000FF"/>
+                </a:solidFill>
+                <a:latin typeface="Lucida Console"/>
+                <a:cs typeface="Lucida Console"/>
+              </a:rPr>
+              <a:t>(</a:t>
+            </a:r>
+            <a:r>
+              <a:rPr lang="en-US" sz="2500" dirty="0" err="1">
+                <a:solidFill>
+                  <a:srgbClr val="0000FF"/>
+                </a:solidFill>
+                <a:latin typeface="Lucida Console"/>
+                <a:cs typeface="Lucida Console"/>
+              </a:rPr>
+              <a:t>camera.position.x</a:t>
+            </a:r>
+            <a:r>
+              <a:rPr lang="en-US" sz="2500" dirty="0">
+                <a:solidFill>
+                  <a:srgbClr val="0000FF"/>
+                </a:solidFill>
+                <a:latin typeface="Lucida Console"/>
+                <a:cs typeface="Lucida Console"/>
+              </a:rPr>
+              <a:t>, </a:t>
+            </a:r>
+            <a:r>
+              <a:rPr lang="en-US" sz="2500" dirty="0" smtClean="0">
+                <a:solidFill>
+                  <a:srgbClr val="0000FF"/>
+                </a:solidFill>
+                <a:latin typeface="Lucida Console"/>
+                <a:cs typeface="Lucida Console"/>
+              </a:rPr>
+              <a:t/>
+            </a:r>
+            <a:br>
+              <a:rPr lang="en-US" sz="2500" dirty="0" smtClean="0">
+                <a:solidFill>
+                  <a:srgbClr val="0000FF"/>
+                </a:solidFill>
+                <a:latin typeface="Lucida Console"/>
+                <a:cs typeface="Lucida Console"/>
+              </a:rPr>
+            </a:br>
+            <a:r>
+              <a:rPr lang="en-US" sz="2500" dirty="0" smtClean="0">
+                <a:solidFill>
+                  <a:srgbClr val="0000FF"/>
+                </a:solidFill>
+                <a:latin typeface="Lucida Console"/>
+                <a:cs typeface="Lucida Console"/>
+              </a:rPr>
+              <a:t>  </a:t>
+            </a:r>
+            <a:r>
+              <a:rPr lang="en-US" sz="2500" dirty="0" err="1" smtClean="0">
+                <a:solidFill>
+                  <a:srgbClr val="0000FF"/>
+                </a:solidFill>
+                <a:latin typeface="Lucida Console"/>
+                <a:cs typeface="Lucida Console"/>
+              </a:rPr>
+              <a:t>camera.position.y</a:t>
+            </a:r>
+            <a:r>
+              <a:rPr lang="en-US" sz="2500" dirty="0">
+                <a:solidFill>
+                  <a:srgbClr val="0000FF"/>
+                </a:solidFill>
+                <a:latin typeface="Lucida Console"/>
+                <a:cs typeface="Lucida Console"/>
+              </a:rPr>
+              <a:t>, </a:t>
+            </a:r>
+            <a:r>
+              <a:rPr lang="en-US" sz="2500" dirty="0" err="1">
+                <a:solidFill>
+                  <a:srgbClr val="0000FF"/>
+                </a:solidFill>
+                <a:latin typeface="Lucida Console"/>
+                <a:cs typeface="Lucida Console"/>
+              </a:rPr>
+              <a:t>camera.position.z</a:t>
+            </a:r>
+            <a:r>
+              <a:rPr lang="en-US" sz="2500" dirty="0">
+                <a:solidFill>
+                  <a:srgbClr val="0000FF"/>
+                </a:solidFill>
+                <a:latin typeface="Lucida Console"/>
+                <a:cs typeface="Lucida Console"/>
+              </a:rPr>
+              <a:t>);</a:t>
+            </a:r>
+          </a:p>
+          <a:p>
+            <a:pPr marL="0" indent="0">
+              <a:buNone/>
+            </a:pPr>
+            <a:r>
+              <a:rPr lang="en-US" sz="2500" dirty="0" err="1">
+                <a:solidFill>
+                  <a:srgbClr val="0000FF"/>
+                </a:solidFill>
+                <a:latin typeface="Lucida Console"/>
+                <a:cs typeface="Lucida Console"/>
+              </a:rPr>
+              <a:t>scene.add</a:t>
+            </a:r>
+            <a:r>
+              <a:rPr lang="en-US" sz="2500" dirty="0">
+                <a:solidFill>
+                  <a:srgbClr val="0000FF"/>
+                </a:solidFill>
+                <a:latin typeface="Lucida Console"/>
+                <a:cs typeface="Lucida Console"/>
+              </a:rPr>
+              <a:t>(</a:t>
+            </a:r>
+            <a:r>
+              <a:rPr lang="en-US" sz="2500" dirty="0" err="1">
+                <a:solidFill>
+                  <a:srgbClr val="0000FF"/>
+                </a:solidFill>
+                <a:latin typeface="Lucida Console"/>
+                <a:cs typeface="Lucida Console"/>
+              </a:rPr>
+              <a:t>boxMesh</a:t>
+            </a:r>
+            <a:r>
+              <a:rPr lang="en-US" sz="2500" dirty="0">
+                <a:solidFill>
+                  <a:srgbClr val="0000FF"/>
+                </a:solidFill>
+                <a:latin typeface="Lucida Console"/>
+                <a:cs typeface="Lucida Console"/>
+              </a:rPr>
+              <a:t>);</a:t>
+            </a:r>
+          </a:p>
+          <a:p>
+            <a:pPr marL="0" indent="0">
+              <a:buNone/>
+            </a:pPr>
+            <a:endParaRPr lang="en-US" sz="2500" dirty="0" smtClean="0">
+              <a:solidFill>
+                <a:srgbClr val="0000FF"/>
+              </a:solidFill>
+              <a:latin typeface="Lucida Console"/>
+              <a:cs typeface="Lucida Console"/>
+            </a:endParaRPr>
+          </a:p>
+        </p:txBody>
+      </p:sp>
+    </p:spTree>
+    <p:extLst>
+      <p:ext uri="{BB962C8B-B14F-4D97-AF65-F5344CB8AC3E}">
+        <p14:creationId xmlns:p14="http://schemas.microsoft.com/office/powerpoint/2010/main" val="407145300"/>
+      </p:ext>
+    </p:extLst>
+  </p:cSld>
+  <p:clrMapOvr>
+    <a:masterClrMapping/>
+  </p:clrMapOvr>
+  <p:timing>
+    <p:tnLst>
+      <p:par>
+        <p:cTn xmlns:p14="http://schemas.microsoft.com/office/powerpoint/2010/main" id="1" dur="indefinite" restart="never" nodeType="tmRoot"/>
+      </p:par>
+    </p:tnLst>
+  </p:timing>
+</p:sld>
+</file>
+
+<file path=ppt/slides/slide62.xml><?xml version="1.0" encoding="utf-8"?>
+<p:sld xmlns:a="http://schemas.openxmlformats.org/drawingml/2006/main" xmlns:r="http://schemas.openxmlformats.org/officeDocument/2006/relationships" xmlns:p="http://schemas.openxmlformats.org/presentationml/2006/main">
+  <p:cSld>
+    <p:spTree>
+      <p:nvGrpSpPr>
+        <p:cNvPr id="1" name=""/>
+        <p:cNvGrpSpPr/>
+        <p:nvPr/>
+      </p:nvGrpSpPr>
+      <p:grpSpPr>
+        <a:xfrm>
+          <a:off x="0" y="0"/>
+          <a:ext cx="0" cy="0"/>
+          <a:chOff x="0" y="0"/>
+          <a:chExt cx="0" cy="0"/>
+        </a:xfrm>
+      </p:grpSpPr>
+      <p:sp>
+        <p:nvSpPr>
+          <p:cNvPr id="2" name="Title 1"/>
+          <p:cNvSpPr>
+            <a:spLocks noGrp="1"/>
+          </p:cNvSpPr>
+          <p:nvPr>
+            <p:ph type="title"/>
+          </p:nvPr>
+        </p:nvSpPr>
+        <p:spPr/>
+        <p:txBody>
+          <a:bodyPr/>
+          <a:lstStyle/>
+          <a:p>
+            <a:r>
+              <a:rPr lang="en-US" dirty="0" smtClean="0"/>
+              <a:t>Lesson 06: Keyboard, Lighting</a:t>
+            </a:r>
+            <a:endParaRPr lang="en-US" dirty="0"/>
+          </a:p>
+        </p:txBody>
+      </p:sp>
+      <p:sp>
+        <p:nvSpPr>
+          <p:cNvPr id="3" name="Content Placeholder 2"/>
+          <p:cNvSpPr>
+            <a:spLocks noGrp="1"/>
+          </p:cNvSpPr>
+          <p:nvPr>
+            <p:ph idx="1"/>
+          </p:nvPr>
+        </p:nvSpPr>
+        <p:spPr>
+          <a:xfrm>
+            <a:off x="0" y="1199924"/>
+            <a:ext cx="9144000" cy="4525963"/>
+          </a:xfrm>
+        </p:spPr>
+        <p:txBody>
+          <a:bodyPr>
+            <a:noAutofit/>
+          </a:bodyPr>
+          <a:lstStyle/>
+          <a:p>
+            <a:pPr marL="0" indent="0">
+              <a:buNone/>
+            </a:pPr>
+            <a:r>
+              <a:rPr lang="en-US" sz="2500" dirty="0">
+                <a:solidFill>
+                  <a:srgbClr val="0000FF"/>
+                </a:solidFill>
+                <a:latin typeface="Lucida Console"/>
+                <a:cs typeface="Lucida Console"/>
+              </a:rPr>
+              <a:t>// Ambient light, given color and intensity</a:t>
+            </a:r>
+          </a:p>
+          <a:p>
+            <a:pPr marL="0" indent="0">
+              <a:buNone/>
+            </a:pPr>
+            <a:r>
+              <a:rPr lang="en-US" sz="2500" dirty="0" err="1">
+                <a:solidFill>
+                  <a:srgbClr val="0000FF"/>
+                </a:solidFill>
+                <a:latin typeface="Lucida Console"/>
+                <a:cs typeface="Lucida Console"/>
+              </a:rPr>
+              <a:t>var</a:t>
+            </a:r>
+            <a:r>
+              <a:rPr lang="en-US" sz="2500" dirty="0">
+                <a:solidFill>
+                  <a:srgbClr val="0000FF"/>
+                </a:solidFill>
+                <a:latin typeface="Lucida Console"/>
+                <a:cs typeface="Lucida Console"/>
+              </a:rPr>
+              <a:t> </a:t>
+            </a:r>
+            <a:r>
+              <a:rPr lang="en-US" sz="2500" dirty="0" err="1">
+                <a:solidFill>
+                  <a:srgbClr val="0000FF"/>
+                </a:solidFill>
+                <a:latin typeface="Lucida Console"/>
+                <a:cs typeface="Lucida Console"/>
+              </a:rPr>
+              <a:t>ambientLight</a:t>
+            </a:r>
+            <a:r>
+              <a:rPr lang="en-US" sz="2500" dirty="0">
+                <a:solidFill>
+                  <a:srgbClr val="0000FF"/>
+                </a:solidFill>
+                <a:latin typeface="Lucida Console"/>
+                <a:cs typeface="Lucida Console"/>
+              </a:rPr>
+              <a:t> = new </a:t>
+            </a:r>
+            <a:r>
+              <a:rPr lang="en-US" sz="2500" dirty="0" err="1">
+                <a:solidFill>
+                  <a:srgbClr val="0000FF"/>
+                </a:solidFill>
+                <a:latin typeface="Lucida Console"/>
+                <a:cs typeface="Lucida Console"/>
+              </a:rPr>
+              <a:t>THREE.AmbientLight</a:t>
+            </a:r>
+            <a:r>
+              <a:rPr lang="en-US" sz="2500" dirty="0">
+                <a:solidFill>
+                  <a:srgbClr val="0000FF"/>
+                </a:solidFill>
+                <a:latin typeface="Lucida Console"/>
+                <a:cs typeface="Lucida Console"/>
+              </a:rPr>
+              <a:t>(0x101010, 1.0);</a:t>
+            </a:r>
+          </a:p>
+          <a:p>
+            <a:pPr marL="0" indent="0">
+              <a:buNone/>
+            </a:pPr>
+            <a:r>
+              <a:rPr lang="en-US" sz="2500" dirty="0" err="1">
+                <a:solidFill>
+                  <a:srgbClr val="0000FF"/>
+                </a:solidFill>
+                <a:latin typeface="Lucida Console"/>
+                <a:cs typeface="Lucida Console"/>
+              </a:rPr>
+              <a:t>scene.add</a:t>
+            </a:r>
+            <a:r>
+              <a:rPr lang="en-US" sz="2500" dirty="0">
+                <a:solidFill>
+                  <a:srgbClr val="0000FF"/>
+                </a:solidFill>
+                <a:latin typeface="Lucida Console"/>
+                <a:cs typeface="Lucida Console"/>
+              </a:rPr>
+              <a:t>(</a:t>
+            </a:r>
+            <a:r>
+              <a:rPr lang="en-US" sz="2500" dirty="0" err="1">
+                <a:solidFill>
+                  <a:srgbClr val="0000FF"/>
+                </a:solidFill>
+                <a:latin typeface="Lucida Console"/>
+                <a:cs typeface="Lucida Console"/>
+              </a:rPr>
+              <a:t>ambientLight</a:t>
+            </a:r>
+            <a:r>
+              <a:rPr lang="en-US" sz="2500" dirty="0">
+                <a:solidFill>
+                  <a:srgbClr val="0000FF"/>
+                </a:solidFill>
+                <a:latin typeface="Lucida Console"/>
+                <a:cs typeface="Lucida Console"/>
+              </a:rPr>
+              <a:t>);</a:t>
+            </a:r>
+          </a:p>
+          <a:p>
+            <a:pPr marL="0" indent="0">
+              <a:buNone/>
+            </a:pPr>
+            <a:endParaRPr lang="en-US" sz="2500" dirty="0">
+              <a:solidFill>
+                <a:srgbClr val="0000FF"/>
+              </a:solidFill>
+              <a:latin typeface="Lucida Console"/>
+              <a:cs typeface="Lucida Console"/>
+            </a:endParaRPr>
+          </a:p>
+          <a:p>
+            <a:pPr marL="0" indent="0">
+              <a:buNone/>
+            </a:pPr>
+            <a:r>
+              <a:rPr lang="en-US" sz="2500" dirty="0">
+                <a:solidFill>
+                  <a:srgbClr val="0000FF"/>
+                </a:solidFill>
+                <a:latin typeface="Lucida Console"/>
+                <a:cs typeface="Lucida Console"/>
+              </a:rPr>
+              <a:t>// Directional light, given </a:t>
+            </a:r>
+            <a:r>
+              <a:rPr lang="en-US" sz="2500" dirty="0" smtClean="0">
+                <a:solidFill>
+                  <a:srgbClr val="0000FF"/>
+                </a:solidFill>
+                <a:latin typeface="Lucida Console"/>
+                <a:cs typeface="Lucida Console"/>
+              </a:rPr>
+              <a:t>color, intensity</a:t>
+            </a:r>
+            <a:endParaRPr lang="en-US" sz="2500" dirty="0">
+              <a:solidFill>
+                <a:srgbClr val="0000FF"/>
+              </a:solidFill>
+              <a:latin typeface="Lucida Console"/>
+              <a:cs typeface="Lucida Console"/>
+            </a:endParaRPr>
+          </a:p>
+          <a:p>
+            <a:pPr marL="0" indent="0">
+              <a:buNone/>
+            </a:pPr>
+            <a:r>
+              <a:rPr lang="en-US" sz="2500" dirty="0" err="1">
+                <a:solidFill>
+                  <a:srgbClr val="0000FF"/>
+                </a:solidFill>
+                <a:latin typeface="Lucida Console"/>
+                <a:cs typeface="Lucida Console"/>
+              </a:rPr>
+              <a:t>directionalLight</a:t>
+            </a:r>
+            <a:r>
+              <a:rPr lang="en-US" sz="2500" dirty="0">
+                <a:solidFill>
+                  <a:srgbClr val="0000FF"/>
+                </a:solidFill>
+                <a:latin typeface="Lucida Console"/>
+                <a:cs typeface="Lucida Console"/>
+              </a:rPr>
+              <a:t> = new </a:t>
+            </a:r>
+            <a:r>
+              <a:rPr lang="en-US" sz="2500" dirty="0" err="1">
+                <a:solidFill>
+                  <a:srgbClr val="0000FF"/>
+                </a:solidFill>
+                <a:latin typeface="Lucida Console"/>
+                <a:cs typeface="Lucida Console"/>
+              </a:rPr>
+              <a:t>THREE.DirectionalLight</a:t>
+            </a:r>
+            <a:r>
+              <a:rPr lang="en-US" sz="2500" dirty="0">
+                <a:solidFill>
+                  <a:srgbClr val="0000FF"/>
+                </a:solidFill>
+                <a:latin typeface="Lucida Console"/>
+                <a:cs typeface="Lucida Console"/>
+              </a:rPr>
+              <a:t>(0xffffff, 1.0);</a:t>
+            </a:r>
+          </a:p>
+          <a:p>
+            <a:pPr marL="0" indent="0">
+              <a:buNone/>
+            </a:pPr>
+            <a:r>
+              <a:rPr lang="en-US" sz="2500" dirty="0" err="1">
+                <a:solidFill>
+                  <a:srgbClr val="0000FF"/>
+                </a:solidFill>
+                <a:latin typeface="Lucida Console"/>
+                <a:cs typeface="Lucida Console"/>
+              </a:rPr>
+              <a:t>directionalLight.position.set</a:t>
+            </a:r>
+            <a:r>
+              <a:rPr lang="en-US" sz="2500" dirty="0">
+                <a:solidFill>
+                  <a:srgbClr val="0000FF"/>
+                </a:solidFill>
+                <a:latin typeface="Lucida Console"/>
+                <a:cs typeface="Lucida Console"/>
+              </a:rPr>
+              <a:t>(0.0, 0.0, 1.0);</a:t>
+            </a:r>
+          </a:p>
+          <a:p>
+            <a:pPr marL="0" indent="0">
+              <a:buNone/>
+            </a:pPr>
+            <a:r>
+              <a:rPr lang="en-US" sz="2500" dirty="0" err="1">
+                <a:solidFill>
+                  <a:srgbClr val="0000FF"/>
+                </a:solidFill>
+                <a:latin typeface="Lucida Console"/>
+                <a:cs typeface="Lucida Console"/>
+              </a:rPr>
+              <a:t>scene.add</a:t>
+            </a:r>
+            <a:r>
+              <a:rPr lang="en-US" sz="2500" dirty="0">
+                <a:solidFill>
+                  <a:srgbClr val="0000FF"/>
+                </a:solidFill>
+                <a:latin typeface="Lucida Console"/>
+                <a:cs typeface="Lucida Console"/>
+              </a:rPr>
+              <a:t>(</a:t>
+            </a:r>
+            <a:r>
+              <a:rPr lang="en-US" sz="2500" dirty="0" err="1">
+                <a:solidFill>
+                  <a:srgbClr val="0000FF"/>
+                </a:solidFill>
+                <a:latin typeface="Lucida Console"/>
+                <a:cs typeface="Lucida Console"/>
+              </a:rPr>
+              <a:t>directionalLight</a:t>
+            </a:r>
+            <a:r>
+              <a:rPr lang="en-US" sz="2500" dirty="0">
+                <a:solidFill>
+                  <a:srgbClr val="0000FF"/>
+                </a:solidFill>
+                <a:latin typeface="Lucida Console"/>
+                <a:cs typeface="Lucida Console"/>
+              </a:rPr>
+              <a:t>);</a:t>
+            </a:r>
+          </a:p>
+          <a:p>
+            <a:pPr marL="0" indent="0">
+              <a:buNone/>
+            </a:pPr>
+            <a:endParaRPr lang="en-US" sz="2500" dirty="0" smtClean="0">
+              <a:solidFill>
+                <a:srgbClr val="0000FF"/>
+              </a:solidFill>
+              <a:latin typeface="Lucida Console"/>
+              <a:cs typeface="Lucida Console"/>
+            </a:endParaRPr>
+          </a:p>
+        </p:txBody>
+      </p:sp>
+    </p:spTree>
+    <p:extLst>
+      <p:ext uri="{BB962C8B-B14F-4D97-AF65-F5344CB8AC3E}">
+        <p14:creationId xmlns:p14="http://schemas.microsoft.com/office/powerpoint/2010/main" val="1598328124"/>
+      </p:ext>
+    </p:extLst>
+  </p:cSld>
+  <p:clrMapOvr>
+    <a:masterClrMapping/>
+  </p:clrMapOvr>
+  <p:timing>
+    <p:tnLst>
+      <p:par>
+        <p:cTn xmlns:p14="http://schemas.microsoft.com/office/powerpoint/2010/main" id="1" dur="indefinite" restart="never" nodeType="tmRoot"/>
+      </p:par>
+    </p:tnLst>
+  </p:timing>
+</p:sld>
+</file>
+
+<file path=ppt/slides/slide63.xml><?xml version="1.0" encoding="utf-8"?>
+<p:sld xmlns:a="http://schemas.openxmlformats.org/drawingml/2006/main" xmlns:r="http://schemas.openxmlformats.org/officeDocument/2006/relationships" xmlns:p="http://schemas.openxmlformats.org/presentationml/2006/main">
+  <p:cSld>
+    <p:spTree>
+      <p:nvGrpSpPr>
+        <p:cNvPr id="1" name=""/>
+        <p:cNvGrpSpPr/>
+        <p:nvPr/>
+      </p:nvGrpSpPr>
+      <p:grpSpPr>
+        <a:xfrm>
+          <a:off x="0" y="0"/>
+          <a:ext cx="0" cy="0"/>
+          <a:chOff x="0" y="0"/>
+          <a:chExt cx="0" cy="0"/>
+        </a:xfrm>
+      </p:grpSpPr>
+      <p:sp>
+        <p:nvSpPr>
+          <p:cNvPr id="2" name="Title 1"/>
+          <p:cNvSpPr>
+            <a:spLocks noGrp="1"/>
+          </p:cNvSpPr>
+          <p:nvPr>
+            <p:ph type="title"/>
+          </p:nvPr>
+        </p:nvSpPr>
+        <p:spPr/>
+        <p:txBody>
+          <a:bodyPr/>
+          <a:lstStyle/>
+          <a:p>
+            <a:r>
+              <a:rPr lang="en-US" dirty="0" smtClean="0"/>
+              <a:t>Lesson 06: Keyboard, Lighting</a:t>
+            </a:r>
+            <a:endParaRPr lang="en-US" dirty="0"/>
+          </a:p>
+        </p:txBody>
+      </p:sp>
+      <p:sp>
+        <p:nvSpPr>
+          <p:cNvPr id="3" name="Content Placeholder 2"/>
+          <p:cNvSpPr>
+            <a:spLocks noGrp="1"/>
+          </p:cNvSpPr>
+          <p:nvPr>
+            <p:ph idx="1"/>
+          </p:nvPr>
+        </p:nvSpPr>
+        <p:spPr>
+          <a:xfrm>
+            <a:off x="0" y="1199924"/>
+            <a:ext cx="9144000" cy="4525963"/>
+          </a:xfrm>
+        </p:spPr>
+        <p:txBody>
+          <a:bodyPr>
+            <a:noAutofit/>
+          </a:bodyPr>
+          <a:lstStyle/>
+          <a:p>
+            <a:r>
+              <a:rPr lang="en-US" sz="4000" dirty="0" smtClean="0"/>
+              <a:t>Install keyboard event callback at the end of </a:t>
+            </a:r>
+            <a:r>
+              <a:rPr lang="en-US" sz="4000" dirty="0" err="1" smtClean="0"/>
+              <a:t>initializeScene</a:t>
+            </a:r>
+            <a:r>
+              <a:rPr lang="en-US" sz="4000" dirty="0" smtClean="0"/>
+              <a:t>():</a:t>
+            </a:r>
+            <a:endParaRPr lang="en-US" sz="4000" dirty="0"/>
+          </a:p>
+          <a:p>
+            <a:endParaRPr lang="en-US" sz="1200" dirty="0">
+              <a:solidFill>
+                <a:srgbClr val="0000FF"/>
+              </a:solidFill>
+              <a:latin typeface="Lucida Console"/>
+              <a:cs typeface="Lucida Console"/>
+            </a:endParaRPr>
+          </a:p>
+          <a:p>
+            <a:pPr marL="0" indent="0">
+              <a:buNone/>
+            </a:pPr>
+            <a:r>
+              <a:rPr lang="en-US" sz="3000" dirty="0" err="1" smtClean="0">
+                <a:solidFill>
+                  <a:srgbClr val="0000FF"/>
+                </a:solidFill>
+                <a:latin typeface="Lucida Console"/>
+                <a:cs typeface="Lucida Console"/>
+              </a:rPr>
+              <a:t>document.addEventListener</a:t>
+            </a:r>
+            <a:r>
+              <a:rPr lang="en-US" sz="3000" dirty="0">
+                <a:solidFill>
+                  <a:srgbClr val="0000FF"/>
+                </a:solidFill>
+                <a:latin typeface="Lucida Console"/>
+                <a:cs typeface="Lucida Console"/>
+              </a:rPr>
+              <a:t>("</a:t>
+            </a:r>
+            <a:r>
+              <a:rPr lang="en-US" sz="3000" dirty="0" err="1">
+                <a:solidFill>
+                  <a:srgbClr val="0000FF"/>
+                </a:solidFill>
+                <a:latin typeface="Lucida Console"/>
+                <a:cs typeface="Lucida Console"/>
+              </a:rPr>
+              <a:t>keydown</a:t>
+            </a:r>
+            <a:r>
+              <a:rPr lang="en-US" sz="3000" dirty="0">
+                <a:solidFill>
+                  <a:srgbClr val="0000FF"/>
+                </a:solidFill>
+                <a:latin typeface="Lucida Console"/>
+                <a:cs typeface="Lucida Console"/>
+              </a:rPr>
+              <a:t>", </a:t>
+            </a:r>
+            <a:r>
+              <a:rPr lang="en-US" sz="3000" dirty="0" smtClean="0">
+                <a:solidFill>
+                  <a:srgbClr val="0000FF"/>
+                </a:solidFill>
+                <a:latin typeface="Lucida Console"/>
+                <a:cs typeface="Lucida Console"/>
+              </a:rPr>
+              <a:t/>
+            </a:r>
+            <a:br>
+              <a:rPr lang="en-US" sz="3000" dirty="0" smtClean="0">
+                <a:solidFill>
+                  <a:srgbClr val="0000FF"/>
+                </a:solidFill>
+                <a:latin typeface="Lucida Console"/>
+                <a:cs typeface="Lucida Console"/>
+              </a:rPr>
+            </a:br>
+            <a:r>
+              <a:rPr lang="en-US" sz="3000" dirty="0" smtClean="0">
+                <a:solidFill>
+                  <a:srgbClr val="0000FF"/>
+                </a:solidFill>
+                <a:latin typeface="Lucida Console"/>
+                <a:cs typeface="Lucida Console"/>
+              </a:rPr>
+              <a:t>   </a:t>
+            </a:r>
+            <a:r>
+              <a:rPr lang="en-US" sz="3000" dirty="0" err="1" smtClean="0">
+                <a:solidFill>
+                  <a:srgbClr val="0000FF"/>
+                </a:solidFill>
+                <a:latin typeface="Lucida Console"/>
+                <a:cs typeface="Lucida Console"/>
+              </a:rPr>
+              <a:t>onDocumentKeyDown</a:t>
+            </a:r>
+            <a:r>
+              <a:rPr lang="en-US" sz="3000" dirty="0">
+                <a:solidFill>
+                  <a:srgbClr val="0000FF"/>
+                </a:solidFill>
+                <a:latin typeface="Lucida Console"/>
+                <a:cs typeface="Lucida Console"/>
+              </a:rPr>
+              <a:t>, false);</a:t>
+            </a:r>
+          </a:p>
+        </p:txBody>
+      </p:sp>
+    </p:spTree>
+    <p:extLst>
+      <p:ext uri="{BB962C8B-B14F-4D97-AF65-F5344CB8AC3E}">
+        <p14:creationId xmlns:p14="http://schemas.microsoft.com/office/powerpoint/2010/main" val="1189044225"/>
+      </p:ext>
+    </p:extLst>
+  </p:cSld>
+  <p:clrMapOvr>
+    <a:masterClrMapping/>
+  </p:clrMapOvr>
+  <p:timing>
+    <p:tnLst>
+      <p:par>
+        <p:cTn xmlns:p14="http://schemas.microsoft.com/office/powerpoint/2010/main" id="1" dur="indefinite" restart="never" nodeType="tmRoot"/>
+      </p:par>
+    </p:tnLst>
+  </p:timing>
+</p:sld>
+</file>
+
+<file path=ppt/slides/slide64.xml><?xml version="1.0" encoding="utf-8"?>
+<p:sld xmlns:a="http://schemas.openxmlformats.org/drawingml/2006/main" xmlns:r="http://schemas.openxmlformats.org/officeDocument/2006/relationships" xmlns:p="http://schemas.openxmlformats.org/presentationml/2006/main">
+  <p:cSld>
+    <p:spTree>
+      <p:nvGrpSpPr>
+        <p:cNvPr id="1" name=""/>
+        <p:cNvGrpSpPr/>
+        <p:nvPr/>
+      </p:nvGrpSpPr>
+      <p:grpSpPr>
+        <a:xfrm>
+          <a:off x="0" y="0"/>
+          <a:ext cx="0" cy="0"/>
+          <a:chOff x="0" y="0"/>
+          <a:chExt cx="0" cy="0"/>
+        </a:xfrm>
+      </p:grpSpPr>
+      <p:sp>
+        <p:nvSpPr>
+          <p:cNvPr id="2" name="Title 1"/>
+          <p:cNvSpPr>
+            <a:spLocks noGrp="1"/>
+          </p:cNvSpPr>
+          <p:nvPr>
+            <p:ph type="title"/>
+          </p:nvPr>
+        </p:nvSpPr>
+        <p:spPr/>
+        <p:txBody>
+          <a:bodyPr/>
+          <a:lstStyle/>
+          <a:p>
+            <a:r>
+              <a:rPr lang="en-US" dirty="0" smtClean="0"/>
+              <a:t>Lesson 06: Keyboard, Lighting</a:t>
+            </a:r>
+            <a:endParaRPr lang="en-US" dirty="0"/>
+          </a:p>
+        </p:txBody>
+      </p:sp>
+      <p:sp>
+        <p:nvSpPr>
+          <p:cNvPr id="3" name="Content Placeholder 2"/>
+          <p:cNvSpPr>
+            <a:spLocks noGrp="1"/>
+          </p:cNvSpPr>
+          <p:nvPr>
+            <p:ph idx="1"/>
+          </p:nvPr>
+        </p:nvSpPr>
+        <p:spPr>
+          <a:xfrm>
+            <a:off x="0" y="1199924"/>
+            <a:ext cx="9144000" cy="4525963"/>
+          </a:xfrm>
+        </p:spPr>
+        <p:txBody>
+          <a:bodyPr>
+            <a:noAutofit/>
+          </a:bodyPr>
+          <a:lstStyle/>
+          <a:p>
+            <a:r>
+              <a:rPr lang="en-US" sz="4000" dirty="0" smtClean="0"/>
+              <a:t>Keyboard handler</a:t>
+            </a:r>
+            <a:endParaRPr lang="en-US" sz="4000" dirty="0"/>
+          </a:p>
+          <a:p>
+            <a:endParaRPr lang="en-US" sz="1200" dirty="0">
+              <a:solidFill>
+                <a:srgbClr val="0000FF"/>
+              </a:solidFill>
+              <a:latin typeface="Lucida Console"/>
+              <a:cs typeface="Lucida Console"/>
+            </a:endParaRPr>
+          </a:p>
+          <a:p>
+            <a:pPr marL="0" indent="0">
+              <a:buNone/>
+            </a:pPr>
+            <a:r>
+              <a:rPr lang="en-US" sz="3000" dirty="0" smtClean="0">
+                <a:solidFill>
+                  <a:srgbClr val="0000FF"/>
+                </a:solidFill>
+                <a:latin typeface="Lucida Console"/>
+                <a:cs typeface="Lucida Console"/>
+              </a:rPr>
+              <a:t>if(</a:t>
+            </a:r>
+            <a:r>
+              <a:rPr lang="en-US" sz="3000" dirty="0" err="1">
+                <a:solidFill>
+                  <a:srgbClr val="0000FF"/>
+                </a:solidFill>
+                <a:latin typeface="Lucida Console"/>
+                <a:cs typeface="Lucida Console"/>
+              </a:rPr>
+              <a:t>keyCode</a:t>
+            </a:r>
+            <a:r>
+              <a:rPr lang="en-US" sz="3000" dirty="0">
+                <a:solidFill>
+                  <a:srgbClr val="0000FF"/>
+                </a:solidFill>
+                <a:latin typeface="Lucida Console"/>
+                <a:cs typeface="Lucida Console"/>
+              </a:rPr>
+              <a:t> == 70) { // </a:t>
+            </a:r>
+            <a:r>
+              <a:rPr lang="en-US" sz="3000" dirty="0" smtClean="0">
+                <a:solidFill>
+                  <a:srgbClr val="0000FF"/>
+                </a:solidFill>
+                <a:latin typeface="Lucida Console"/>
+                <a:cs typeface="Lucida Console"/>
+              </a:rPr>
+              <a:t>ASCII code for F</a:t>
+            </a:r>
+            <a:endParaRPr lang="en-US" sz="3000" dirty="0">
+              <a:solidFill>
+                <a:srgbClr val="0000FF"/>
+              </a:solidFill>
+              <a:latin typeface="Lucida Console"/>
+              <a:cs typeface="Lucida Console"/>
+            </a:endParaRPr>
+          </a:p>
+          <a:p>
+            <a:pPr marL="0" indent="0">
+              <a:buNone/>
+            </a:pPr>
+            <a:r>
+              <a:rPr lang="en-US" sz="3000" dirty="0">
+                <a:solidFill>
+                  <a:srgbClr val="0000FF"/>
+                </a:solidFill>
+                <a:latin typeface="Lucida Console"/>
+                <a:cs typeface="Lucida Console"/>
+              </a:rPr>
+              <a:t>  </a:t>
+            </a:r>
+            <a:r>
+              <a:rPr lang="en-US" sz="3000" dirty="0" smtClean="0">
+                <a:solidFill>
+                  <a:srgbClr val="0000FF"/>
+                </a:solidFill>
+                <a:latin typeface="Lucida Console"/>
+                <a:cs typeface="Lucida Console"/>
+              </a:rPr>
+              <a:t>switch</a:t>
+            </a:r>
+            <a:r>
+              <a:rPr lang="en-US" sz="3000" dirty="0">
+                <a:solidFill>
+                  <a:srgbClr val="0000FF"/>
+                </a:solidFill>
+                <a:latin typeface="Lucida Console"/>
+                <a:cs typeface="Lucida Console"/>
+              </a:rPr>
+              <a:t>(</a:t>
+            </a:r>
+            <a:r>
+              <a:rPr lang="en-US" sz="3000" dirty="0" err="1">
+                <a:solidFill>
+                  <a:srgbClr val="0000FF"/>
+                </a:solidFill>
+                <a:latin typeface="Lucida Console"/>
+                <a:cs typeface="Lucida Console"/>
+              </a:rPr>
+              <a:t>textureFilter</a:t>
+            </a:r>
+            <a:r>
+              <a:rPr lang="en-US" sz="3000" dirty="0">
+                <a:solidFill>
+                  <a:srgbClr val="0000FF"/>
+                </a:solidFill>
+                <a:latin typeface="Lucida Console"/>
+                <a:cs typeface="Lucida Console"/>
+              </a:rPr>
+              <a:t>){</a:t>
+            </a:r>
+          </a:p>
+          <a:p>
+            <a:pPr marL="0" indent="0">
+              <a:buNone/>
+            </a:pPr>
+            <a:r>
+              <a:rPr lang="en-US" sz="3000" dirty="0" smtClean="0">
+                <a:solidFill>
+                  <a:srgbClr val="0000FF"/>
+                </a:solidFill>
+                <a:latin typeface="Lucida Console"/>
+                <a:cs typeface="Lucida Console"/>
+              </a:rPr>
+              <a:t>    case </a:t>
+            </a:r>
+            <a:r>
+              <a:rPr lang="en-US" sz="3000" dirty="0">
+                <a:solidFill>
+                  <a:srgbClr val="0000FF"/>
+                </a:solidFill>
+                <a:latin typeface="Lucida Console"/>
+                <a:cs typeface="Lucida Console"/>
+              </a:rPr>
+              <a:t>0:</a:t>
+            </a:r>
+          </a:p>
+          <a:p>
+            <a:pPr marL="0" indent="0">
+              <a:buNone/>
+            </a:pPr>
+            <a:r>
+              <a:rPr lang="en-US" sz="3000" dirty="0">
+                <a:solidFill>
+                  <a:srgbClr val="0000FF"/>
+                </a:solidFill>
+                <a:latin typeface="Lucida Console"/>
+                <a:cs typeface="Lucida Console"/>
+              </a:rPr>
+              <a:t>    </a:t>
+            </a:r>
+            <a:r>
+              <a:rPr lang="en-US" sz="3000" dirty="0" smtClean="0">
+                <a:solidFill>
+                  <a:srgbClr val="0000FF"/>
+                </a:solidFill>
+                <a:latin typeface="Lucida Console"/>
+                <a:cs typeface="Lucida Console"/>
+              </a:rPr>
+              <a:t>  </a:t>
+            </a:r>
+            <a:r>
+              <a:rPr lang="en-US" sz="3000" dirty="0" err="1" smtClean="0">
+                <a:solidFill>
+                  <a:srgbClr val="0000FF"/>
+                </a:solidFill>
+                <a:latin typeface="Lucida Console"/>
+                <a:cs typeface="Lucida Console"/>
+              </a:rPr>
+              <a:t>crateTexture.minFilter</a:t>
+            </a:r>
+            <a:r>
+              <a:rPr lang="en-US" sz="3000" dirty="0" smtClean="0">
+                <a:solidFill>
+                  <a:srgbClr val="0000FF"/>
+                </a:solidFill>
+                <a:latin typeface="Lucida Console"/>
+                <a:cs typeface="Lucida Console"/>
+              </a:rPr>
+              <a:t> </a:t>
+            </a:r>
+            <a:r>
+              <a:rPr lang="en-US" sz="3000" dirty="0">
+                <a:solidFill>
+                  <a:srgbClr val="0000FF"/>
+                </a:solidFill>
+                <a:latin typeface="Lucida Console"/>
+                <a:cs typeface="Lucida Console"/>
+              </a:rPr>
+              <a:t>= </a:t>
+            </a:r>
+            <a:r>
+              <a:rPr lang="en-US" sz="3000" dirty="0" smtClean="0">
+                <a:solidFill>
+                  <a:srgbClr val="0000FF"/>
+                </a:solidFill>
+                <a:latin typeface="Lucida Console"/>
+                <a:cs typeface="Lucida Console"/>
+              </a:rPr>
+              <a:t/>
+            </a:r>
+            <a:br>
+              <a:rPr lang="en-US" sz="3000" dirty="0" smtClean="0">
+                <a:solidFill>
+                  <a:srgbClr val="0000FF"/>
+                </a:solidFill>
+                <a:latin typeface="Lucida Console"/>
+                <a:cs typeface="Lucida Console"/>
+              </a:rPr>
+            </a:br>
+            <a:r>
+              <a:rPr lang="en-US" sz="3000" dirty="0" smtClean="0">
+                <a:solidFill>
+                  <a:srgbClr val="0000FF"/>
+                </a:solidFill>
+                <a:latin typeface="Lucida Console"/>
+                <a:cs typeface="Lucida Console"/>
+              </a:rPr>
+              <a:t>         </a:t>
+            </a:r>
+            <a:r>
+              <a:rPr lang="en-US" sz="3000" dirty="0" err="1" smtClean="0">
+                <a:solidFill>
+                  <a:srgbClr val="0000FF"/>
+                </a:solidFill>
+                <a:latin typeface="Lucida Console"/>
+                <a:cs typeface="Lucida Console"/>
+              </a:rPr>
+              <a:t>THREE.NearestFilter</a:t>
+            </a:r>
+            <a:r>
+              <a:rPr lang="en-US" sz="3000" dirty="0">
+                <a:solidFill>
+                  <a:srgbClr val="0000FF"/>
+                </a:solidFill>
+                <a:latin typeface="Lucida Console"/>
+                <a:cs typeface="Lucida Console"/>
+              </a:rPr>
+              <a:t>;</a:t>
+            </a:r>
+          </a:p>
+          <a:p>
+            <a:pPr marL="0" indent="0">
+              <a:buNone/>
+            </a:pPr>
+            <a:r>
+              <a:rPr lang="en-US" sz="3000" dirty="0">
+                <a:solidFill>
+                  <a:srgbClr val="0000FF"/>
+                </a:solidFill>
+                <a:latin typeface="Lucida Console"/>
+                <a:cs typeface="Lucida Console"/>
+              </a:rPr>
+              <a:t>      </a:t>
+            </a:r>
+            <a:r>
+              <a:rPr lang="en-US" sz="3000" dirty="0" err="1" smtClean="0">
+                <a:solidFill>
+                  <a:srgbClr val="0000FF"/>
+                </a:solidFill>
+                <a:latin typeface="Lucida Console"/>
+                <a:cs typeface="Lucida Console"/>
+              </a:rPr>
+              <a:t>crateTexture.magFilter</a:t>
+            </a:r>
+            <a:r>
+              <a:rPr lang="en-US" sz="3000" dirty="0" smtClean="0">
+                <a:solidFill>
+                  <a:srgbClr val="0000FF"/>
+                </a:solidFill>
+                <a:latin typeface="Lucida Console"/>
+                <a:cs typeface="Lucida Console"/>
+              </a:rPr>
+              <a:t> </a:t>
+            </a:r>
+            <a:r>
+              <a:rPr lang="en-US" sz="3000" dirty="0">
+                <a:solidFill>
+                  <a:srgbClr val="0000FF"/>
+                </a:solidFill>
+                <a:latin typeface="Lucida Console"/>
+                <a:cs typeface="Lucida Console"/>
+              </a:rPr>
+              <a:t>= </a:t>
+            </a:r>
+            <a:r>
+              <a:rPr lang="en-US" sz="3000" dirty="0" smtClean="0">
+                <a:solidFill>
+                  <a:srgbClr val="0000FF"/>
+                </a:solidFill>
+                <a:latin typeface="Lucida Console"/>
+                <a:cs typeface="Lucida Console"/>
+              </a:rPr>
+              <a:t/>
+            </a:r>
+            <a:br>
+              <a:rPr lang="en-US" sz="3000" dirty="0" smtClean="0">
+                <a:solidFill>
+                  <a:srgbClr val="0000FF"/>
+                </a:solidFill>
+                <a:latin typeface="Lucida Console"/>
+                <a:cs typeface="Lucida Console"/>
+              </a:rPr>
+            </a:br>
+            <a:r>
+              <a:rPr lang="en-US" sz="3000" dirty="0" smtClean="0">
+                <a:solidFill>
+                  <a:srgbClr val="0000FF"/>
+                </a:solidFill>
+                <a:latin typeface="Lucida Console"/>
+                <a:cs typeface="Lucida Console"/>
+              </a:rPr>
+              <a:t>         </a:t>
+            </a:r>
+            <a:r>
+              <a:rPr lang="en-US" sz="3000" dirty="0" err="1" smtClean="0">
+                <a:solidFill>
+                  <a:srgbClr val="0000FF"/>
+                </a:solidFill>
+                <a:latin typeface="Lucida Console"/>
+                <a:cs typeface="Lucida Console"/>
+              </a:rPr>
+              <a:t>THREE.NearestFilter</a:t>
+            </a:r>
+            <a:r>
+              <a:rPr lang="en-US" sz="3000" dirty="0">
+                <a:solidFill>
+                  <a:srgbClr val="0000FF"/>
+                </a:solidFill>
+                <a:latin typeface="Lucida Console"/>
+                <a:cs typeface="Lucida Console"/>
+              </a:rPr>
+              <a:t>;</a:t>
+            </a:r>
+          </a:p>
+          <a:p>
+            <a:pPr marL="0" indent="0">
+              <a:buNone/>
+            </a:pPr>
+            <a:r>
+              <a:rPr lang="en-US" sz="3000" dirty="0">
+                <a:solidFill>
+                  <a:srgbClr val="0000FF"/>
+                </a:solidFill>
+                <a:latin typeface="Lucida Console"/>
+                <a:cs typeface="Lucida Console"/>
+              </a:rPr>
+              <a:t>      </a:t>
+            </a:r>
+            <a:r>
+              <a:rPr lang="en-US" sz="3000" dirty="0" err="1" smtClean="0">
+                <a:solidFill>
+                  <a:srgbClr val="0000FF"/>
+                </a:solidFill>
+                <a:latin typeface="Lucida Console"/>
+                <a:cs typeface="Lucida Console"/>
+              </a:rPr>
+              <a:t>textureFilter</a:t>
+            </a:r>
+            <a:r>
+              <a:rPr lang="en-US" sz="3000" dirty="0" smtClean="0">
+                <a:solidFill>
+                  <a:srgbClr val="0000FF"/>
+                </a:solidFill>
+                <a:latin typeface="Lucida Console"/>
+                <a:cs typeface="Lucida Console"/>
+              </a:rPr>
+              <a:t> </a:t>
+            </a:r>
+            <a:r>
+              <a:rPr lang="en-US" sz="3000" dirty="0">
+                <a:solidFill>
+                  <a:srgbClr val="0000FF"/>
+                </a:solidFill>
+                <a:latin typeface="Lucida Console"/>
+                <a:cs typeface="Lucida Console"/>
+              </a:rPr>
+              <a:t>= 1</a:t>
+            </a:r>
+            <a:r>
+              <a:rPr lang="en-US" sz="3000" dirty="0" smtClean="0">
+                <a:solidFill>
+                  <a:srgbClr val="0000FF"/>
+                </a:solidFill>
+                <a:latin typeface="Lucida Console"/>
+                <a:cs typeface="Lucida Console"/>
+              </a:rPr>
+              <a:t>; break</a:t>
+            </a:r>
+            <a:r>
+              <a:rPr lang="en-US" sz="3000" dirty="0">
+                <a:solidFill>
+                  <a:srgbClr val="0000FF"/>
+                </a:solidFill>
+                <a:latin typeface="Lucida Console"/>
+                <a:cs typeface="Lucida Console"/>
+              </a:rPr>
+              <a:t>;</a:t>
+            </a:r>
+          </a:p>
+          <a:p>
+            <a:pPr marL="0" indent="0">
+              <a:buNone/>
+            </a:pPr>
+            <a:r>
+              <a:rPr lang="en-US" sz="3000" dirty="0">
+                <a:solidFill>
+                  <a:srgbClr val="0000FF"/>
+                </a:solidFill>
+                <a:latin typeface="Lucida Console"/>
+                <a:cs typeface="Lucida Console"/>
+              </a:rPr>
+              <a:t>        ...</a:t>
+            </a:r>
+          </a:p>
+          <a:p>
+            <a:pPr marL="0" indent="0">
+              <a:buNone/>
+            </a:pPr>
+            <a:r>
+              <a:rPr lang="en-US" sz="3000" dirty="0">
+                <a:solidFill>
+                  <a:srgbClr val="0000FF"/>
+                </a:solidFill>
+                <a:latin typeface="Lucida Console"/>
+                <a:cs typeface="Lucida Console"/>
+              </a:rPr>
+              <a:t>    };</a:t>
+            </a:r>
+          </a:p>
+          <a:p>
+            <a:pPr marL="0" indent="0">
+              <a:buNone/>
+            </a:pPr>
+            <a:r>
+              <a:rPr lang="en-US" sz="3000" dirty="0">
+                <a:solidFill>
+                  <a:srgbClr val="0000FF"/>
+                </a:solidFill>
+                <a:latin typeface="Lucida Console"/>
+                <a:cs typeface="Lucida Console"/>
+              </a:rPr>
+              <a:t>    </a:t>
+            </a:r>
+            <a:r>
+              <a:rPr lang="en-US" sz="3000" dirty="0" err="1">
+                <a:solidFill>
+                  <a:srgbClr val="0000FF"/>
+                </a:solidFill>
+                <a:latin typeface="Lucida Console"/>
+                <a:cs typeface="Lucida Console"/>
+              </a:rPr>
+              <a:t>crateTexture.needsUpdate</a:t>
+            </a:r>
+            <a:r>
+              <a:rPr lang="en-US" sz="3000" dirty="0">
+                <a:solidFill>
+                  <a:srgbClr val="0000FF"/>
+                </a:solidFill>
+                <a:latin typeface="Lucida Console"/>
+                <a:cs typeface="Lucida Console"/>
+              </a:rPr>
+              <a:t> = true;</a:t>
+            </a:r>
+            <a:endParaRPr lang="en-US" sz="3000" dirty="0" smtClean="0">
+              <a:solidFill>
+                <a:srgbClr val="0000FF"/>
+              </a:solidFill>
+              <a:latin typeface="Lucida Console"/>
+              <a:cs typeface="Lucida Console"/>
+            </a:endParaRPr>
+          </a:p>
+        </p:txBody>
+      </p:sp>
+    </p:spTree>
+    <p:extLst>
+      <p:ext uri="{BB962C8B-B14F-4D97-AF65-F5344CB8AC3E}">
+        <p14:creationId xmlns:p14="http://schemas.microsoft.com/office/powerpoint/2010/main" val="2929926197"/>
+      </p:ext>
+    </p:extLst>
+  </p:cSld>
+  <p:clrMapOvr>
+    <a:masterClrMapping/>
+  </p:clrMapOvr>
+  <p:timing>
+    <p:tnLst>
+      <p:par>
+        <p:cTn xmlns:p14="http://schemas.microsoft.com/office/powerpoint/2010/main" id="1" dur="indefinite" restart="never" nodeType="tmRoot"/>
+      </p:par>
+    </p:tnLst>
+  </p:timing>
+</p:sld>
+</file>
+
+<file path=ppt/slides/slide65.xml><?xml version="1.0" encoding="utf-8"?>
+<p:sld xmlns:a="http://schemas.openxmlformats.org/drawingml/2006/main" xmlns:r="http://schemas.openxmlformats.org/officeDocument/2006/relationships" xmlns:p="http://schemas.openxmlformats.org/presentationml/2006/main" show="0">
+  <p:cSld>
+    <p:spTree>
+      <p:nvGrpSpPr>
+        <p:cNvPr id="1" name=""/>
+        <p:cNvGrpSpPr/>
+        <p:nvPr/>
+      </p:nvGrpSpPr>
+      <p:grpSpPr>
+        <a:xfrm>
+          <a:off x="0" y="0"/>
+          <a:ext cx="0" cy="0"/>
+          <a:chOff x="0" y="0"/>
+          <a:chExt cx="0" cy="0"/>
+        </a:xfrm>
+      </p:grpSpPr>
+      <p:sp>
+        <p:nvSpPr>
+          <p:cNvPr id="2" name="Title 1"/>
+          <p:cNvSpPr>
+            <a:spLocks noGrp="1"/>
+          </p:cNvSpPr>
+          <p:nvPr>
+            <p:ph type="title"/>
+          </p:nvPr>
+        </p:nvSpPr>
+        <p:spPr/>
+        <p:txBody>
+          <a:bodyPr>
+            <a:normAutofit fontScale="90000"/>
+          </a:bodyPr>
+          <a:lstStyle/>
+          <a:p>
+            <a:r>
+              <a:rPr lang="en-US" b="1" dirty="0" smtClean="0"/>
+              <a:t>Lesson 1: Triangle and Quad (</a:t>
+            </a:r>
+            <a:r>
+              <a:rPr lang="en-US" b="1" dirty="0" err="1" smtClean="0"/>
+              <a:t>Three.js</a:t>
+            </a:r>
+            <a:r>
+              <a:rPr lang="en-US" b="1" dirty="0" smtClean="0"/>
+              <a:t>)</a:t>
+            </a:r>
+            <a:endParaRPr lang="en-US" b="1" dirty="0"/>
+          </a:p>
+        </p:txBody>
+      </p:sp>
+      <p:sp>
+        <p:nvSpPr>
+          <p:cNvPr id="3" name="Content Placeholder 2"/>
+          <p:cNvSpPr>
+            <a:spLocks noGrp="1"/>
+          </p:cNvSpPr>
+          <p:nvPr>
+            <p:ph idx="1"/>
+          </p:nvPr>
+        </p:nvSpPr>
+        <p:spPr/>
+        <p:txBody>
+          <a:bodyPr/>
+          <a:lstStyle/>
+          <a:p>
+            <a:r>
+              <a:rPr lang="en-US" dirty="0" err="1" smtClean="0"/>
+              <a:t>Three.js</a:t>
+            </a:r>
+            <a:endParaRPr lang="en-US" dirty="0"/>
+          </a:p>
+        </p:txBody>
+      </p:sp>
+    </p:spTree>
+    <p:extLst>
+      <p:ext uri="{BB962C8B-B14F-4D97-AF65-F5344CB8AC3E}">
+        <p14:creationId xmlns:p14="http://schemas.microsoft.com/office/powerpoint/2010/main" val="1647454612"/>
+      </p:ext>
+    </p:extLst>
+  </p:cSld>
+  <p:clrMapOvr>
+    <a:masterClrMapping/>
+  </p:clrMapOvr>
+  <mc:AlternateContent xmlns:mc="http://schemas.openxmlformats.org/markup-compatibility/2006">
+    <mc:Choice xmlns:p14="http://schemas.microsoft.com/office/powerpoint/2010/main" Requires="p14">
+      <p:transition spd="slow" p14:dur="2000"/>
+    </mc:Choice>
+    <mc:Fallback>
+      <p:transition xmlns:p14="http://schemas.microsoft.com/office/powerpoint/2010/main" spd="slow"/>
+    </mc:Fallback>
+  </mc:AlternateContent>
+  <p:timing>
+    <p:tnLst>
+      <p:par>
+        <p:cTn xmlns:p14="http://schemas.microsoft.com/office/powerpoint/2010/main" id="1" dur="indefinite" restart="never" nodeType="tmRoot"/>
+      </p:par>
+    </p:tnLst>
+  </p:timing>
+</p:sld>
+</file>
+
+<file path=ppt/slides/slide66.xml><?xml version="1.0" encoding="utf-8"?>
+<p:sld xmlns:a="http://schemas.openxmlformats.org/drawingml/2006/main" xmlns:r="http://schemas.openxmlformats.org/officeDocument/2006/relationships" xmlns:p="http://schemas.openxmlformats.org/presentationml/2006/main" show="0">
+  <p:cSld>
+    <p:spTree>
+      <p:nvGrpSpPr>
+        <p:cNvPr id="1" name=""/>
+        <p:cNvGrpSpPr/>
+        <p:nvPr/>
+      </p:nvGrpSpPr>
+      <p:grpSpPr>
+        <a:xfrm>
+          <a:off x="0" y="0"/>
+          <a:ext cx="0" cy="0"/>
+          <a:chOff x="0" y="0"/>
+          <a:chExt cx="0" cy="0"/>
+        </a:xfrm>
+      </p:grpSpPr>
+      <p:sp>
+        <p:nvSpPr>
+          <p:cNvPr id="2" name="Title 1"/>
+          <p:cNvSpPr>
+            <a:spLocks noGrp="1"/>
+          </p:cNvSpPr>
+          <p:nvPr>
+            <p:ph type="title"/>
+          </p:nvPr>
+        </p:nvSpPr>
+        <p:spPr/>
+        <p:txBody>
+          <a:bodyPr/>
+          <a:lstStyle/>
+          <a:p>
+            <a:r>
+              <a:rPr lang="en-US" b="1" dirty="0" err="1" smtClean="0"/>
+              <a:t>Three.js</a:t>
+            </a:r>
+            <a:r>
+              <a:rPr lang="en-US" b="1" dirty="0" smtClean="0"/>
+              <a:t> Mesh Loader</a:t>
+            </a:r>
+            <a:endParaRPr lang="en-US" b="1" dirty="0"/>
+          </a:p>
+        </p:txBody>
+      </p:sp>
+      <p:sp>
+        <p:nvSpPr>
+          <p:cNvPr id="3" name="Content Placeholder 2"/>
+          <p:cNvSpPr>
+            <a:spLocks noGrp="1"/>
+          </p:cNvSpPr>
+          <p:nvPr>
+            <p:ph idx="1"/>
+          </p:nvPr>
+        </p:nvSpPr>
+        <p:spPr/>
+        <p:txBody>
+          <a:bodyPr/>
+          <a:lstStyle/>
+          <a:p>
+            <a:r>
+              <a:rPr lang="en-US" dirty="0" smtClean="0"/>
+              <a:t>Simple tutorial </a:t>
+            </a:r>
+            <a:r>
+              <a:rPr lang="en-US" dirty="0" err="1" smtClean="0"/>
+              <a:t>three.js</a:t>
+            </a:r>
+            <a:endParaRPr lang="en-US" dirty="0"/>
+          </a:p>
+        </p:txBody>
+      </p:sp>
+    </p:spTree>
+    <p:extLst>
+      <p:ext uri="{BB962C8B-B14F-4D97-AF65-F5344CB8AC3E}">
+        <p14:creationId xmlns:p14="http://schemas.microsoft.com/office/powerpoint/2010/main" val="2826869002"/>
+      </p:ext>
+    </p:extLst>
+  </p:cSld>
+  <p:clrMapOvr>
+    <a:masterClrMapping/>
+  </p:clrMapOvr>
+  <mc:AlternateContent xmlns:mc="http://schemas.openxmlformats.org/markup-compatibility/2006">
+    <mc:Choice xmlns:p14="http://schemas.microsoft.com/office/powerpoint/2010/main" Requires="p14">
+      <p:transition spd="slow" p14:dur="2000"/>
+    </mc:Choice>
+    <mc:Fallback>
+      <p:transition xmlns:p14="http://schemas.microsoft.com/office/powerpoint/2010/main" spd="slow"/>
+    </mc:Fallback>
+  </mc:AlternateContent>
   <p:timing>
     <p:tnLst>
       <p:par>

--- a/slides.pptx
+++ b/slides.pptx
@@ -69,8 +69,12 @@
     <p:sldId id="322" r:id="rId63"/>
     <p:sldId id="323" r:id="rId64"/>
     <p:sldId id="324" r:id="rId65"/>
-    <p:sldId id="262" r:id="rId66"/>
-    <p:sldId id="261" r:id="rId67"/>
+    <p:sldId id="325" r:id="rId66"/>
+    <p:sldId id="326" r:id="rId67"/>
+    <p:sldId id="327" r:id="rId68"/>
+    <p:sldId id="328" r:id="rId69"/>
+    <p:sldId id="262" r:id="rId70"/>
+    <p:sldId id="261" r:id="rId71"/>
   </p:sldIdLst>
   <p:sldSz cx="9144000" cy="6858000" type="screen4x3"/>
   <p:notesSz cx="6858000" cy="9144000"/>
@@ -29670,6 +29674,1807 @@
 </file>
 
 <file path=ppt/slides/slide65.xml><?xml version="1.0" encoding="utf-8"?>
+<p:sld xmlns:a="http://schemas.openxmlformats.org/drawingml/2006/main" xmlns:r="http://schemas.openxmlformats.org/officeDocument/2006/relationships" xmlns:p="http://schemas.openxmlformats.org/presentationml/2006/main">
+  <p:cSld>
+    <p:spTree>
+      <p:nvGrpSpPr>
+        <p:cNvPr id="1" name=""/>
+        <p:cNvGrpSpPr/>
+        <p:nvPr/>
+      </p:nvGrpSpPr>
+      <p:grpSpPr>
+        <a:xfrm>
+          <a:off x="0" y="0"/>
+          <a:ext cx="0" cy="0"/>
+          <a:chOff x="0" y="0"/>
+          <a:chExt cx="0" cy="0"/>
+        </a:xfrm>
+      </p:grpSpPr>
+      <p:sp>
+        <p:nvSpPr>
+          <p:cNvPr id="2" name="Title 1"/>
+          <p:cNvSpPr>
+            <a:spLocks noGrp="1"/>
+          </p:cNvSpPr>
+          <p:nvPr>
+            <p:ph type="title"/>
+          </p:nvPr>
+        </p:nvSpPr>
+        <p:spPr>
+          <a:xfrm>
+            <a:off x="0" y="274638"/>
+            <a:ext cx="9144000" cy="1143000"/>
+          </a:xfrm>
+        </p:spPr>
+        <p:txBody>
+          <a:bodyPr>
+            <a:normAutofit/>
+          </a:bodyPr>
+          <a:lstStyle/>
+          <a:p>
+            <a:r>
+              <a:rPr lang="en-US" b="1" dirty="0" err="1" smtClean="0"/>
+              <a:t>Three.js</a:t>
+            </a:r>
+            <a:r>
+              <a:rPr lang="en-US" b="1" dirty="0" smtClean="0"/>
+              <a:t> Examples: OBJ/MTL Loader</a:t>
+            </a:r>
+            <a:endParaRPr lang="en-US" b="1" dirty="0"/>
+          </a:p>
+        </p:txBody>
+      </p:sp>
+      <p:pic>
+        <p:nvPicPr>
+          <p:cNvPr id="4" name="Picture 3" descr="Screen Shot 2015-04-21 at 4.29.07 PM.png"/>
+          <p:cNvPicPr>
+            <a:picLocks noChangeAspect="1"/>
+          </p:cNvPicPr>
+          <p:nvPr/>
+        </p:nvPicPr>
+        <p:blipFill>
+          <a:blip r:embed="rId2">
+            <a:extLst>
+              <a:ext uri="{BEBA8EAE-BF5A-486C-A8C5-ECC9F3942E4B}">
+                <a14:imgProps xmlns:a14="http://schemas.microsoft.com/office/drawing/2010/main">
+                  <a14:imgLayer r:embed="rId3">
+                    <a14:imgEffect>
+                      <a14:brightnessContrast bright="40000"/>
+                    </a14:imgEffect>
+                  </a14:imgLayer>
+                </a14:imgProps>
+              </a:ext>
+              <a:ext uri="{28A0092B-C50C-407E-A947-70E740481C1C}">
+                <a14:useLocalDpi xmlns:a14="http://schemas.microsoft.com/office/drawing/2010/main" val="0"/>
+              </a:ext>
+            </a:extLst>
+          </a:blip>
+          <a:stretch>
+            <a:fillRect/>
+          </a:stretch>
+        </p:blipFill>
+        <p:spPr>
+          <a:xfrm>
+            <a:off x="3043727" y="1417639"/>
+            <a:ext cx="3056547" cy="4334468"/>
+          </a:xfrm>
+          <a:prstGeom prst="rect">
+            <a:avLst/>
+          </a:prstGeom>
+        </p:spPr>
+      </p:pic>
+      <p:sp>
+        <p:nvSpPr>
+          <p:cNvPr id="5" name="TextBox 4"/>
+          <p:cNvSpPr txBox="1"/>
+          <p:nvPr/>
+        </p:nvSpPr>
+        <p:spPr>
+          <a:xfrm>
+            <a:off x="1411472" y="6030669"/>
+            <a:ext cx="6321056" cy="523220"/>
+          </a:xfrm>
+          <a:prstGeom prst="rect">
+            <a:avLst/>
+          </a:prstGeom>
+          <a:noFill/>
+        </p:spPr>
+        <p:txBody>
+          <a:bodyPr wrap="square" rtlCol="0">
+            <a:spAutoFit/>
+          </a:bodyPr>
+          <a:lstStyle/>
+          <a:p>
+            <a:pPr algn="ctr"/>
+            <a:r>
+              <a:rPr lang="en-US" sz="2800" dirty="0" smtClean="0">
+                <a:hlinkClick r:id="rId4"/>
+              </a:rPr>
+              <a:t>OBJ / MTL Loader Example</a:t>
+            </a:r>
+            <a:r>
+              <a:rPr lang="en-US" sz="2800" dirty="0" smtClean="0"/>
+              <a:t> on local server</a:t>
+            </a:r>
+            <a:endParaRPr lang="en-US" sz="2800" dirty="0"/>
+          </a:p>
+        </p:txBody>
+      </p:sp>
+    </p:spTree>
+    <p:extLst>
+      <p:ext uri="{BB962C8B-B14F-4D97-AF65-F5344CB8AC3E}">
+        <p14:creationId xmlns:p14="http://schemas.microsoft.com/office/powerpoint/2010/main" val="1119970623"/>
+      </p:ext>
+    </p:extLst>
+  </p:cSld>
+  <p:clrMapOvr>
+    <a:masterClrMapping/>
+  </p:clrMapOvr>
+  <p:timing>
+    <p:tnLst>
+      <p:par>
+        <p:cTn xmlns:p14="http://schemas.microsoft.com/office/powerpoint/2010/main" id="1" dur="indefinite" restart="never" nodeType="tmRoot"/>
+      </p:par>
+    </p:tnLst>
+  </p:timing>
+</p:sld>
+</file>
+
+<file path=ppt/slides/slide66.xml><?xml version="1.0" encoding="utf-8"?>
+<p:sld xmlns:a="http://schemas.openxmlformats.org/drawingml/2006/main" xmlns:r="http://schemas.openxmlformats.org/officeDocument/2006/relationships" xmlns:p="http://schemas.openxmlformats.org/presentationml/2006/main">
+  <p:cSld>
+    <p:spTree>
+      <p:nvGrpSpPr>
+        <p:cNvPr id="1" name=""/>
+        <p:cNvGrpSpPr/>
+        <p:nvPr/>
+      </p:nvGrpSpPr>
+      <p:grpSpPr>
+        <a:xfrm>
+          <a:off x="0" y="0"/>
+          <a:ext cx="0" cy="0"/>
+          <a:chOff x="0" y="0"/>
+          <a:chExt cx="0" cy="0"/>
+        </a:xfrm>
+      </p:grpSpPr>
+      <p:sp>
+        <p:nvSpPr>
+          <p:cNvPr id="2" name="Title 1"/>
+          <p:cNvSpPr>
+            <a:spLocks noGrp="1"/>
+          </p:cNvSpPr>
+          <p:nvPr>
+            <p:ph type="title"/>
+          </p:nvPr>
+        </p:nvSpPr>
+        <p:spPr/>
+        <p:txBody>
+          <a:bodyPr/>
+          <a:lstStyle/>
+          <a:p>
+            <a:r>
+              <a:rPr lang="en-US" dirty="0" smtClean="0"/>
+              <a:t>Model Loader: Scene Code</a:t>
+            </a:r>
+            <a:endParaRPr lang="en-US" dirty="0"/>
+          </a:p>
+        </p:txBody>
+      </p:sp>
+      <p:sp>
+        <p:nvSpPr>
+          <p:cNvPr id="3" name="Content Placeholder 2"/>
+          <p:cNvSpPr>
+            <a:spLocks noGrp="1"/>
+          </p:cNvSpPr>
+          <p:nvPr>
+            <p:ph idx="1"/>
+          </p:nvPr>
+        </p:nvSpPr>
+        <p:spPr>
+          <a:xfrm>
+            <a:off x="0" y="1199924"/>
+            <a:ext cx="9144000" cy="4525963"/>
+          </a:xfrm>
+        </p:spPr>
+        <p:txBody>
+          <a:bodyPr>
+            <a:noAutofit/>
+          </a:bodyPr>
+          <a:lstStyle/>
+          <a:p>
+            <a:pPr marL="0" indent="0">
+              <a:buNone/>
+            </a:pPr>
+            <a:r>
+              <a:rPr lang="en-US" sz="3000" dirty="0" smtClean="0">
+                <a:solidFill>
+                  <a:srgbClr val="0000FF"/>
+                </a:solidFill>
+                <a:latin typeface="Lucida Console"/>
+                <a:cs typeface="Lucida Console"/>
+              </a:rPr>
+              <a:t>scene </a:t>
+            </a:r>
+            <a:r>
+              <a:rPr lang="en-US" sz="3000" dirty="0">
+                <a:solidFill>
+                  <a:srgbClr val="0000FF"/>
+                </a:solidFill>
+                <a:latin typeface="Lucida Console"/>
+                <a:cs typeface="Lucida Console"/>
+              </a:rPr>
+              <a:t>= new </a:t>
+            </a:r>
+            <a:r>
+              <a:rPr lang="en-US" sz="3000" dirty="0" err="1">
+                <a:solidFill>
+                  <a:srgbClr val="0000FF"/>
+                </a:solidFill>
+                <a:latin typeface="Lucida Console"/>
+                <a:cs typeface="Lucida Console"/>
+              </a:rPr>
+              <a:t>THREE.Scene</a:t>
+            </a:r>
+            <a:r>
+              <a:rPr lang="en-US" sz="3000" dirty="0">
+                <a:solidFill>
+                  <a:srgbClr val="0000FF"/>
+                </a:solidFill>
+                <a:latin typeface="Lucida Console"/>
+                <a:cs typeface="Lucida Console"/>
+              </a:rPr>
+              <a:t>();</a:t>
+            </a:r>
+          </a:p>
+          <a:p>
+            <a:pPr marL="0" indent="0">
+              <a:buNone/>
+            </a:pPr>
+            <a:r>
+              <a:rPr lang="en-US" sz="3000" dirty="0" err="1" smtClean="0">
+                <a:solidFill>
+                  <a:srgbClr val="0000FF"/>
+                </a:solidFill>
+                <a:latin typeface="Lucida Console"/>
+                <a:cs typeface="Lucida Console"/>
+              </a:rPr>
+              <a:t>var</a:t>
+            </a:r>
+            <a:r>
+              <a:rPr lang="en-US" sz="3000" dirty="0" smtClean="0">
+                <a:solidFill>
+                  <a:srgbClr val="0000FF"/>
+                </a:solidFill>
+                <a:latin typeface="Lucida Console"/>
+                <a:cs typeface="Lucida Console"/>
+              </a:rPr>
+              <a:t> </a:t>
+            </a:r>
+            <a:r>
+              <a:rPr lang="en-US" sz="3000" dirty="0">
+                <a:solidFill>
+                  <a:srgbClr val="0000FF"/>
+                </a:solidFill>
+                <a:latin typeface="Lucida Console"/>
+                <a:cs typeface="Lucida Console"/>
+              </a:rPr>
+              <a:t>ambient = new </a:t>
+            </a:r>
+            <a:r>
+              <a:rPr lang="en-US" sz="3000" dirty="0" smtClean="0">
+                <a:solidFill>
+                  <a:srgbClr val="0000FF"/>
+                </a:solidFill>
+                <a:latin typeface="Lucida Console"/>
+                <a:cs typeface="Lucida Console"/>
+              </a:rPr>
+              <a:t/>
+            </a:r>
+            <a:br>
+              <a:rPr lang="en-US" sz="3000" dirty="0" smtClean="0">
+                <a:solidFill>
+                  <a:srgbClr val="0000FF"/>
+                </a:solidFill>
+                <a:latin typeface="Lucida Console"/>
+                <a:cs typeface="Lucida Console"/>
+              </a:rPr>
+            </a:br>
+            <a:r>
+              <a:rPr lang="en-US" sz="3000" dirty="0" smtClean="0">
+                <a:solidFill>
+                  <a:srgbClr val="0000FF"/>
+                </a:solidFill>
+                <a:latin typeface="Lucida Console"/>
+                <a:cs typeface="Lucida Console"/>
+              </a:rPr>
+              <a:t>  </a:t>
+            </a:r>
+            <a:r>
+              <a:rPr lang="en-US" sz="3000" dirty="0" err="1" smtClean="0">
+                <a:solidFill>
+                  <a:srgbClr val="0000FF"/>
+                </a:solidFill>
+                <a:latin typeface="Lucida Console"/>
+                <a:cs typeface="Lucida Console"/>
+              </a:rPr>
+              <a:t>THREE.AmbientLight</a:t>
+            </a:r>
+            <a:r>
+              <a:rPr lang="en-US" sz="3000" dirty="0" smtClean="0">
+                <a:solidFill>
+                  <a:srgbClr val="0000FF"/>
+                </a:solidFill>
+                <a:latin typeface="Lucida Console"/>
+                <a:cs typeface="Lucida Console"/>
+              </a:rPr>
+              <a:t>(0x444444)</a:t>
+            </a:r>
+            <a:r>
+              <a:rPr lang="en-US" sz="3000" dirty="0">
+                <a:solidFill>
+                  <a:srgbClr val="0000FF"/>
+                </a:solidFill>
+                <a:latin typeface="Lucida Console"/>
+                <a:cs typeface="Lucida Console"/>
+              </a:rPr>
+              <a:t>;</a:t>
+            </a:r>
+          </a:p>
+          <a:p>
+            <a:pPr marL="0" indent="0">
+              <a:buNone/>
+            </a:pPr>
+            <a:r>
+              <a:rPr lang="en-US" sz="3000" dirty="0" err="1" smtClean="0">
+                <a:solidFill>
+                  <a:srgbClr val="0000FF"/>
+                </a:solidFill>
+                <a:latin typeface="Lucida Console"/>
+                <a:cs typeface="Lucida Console"/>
+              </a:rPr>
+              <a:t>scene.add</a:t>
+            </a:r>
+            <a:r>
+              <a:rPr lang="en-US" sz="3000" dirty="0" smtClean="0">
+                <a:solidFill>
+                  <a:srgbClr val="0000FF"/>
+                </a:solidFill>
+                <a:latin typeface="Lucida Console"/>
+                <a:cs typeface="Lucida Console"/>
+              </a:rPr>
+              <a:t>(ambient)</a:t>
+            </a:r>
+            <a:r>
+              <a:rPr lang="en-US" sz="3000" dirty="0">
+                <a:solidFill>
+                  <a:srgbClr val="0000FF"/>
+                </a:solidFill>
+                <a:latin typeface="Lucida Console"/>
+                <a:cs typeface="Lucida Console"/>
+              </a:rPr>
+              <a:t>;</a:t>
+            </a:r>
+          </a:p>
+          <a:p>
+            <a:pPr marL="0" indent="0">
+              <a:buNone/>
+            </a:pPr>
+            <a:endParaRPr lang="en-US" sz="3000" dirty="0">
+              <a:solidFill>
+                <a:srgbClr val="0000FF"/>
+              </a:solidFill>
+              <a:latin typeface="Lucida Console"/>
+              <a:cs typeface="Lucida Console"/>
+            </a:endParaRPr>
+          </a:p>
+          <a:p>
+            <a:pPr marL="0" indent="0">
+              <a:buNone/>
+            </a:pPr>
+            <a:r>
+              <a:rPr lang="en-US" sz="3000" dirty="0" err="1" smtClean="0">
+                <a:solidFill>
+                  <a:srgbClr val="0000FF"/>
+                </a:solidFill>
+                <a:latin typeface="Lucida Console"/>
+                <a:cs typeface="Lucida Console"/>
+              </a:rPr>
+              <a:t>var</a:t>
+            </a:r>
+            <a:r>
+              <a:rPr lang="en-US" sz="3000" dirty="0" smtClean="0">
+                <a:solidFill>
+                  <a:srgbClr val="0000FF"/>
+                </a:solidFill>
+                <a:latin typeface="Lucida Console"/>
+                <a:cs typeface="Lucida Console"/>
+              </a:rPr>
+              <a:t> </a:t>
+            </a:r>
+            <a:r>
+              <a:rPr lang="en-US" sz="3000" dirty="0" err="1">
+                <a:solidFill>
+                  <a:srgbClr val="0000FF"/>
+                </a:solidFill>
+                <a:latin typeface="Lucida Console"/>
+                <a:cs typeface="Lucida Console"/>
+              </a:rPr>
+              <a:t>directionalLight</a:t>
+            </a:r>
+            <a:r>
+              <a:rPr lang="en-US" sz="3000" dirty="0">
+                <a:solidFill>
+                  <a:srgbClr val="0000FF"/>
+                </a:solidFill>
+                <a:latin typeface="Lucida Console"/>
+                <a:cs typeface="Lucida Console"/>
+              </a:rPr>
+              <a:t> = new </a:t>
+            </a:r>
+            <a:r>
+              <a:rPr lang="en-US" sz="3000" dirty="0" smtClean="0">
+                <a:solidFill>
+                  <a:srgbClr val="0000FF"/>
+                </a:solidFill>
+                <a:latin typeface="Lucida Console"/>
+                <a:cs typeface="Lucida Console"/>
+              </a:rPr>
+              <a:t/>
+            </a:r>
+            <a:br>
+              <a:rPr lang="en-US" sz="3000" dirty="0" smtClean="0">
+                <a:solidFill>
+                  <a:srgbClr val="0000FF"/>
+                </a:solidFill>
+                <a:latin typeface="Lucida Console"/>
+                <a:cs typeface="Lucida Console"/>
+              </a:rPr>
+            </a:br>
+            <a:r>
+              <a:rPr lang="en-US" sz="3000" dirty="0" smtClean="0">
+                <a:solidFill>
+                  <a:srgbClr val="0000FF"/>
+                </a:solidFill>
+                <a:latin typeface="Lucida Console"/>
+                <a:cs typeface="Lucida Console"/>
+              </a:rPr>
+              <a:t>  </a:t>
+            </a:r>
+            <a:r>
+              <a:rPr lang="en-US" sz="3000" dirty="0" err="1" smtClean="0">
+                <a:solidFill>
+                  <a:srgbClr val="0000FF"/>
+                </a:solidFill>
+                <a:latin typeface="Lucida Console"/>
+                <a:cs typeface="Lucida Console"/>
+              </a:rPr>
+              <a:t>THREE.DirectionalLight</a:t>
+            </a:r>
+            <a:r>
+              <a:rPr lang="en-US" sz="3000" dirty="0" smtClean="0">
+                <a:solidFill>
+                  <a:srgbClr val="0000FF"/>
+                </a:solidFill>
+                <a:latin typeface="Lucida Console"/>
+                <a:cs typeface="Lucida Console"/>
+              </a:rPr>
+              <a:t>(0xffeedd)</a:t>
+            </a:r>
+            <a:r>
+              <a:rPr lang="en-US" sz="3000" dirty="0">
+                <a:solidFill>
+                  <a:srgbClr val="0000FF"/>
+                </a:solidFill>
+                <a:latin typeface="Lucida Console"/>
+                <a:cs typeface="Lucida Console"/>
+              </a:rPr>
+              <a:t>;</a:t>
+            </a:r>
+          </a:p>
+          <a:p>
+            <a:pPr marL="0" indent="0">
+              <a:buNone/>
+            </a:pPr>
+            <a:r>
+              <a:rPr lang="en-US" sz="3000" dirty="0" err="1" smtClean="0">
+                <a:solidFill>
+                  <a:srgbClr val="0000FF"/>
+                </a:solidFill>
+                <a:latin typeface="Lucida Console"/>
+                <a:cs typeface="Lucida Console"/>
+              </a:rPr>
+              <a:t>directionalLight.position.set</a:t>
+            </a:r>
+            <a:r>
+              <a:rPr lang="en-US" sz="3000" dirty="0" smtClean="0">
+                <a:solidFill>
+                  <a:srgbClr val="0000FF"/>
+                </a:solidFill>
+                <a:latin typeface="Lucida Console"/>
+                <a:cs typeface="Lucida Console"/>
+              </a:rPr>
+              <a:t>(</a:t>
+            </a:r>
+            <a:br>
+              <a:rPr lang="en-US" sz="3000" dirty="0" smtClean="0">
+                <a:solidFill>
+                  <a:srgbClr val="0000FF"/>
+                </a:solidFill>
+                <a:latin typeface="Lucida Console"/>
+                <a:cs typeface="Lucida Console"/>
+              </a:rPr>
+            </a:br>
+            <a:r>
+              <a:rPr lang="en-US" sz="3000" dirty="0" smtClean="0">
+                <a:solidFill>
+                  <a:srgbClr val="0000FF"/>
+                </a:solidFill>
+                <a:latin typeface="Lucida Console"/>
+                <a:cs typeface="Lucida Console"/>
+              </a:rPr>
+              <a:t>  0</a:t>
+            </a:r>
+            <a:r>
+              <a:rPr lang="en-US" sz="3000" dirty="0">
+                <a:solidFill>
+                  <a:srgbClr val="0000FF"/>
+                </a:solidFill>
+                <a:latin typeface="Lucida Console"/>
+                <a:cs typeface="Lucida Console"/>
+              </a:rPr>
+              <a:t>, 0, </a:t>
+            </a:r>
+            <a:r>
+              <a:rPr lang="en-US" sz="3000" dirty="0" smtClean="0">
+                <a:solidFill>
+                  <a:srgbClr val="0000FF"/>
+                </a:solidFill>
+                <a:latin typeface="Lucida Console"/>
+                <a:cs typeface="Lucida Console"/>
+              </a:rPr>
+              <a:t>1)</a:t>
+            </a:r>
+            <a:r>
+              <a:rPr lang="en-US" sz="3000" dirty="0">
+                <a:solidFill>
+                  <a:srgbClr val="0000FF"/>
+                </a:solidFill>
+                <a:latin typeface="Lucida Console"/>
+                <a:cs typeface="Lucida Console"/>
+              </a:rPr>
+              <a:t>.normalize();</a:t>
+            </a:r>
+          </a:p>
+          <a:p>
+            <a:pPr marL="0" indent="0">
+              <a:buNone/>
+            </a:pPr>
+            <a:r>
+              <a:rPr lang="en-US" sz="3000" dirty="0" err="1" smtClean="0">
+                <a:solidFill>
+                  <a:srgbClr val="0000FF"/>
+                </a:solidFill>
+                <a:latin typeface="Lucida Console"/>
+                <a:cs typeface="Lucida Console"/>
+              </a:rPr>
+              <a:t>scene.add</a:t>
+            </a:r>
+            <a:r>
+              <a:rPr lang="en-US" sz="3000" dirty="0" smtClean="0">
+                <a:solidFill>
+                  <a:srgbClr val="0000FF"/>
+                </a:solidFill>
+                <a:latin typeface="Lucida Console"/>
+                <a:cs typeface="Lucida Console"/>
+              </a:rPr>
+              <a:t>(</a:t>
+            </a:r>
+            <a:r>
+              <a:rPr lang="en-US" sz="3000" dirty="0" err="1" smtClean="0">
+                <a:solidFill>
+                  <a:srgbClr val="0000FF"/>
+                </a:solidFill>
+                <a:latin typeface="Lucida Console"/>
+                <a:cs typeface="Lucida Console"/>
+              </a:rPr>
+              <a:t>directionalLight</a:t>
+            </a:r>
+            <a:r>
+              <a:rPr lang="en-US" sz="3000" dirty="0" smtClean="0">
+                <a:solidFill>
+                  <a:srgbClr val="0000FF"/>
+                </a:solidFill>
+                <a:latin typeface="Lucida Console"/>
+                <a:cs typeface="Lucida Console"/>
+              </a:rPr>
+              <a:t>);</a:t>
+            </a:r>
+            <a:endParaRPr lang="en-US" sz="3000" dirty="0">
+              <a:solidFill>
+                <a:srgbClr val="0000FF"/>
+              </a:solidFill>
+              <a:latin typeface="Lucida Console"/>
+              <a:cs typeface="Lucida Console"/>
+            </a:endParaRPr>
+          </a:p>
+        </p:txBody>
+      </p:sp>
+    </p:spTree>
+    <p:extLst>
+      <p:ext uri="{BB962C8B-B14F-4D97-AF65-F5344CB8AC3E}">
+        <p14:creationId xmlns:p14="http://schemas.microsoft.com/office/powerpoint/2010/main" val="125146482"/>
+      </p:ext>
+    </p:extLst>
+  </p:cSld>
+  <p:clrMapOvr>
+    <a:masterClrMapping/>
+  </p:clrMapOvr>
+  <p:timing>
+    <p:tnLst>
+      <p:par>
+        <p:cTn xmlns:p14="http://schemas.microsoft.com/office/powerpoint/2010/main" id="1" dur="indefinite" restart="never" nodeType="tmRoot"/>
+      </p:par>
+    </p:tnLst>
+  </p:timing>
+</p:sld>
+</file>
+
+<file path=ppt/slides/slide67.xml><?xml version="1.0" encoding="utf-8"?>
+<p:sld xmlns:a="http://schemas.openxmlformats.org/drawingml/2006/main" xmlns:r="http://schemas.openxmlformats.org/officeDocument/2006/relationships" xmlns:p="http://schemas.openxmlformats.org/presentationml/2006/main">
+  <p:cSld>
+    <p:spTree>
+      <p:nvGrpSpPr>
+        <p:cNvPr id="1" name=""/>
+        <p:cNvGrpSpPr/>
+        <p:nvPr/>
+      </p:nvGrpSpPr>
+      <p:grpSpPr>
+        <a:xfrm>
+          <a:off x="0" y="0"/>
+          <a:ext cx="0" cy="0"/>
+          <a:chOff x="0" y="0"/>
+          <a:chExt cx="0" cy="0"/>
+        </a:xfrm>
+      </p:grpSpPr>
+      <p:sp>
+        <p:nvSpPr>
+          <p:cNvPr id="2" name="Title 1"/>
+          <p:cNvSpPr>
+            <a:spLocks noGrp="1"/>
+          </p:cNvSpPr>
+          <p:nvPr>
+            <p:ph type="title"/>
+          </p:nvPr>
+        </p:nvSpPr>
+        <p:spPr/>
+        <p:txBody>
+          <a:bodyPr/>
+          <a:lstStyle/>
+          <a:p>
+            <a:r>
+              <a:rPr lang="en-US" dirty="0" smtClean="0"/>
+              <a:t>Model Loader: Progres</a:t>
+            </a:r>
+            <a:r>
+              <a:rPr lang="en-US" dirty="0" smtClean="0"/>
+              <a:t>s Indicator</a:t>
+            </a:r>
+            <a:endParaRPr lang="en-US" dirty="0"/>
+          </a:p>
+        </p:txBody>
+      </p:sp>
+      <p:sp>
+        <p:nvSpPr>
+          <p:cNvPr id="3" name="Content Placeholder 2"/>
+          <p:cNvSpPr>
+            <a:spLocks noGrp="1"/>
+          </p:cNvSpPr>
+          <p:nvPr>
+            <p:ph idx="1"/>
+          </p:nvPr>
+        </p:nvSpPr>
+        <p:spPr>
+          <a:xfrm>
+            <a:off x="0" y="1199924"/>
+            <a:ext cx="9144000" cy="4525963"/>
+          </a:xfrm>
+        </p:spPr>
+        <p:txBody>
+          <a:bodyPr>
+            <a:noAutofit/>
+          </a:bodyPr>
+          <a:lstStyle/>
+          <a:p>
+            <a:pPr marL="0" indent="0">
+              <a:buNone/>
+            </a:pPr>
+            <a:r>
+              <a:rPr lang="en-US" sz="2300" dirty="0" err="1">
+                <a:solidFill>
+                  <a:srgbClr val="0000FF"/>
+                </a:solidFill>
+                <a:latin typeface="Lucida Console"/>
+                <a:cs typeface="Lucida Console"/>
+              </a:rPr>
+              <a:t>var</a:t>
+            </a:r>
+            <a:r>
+              <a:rPr lang="en-US" sz="2300" dirty="0">
+                <a:solidFill>
+                  <a:srgbClr val="0000FF"/>
+                </a:solidFill>
+                <a:latin typeface="Lucida Console"/>
+                <a:cs typeface="Lucida Console"/>
+              </a:rPr>
+              <a:t> </a:t>
+            </a:r>
+            <a:r>
+              <a:rPr lang="en-US" sz="2300" dirty="0" err="1">
+                <a:solidFill>
+                  <a:srgbClr val="0000FF"/>
+                </a:solidFill>
+                <a:latin typeface="Lucida Console"/>
+                <a:cs typeface="Lucida Console"/>
+              </a:rPr>
+              <a:t>onProgress</a:t>
+            </a:r>
+            <a:r>
+              <a:rPr lang="en-US" sz="2300" dirty="0">
+                <a:solidFill>
+                  <a:srgbClr val="0000FF"/>
+                </a:solidFill>
+                <a:latin typeface="Lucida Console"/>
+                <a:cs typeface="Lucida Console"/>
+              </a:rPr>
+              <a:t> = function ( </a:t>
+            </a:r>
+            <a:r>
+              <a:rPr lang="en-US" sz="2300" dirty="0" err="1">
+                <a:solidFill>
+                  <a:srgbClr val="0000FF"/>
+                </a:solidFill>
+                <a:latin typeface="Lucida Console"/>
+                <a:cs typeface="Lucida Console"/>
+              </a:rPr>
+              <a:t>xhr</a:t>
+            </a:r>
+            <a:r>
+              <a:rPr lang="en-US" sz="2300" dirty="0">
+                <a:solidFill>
+                  <a:srgbClr val="0000FF"/>
+                </a:solidFill>
+                <a:latin typeface="Lucida Console"/>
+                <a:cs typeface="Lucida Console"/>
+              </a:rPr>
+              <a:t> ) {</a:t>
+            </a:r>
+          </a:p>
+          <a:p>
+            <a:pPr marL="0" indent="0">
+              <a:buNone/>
+            </a:pPr>
+            <a:r>
+              <a:rPr lang="en-US" sz="2300" dirty="0">
+                <a:solidFill>
+                  <a:srgbClr val="0000FF"/>
+                </a:solidFill>
+                <a:latin typeface="Lucida Console"/>
+                <a:cs typeface="Lucida Console"/>
+              </a:rPr>
+              <a:t>    if </a:t>
+            </a:r>
+            <a:r>
+              <a:rPr lang="en-US" sz="2300" dirty="0" smtClean="0">
+                <a:solidFill>
+                  <a:srgbClr val="0000FF"/>
+                </a:solidFill>
+                <a:latin typeface="Lucida Console"/>
+                <a:cs typeface="Lucida Console"/>
+              </a:rPr>
+              <a:t>(</a:t>
+            </a:r>
+            <a:r>
+              <a:rPr lang="en-US" sz="2300" dirty="0" err="1" smtClean="0">
+                <a:solidFill>
+                  <a:srgbClr val="0000FF"/>
+                </a:solidFill>
+                <a:latin typeface="Lucida Console"/>
+                <a:cs typeface="Lucida Console"/>
+              </a:rPr>
+              <a:t>xhr.lengthComputable</a:t>
+            </a:r>
+            <a:r>
+              <a:rPr lang="en-US" sz="2300" dirty="0" smtClean="0">
+                <a:solidFill>
+                  <a:srgbClr val="0000FF"/>
+                </a:solidFill>
+                <a:latin typeface="Lucida Console"/>
+                <a:cs typeface="Lucida Console"/>
+              </a:rPr>
+              <a:t> </a:t>
+            </a:r>
+            <a:r>
+              <a:rPr lang="en-US" sz="2300" dirty="0">
+                <a:solidFill>
+                  <a:srgbClr val="0000FF"/>
+                </a:solidFill>
+                <a:latin typeface="Lucida Console"/>
+                <a:cs typeface="Lucida Console"/>
+              </a:rPr>
+              <a:t>) {</a:t>
+            </a:r>
+          </a:p>
+          <a:p>
+            <a:pPr marL="0" indent="0">
+              <a:buNone/>
+            </a:pPr>
+            <a:r>
+              <a:rPr lang="en-US" sz="2300" dirty="0">
+                <a:solidFill>
+                  <a:srgbClr val="0000FF"/>
+                </a:solidFill>
+                <a:latin typeface="Lucida Console"/>
+                <a:cs typeface="Lucida Console"/>
+              </a:rPr>
+              <a:t>        </a:t>
+            </a:r>
+            <a:r>
+              <a:rPr lang="en-US" sz="2300" dirty="0" err="1">
+                <a:solidFill>
+                  <a:srgbClr val="0000FF"/>
+                </a:solidFill>
+                <a:latin typeface="Lucida Console"/>
+                <a:cs typeface="Lucida Console"/>
+              </a:rPr>
+              <a:t>var</a:t>
+            </a:r>
+            <a:r>
+              <a:rPr lang="en-US" sz="2300" dirty="0">
+                <a:solidFill>
+                  <a:srgbClr val="0000FF"/>
+                </a:solidFill>
+                <a:latin typeface="Lucida Console"/>
+                <a:cs typeface="Lucida Console"/>
+              </a:rPr>
+              <a:t> </a:t>
+            </a:r>
+            <a:r>
+              <a:rPr lang="en-US" sz="2300" dirty="0" err="1">
+                <a:solidFill>
+                  <a:srgbClr val="0000FF"/>
+                </a:solidFill>
+                <a:latin typeface="Lucida Console"/>
+                <a:cs typeface="Lucida Console"/>
+              </a:rPr>
+              <a:t>percentComplete</a:t>
+            </a:r>
+            <a:r>
+              <a:rPr lang="en-US" sz="2300" dirty="0">
+                <a:solidFill>
+                  <a:srgbClr val="0000FF"/>
+                </a:solidFill>
+                <a:latin typeface="Lucida Console"/>
+                <a:cs typeface="Lucida Console"/>
+              </a:rPr>
+              <a:t> = </a:t>
+            </a:r>
+            <a:r>
+              <a:rPr lang="en-US" sz="2300" dirty="0" err="1">
+                <a:solidFill>
+                  <a:srgbClr val="0000FF"/>
+                </a:solidFill>
+                <a:latin typeface="Lucida Console"/>
+                <a:cs typeface="Lucida Console"/>
+              </a:rPr>
+              <a:t>xhr.loaded</a:t>
+            </a:r>
+            <a:r>
+              <a:rPr lang="en-US" sz="2300" dirty="0">
+                <a:solidFill>
+                  <a:srgbClr val="0000FF"/>
+                </a:solidFill>
+                <a:latin typeface="Lucida Console"/>
+                <a:cs typeface="Lucida Console"/>
+              </a:rPr>
+              <a:t> / </a:t>
+            </a:r>
+            <a:r>
+              <a:rPr lang="en-US" sz="2300" dirty="0" smtClean="0">
+                <a:solidFill>
+                  <a:srgbClr val="0000FF"/>
+                </a:solidFill>
+                <a:latin typeface="Lucida Console"/>
+                <a:cs typeface="Lucida Console"/>
+              </a:rPr>
+              <a:t/>
+            </a:r>
+            <a:br>
+              <a:rPr lang="en-US" sz="2300" dirty="0" smtClean="0">
+                <a:solidFill>
+                  <a:srgbClr val="0000FF"/>
+                </a:solidFill>
+                <a:latin typeface="Lucida Console"/>
+                <a:cs typeface="Lucida Console"/>
+              </a:rPr>
+            </a:br>
+            <a:r>
+              <a:rPr lang="en-US" sz="2300" dirty="0" smtClean="0">
+                <a:solidFill>
+                  <a:srgbClr val="0000FF"/>
+                </a:solidFill>
+                <a:latin typeface="Lucida Console"/>
+                <a:cs typeface="Lucida Console"/>
+              </a:rPr>
+              <a:t>          </a:t>
+            </a:r>
+            <a:r>
+              <a:rPr lang="en-US" sz="2300" dirty="0" err="1" smtClean="0">
+                <a:solidFill>
+                  <a:srgbClr val="0000FF"/>
+                </a:solidFill>
+                <a:latin typeface="Lucida Console"/>
+                <a:cs typeface="Lucida Console"/>
+              </a:rPr>
+              <a:t>xhr.total</a:t>
+            </a:r>
+            <a:r>
+              <a:rPr lang="en-US" sz="2300" dirty="0" smtClean="0">
+                <a:solidFill>
+                  <a:srgbClr val="0000FF"/>
+                </a:solidFill>
+                <a:latin typeface="Lucida Console"/>
+                <a:cs typeface="Lucida Console"/>
+              </a:rPr>
+              <a:t> </a:t>
+            </a:r>
+            <a:r>
+              <a:rPr lang="en-US" sz="2300" dirty="0">
+                <a:solidFill>
+                  <a:srgbClr val="0000FF"/>
+                </a:solidFill>
+                <a:latin typeface="Lucida Console"/>
+                <a:cs typeface="Lucida Console"/>
+              </a:rPr>
+              <a:t>* 100;</a:t>
+            </a:r>
+          </a:p>
+          <a:p>
+            <a:pPr marL="0" indent="0">
+              <a:buNone/>
+            </a:pPr>
+            <a:r>
+              <a:rPr lang="en-US" sz="2300" dirty="0">
+                <a:solidFill>
+                  <a:srgbClr val="0000FF"/>
+                </a:solidFill>
+                <a:latin typeface="Lucida Console"/>
+                <a:cs typeface="Lucida Console"/>
+              </a:rPr>
+              <a:t>        </a:t>
+            </a:r>
+            <a:r>
+              <a:rPr lang="en-US" sz="2300" dirty="0" err="1">
+                <a:solidFill>
+                  <a:srgbClr val="0000FF"/>
+                </a:solidFill>
+                <a:latin typeface="Lucida Console"/>
+                <a:cs typeface="Lucida Console"/>
+              </a:rPr>
+              <a:t>console.log</a:t>
+            </a:r>
+            <a:r>
+              <a:rPr lang="en-US" sz="2300" dirty="0">
+                <a:solidFill>
+                  <a:srgbClr val="0000FF"/>
+                </a:solidFill>
+                <a:latin typeface="Lucida Console"/>
+                <a:cs typeface="Lucida Console"/>
+              </a:rPr>
+              <a:t>( </a:t>
+            </a:r>
+            <a:r>
+              <a:rPr lang="en-US" sz="2300" dirty="0" err="1">
+                <a:solidFill>
+                  <a:srgbClr val="0000FF"/>
+                </a:solidFill>
+                <a:latin typeface="Lucida Console"/>
+                <a:cs typeface="Lucida Console"/>
+              </a:rPr>
+              <a:t>Math.round</a:t>
+            </a:r>
+            <a:r>
+              <a:rPr lang="en-US" sz="2300" dirty="0">
+                <a:solidFill>
+                  <a:srgbClr val="0000FF"/>
+                </a:solidFill>
+                <a:latin typeface="Lucida Console"/>
+                <a:cs typeface="Lucida Console"/>
+              </a:rPr>
+              <a:t>(</a:t>
+            </a:r>
+            <a:r>
+              <a:rPr lang="en-US" sz="2300" dirty="0" err="1">
+                <a:solidFill>
+                  <a:srgbClr val="0000FF"/>
+                </a:solidFill>
+                <a:latin typeface="Lucida Console"/>
+                <a:cs typeface="Lucida Console"/>
+              </a:rPr>
+              <a:t>percentComplete</a:t>
+            </a:r>
+            <a:r>
+              <a:rPr lang="en-US" sz="2300" dirty="0">
+                <a:solidFill>
+                  <a:srgbClr val="0000FF"/>
+                </a:solidFill>
+                <a:latin typeface="Lucida Console"/>
+                <a:cs typeface="Lucida Console"/>
+              </a:rPr>
+              <a:t>, </a:t>
+            </a:r>
+            <a:r>
+              <a:rPr lang="en-US" sz="2300" dirty="0" smtClean="0">
+                <a:solidFill>
+                  <a:srgbClr val="0000FF"/>
+                </a:solidFill>
+                <a:latin typeface="Lucida Console"/>
+                <a:cs typeface="Lucida Console"/>
+              </a:rPr>
+              <a:t/>
+            </a:r>
+            <a:br>
+              <a:rPr lang="en-US" sz="2300" dirty="0" smtClean="0">
+                <a:solidFill>
+                  <a:srgbClr val="0000FF"/>
+                </a:solidFill>
+                <a:latin typeface="Lucida Console"/>
+                <a:cs typeface="Lucida Console"/>
+              </a:rPr>
+            </a:br>
+            <a:r>
+              <a:rPr lang="en-US" sz="2300" dirty="0" smtClean="0">
+                <a:solidFill>
+                  <a:srgbClr val="0000FF"/>
+                </a:solidFill>
+                <a:latin typeface="Lucida Console"/>
+                <a:cs typeface="Lucida Console"/>
+              </a:rPr>
+              <a:t>          2</a:t>
+            </a:r>
+            <a:r>
+              <a:rPr lang="en-US" sz="2300" dirty="0">
+                <a:solidFill>
+                  <a:srgbClr val="0000FF"/>
+                </a:solidFill>
+                <a:latin typeface="Lucida Console"/>
+                <a:cs typeface="Lucida Console"/>
+              </a:rPr>
+              <a:t>) + '% downloaded' );</a:t>
+            </a:r>
+          </a:p>
+          <a:p>
+            <a:pPr marL="0" indent="0">
+              <a:buNone/>
+            </a:pPr>
+            <a:r>
+              <a:rPr lang="en-US" sz="2300" dirty="0">
+                <a:solidFill>
+                  <a:srgbClr val="0000FF"/>
+                </a:solidFill>
+                <a:latin typeface="Lucida Console"/>
+                <a:cs typeface="Lucida Console"/>
+              </a:rPr>
+              <a:t>    }</a:t>
+            </a:r>
+          </a:p>
+          <a:p>
+            <a:pPr marL="0" indent="0">
+              <a:buNone/>
+            </a:pPr>
+            <a:r>
+              <a:rPr lang="en-US" sz="2300" dirty="0">
+                <a:solidFill>
+                  <a:srgbClr val="0000FF"/>
+                </a:solidFill>
+                <a:latin typeface="Lucida Console"/>
+                <a:cs typeface="Lucida Console"/>
+              </a:rPr>
+              <a:t>};</a:t>
+            </a:r>
+          </a:p>
+          <a:p>
+            <a:pPr marL="0" indent="0">
+              <a:buNone/>
+            </a:pPr>
+            <a:r>
+              <a:rPr lang="en-US" sz="2300" dirty="0" err="1" smtClean="0">
+                <a:solidFill>
+                  <a:srgbClr val="0000FF"/>
+                </a:solidFill>
+                <a:latin typeface="Lucida Console"/>
+                <a:cs typeface="Lucida Console"/>
+              </a:rPr>
+              <a:t>var</a:t>
+            </a:r>
+            <a:r>
+              <a:rPr lang="en-US" sz="2300" dirty="0" smtClean="0">
+                <a:solidFill>
+                  <a:srgbClr val="0000FF"/>
+                </a:solidFill>
+                <a:latin typeface="Lucida Console"/>
+                <a:cs typeface="Lucida Console"/>
+              </a:rPr>
+              <a:t> </a:t>
+            </a:r>
+            <a:r>
+              <a:rPr lang="en-US" sz="2300" dirty="0" err="1">
+                <a:solidFill>
+                  <a:srgbClr val="0000FF"/>
+                </a:solidFill>
+                <a:latin typeface="Lucida Console"/>
+                <a:cs typeface="Lucida Console"/>
+              </a:rPr>
+              <a:t>onError</a:t>
+            </a:r>
+            <a:r>
+              <a:rPr lang="en-US" sz="2300" dirty="0">
+                <a:solidFill>
+                  <a:srgbClr val="0000FF"/>
+                </a:solidFill>
+                <a:latin typeface="Lucida Console"/>
+                <a:cs typeface="Lucida Console"/>
+              </a:rPr>
+              <a:t> = function ( </a:t>
+            </a:r>
+            <a:r>
+              <a:rPr lang="en-US" sz="2300" dirty="0" err="1">
+                <a:solidFill>
+                  <a:srgbClr val="0000FF"/>
+                </a:solidFill>
+                <a:latin typeface="Lucida Console"/>
+                <a:cs typeface="Lucida Console"/>
+              </a:rPr>
+              <a:t>xhr</a:t>
+            </a:r>
+            <a:r>
+              <a:rPr lang="en-US" sz="2300" dirty="0">
+                <a:solidFill>
+                  <a:srgbClr val="0000FF"/>
+                </a:solidFill>
+                <a:latin typeface="Lucida Console"/>
+                <a:cs typeface="Lucida Console"/>
+              </a:rPr>
+              <a:t> ) {</a:t>
+            </a:r>
+          </a:p>
+          <a:p>
+            <a:pPr marL="0" indent="0">
+              <a:buNone/>
+            </a:pPr>
+            <a:r>
+              <a:rPr lang="en-US" sz="2300" dirty="0">
+                <a:solidFill>
+                  <a:srgbClr val="0000FF"/>
+                </a:solidFill>
+                <a:latin typeface="Lucida Console"/>
+                <a:cs typeface="Lucida Console"/>
+              </a:rPr>
+              <a:t>};</a:t>
+            </a:r>
+          </a:p>
+          <a:p>
+            <a:pPr marL="0" indent="0">
+              <a:buNone/>
+            </a:pPr>
+            <a:r>
+              <a:rPr lang="en-US" sz="2300" dirty="0" err="1" smtClean="0">
+                <a:solidFill>
+                  <a:srgbClr val="0000FF"/>
+                </a:solidFill>
+                <a:latin typeface="Lucida Console"/>
+                <a:cs typeface="Lucida Console"/>
+              </a:rPr>
+              <a:t>THREE.Loader.Handlers.add</a:t>
+            </a:r>
+            <a:r>
+              <a:rPr lang="en-US" sz="2300" dirty="0">
+                <a:solidFill>
+                  <a:srgbClr val="0000FF"/>
+                </a:solidFill>
+                <a:latin typeface="Lucida Console"/>
+                <a:cs typeface="Lucida Console"/>
+              </a:rPr>
+              <a:t>( /\.</a:t>
+            </a:r>
+            <a:r>
+              <a:rPr lang="en-US" sz="2300" dirty="0" err="1">
+                <a:solidFill>
+                  <a:srgbClr val="0000FF"/>
+                </a:solidFill>
+                <a:latin typeface="Lucida Console"/>
+                <a:cs typeface="Lucida Console"/>
+              </a:rPr>
+              <a:t>dds</a:t>
+            </a:r>
+            <a:r>
+              <a:rPr lang="en-US" sz="2300" dirty="0">
+                <a:solidFill>
+                  <a:srgbClr val="0000FF"/>
+                </a:solidFill>
+                <a:latin typeface="Lucida Console"/>
+                <a:cs typeface="Lucida Console"/>
+              </a:rPr>
+              <a:t>$/</a:t>
+            </a:r>
+            <a:r>
+              <a:rPr lang="en-US" sz="2300" dirty="0" err="1">
+                <a:solidFill>
+                  <a:srgbClr val="0000FF"/>
+                </a:solidFill>
+                <a:latin typeface="Lucida Console"/>
+                <a:cs typeface="Lucida Console"/>
+              </a:rPr>
+              <a:t>i</a:t>
+            </a:r>
+            <a:r>
+              <a:rPr lang="en-US" sz="2300" dirty="0">
+                <a:solidFill>
+                  <a:srgbClr val="0000FF"/>
+                </a:solidFill>
+                <a:latin typeface="Lucida Console"/>
+                <a:cs typeface="Lucida Console"/>
+              </a:rPr>
+              <a:t>, new </a:t>
+            </a:r>
+            <a:r>
+              <a:rPr lang="en-US" sz="2300" dirty="0" smtClean="0">
+                <a:solidFill>
+                  <a:srgbClr val="0000FF"/>
+                </a:solidFill>
+                <a:latin typeface="Lucida Console"/>
+                <a:cs typeface="Lucida Console"/>
+              </a:rPr>
+              <a:t/>
+            </a:r>
+            <a:br>
+              <a:rPr lang="en-US" sz="2300" dirty="0" smtClean="0">
+                <a:solidFill>
+                  <a:srgbClr val="0000FF"/>
+                </a:solidFill>
+                <a:latin typeface="Lucida Console"/>
+                <a:cs typeface="Lucida Console"/>
+              </a:rPr>
+            </a:br>
+            <a:r>
+              <a:rPr lang="en-US" sz="2300" dirty="0" smtClean="0">
+                <a:solidFill>
+                  <a:srgbClr val="0000FF"/>
+                </a:solidFill>
+                <a:latin typeface="Lucida Console"/>
+                <a:cs typeface="Lucida Console"/>
+              </a:rPr>
+              <a:t>      </a:t>
+            </a:r>
+            <a:r>
+              <a:rPr lang="en-US" sz="2300" dirty="0" err="1" smtClean="0">
+                <a:solidFill>
+                  <a:srgbClr val="0000FF"/>
+                </a:solidFill>
+                <a:latin typeface="Lucida Console"/>
+                <a:cs typeface="Lucida Console"/>
+              </a:rPr>
+              <a:t>THREE.DDSLoader</a:t>
+            </a:r>
+            <a:r>
+              <a:rPr lang="en-US" sz="2300" dirty="0">
+                <a:solidFill>
+                  <a:srgbClr val="0000FF"/>
+                </a:solidFill>
+                <a:latin typeface="Lucida Console"/>
+                <a:cs typeface="Lucida Console"/>
+              </a:rPr>
+              <a:t>() );</a:t>
+            </a:r>
+          </a:p>
+        </p:txBody>
+      </p:sp>
+    </p:spTree>
+    <p:extLst>
+      <p:ext uri="{BB962C8B-B14F-4D97-AF65-F5344CB8AC3E}">
+        <p14:creationId xmlns:p14="http://schemas.microsoft.com/office/powerpoint/2010/main" val="4014392415"/>
+      </p:ext>
+    </p:extLst>
+  </p:cSld>
+  <p:clrMapOvr>
+    <a:masterClrMapping/>
+  </p:clrMapOvr>
+  <p:timing>
+    <p:tnLst>
+      <p:par>
+        <p:cTn xmlns:p14="http://schemas.microsoft.com/office/powerpoint/2010/main" id="1" dur="indefinite" restart="never" nodeType="tmRoot"/>
+      </p:par>
+    </p:tnLst>
+  </p:timing>
+</p:sld>
+</file>
+
+<file path=ppt/slides/slide68.xml><?xml version="1.0" encoding="utf-8"?>
+<p:sld xmlns:a="http://schemas.openxmlformats.org/drawingml/2006/main" xmlns:r="http://schemas.openxmlformats.org/officeDocument/2006/relationships" xmlns:p="http://schemas.openxmlformats.org/presentationml/2006/main">
+  <p:cSld>
+    <p:spTree>
+      <p:nvGrpSpPr>
+        <p:cNvPr id="1" name=""/>
+        <p:cNvGrpSpPr/>
+        <p:nvPr/>
+      </p:nvGrpSpPr>
+      <p:grpSpPr>
+        <a:xfrm>
+          <a:off x="0" y="0"/>
+          <a:ext cx="0" cy="0"/>
+          <a:chOff x="0" y="0"/>
+          <a:chExt cx="0" cy="0"/>
+        </a:xfrm>
+      </p:grpSpPr>
+      <p:sp>
+        <p:nvSpPr>
+          <p:cNvPr id="2" name="Title 1"/>
+          <p:cNvSpPr>
+            <a:spLocks noGrp="1"/>
+          </p:cNvSpPr>
+          <p:nvPr>
+            <p:ph type="title"/>
+          </p:nvPr>
+        </p:nvSpPr>
+        <p:spPr/>
+        <p:txBody>
+          <a:bodyPr/>
+          <a:lstStyle/>
+          <a:p>
+            <a:r>
+              <a:rPr lang="en-US" dirty="0" smtClean="0"/>
+              <a:t>Model Loader: Load Model</a:t>
+            </a:r>
+            <a:endParaRPr lang="en-US" dirty="0"/>
+          </a:p>
+        </p:txBody>
+      </p:sp>
+      <p:sp>
+        <p:nvSpPr>
+          <p:cNvPr id="3" name="Content Placeholder 2"/>
+          <p:cNvSpPr>
+            <a:spLocks noGrp="1"/>
+          </p:cNvSpPr>
+          <p:nvPr>
+            <p:ph idx="1"/>
+          </p:nvPr>
+        </p:nvSpPr>
+        <p:spPr>
+          <a:xfrm>
+            <a:off x="0" y="1199924"/>
+            <a:ext cx="9144000" cy="4525963"/>
+          </a:xfrm>
+        </p:spPr>
+        <p:txBody>
+          <a:bodyPr>
+            <a:noAutofit/>
+          </a:bodyPr>
+          <a:lstStyle/>
+          <a:p>
+            <a:pPr marL="0" indent="0">
+              <a:buNone/>
+            </a:pPr>
+            <a:r>
+              <a:rPr lang="en-US" sz="2300" dirty="0" err="1" smtClean="0">
+                <a:solidFill>
+                  <a:srgbClr val="0000FF"/>
+                </a:solidFill>
+                <a:latin typeface="Lucida Console"/>
+                <a:cs typeface="Lucida Console"/>
+              </a:rPr>
+              <a:t>var</a:t>
+            </a:r>
+            <a:r>
+              <a:rPr lang="en-US" sz="2300" dirty="0" smtClean="0">
+                <a:solidFill>
+                  <a:srgbClr val="0000FF"/>
+                </a:solidFill>
+                <a:latin typeface="Lucida Console"/>
+                <a:cs typeface="Lucida Console"/>
+              </a:rPr>
+              <a:t> </a:t>
+            </a:r>
+            <a:r>
+              <a:rPr lang="en-US" sz="2300" dirty="0">
+                <a:solidFill>
+                  <a:srgbClr val="0000FF"/>
+                </a:solidFill>
+                <a:latin typeface="Lucida Console"/>
+                <a:cs typeface="Lucida Console"/>
+              </a:rPr>
+              <a:t>loader = new </a:t>
+            </a:r>
+            <a:r>
+              <a:rPr lang="en-US" sz="2300" dirty="0" err="1">
+                <a:solidFill>
+                  <a:srgbClr val="0000FF"/>
+                </a:solidFill>
+                <a:latin typeface="Lucida Console"/>
+                <a:cs typeface="Lucida Console"/>
+              </a:rPr>
+              <a:t>THREE.OBJMTLLoader</a:t>
+            </a:r>
+            <a:r>
+              <a:rPr lang="en-US" sz="2300" dirty="0">
+                <a:solidFill>
+                  <a:srgbClr val="0000FF"/>
+                </a:solidFill>
+                <a:latin typeface="Lucida Console"/>
+                <a:cs typeface="Lucida Console"/>
+              </a:rPr>
+              <a:t>();</a:t>
+            </a:r>
+          </a:p>
+          <a:p>
+            <a:pPr marL="0" indent="0">
+              <a:buNone/>
+            </a:pPr>
+            <a:r>
+              <a:rPr lang="en-US" sz="2300" dirty="0" err="1" smtClean="0">
+                <a:solidFill>
+                  <a:srgbClr val="0000FF"/>
+                </a:solidFill>
+                <a:latin typeface="Lucida Console"/>
+                <a:cs typeface="Lucida Console"/>
+              </a:rPr>
+              <a:t>loader.load</a:t>
+            </a:r>
+            <a:r>
+              <a:rPr lang="en-US" sz="2300" dirty="0" smtClean="0">
+                <a:solidFill>
+                  <a:srgbClr val="0000FF"/>
+                </a:solidFill>
+                <a:latin typeface="Lucida Console"/>
+                <a:cs typeface="Lucida Console"/>
+              </a:rPr>
+              <a:t>('</a:t>
+            </a:r>
+            <a:r>
+              <a:rPr lang="en-US" sz="2300" dirty="0" err="1">
+                <a:solidFill>
+                  <a:srgbClr val="0000FF"/>
+                </a:solidFill>
+                <a:latin typeface="Lucida Console"/>
+                <a:cs typeface="Lucida Console"/>
+              </a:rPr>
+              <a:t>obj</a:t>
+            </a:r>
+            <a:r>
+              <a:rPr lang="en-US" sz="2300" dirty="0">
+                <a:solidFill>
+                  <a:srgbClr val="0000FF"/>
+                </a:solidFill>
+                <a:latin typeface="Lucida Console"/>
+                <a:cs typeface="Lucida Console"/>
+              </a:rPr>
+              <a:t>/male02/male02.</a:t>
+            </a:r>
+            <a:r>
+              <a:rPr lang="en-US" sz="2300" dirty="0" smtClean="0">
+                <a:solidFill>
+                  <a:srgbClr val="0000FF"/>
+                </a:solidFill>
+                <a:latin typeface="Lucida Console"/>
+                <a:cs typeface="Lucida Console"/>
+              </a:rPr>
+              <a:t>obj’,</a:t>
+            </a:r>
+            <a:br>
+              <a:rPr lang="en-US" sz="2300" dirty="0" smtClean="0">
+                <a:solidFill>
+                  <a:srgbClr val="0000FF"/>
+                </a:solidFill>
+                <a:latin typeface="Lucida Console"/>
+                <a:cs typeface="Lucida Console"/>
+              </a:rPr>
+            </a:br>
+            <a:r>
+              <a:rPr lang="en-US" sz="2300" dirty="0" smtClean="0">
+                <a:solidFill>
+                  <a:srgbClr val="0000FF"/>
+                </a:solidFill>
+                <a:latin typeface="Lucida Console"/>
+                <a:cs typeface="Lucida Console"/>
+              </a:rPr>
+              <a:t>            '</a:t>
+            </a:r>
+            <a:r>
+              <a:rPr lang="en-US" sz="2300" dirty="0" err="1">
+                <a:solidFill>
+                  <a:srgbClr val="0000FF"/>
+                </a:solidFill>
+                <a:latin typeface="Lucida Console"/>
+                <a:cs typeface="Lucida Console"/>
+              </a:rPr>
+              <a:t>obj</a:t>
+            </a:r>
+            <a:r>
+              <a:rPr lang="en-US" sz="2300" dirty="0">
+                <a:solidFill>
+                  <a:srgbClr val="0000FF"/>
+                </a:solidFill>
+                <a:latin typeface="Lucida Console"/>
+                <a:cs typeface="Lucida Console"/>
+              </a:rPr>
+              <a:t>/male02/</a:t>
+            </a:r>
+            <a:r>
+              <a:rPr lang="en-US" sz="2300" dirty="0" smtClean="0">
+                <a:solidFill>
+                  <a:srgbClr val="0000FF"/>
+                </a:solidFill>
+                <a:latin typeface="Lucida Console"/>
+                <a:cs typeface="Lucida Console"/>
+              </a:rPr>
+              <a:t>male02_dds.mtl’,</a:t>
+            </a:r>
+          </a:p>
+          <a:p>
+            <a:pPr marL="0" indent="0">
+              <a:buNone/>
+            </a:pPr>
+            <a:r>
+              <a:rPr lang="en-US" sz="2300" dirty="0">
+                <a:solidFill>
+                  <a:srgbClr val="0000FF"/>
+                </a:solidFill>
+                <a:latin typeface="Lucida Console"/>
+                <a:cs typeface="Lucida Console"/>
+              </a:rPr>
+              <a:t> </a:t>
+            </a:r>
+            <a:r>
+              <a:rPr lang="en-US" sz="2300" dirty="0" smtClean="0">
+                <a:solidFill>
+                  <a:srgbClr val="0000FF"/>
+                </a:solidFill>
+                <a:latin typeface="Lucida Console"/>
+                <a:cs typeface="Lucida Console"/>
+              </a:rPr>
+              <a:t> function (object) </a:t>
+            </a:r>
+            <a:r>
+              <a:rPr lang="en-US" sz="2300" dirty="0">
+                <a:solidFill>
+                  <a:srgbClr val="0000FF"/>
+                </a:solidFill>
+                <a:latin typeface="Lucida Console"/>
+                <a:cs typeface="Lucida Console"/>
+              </a:rPr>
+              <a:t>{</a:t>
+            </a:r>
+          </a:p>
+          <a:p>
+            <a:pPr marL="0" indent="0">
+              <a:buNone/>
+            </a:pPr>
+            <a:endParaRPr lang="en-US" sz="2300" dirty="0">
+              <a:solidFill>
+                <a:srgbClr val="0000FF"/>
+              </a:solidFill>
+              <a:latin typeface="Lucida Console"/>
+              <a:cs typeface="Lucida Console"/>
+            </a:endParaRPr>
+          </a:p>
+          <a:p>
+            <a:pPr marL="0" indent="0">
+              <a:buNone/>
+            </a:pPr>
+            <a:r>
+              <a:rPr lang="en-US" sz="2300" dirty="0" smtClean="0">
+                <a:solidFill>
+                  <a:srgbClr val="0000FF"/>
+                </a:solidFill>
+                <a:latin typeface="Lucida Console"/>
+                <a:cs typeface="Lucida Console"/>
+              </a:rPr>
+              <a:t>   </a:t>
+            </a:r>
+            <a:r>
+              <a:rPr lang="en-US" sz="2300" dirty="0">
+                <a:solidFill>
+                  <a:srgbClr val="0000FF"/>
+                </a:solidFill>
+                <a:latin typeface="Lucida Console"/>
+                <a:cs typeface="Lucida Console"/>
+              </a:rPr>
+              <a:t>	</a:t>
+            </a:r>
+            <a:r>
+              <a:rPr lang="en-US" sz="2300" dirty="0" err="1">
+                <a:solidFill>
+                  <a:srgbClr val="0000FF"/>
+                </a:solidFill>
+                <a:latin typeface="Lucida Console"/>
+                <a:cs typeface="Lucida Console"/>
+              </a:rPr>
+              <a:t>object.position.y</a:t>
+            </a:r>
+            <a:r>
+              <a:rPr lang="en-US" sz="2300" dirty="0">
+                <a:solidFill>
+                  <a:srgbClr val="0000FF"/>
+                </a:solidFill>
+                <a:latin typeface="Lucida Console"/>
+                <a:cs typeface="Lucida Console"/>
+              </a:rPr>
+              <a:t> = - 80;</a:t>
+            </a:r>
+          </a:p>
+          <a:p>
+            <a:pPr marL="0" indent="0">
+              <a:buNone/>
+            </a:pPr>
+            <a:r>
+              <a:rPr lang="en-US" sz="2300" dirty="0">
+                <a:solidFill>
+                  <a:srgbClr val="0000FF"/>
+                </a:solidFill>
+                <a:latin typeface="Lucida Console"/>
+                <a:cs typeface="Lucida Console"/>
+              </a:rPr>
+              <a:t>		</a:t>
+            </a:r>
+            <a:r>
+              <a:rPr lang="en-US" sz="2300" dirty="0" err="1" smtClean="0">
+                <a:solidFill>
+                  <a:srgbClr val="0000FF"/>
+                </a:solidFill>
+                <a:latin typeface="Lucida Console"/>
+                <a:cs typeface="Lucida Console"/>
+              </a:rPr>
+              <a:t>scene.add</a:t>
+            </a:r>
+            <a:r>
+              <a:rPr lang="en-US" sz="2300" dirty="0" smtClean="0">
+                <a:solidFill>
+                  <a:srgbClr val="0000FF"/>
+                </a:solidFill>
+                <a:latin typeface="Lucida Console"/>
+                <a:cs typeface="Lucida Console"/>
+              </a:rPr>
+              <a:t>(object)</a:t>
+            </a:r>
+            <a:r>
+              <a:rPr lang="en-US" sz="2300" dirty="0">
+                <a:solidFill>
+                  <a:srgbClr val="0000FF"/>
+                </a:solidFill>
+                <a:latin typeface="Lucida Console"/>
+                <a:cs typeface="Lucida Console"/>
+              </a:rPr>
+              <a:t>;</a:t>
+            </a:r>
+          </a:p>
+          <a:p>
+            <a:pPr marL="0" indent="0">
+              <a:buNone/>
+            </a:pPr>
+            <a:endParaRPr lang="en-US" sz="2300" dirty="0">
+              <a:solidFill>
+                <a:srgbClr val="0000FF"/>
+              </a:solidFill>
+              <a:latin typeface="Lucida Console"/>
+              <a:cs typeface="Lucida Console"/>
+            </a:endParaRPr>
+          </a:p>
+          <a:p>
+            <a:pPr marL="0" indent="0">
+              <a:buNone/>
+            </a:pPr>
+            <a:r>
+              <a:rPr lang="en-US" sz="2300" dirty="0">
+                <a:solidFill>
+                  <a:srgbClr val="0000FF"/>
+                </a:solidFill>
+                <a:latin typeface="Lucida Console"/>
+                <a:cs typeface="Lucida Console"/>
+              </a:rPr>
+              <a:t>	</a:t>
+            </a:r>
+            <a:r>
+              <a:rPr lang="en-US" sz="2300" dirty="0" smtClean="0">
+                <a:solidFill>
+                  <a:srgbClr val="0000FF"/>
+                </a:solidFill>
+                <a:latin typeface="Lucida Console"/>
+                <a:cs typeface="Lucida Console"/>
+              </a:rPr>
+              <a:t>}</a:t>
+            </a:r>
+            <a:r>
+              <a:rPr lang="en-US" sz="2300" dirty="0">
+                <a:solidFill>
+                  <a:srgbClr val="0000FF"/>
+                </a:solidFill>
+                <a:latin typeface="Lucida Console"/>
+                <a:cs typeface="Lucida Console"/>
+              </a:rPr>
+              <a:t>, </a:t>
+            </a:r>
+            <a:r>
+              <a:rPr lang="en-US" sz="2300" dirty="0" err="1">
+                <a:solidFill>
+                  <a:srgbClr val="0000FF"/>
+                </a:solidFill>
+                <a:latin typeface="Lucida Console"/>
+                <a:cs typeface="Lucida Console"/>
+              </a:rPr>
+              <a:t>onProgress</a:t>
+            </a:r>
+            <a:r>
+              <a:rPr lang="en-US" sz="2300" dirty="0">
+                <a:solidFill>
+                  <a:srgbClr val="0000FF"/>
+                </a:solidFill>
+                <a:latin typeface="Lucida Console"/>
+                <a:cs typeface="Lucida Console"/>
+              </a:rPr>
+              <a:t>, </a:t>
+            </a:r>
+            <a:r>
+              <a:rPr lang="en-US" sz="2300" dirty="0" err="1" smtClean="0">
+                <a:solidFill>
+                  <a:srgbClr val="0000FF"/>
+                </a:solidFill>
+                <a:latin typeface="Lucida Console"/>
+                <a:cs typeface="Lucida Console"/>
+              </a:rPr>
+              <a:t>onError</a:t>
+            </a:r>
+            <a:r>
+              <a:rPr lang="en-US" sz="2300" dirty="0" smtClean="0">
+                <a:solidFill>
+                  <a:srgbClr val="0000FF"/>
+                </a:solidFill>
+                <a:latin typeface="Lucida Console"/>
+                <a:cs typeface="Lucida Console"/>
+              </a:rPr>
+              <a:t>)</a:t>
+            </a:r>
+            <a:r>
+              <a:rPr lang="en-US" sz="2300" dirty="0">
+                <a:solidFill>
+                  <a:srgbClr val="0000FF"/>
+                </a:solidFill>
+                <a:latin typeface="Lucida Console"/>
+                <a:cs typeface="Lucida Console"/>
+              </a:rPr>
+              <a:t>;</a:t>
+            </a:r>
+          </a:p>
+        </p:txBody>
+      </p:sp>
+    </p:spTree>
+    <p:extLst>
+      <p:ext uri="{BB962C8B-B14F-4D97-AF65-F5344CB8AC3E}">
+        <p14:creationId xmlns:p14="http://schemas.microsoft.com/office/powerpoint/2010/main" val="738480170"/>
+      </p:ext>
+    </p:extLst>
+  </p:cSld>
+  <p:clrMapOvr>
+    <a:masterClrMapping/>
+  </p:clrMapOvr>
+  <p:timing>
+    <p:tnLst>
+      <p:par>
+        <p:cTn xmlns:p14="http://schemas.microsoft.com/office/powerpoint/2010/main" id="1" dur="indefinite" restart="never" nodeType="tmRoot"/>
+      </p:par>
+    </p:tnLst>
+  </p:timing>
+</p:sld>
+</file>
+
+<file path=ppt/slides/slide69.xml><?xml version="1.0" encoding="utf-8"?>
 <p:sld xmlns:a="http://schemas.openxmlformats.org/drawingml/2006/main" xmlns:r="http://schemas.openxmlformats.org/officeDocument/2006/relationships" xmlns:p="http://schemas.openxmlformats.org/presentationml/2006/main" show="0">
   <p:cSld>
     <p:spTree>
@@ -29746,105 +31551,6 @@
     <p:extLst>
       <p:ext uri="{BB962C8B-B14F-4D97-AF65-F5344CB8AC3E}">
         <p14:creationId xmlns:p14="http://schemas.microsoft.com/office/powerpoint/2010/main" val="1647454612"/>
-      </p:ext>
-    </p:extLst>
-  </p:cSld>
-  <p:clrMapOvr>
-    <a:masterClrMapping/>
-  </p:clrMapOvr>
-  <mc:AlternateContent xmlns:mc="http://schemas.openxmlformats.org/markup-compatibility/2006">
-    <mc:Choice xmlns:p14="http://schemas.microsoft.com/office/powerpoint/2010/main" Requires="p14">
-      <p:transition spd="slow" p14:dur="2000"/>
-    </mc:Choice>
-    <mc:Fallback>
-      <p:transition xmlns:p14="http://schemas.microsoft.com/office/powerpoint/2010/main" spd="slow"/>
-    </mc:Fallback>
-  </mc:AlternateContent>
-  <p:timing>
-    <p:tnLst>
-      <p:par>
-        <p:cTn xmlns:p14="http://schemas.microsoft.com/office/powerpoint/2010/main" id="1" dur="indefinite" restart="never" nodeType="tmRoot"/>
-      </p:par>
-    </p:tnLst>
-  </p:timing>
-</p:sld>
-</file>
-
-<file path=ppt/slides/slide66.xml><?xml version="1.0" encoding="utf-8"?>
-<p:sld xmlns:a="http://schemas.openxmlformats.org/drawingml/2006/main" xmlns:r="http://schemas.openxmlformats.org/officeDocument/2006/relationships" xmlns:p="http://schemas.openxmlformats.org/presentationml/2006/main" show="0">
-  <p:cSld>
-    <p:spTree>
-      <p:nvGrpSpPr>
-        <p:cNvPr id="1" name=""/>
-        <p:cNvGrpSpPr/>
-        <p:nvPr/>
-      </p:nvGrpSpPr>
-      <p:grpSpPr>
-        <a:xfrm>
-          <a:off x="0" y="0"/>
-          <a:ext cx="0" cy="0"/>
-          <a:chOff x="0" y="0"/>
-          <a:chExt cx="0" cy="0"/>
-        </a:xfrm>
-      </p:grpSpPr>
-      <p:sp>
-        <p:nvSpPr>
-          <p:cNvPr id="2" name="Title 1"/>
-          <p:cNvSpPr>
-            <a:spLocks noGrp="1"/>
-          </p:cNvSpPr>
-          <p:nvPr>
-            <p:ph type="title"/>
-          </p:nvPr>
-        </p:nvSpPr>
-        <p:spPr/>
-        <p:txBody>
-          <a:bodyPr/>
-          <a:lstStyle/>
-          <a:p>
-            <a:r>
-              <a:rPr lang="en-US" b="1" dirty="0" err="1" smtClean="0"/>
-              <a:t>Three.js</a:t>
-            </a:r>
-            <a:r>
-              <a:rPr lang="en-US" b="1" dirty="0" smtClean="0"/>
-              <a:t> Mesh Loader</a:t>
-            </a:r>
-            <a:endParaRPr lang="en-US" b="1" dirty="0"/>
-          </a:p>
-        </p:txBody>
-      </p:sp>
-      <p:sp>
-        <p:nvSpPr>
-          <p:cNvPr id="3" name="Content Placeholder 2"/>
-          <p:cNvSpPr>
-            <a:spLocks noGrp="1"/>
-          </p:cNvSpPr>
-          <p:nvPr>
-            <p:ph idx="1"/>
-          </p:nvPr>
-        </p:nvSpPr>
-        <p:spPr/>
-        <p:txBody>
-          <a:bodyPr/>
-          <a:lstStyle/>
-          <a:p>
-            <a:r>
-              <a:rPr lang="en-US" dirty="0" smtClean="0"/>
-              <a:t>Simple tutorial </a:t>
-            </a:r>
-            <a:r>
-              <a:rPr lang="en-US" dirty="0" err="1" smtClean="0"/>
-              <a:t>three.js</a:t>
-            </a:r>
-            <a:endParaRPr lang="en-US" dirty="0"/>
-          </a:p>
-        </p:txBody>
-      </p:sp>
-    </p:spTree>
-    <p:extLst>
-      <p:ext uri="{BB962C8B-B14F-4D97-AF65-F5344CB8AC3E}">
-        <p14:creationId xmlns:p14="http://schemas.microsoft.com/office/powerpoint/2010/main" val="2826869002"/>
       </p:ext>
     </p:extLst>
   </p:cSld>
@@ -30029,6 +31735,105 @@
   <p:clrMapOvr>
     <a:masterClrMapping/>
   </p:clrMapOvr>
+  <p:timing>
+    <p:tnLst>
+      <p:par>
+        <p:cTn xmlns:p14="http://schemas.microsoft.com/office/powerpoint/2010/main" id="1" dur="indefinite" restart="never" nodeType="tmRoot"/>
+      </p:par>
+    </p:tnLst>
+  </p:timing>
+</p:sld>
+</file>
+
+<file path=ppt/slides/slide70.xml><?xml version="1.0" encoding="utf-8"?>
+<p:sld xmlns:a="http://schemas.openxmlformats.org/drawingml/2006/main" xmlns:r="http://schemas.openxmlformats.org/officeDocument/2006/relationships" xmlns:p="http://schemas.openxmlformats.org/presentationml/2006/main" show="0">
+  <p:cSld>
+    <p:spTree>
+      <p:nvGrpSpPr>
+        <p:cNvPr id="1" name=""/>
+        <p:cNvGrpSpPr/>
+        <p:nvPr/>
+      </p:nvGrpSpPr>
+      <p:grpSpPr>
+        <a:xfrm>
+          <a:off x="0" y="0"/>
+          <a:ext cx="0" cy="0"/>
+          <a:chOff x="0" y="0"/>
+          <a:chExt cx="0" cy="0"/>
+        </a:xfrm>
+      </p:grpSpPr>
+      <p:sp>
+        <p:nvSpPr>
+          <p:cNvPr id="2" name="Title 1"/>
+          <p:cNvSpPr>
+            <a:spLocks noGrp="1"/>
+          </p:cNvSpPr>
+          <p:nvPr>
+            <p:ph type="title"/>
+          </p:nvPr>
+        </p:nvSpPr>
+        <p:spPr/>
+        <p:txBody>
+          <a:bodyPr/>
+          <a:lstStyle/>
+          <a:p>
+            <a:r>
+              <a:rPr lang="en-US" b="1" dirty="0" err="1" smtClean="0"/>
+              <a:t>Three.js</a:t>
+            </a:r>
+            <a:r>
+              <a:rPr lang="en-US" b="1" dirty="0" smtClean="0"/>
+              <a:t> Mesh Loader</a:t>
+            </a:r>
+            <a:endParaRPr lang="en-US" b="1" dirty="0"/>
+          </a:p>
+        </p:txBody>
+      </p:sp>
+      <p:sp>
+        <p:nvSpPr>
+          <p:cNvPr id="3" name="Content Placeholder 2"/>
+          <p:cNvSpPr>
+            <a:spLocks noGrp="1"/>
+          </p:cNvSpPr>
+          <p:nvPr>
+            <p:ph idx="1"/>
+          </p:nvPr>
+        </p:nvSpPr>
+        <p:spPr/>
+        <p:txBody>
+          <a:bodyPr/>
+          <a:lstStyle/>
+          <a:p>
+            <a:r>
+              <a:rPr lang="en-US" dirty="0" smtClean="0"/>
+              <a:t>Simple tutorial </a:t>
+            </a:r>
+            <a:r>
+              <a:rPr lang="en-US" dirty="0" err="1" smtClean="0"/>
+              <a:t>three.js</a:t>
+            </a:r>
+            <a:endParaRPr lang="en-US" dirty="0"/>
+          </a:p>
+        </p:txBody>
+      </p:sp>
+    </p:spTree>
+    <p:extLst>
+      <p:ext uri="{BB962C8B-B14F-4D97-AF65-F5344CB8AC3E}">
+        <p14:creationId xmlns:p14="http://schemas.microsoft.com/office/powerpoint/2010/main" val="2826869002"/>
+      </p:ext>
+    </p:extLst>
+  </p:cSld>
+  <p:clrMapOvr>
+    <a:masterClrMapping/>
+  </p:clrMapOvr>
+  <mc:AlternateContent xmlns:mc="http://schemas.openxmlformats.org/markup-compatibility/2006">
+    <mc:Choice xmlns:p14="http://schemas.microsoft.com/office/powerpoint/2010/main" Requires="p14">
+      <p:transition spd="slow" p14:dur="2000"/>
+    </mc:Choice>
+    <mc:Fallback>
+      <p:transition xmlns:p14="http://schemas.microsoft.com/office/powerpoint/2010/main" spd="slow"/>
+    </mc:Fallback>
+  </mc:AlternateContent>
   <p:timing>
     <p:tnLst>
       <p:par>

--- a/slides.pptx
+++ b/slides.pptx
@@ -18924,53 +18924,188 @@
             <p:ph idx="1"/>
           </p:nvPr>
         </p:nvSpPr>
-        <p:spPr/>
+        <p:spPr>
+          <a:xfrm>
+            <a:off x="457200" y="1600200"/>
+            <a:ext cx="8686800" cy="4525963"/>
+          </a:xfrm>
+        </p:spPr>
         <p:txBody>
           <a:bodyPr>
-            <a:normAutofit/>
+            <a:normAutofit lnSpcReduction="10000"/>
           </a:bodyPr>
           <a:lstStyle/>
           <a:p>
             <a:r>
               <a:rPr lang="en-US" dirty="0" smtClean="0"/>
-              <a:t>Do the following at command line:</a:t>
-            </a:r>
-          </a:p>
-          <a:p>
-            <a:r>
-              <a:rPr lang="en-US" sz="2800" dirty="0" err="1" smtClean="0"/>
+              <a:t>Do the following at command </a:t>
+            </a:r>
+            <a:r>
+              <a:rPr lang="en-US" dirty="0" smtClean="0"/>
+              <a:t>line:</a:t>
+            </a:r>
+            <a:br>
+              <a:rPr lang="en-US" dirty="0" smtClean="0"/>
+            </a:br>
+            <a:r>
+              <a:rPr lang="en-US" sz="1500" dirty="0" smtClean="0"/>
+              <a:t/>
+            </a:r>
+            <a:br>
+              <a:rPr lang="en-US" sz="1500" dirty="0" smtClean="0"/>
+            </a:br>
+            <a:r>
+              <a:rPr lang="en-US" sz="2000" dirty="0" err="1" smtClean="0">
+                <a:solidFill>
+                  <a:srgbClr val="0000FF"/>
+                </a:solidFill>
+                <a:latin typeface="Lucida Console" charset="0"/>
+                <a:ea typeface="Lucida Console" charset="0"/>
+                <a:cs typeface="Lucida Console" charset="0"/>
+              </a:rPr>
               <a:t>git</a:t>
             </a:r>
             <a:r>
-              <a:rPr lang="en-US" sz="2800" dirty="0" smtClean="0"/>
-              <a:t> clone </a:t>
-            </a:r>
-            <a:r>
-              <a:rPr lang="en-US" sz="2800" dirty="0" smtClean="0">
+              <a:rPr lang="en-US" sz="2000" dirty="0" smtClean="0">
+                <a:solidFill>
+                  <a:srgbClr val="0000FF"/>
+                </a:solidFill>
+                <a:latin typeface="Lucida Console" charset="0"/>
+                <a:ea typeface="Lucida Console" charset="0"/>
+                <a:cs typeface="Lucida Console" charset="0"/>
+              </a:rPr>
+              <a:t> </a:t>
+            </a:r>
+            <a:r>
+              <a:rPr lang="en-US" sz="2000" dirty="0" smtClean="0">
+                <a:solidFill>
+                  <a:srgbClr val="0000FF"/>
+                </a:solidFill>
+                <a:latin typeface="Lucida Console" charset="0"/>
+                <a:ea typeface="Lucida Console" charset="0"/>
+                <a:cs typeface="Lucida Console" charset="0"/>
+              </a:rPr>
+              <a:t>clone </a:t>
+            </a:r>
+            <a:r>
+              <a:rPr lang="en-US" sz="2000" dirty="0" smtClean="0">
+                <a:solidFill>
+                  <a:srgbClr val="0000FF"/>
+                </a:solidFill>
+                <a:latin typeface="Lucida Console" charset="0"/>
+                <a:ea typeface="Lucida Console" charset="0"/>
+                <a:cs typeface="Lucida Console" charset="0"/>
                 <a:hlinkClick r:id="rId2"/>
               </a:rPr>
-              <a:t>https://github.com/uva-graphics/webgl.git</a:t>
-            </a:r>
-            <a:endParaRPr lang="en-US" sz="2800" dirty="0" smtClean="0"/>
-          </a:p>
-          <a:p>
-            <a:r>
-              <a:rPr lang="en-US" sz="2800" dirty="0" smtClean="0"/>
+              <a:t>https://</a:t>
+            </a:r>
+            <a:r>
+              <a:rPr lang="en-US" sz="2000" dirty="0" smtClean="0">
+                <a:solidFill>
+                  <a:srgbClr val="0000FF"/>
+                </a:solidFill>
+                <a:latin typeface="Lucida Console" charset="0"/>
+                <a:ea typeface="Lucida Console" charset="0"/>
+                <a:cs typeface="Lucida Console" charset="0"/>
+                <a:hlinkClick r:id="rId2"/>
+              </a:rPr>
+              <a:t>github.com/uva-graphics/webgl.git</a:t>
+            </a:r>
+            <a:r>
+              <a:rPr lang="en-US" sz="2000" dirty="0">
+                <a:solidFill>
+                  <a:srgbClr val="0000FF"/>
+                </a:solidFill>
+                <a:latin typeface="Lucida Console" charset="0"/>
+                <a:ea typeface="Lucida Console" charset="0"/>
+                <a:cs typeface="Lucida Console" charset="0"/>
+              </a:rPr>
+              <a:t/>
+            </a:r>
+            <a:br>
+              <a:rPr lang="en-US" sz="2000" dirty="0">
+                <a:solidFill>
+                  <a:srgbClr val="0000FF"/>
+                </a:solidFill>
+                <a:latin typeface="Lucida Console" charset="0"/>
+                <a:ea typeface="Lucida Console" charset="0"/>
+                <a:cs typeface="Lucida Console" charset="0"/>
+              </a:rPr>
+            </a:br>
+            <a:r>
+              <a:rPr lang="en-US" sz="2000" dirty="0" smtClean="0">
+                <a:solidFill>
+                  <a:srgbClr val="0000FF"/>
+                </a:solidFill>
+                <a:latin typeface="Lucida Console" charset="0"/>
+                <a:ea typeface="Lucida Console" charset="0"/>
+                <a:cs typeface="Lucida Console" charset="0"/>
+              </a:rPr>
               <a:t>cd </a:t>
             </a:r>
             <a:r>
-              <a:rPr lang="en-US" sz="2800" dirty="0" err="1" smtClean="0"/>
+              <a:rPr lang="en-US" sz="2000" dirty="0" err="1" smtClean="0">
+                <a:solidFill>
+                  <a:srgbClr val="0000FF"/>
+                </a:solidFill>
+                <a:latin typeface="Lucida Console" charset="0"/>
+                <a:ea typeface="Lucida Console" charset="0"/>
+                <a:cs typeface="Lucida Console" charset="0"/>
+              </a:rPr>
               <a:t>webgl</a:t>
             </a:r>
-            <a:endParaRPr lang="en-US" sz="2800" dirty="0"/>
-          </a:p>
-          <a:p>
-            <a:r>
-              <a:rPr lang="en-US" sz="2800" dirty="0" smtClean="0"/>
-              <a:t>python -m </a:t>
-            </a:r>
-            <a:r>
-              <a:rPr lang="en-US" sz="2800" dirty="0" err="1" smtClean="0"/>
+            <a:r>
+              <a:rPr lang="en-US" sz="2000" dirty="0">
+                <a:solidFill>
+                  <a:srgbClr val="0000FF"/>
+                </a:solidFill>
+                <a:latin typeface="Lucida Console" charset="0"/>
+                <a:ea typeface="Lucida Console" charset="0"/>
+                <a:cs typeface="Lucida Console" charset="0"/>
+              </a:rPr>
+              <a:t/>
+            </a:r>
+            <a:br>
+              <a:rPr lang="en-US" sz="2000" dirty="0">
+                <a:solidFill>
+                  <a:srgbClr val="0000FF"/>
+                </a:solidFill>
+                <a:latin typeface="Lucida Console" charset="0"/>
+                <a:ea typeface="Lucida Console" charset="0"/>
+                <a:cs typeface="Lucida Console" charset="0"/>
+              </a:rPr>
+            </a:br>
+            <a:r>
+              <a:rPr lang="en-US" sz="2000" dirty="0" smtClean="0">
+                <a:solidFill>
+                  <a:srgbClr val="0000FF"/>
+                </a:solidFill>
+                <a:latin typeface="Lucida Console" charset="0"/>
+                <a:ea typeface="Lucida Console" charset="0"/>
+                <a:cs typeface="Lucida Console" charset="0"/>
+              </a:rPr>
+              <a:t>python </a:t>
+            </a:r>
+            <a:r>
+              <a:rPr lang="en-US" sz="2000" dirty="0" smtClean="0">
+                <a:solidFill>
+                  <a:srgbClr val="0000FF"/>
+                </a:solidFill>
+                <a:latin typeface="Lucida Console" charset="0"/>
+                <a:ea typeface="Lucida Console" charset="0"/>
+                <a:cs typeface="Lucida Console" charset="0"/>
+              </a:rPr>
+              <a:t>-m </a:t>
+            </a:r>
+            <a:r>
+              <a:rPr lang="en-US" sz="2000" dirty="0" err="1" smtClean="0">
+                <a:solidFill>
+                  <a:srgbClr val="0000FF"/>
+                </a:solidFill>
+                <a:latin typeface="Lucida Console" charset="0"/>
+                <a:ea typeface="Lucida Console" charset="0"/>
+                <a:cs typeface="Lucida Console" charset="0"/>
+              </a:rPr>
               <a:t>SimpleHTTPServer</a:t>
             </a:r>
             <a:r>
@@ -18980,7 +19115,7 @@
             <a:br>
               <a:rPr lang="en-US" sz="2800" dirty="0" smtClean="0"/>
             </a:br>
-            <a:endParaRPr lang="en-US" sz="2800" dirty="0" smtClean="0"/>
+            <a:endParaRPr lang="en-US" sz="1600" dirty="0" smtClean="0"/>
           </a:p>
           <a:p>
             <a:r>
@@ -18991,8 +19126,81 @@
               <a:rPr lang="en-US" dirty="0" smtClean="0">
                 <a:hlinkClick r:id="rId3"/>
               </a:rPr>
-              <a:t>http://localhost:8000/</a:t>
-            </a:r>
+              <a:t>http://localhost:8000</a:t>
+            </a:r>
+            <a:r>
+              <a:rPr lang="en-US" dirty="0" smtClean="0">
+                <a:hlinkClick r:id="rId3"/>
+              </a:rPr>
+              <a:t>/</a:t>
+            </a:r>
+            <a:r>
+              <a:rPr lang="en-US" dirty="0" smtClean="0">
+                <a:hlinkClick r:id="rId3"/>
+              </a:rPr>
+              <a:t/>
+            </a:r>
+            <a:br>
+              <a:rPr lang="en-US" dirty="0" smtClean="0">
+                <a:hlinkClick r:id="rId3"/>
+              </a:rPr>
+            </a:br>
+            <a:endParaRPr lang="en-US" dirty="0" smtClean="0">
+              <a:hlinkClick r:id="rId3"/>
+            </a:endParaRPr>
+          </a:p>
+          <a:p>
+            <a:r>
+              <a:rPr lang="en-US" dirty="0" smtClean="0"/>
+              <a:t>Alternative on </a:t>
+            </a:r>
+            <a:r>
+              <a:rPr lang="en-US" dirty="0" smtClean="0">
+                <a:hlinkClick r:id="rId4"/>
+              </a:rPr>
+              <a:t>cloud9</a:t>
+            </a:r>
+            <a:r>
+              <a:rPr lang="en-US" dirty="0" smtClean="0"/>
+              <a:t> (Web-based Linux): run only the </a:t>
+            </a:r>
+            <a:r>
+              <a:rPr lang="en-US" sz="2400" dirty="0" err="1" smtClean="0">
+                <a:solidFill>
+                  <a:srgbClr val="0000FF"/>
+                </a:solidFill>
+                <a:latin typeface="Lucida Console" charset="0"/>
+                <a:ea typeface="Lucida Console" charset="0"/>
+                <a:cs typeface="Lucida Console" charset="0"/>
+              </a:rPr>
+              <a:t>git</a:t>
+            </a:r>
+            <a:r>
+              <a:rPr lang="en-US" sz="2400" dirty="0" smtClean="0">
+                <a:solidFill>
+                  <a:srgbClr val="0000FF"/>
+                </a:solidFill>
+                <a:latin typeface="Lucida Console" charset="0"/>
+                <a:ea typeface="Lucida Console" charset="0"/>
+                <a:cs typeface="Lucida Console" charset="0"/>
+              </a:rPr>
+              <a:t> clone </a:t>
+            </a:r>
+            <a:r>
+              <a:rPr lang="en-US" dirty="0" smtClean="0"/>
+              <a:t>line, then right click the html files in the </a:t>
+            </a:r>
+            <a:r>
+              <a:rPr lang="en-US" dirty="0" err="1" smtClean="0"/>
+              <a:t>webgl</a:t>
+            </a:r>
+            <a:r>
+              <a:rPr lang="en-US" dirty="0" smtClean="0"/>
+              <a:t> repository and choose Preview.</a:t>
+            </a:r>
+            <a:endParaRPr lang="en-US" dirty="0" smtClean="0">
+              <a:hlinkClick r:id="rId3"/>
+            </a:endParaRPr>
           </a:p>
         </p:txBody>
       </p:sp>

--- a/slides.pptx
+++ b/slides.pptx
@@ -76,6 +76,7 @@
     <p:sldId id="328" r:id="rId70"/>
     <p:sldId id="262" r:id="rId71"/>
     <p:sldId id="261" r:id="rId72"/>
+    <p:sldId id="330" r:id="rId73"/>
   </p:sldIdLst>
   <p:sldSz cx="9144000" cy="6858000" type="screen4x3"/>
   <p:notesSz cx="6858000" cy="9144000"/>
@@ -374,7 +375,7 @@
           <a:p>
             <a:fld id="{0B44415A-ED4C-F049-B1EC-6403452F0569}" type="datetimeFigureOut">
               <a:rPr lang="en-US" smtClean="0"/>
-              <a:t>3/30/16</a:t>
+              <a:t>4/11/16</a:t>
             </a:fld>
             <a:endParaRPr lang="en-US"/>
           </a:p>
@@ -544,7 +545,7 @@
           <a:p>
             <a:fld id="{0B44415A-ED4C-F049-B1EC-6403452F0569}" type="datetimeFigureOut">
               <a:rPr lang="en-US" smtClean="0"/>
-              <a:t>3/30/16</a:t>
+              <a:t>4/11/16</a:t>
             </a:fld>
             <a:endParaRPr lang="en-US"/>
           </a:p>
@@ -724,7 +725,7 @@
           <a:p>
             <a:fld id="{0B44415A-ED4C-F049-B1EC-6403452F0569}" type="datetimeFigureOut">
               <a:rPr lang="en-US" smtClean="0"/>
-              <a:t>3/30/16</a:t>
+              <a:t>4/11/16</a:t>
             </a:fld>
             <a:endParaRPr lang="en-US"/>
           </a:p>
@@ -894,7 +895,7 @@
           <a:p>
             <a:fld id="{0B44415A-ED4C-F049-B1EC-6403452F0569}" type="datetimeFigureOut">
               <a:rPr lang="en-US" smtClean="0"/>
-              <a:t>3/30/16</a:t>
+              <a:t>4/11/16</a:t>
             </a:fld>
             <a:endParaRPr lang="en-US"/>
           </a:p>
@@ -1140,7 +1141,7 @@
           <a:p>
             <a:fld id="{0B44415A-ED4C-F049-B1EC-6403452F0569}" type="datetimeFigureOut">
               <a:rPr lang="en-US" smtClean="0"/>
-              <a:t>3/30/16</a:t>
+              <a:t>4/11/16</a:t>
             </a:fld>
             <a:endParaRPr lang="en-US"/>
           </a:p>
@@ -1428,7 +1429,7 @@
           <a:p>
             <a:fld id="{0B44415A-ED4C-F049-B1EC-6403452F0569}" type="datetimeFigureOut">
               <a:rPr lang="en-US" smtClean="0"/>
-              <a:t>3/30/16</a:t>
+              <a:t>4/11/16</a:t>
             </a:fld>
             <a:endParaRPr lang="en-US"/>
           </a:p>
@@ -1850,7 +1851,7 @@
           <a:p>
             <a:fld id="{0B44415A-ED4C-F049-B1EC-6403452F0569}" type="datetimeFigureOut">
               <a:rPr lang="en-US" smtClean="0"/>
-              <a:t>3/30/16</a:t>
+              <a:t>4/11/16</a:t>
             </a:fld>
             <a:endParaRPr lang="en-US"/>
           </a:p>
@@ -1968,7 +1969,7 @@
           <a:p>
             <a:fld id="{0B44415A-ED4C-F049-B1EC-6403452F0569}" type="datetimeFigureOut">
               <a:rPr lang="en-US" smtClean="0"/>
-              <a:t>3/30/16</a:t>
+              <a:t>4/11/16</a:t>
             </a:fld>
             <a:endParaRPr lang="en-US"/>
           </a:p>
@@ -2063,7 +2064,7 @@
           <a:p>
             <a:fld id="{0B44415A-ED4C-F049-B1EC-6403452F0569}" type="datetimeFigureOut">
               <a:rPr lang="en-US" smtClean="0"/>
-              <a:t>3/30/16</a:t>
+              <a:t>4/11/16</a:t>
             </a:fld>
             <a:endParaRPr lang="en-US"/>
           </a:p>
@@ -2340,7 +2341,7 @@
           <a:p>
             <a:fld id="{0B44415A-ED4C-F049-B1EC-6403452F0569}" type="datetimeFigureOut">
               <a:rPr lang="en-US" smtClean="0"/>
-              <a:t>3/30/16</a:t>
+              <a:t>4/11/16</a:t>
             </a:fld>
             <a:endParaRPr lang="en-US"/>
           </a:p>
@@ -2593,7 +2594,7 @@
           <a:p>
             <a:fld id="{0B44415A-ED4C-F049-B1EC-6403452F0569}" type="datetimeFigureOut">
               <a:rPr lang="en-US" smtClean="0"/>
-              <a:t>3/30/16</a:t>
+              <a:t>4/11/16</a:t>
             </a:fld>
             <a:endParaRPr lang="en-US"/>
           </a:p>
@@ -2806,7 +2807,7 @@
           <a:p>
             <a:fld id="{0B44415A-ED4C-F049-B1EC-6403452F0569}" type="datetimeFigureOut">
               <a:rPr lang="en-US" smtClean="0"/>
-              <a:t>3/30/16</a:t>
+              <a:t>4/11/16</a:t>
             </a:fld>
             <a:endParaRPr lang="en-US"/>
           </a:p>
@@ -15030,13 +15031,7 @@
               <a:rPr lang="en-US" dirty="0" smtClean="0">
                 <a:hlinkClick r:id="rId6"/>
               </a:rPr>
-              <a:t>http://</a:t>
-            </a:r>
-            <a:r>
-              <a:rPr lang="en-US" dirty="0" smtClean="0">
-                <a:hlinkClick r:id="rId6"/>
-              </a:rPr>
-              <a:t>www.johannes-raida.de/tutorials.htm</a:t>
+              <a:t>http://www.johannes-raida.de/tutorials.htm</a:t>
             </a:r>
             <a:endParaRPr lang="en-US" dirty="0" smtClean="0"/>
           </a:p>
@@ -15949,11 +15944,7 @@
             </a:r>
             <a:r>
               <a:rPr lang="en-US" b="1" dirty="0" smtClean="0"/>
-              <a:t>: </a:t>
-            </a:r>
-            <a:r>
-              <a:rPr lang="en-US" b="1" dirty="0" smtClean="0"/>
-              <a:t>Movement</a:t>
+              <a:t>: Movement</a:t>
             </a:r>
             <a:endParaRPr lang="en-US" b="1" dirty="0"/>
           </a:p>
@@ -16220,11 +16211,7 @@
             </a:r>
             <a:r>
               <a:rPr lang="en-US" b="1" dirty="0" smtClean="0"/>
-              <a:t>: </a:t>
-            </a:r>
-            <a:r>
-              <a:rPr lang="en-US" b="1" dirty="0" smtClean="0"/>
-              <a:t>Movement</a:t>
+              <a:t>: Movement</a:t>
             </a:r>
             <a:endParaRPr lang="en-US" b="1" dirty="0"/>
           </a:p>
@@ -16603,11 +16590,7 @@
             </a:r>
             <a:r>
               <a:rPr lang="en-US" b="1" dirty="0" smtClean="0"/>
-              <a:t>: </a:t>
-            </a:r>
-            <a:r>
-              <a:rPr lang="en-US" b="1" dirty="0" smtClean="0"/>
-              <a:t>Movement</a:t>
+              <a:t>: Movement</a:t>
             </a:r>
             <a:endParaRPr lang="en-US" b="1" dirty="0"/>
           </a:p>
@@ -16891,11 +16874,7 @@
             </a:r>
             <a:r>
               <a:rPr lang="en-US" b="1" dirty="0" smtClean="0"/>
-              <a:t>: </a:t>
-            </a:r>
-            <a:r>
-              <a:rPr lang="en-US" b="1" dirty="0" smtClean="0"/>
-              <a:t>Movement</a:t>
+              <a:t>: Movement</a:t>
             </a:r>
             <a:endParaRPr lang="en-US" b="1" dirty="0"/>
           </a:p>
@@ -17464,11 +17443,7 @@
             </a:r>
             <a:r>
               <a:rPr lang="en-US" b="1" dirty="0" smtClean="0"/>
-              <a:t>: </a:t>
-            </a:r>
-            <a:r>
-              <a:rPr lang="en-US" b="1" dirty="0" smtClean="0"/>
-              <a:t>Movement</a:t>
+              <a:t>: Movement</a:t>
             </a:r>
             <a:endParaRPr lang="en-US" b="1" dirty="0"/>
           </a:p>
@@ -17890,11 +17865,7 @@
             </a:r>
             <a:r>
               <a:rPr lang="en-US" b="1" dirty="0" smtClean="0"/>
-              <a:t>: </a:t>
-            </a:r>
-            <a:r>
-              <a:rPr lang="en-US" b="1" dirty="0" smtClean="0"/>
-              <a:t>Movement</a:t>
+              <a:t>: Movement</a:t>
             </a:r>
             <a:endParaRPr lang="en-US" b="1" dirty="0"/>
           </a:p>
@@ -18938,11 +18909,7 @@
           <a:p>
             <a:r>
               <a:rPr lang="en-US" dirty="0" smtClean="0"/>
-              <a:t>Do the following at command </a:t>
-            </a:r>
-            <a:r>
-              <a:rPr lang="en-US" dirty="0" smtClean="0"/>
-              <a:t>line:</a:t>
+              <a:t>Do the following at command line:</a:t>
             </a:r>
             <a:br>
               <a:rPr lang="en-US" dirty="0" smtClean="0"/>
@@ -18974,18 +18941,7 @@
                 <a:ea typeface="Lucida Console" charset="0"/>
                 <a:cs typeface="Lucida Console" charset="0"/>
               </a:rPr>
-              <a:t> </a:t>
-            </a:r>
-            <a:r>
-              <a:rPr lang="en-US" sz="2000" dirty="0" smtClean="0">
-                <a:solidFill>
-                  <a:srgbClr val="0000FF"/>
-                </a:solidFill>
-                <a:latin typeface="Lucida Console" charset="0"/>
-                <a:ea typeface="Lucida Console" charset="0"/>
-                <a:cs typeface="Lucida Console" charset="0"/>
-              </a:rPr>
-              <a:t>clone </a:t>
+              <a:t> clone </a:t>
             </a:r>
             <a:r>
               <a:rPr lang="en-US" sz="2000" dirty="0" smtClean="0">
@@ -18997,21 +18953,20 @@
                 <a:cs typeface="Lucida Console" charset="0"/>
                 <a:hlinkClick r:id="rId2"/>
               </a:rPr>
-              <a:t>https://</a:t>
-            </a:r>
-            <a:r>
-              <a:rPr lang="en-US" sz="2000" dirty="0" smtClean="0">
+              <a:t>https://github.com/uva-graphics/webgl.git</a:t>
+            </a:r>
+            <a:r>
+              <a:rPr lang="en-US" sz="2000" dirty="0">
                 <a:solidFill>
                   <a:srgbClr val="0000FF"/>
                 </a:solidFill>
                 <a:latin typeface="Lucida Console" charset="0"/>
                 <a:ea typeface="Lucida Console" charset="0"/>
                 <a:cs typeface="Lucida Console" charset="0"/>
-                <a:hlinkClick r:id="rId2"/>
-              </a:rPr>
-              <a:t>github.com/uva-graphics/webgl.git</a:t>
-            </a:r>
-            <a:r>
+              </a:rPr>
+              <a:t/>
+            </a:r>
+            <a:br>
               <a:rPr lang="en-US" sz="2000" dirty="0">
                 <a:solidFill>
                   <a:srgbClr val="0000FF"/>
@@ -19020,10 +18975,9 @@
                 <a:ea typeface="Lucida Console" charset="0"/>
                 <a:cs typeface="Lucida Console" charset="0"/>
               </a:rPr>
-              <a:t/>
-            </a:r>
-            <a:br>
-              <a:rPr lang="en-US" sz="2000" dirty="0">
+            </a:br>
+            <a:r>
+              <a:rPr lang="en-US" sz="2000" dirty="0" smtClean="0">
                 <a:solidFill>
                   <a:srgbClr val="0000FF"/>
                 </a:solidFill>
@@ -19031,9 +18985,10 @@
                 <a:ea typeface="Lucida Console" charset="0"/>
                 <a:cs typeface="Lucida Console" charset="0"/>
               </a:rPr>
-            </a:br>
-            <a:r>
-              <a:rPr lang="en-US" sz="2000" dirty="0" smtClean="0">
+              <a:t>cd </a:t>
+            </a:r>
+            <a:r>
+              <a:rPr lang="en-US" sz="2000" dirty="0" err="1" smtClean="0">
                 <a:solidFill>
                   <a:srgbClr val="0000FF"/>
                 </a:solidFill>
@@ -19041,10 +18996,10 @@
                 <a:ea typeface="Lucida Console" charset="0"/>
                 <a:cs typeface="Lucida Console" charset="0"/>
               </a:rPr>
-              <a:t>cd </a:t>
-            </a:r>
-            <a:r>
-              <a:rPr lang="en-US" sz="2000" dirty="0" err="1" smtClean="0">
+              <a:t>webgl</a:t>
+            </a:r>
+            <a:r>
+              <a:rPr lang="en-US" sz="2000" dirty="0">
                 <a:solidFill>
                   <a:srgbClr val="0000FF"/>
                 </a:solidFill>
@@ -19052,9 +19007,9 @@
                 <a:ea typeface="Lucida Console" charset="0"/>
                 <a:cs typeface="Lucida Console" charset="0"/>
               </a:rPr>
-              <a:t>webgl</a:t>
-            </a:r>
-            <a:r>
+              <a:t/>
+            </a:r>
+            <a:br>
               <a:rPr lang="en-US" sz="2000" dirty="0">
                 <a:solidFill>
                   <a:srgbClr val="0000FF"/>
@@ -19063,10 +19018,9 @@
                 <a:ea typeface="Lucida Console" charset="0"/>
                 <a:cs typeface="Lucida Console" charset="0"/>
               </a:rPr>
-              <a:t/>
-            </a:r>
-            <a:br>
-              <a:rPr lang="en-US" sz="2000" dirty="0">
+            </a:br>
+            <a:r>
+              <a:rPr lang="en-US" sz="2000" dirty="0" smtClean="0">
                 <a:solidFill>
                   <a:srgbClr val="0000FF"/>
                 </a:solidFill>
@@ -19074,28 +19028,7 @@
                 <a:ea typeface="Lucida Console" charset="0"/>
                 <a:cs typeface="Lucida Console" charset="0"/>
               </a:rPr>
-            </a:br>
-            <a:r>
-              <a:rPr lang="en-US" sz="2000" dirty="0" smtClean="0">
-                <a:solidFill>
-                  <a:srgbClr val="0000FF"/>
-                </a:solidFill>
-                <a:latin typeface="Lucida Console" charset="0"/>
-                <a:ea typeface="Lucida Console" charset="0"/>
-                <a:cs typeface="Lucida Console" charset="0"/>
-              </a:rPr>
-              <a:t>python </a:t>
-            </a:r>
-            <a:r>
-              <a:rPr lang="en-US" sz="2000" dirty="0" smtClean="0">
-                <a:solidFill>
-                  <a:srgbClr val="0000FF"/>
-                </a:solidFill>
-                <a:latin typeface="Lucida Console" charset="0"/>
-                <a:ea typeface="Lucida Console" charset="0"/>
-                <a:cs typeface="Lucida Console" charset="0"/>
-              </a:rPr>
-              <a:t>-m </a:t>
+              <a:t>python -m </a:t>
             </a:r>
             <a:r>
               <a:rPr lang="en-US" sz="2000" dirty="0" err="1" smtClean="0">
@@ -19126,19 +19059,7 @@
               <a:rPr lang="en-US" dirty="0" smtClean="0">
                 <a:hlinkClick r:id="rId3"/>
               </a:rPr>
-              <a:t>http://localhost:8000</a:t>
-            </a:r>
-            <a:r>
-              <a:rPr lang="en-US" dirty="0" smtClean="0">
-                <a:hlinkClick r:id="rId3"/>
-              </a:rPr>
-              <a:t>/</a:t>
-            </a:r>
-            <a:r>
-              <a:rPr lang="en-US" dirty="0" smtClean="0">
-                <a:hlinkClick r:id="rId3"/>
-              </a:rPr>
-              <a:t/>
+              <a:t>http://localhost:8000/</a:t>
             </a:r>
             <a:br>
               <a:rPr lang="en-US" dirty="0" smtClean="0">
@@ -32352,6 +32273,181 @@
       </p:par>
     </p:tnLst>
   </p:timing>
+</p:sld>
+</file>
+
+<file path=ppt/slides/slide72.xml><?xml version="1.0" encoding="utf-8"?>
+<p:sld xmlns:a="http://schemas.openxmlformats.org/drawingml/2006/main" xmlns:r="http://schemas.openxmlformats.org/officeDocument/2006/relationships" xmlns:p="http://schemas.openxmlformats.org/presentationml/2006/main">
+  <p:cSld>
+    <p:spTree>
+      <p:nvGrpSpPr>
+        <p:cNvPr id="1" name=""/>
+        <p:cNvGrpSpPr/>
+        <p:nvPr/>
+      </p:nvGrpSpPr>
+      <p:grpSpPr>
+        <a:xfrm>
+          <a:off x="0" y="0"/>
+          <a:ext cx="0" cy="0"/>
+          <a:chOff x="0" y="0"/>
+          <a:chExt cx="0" cy="0"/>
+        </a:xfrm>
+      </p:grpSpPr>
+      <p:sp>
+        <p:nvSpPr>
+          <p:cNvPr id="2" name="Title 1"/>
+          <p:cNvSpPr>
+            <a:spLocks noGrp="1"/>
+          </p:cNvSpPr>
+          <p:nvPr>
+            <p:ph type="title"/>
+          </p:nvPr>
+        </p:nvSpPr>
+        <p:spPr/>
+        <p:txBody>
+          <a:bodyPr>
+            <a:normAutofit fontScale="90000"/>
+          </a:bodyPr>
+          <a:lstStyle/>
+          <a:p>
+            <a:r>
+              <a:rPr lang="en-US" dirty="0" smtClean="0"/>
+              <a:t>Model Loader: Where to Get Models</a:t>
+            </a:r>
+            <a:endParaRPr lang="en-US" dirty="0"/>
+          </a:p>
+        </p:txBody>
+      </p:sp>
+      <p:sp>
+        <p:nvSpPr>
+          <p:cNvPr id="3" name="Content Placeholder 2"/>
+          <p:cNvSpPr>
+            <a:spLocks noGrp="1"/>
+          </p:cNvSpPr>
+          <p:nvPr>
+            <p:ph idx="1"/>
+          </p:nvPr>
+        </p:nvSpPr>
+        <p:spPr>
+          <a:xfrm>
+            <a:off x="457200" y="1600200"/>
+            <a:ext cx="8490030" cy="4525963"/>
+          </a:xfrm>
+        </p:spPr>
+        <p:txBody>
+          <a:bodyPr>
+            <a:normAutofit/>
+          </a:bodyPr>
+          <a:lstStyle/>
+          <a:p>
+            <a:r>
+              <a:rPr lang="en-US" dirty="0" smtClean="0"/>
+              <a:t>Can download OBJ format from some 3D model repositories, e.g.</a:t>
+            </a:r>
+          </a:p>
+          <a:p>
+            <a:pPr lvl="1"/>
+            <a:r>
+              <a:rPr lang="en-US" dirty="0">
+                <a:hlinkClick r:id="rId2"/>
+              </a:rPr>
+              <a:t>https://</a:t>
+            </a:r>
+            <a:r>
+              <a:rPr lang="en-US" dirty="0" smtClean="0">
+                <a:hlinkClick r:id="rId2"/>
+              </a:rPr>
+              <a:t>sketchfab.com/download</a:t>
+            </a:r>
+            <a:endParaRPr lang="en-US" dirty="0" smtClean="0"/>
+          </a:p>
+          <a:p>
+            <a:pPr lvl="1"/>
+            <a:r>
+              <a:rPr lang="en-US" dirty="0">
+                <a:hlinkClick r:id="rId3"/>
+              </a:rPr>
+              <a:t>http://</a:t>
+            </a:r>
+            <a:r>
+              <a:rPr lang="en-US" dirty="0" smtClean="0">
+                <a:hlinkClick r:id="rId3"/>
+              </a:rPr>
+              <a:t>tf3dm.com/3d-models/textures/1/obj</a:t>
+            </a:r>
+            <a:endParaRPr lang="en-US" dirty="0" smtClean="0"/>
+          </a:p>
+          <a:p>
+            <a:r>
+              <a:rPr lang="en-US" dirty="0" smtClean="0"/>
+              <a:t>See also other websites:</a:t>
+            </a:r>
+          </a:p>
+          <a:p>
+            <a:pPr lvl="1"/>
+            <a:r>
+              <a:rPr lang="en-US" dirty="0">
+                <a:hlinkClick r:id="rId4"/>
+              </a:rPr>
+              <a:t>https://3dwarehouse.sketchup.com/?</a:t>
+            </a:r>
+            <a:r>
+              <a:rPr lang="en-US" dirty="0" smtClean="0">
+                <a:hlinkClick r:id="rId4"/>
+              </a:rPr>
+              <a:t>hl=en</a:t>
+            </a:r>
+            <a:endParaRPr lang="en-US" dirty="0" smtClean="0"/>
+          </a:p>
+          <a:p>
+            <a:pPr lvl="1"/>
+            <a:r>
+              <a:rPr lang="en-US" dirty="0">
+                <a:hlinkClick r:id="rId5"/>
+              </a:rPr>
+              <a:t>https://www.thingiverse.com</a:t>
+            </a:r>
+            <a:r>
+              <a:rPr lang="en-US" dirty="0" smtClean="0">
+                <a:hlinkClick r:id="rId5"/>
+              </a:rPr>
+              <a:t>/</a:t>
+            </a:r>
+            <a:endParaRPr lang="en-US" dirty="0" smtClean="0"/>
+          </a:p>
+          <a:p>
+            <a:pPr lvl="1"/>
+            <a:r>
+              <a:rPr lang="en-US" dirty="0" smtClean="0"/>
+              <a:t>Can convert </a:t>
+            </a:r>
+            <a:r>
+              <a:rPr lang="en-US" dirty="0"/>
+              <a:t>to OBJ format using </a:t>
+            </a:r>
+            <a:r>
+              <a:rPr lang="en-US" dirty="0" err="1">
+                <a:hlinkClick r:id="rId6"/>
+              </a:rPr>
+              <a:t>MeshLab</a:t>
+            </a:r>
+            <a:endParaRPr lang="en-US" dirty="0" smtClean="0"/>
+          </a:p>
+          <a:p>
+            <a:endParaRPr lang="en-US" dirty="0"/>
+          </a:p>
+        </p:txBody>
+      </p:sp>
+    </p:spTree>
+    <p:extLst>
+      <p:ext uri="{BB962C8B-B14F-4D97-AF65-F5344CB8AC3E}">
+        <p14:creationId xmlns:p14="http://schemas.microsoft.com/office/powerpoint/2010/main" val="1563064330"/>
+      </p:ext>
+    </p:extLst>
+  </p:cSld>
+  <p:clrMapOvr>
+    <a:masterClrMapping/>
+  </p:clrMapOvr>
 </p:sld>
 </file>
 
